--- a/01 Classes/Aula 04 Desenvolvimento Web - HTML.pptx
+++ b/01 Classes/Aula 04 Desenvolvimento Web - HTML.pptx
@@ -5,7 +5,7 @@
     <p:sldMasterId id="2147483648" r:id="rId1"/>
   </p:sldMasterIdLst>
   <p:notesMasterIdLst>
-    <p:notesMasterId r:id="rId50"/>
+    <p:notesMasterId r:id="rId51"/>
   </p:notesMasterIdLst>
   <p:sldIdLst>
     <p:sldId id="256" r:id="rId2"/>
@@ -43,19 +43,20 @@
     <p:sldId id="429" r:id="rId34"/>
     <p:sldId id="430" r:id="rId35"/>
     <p:sldId id="431" r:id="rId36"/>
-    <p:sldId id="420" r:id="rId37"/>
-    <p:sldId id="433" r:id="rId38"/>
-    <p:sldId id="434" r:id="rId39"/>
-    <p:sldId id="432" r:id="rId40"/>
-    <p:sldId id="435" r:id="rId41"/>
-    <p:sldId id="437" r:id="rId42"/>
-    <p:sldId id="436" r:id="rId43"/>
-    <p:sldId id="438" r:id="rId44"/>
-    <p:sldId id="333" r:id="rId45"/>
-    <p:sldId id="323" r:id="rId46"/>
-    <p:sldId id="334" r:id="rId47"/>
-    <p:sldId id="337" r:id="rId48"/>
-    <p:sldId id="309" r:id="rId49"/>
+    <p:sldId id="440" r:id="rId37"/>
+    <p:sldId id="420" r:id="rId38"/>
+    <p:sldId id="433" r:id="rId39"/>
+    <p:sldId id="434" r:id="rId40"/>
+    <p:sldId id="432" r:id="rId41"/>
+    <p:sldId id="435" r:id="rId42"/>
+    <p:sldId id="437" r:id="rId43"/>
+    <p:sldId id="436" r:id="rId44"/>
+    <p:sldId id="438" r:id="rId45"/>
+    <p:sldId id="333" r:id="rId46"/>
+    <p:sldId id="323" r:id="rId47"/>
+    <p:sldId id="334" r:id="rId48"/>
+    <p:sldId id="337" r:id="rId49"/>
+    <p:sldId id="309" r:id="rId50"/>
   </p:sldIdLst>
   <p:sldSz cx="9144000" cy="5143500" type="screen16x9"/>
   <p:notesSz cx="6858000" cy="9144000"/>
@@ -2379,7 +2380,7 @@
     </p:spTree>
     <p:extLst>
       <p:ext uri="{BB962C8B-B14F-4D97-AF65-F5344CB8AC3E}">
-        <p14:creationId xmlns:p14="http://schemas.microsoft.com/office/powerpoint/2010/main" val="3020387705"/>
+        <p14:creationId xmlns:p14="http://schemas.microsoft.com/office/powerpoint/2010/main" val="1184153238"/>
       </p:ext>
     </p:extLst>
   </p:cSld>
@@ -2445,7 +2446,7 @@
     </p:spTree>
     <p:extLst>
       <p:ext uri="{BB962C8B-B14F-4D97-AF65-F5344CB8AC3E}">
-        <p14:creationId xmlns:p14="http://schemas.microsoft.com/office/powerpoint/2010/main" val="2790174229"/>
+        <p14:creationId xmlns:p14="http://schemas.microsoft.com/office/powerpoint/2010/main" val="3020387705"/>
       </p:ext>
     </p:extLst>
   </p:cSld>
@@ -2511,7 +2512,7 @@
     </p:spTree>
     <p:extLst>
       <p:ext uri="{BB962C8B-B14F-4D97-AF65-F5344CB8AC3E}">
-        <p14:creationId xmlns:p14="http://schemas.microsoft.com/office/powerpoint/2010/main" val="877463909"/>
+        <p14:creationId xmlns:p14="http://schemas.microsoft.com/office/powerpoint/2010/main" val="2790174229"/>
       </p:ext>
     </p:extLst>
   </p:cSld>
@@ -2577,7 +2578,7 @@
     </p:spTree>
     <p:extLst>
       <p:ext uri="{BB962C8B-B14F-4D97-AF65-F5344CB8AC3E}">
-        <p14:creationId xmlns:p14="http://schemas.microsoft.com/office/powerpoint/2010/main" val="337942635"/>
+        <p14:creationId xmlns:p14="http://schemas.microsoft.com/office/powerpoint/2010/main" val="877463909"/>
       </p:ext>
     </p:extLst>
   </p:cSld>
@@ -2643,7 +2644,7 @@
     </p:spTree>
     <p:extLst>
       <p:ext uri="{BB962C8B-B14F-4D97-AF65-F5344CB8AC3E}">
-        <p14:creationId xmlns:p14="http://schemas.microsoft.com/office/powerpoint/2010/main" val="903897157"/>
+        <p14:creationId xmlns:p14="http://schemas.microsoft.com/office/powerpoint/2010/main" val="337942635"/>
       </p:ext>
     </p:extLst>
   </p:cSld>
@@ -2709,7 +2710,7 @@
     </p:spTree>
     <p:extLst>
       <p:ext uri="{BB962C8B-B14F-4D97-AF65-F5344CB8AC3E}">
-        <p14:creationId xmlns:p14="http://schemas.microsoft.com/office/powerpoint/2010/main" val="3898428521"/>
+        <p14:creationId xmlns:p14="http://schemas.microsoft.com/office/powerpoint/2010/main" val="903897157"/>
       </p:ext>
     </p:extLst>
   </p:cSld>
@@ -2841,7 +2842,7 @@
     </p:spTree>
     <p:extLst>
       <p:ext uri="{BB962C8B-B14F-4D97-AF65-F5344CB8AC3E}">
-        <p14:creationId xmlns:p14="http://schemas.microsoft.com/office/powerpoint/2010/main" val="3851274847"/>
+        <p14:creationId xmlns:p14="http://schemas.microsoft.com/office/powerpoint/2010/main" val="3898428521"/>
       </p:ext>
     </p:extLst>
   </p:cSld>
@@ -2907,7 +2908,7 @@
     </p:spTree>
     <p:extLst>
       <p:ext uri="{BB962C8B-B14F-4D97-AF65-F5344CB8AC3E}">
-        <p14:creationId xmlns:p14="http://schemas.microsoft.com/office/powerpoint/2010/main" val="2372032793"/>
+        <p14:creationId xmlns:p14="http://schemas.microsoft.com/office/powerpoint/2010/main" val="3851274847"/>
       </p:ext>
     </p:extLst>
   </p:cSld>
@@ -2973,7 +2974,7 @@
     </p:spTree>
     <p:extLst>
       <p:ext uri="{BB962C8B-B14F-4D97-AF65-F5344CB8AC3E}">
-        <p14:creationId xmlns:p14="http://schemas.microsoft.com/office/powerpoint/2010/main" val="585304384"/>
+        <p14:creationId xmlns:p14="http://schemas.microsoft.com/office/powerpoint/2010/main" val="2372032793"/>
       </p:ext>
     </p:extLst>
   </p:cSld>
@@ -3039,7 +3040,7 @@
     </p:spTree>
     <p:extLst>
       <p:ext uri="{BB962C8B-B14F-4D97-AF65-F5344CB8AC3E}">
-        <p14:creationId xmlns:p14="http://schemas.microsoft.com/office/powerpoint/2010/main" val="2709569597"/>
+        <p14:creationId xmlns:p14="http://schemas.microsoft.com/office/powerpoint/2010/main" val="585304384"/>
       </p:ext>
     </p:extLst>
   </p:cSld>
@@ -3105,6 +3106,72 @@
     </p:spTree>
     <p:extLst>
       <p:ext uri="{BB962C8B-B14F-4D97-AF65-F5344CB8AC3E}">
+        <p14:creationId xmlns:p14="http://schemas.microsoft.com/office/powerpoint/2010/main" val="2709569597"/>
+      </p:ext>
+    </p:extLst>
+  </p:cSld>
+  <p:clrMapOvr>
+    <a:masterClrMapping/>
+  </p:clrMapOvr>
+</p:notes>
+</file>
+
+<file path=ppt/notesSlides/notesSlide45.xml><?xml version="1.0" encoding="utf-8"?>
+<p:notes xmlns:a="http://schemas.openxmlformats.org/drawingml/2006/main" xmlns:r="http://schemas.openxmlformats.org/officeDocument/2006/relationships" xmlns:p="http://schemas.openxmlformats.org/presentationml/2006/main">
+  <p:cSld>
+    <p:spTree>
+      <p:nvGrpSpPr>
+        <p:cNvPr id="1" name=""/>
+        <p:cNvGrpSpPr/>
+        <p:nvPr/>
+      </p:nvGrpSpPr>
+      <p:grpSpPr>
+        <a:xfrm>
+          <a:off x="0" y="0"/>
+          <a:ext cx="0" cy="0"/>
+          <a:chOff x="0" y="0"/>
+          <a:chExt cx="0" cy="0"/>
+        </a:xfrm>
+      </p:grpSpPr>
+      <p:sp>
+        <p:nvSpPr>
+          <p:cNvPr id="2" name="Espaço Reservado para Imagem de Slide 1"/>
+          <p:cNvSpPr>
+            <a:spLocks noGrp="1" noRot="1" noChangeAspect="1"/>
+          </p:cNvSpPr>
+          <p:nvPr>
+            <p:ph type="sldImg"/>
+          </p:nvPr>
+        </p:nvSpPr>
+        <p:spPr>
+          <a:xfrm>
+            <a:off x="381000" y="685800"/>
+            <a:ext cx="6096000" cy="3429000"/>
+          </a:xfrm>
+        </p:spPr>
+      </p:sp>
+      <p:sp>
+        <p:nvSpPr>
+          <p:cNvPr id="3" name="Espaço Reservado para Anotações 2"/>
+          <p:cNvSpPr>
+            <a:spLocks noGrp="1"/>
+          </p:cNvSpPr>
+          <p:nvPr>
+            <p:ph type="body" idx="1"/>
+          </p:nvPr>
+        </p:nvSpPr>
+        <p:spPr/>
+        <p:txBody>
+          <a:bodyPr/>
+          <a:lstStyle/>
+          <a:p>
+            <a:endParaRPr lang="pt-BR" dirty="0"/>
+          </a:p>
+        </p:txBody>
+      </p:sp>
+    </p:spTree>
+    <p:extLst>
+      <p:ext uri="{BB962C8B-B14F-4D97-AF65-F5344CB8AC3E}">
         <p14:creationId xmlns:p14="http://schemas.microsoft.com/office/powerpoint/2010/main" val="2296249050"/>
       </p:ext>
     </p:extLst>
@@ -3115,7 +3182,7 @@
 </p:notes>
 </file>
 
-<file path=ppt/notesSlides/notesSlide45.xml><?xml version="1.0" encoding="utf-8"?>
+<file path=ppt/notesSlides/notesSlide46.xml><?xml version="1.0" encoding="utf-8"?>
 <p:notes xmlns:a="http://schemas.openxmlformats.org/drawingml/2006/main" xmlns:r="http://schemas.openxmlformats.org/officeDocument/2006/relationships" xmlns:p="http://schemas.openxmlformats.org/presentationml/2006/main">
   <p:cSld>
     <p:spTree>
@@ -16087,8 +16154,21 @@
                   <a:srgbClr val="0070C0"/>
                 </a:solidFill>
               </a:rPr>
-              <a:t>HTML – Form</a:t>
-            </a:r>
+              <a:t>HTML – </a:t>
+            </a:r>
+            <a:r>
+              <a:rPr lang="en-US" b="1" dirty="0" err="1">
+                <a:solidFill>
+                  <a:srgbClr val="0070C0"/>
+                </a:solidFill>
+              </a:rPr>
+              <a:t>abbr</a:t>
+            </a:r>
+            <a:endParaRPr lang="en-US" b="1" dirty="0">
+              <a:solidFill>
+                <a:srgbClr val="0070C0"/>
+              </a:solidFill>
+            </a:endParaRPr>
           </a:p>
         </p:txBody>
       </p:sp>
@@ -16104,8 +16184,8 @@
         </p:nvSpPr>
         <p:spPr>
           <a:xfrm>
-            <a:off x="142865" y="1024786"/>
-            <a:ext cx="8865056" cy="3900208"/>
+            <a:off x="130339" y="974681"/>
+            <a:ext cx="8865056" cy="4010677"/>
           </a:xfrm>
         </p:spPr>
         <p:txBody>
@@ -16118,84 +16198,46 @@
               <a:buNone/>
             </a:pPr>
             <a:r>
-              <a:rPr lang="pt-BR" dirty="0">
-                <a:solidFill>
-                  <a:schemeClr val="tx1"/>
-                </a:solidFill>
-                <a:latin typeface="Times New Roman" panose="02020603050405020304" pitchFamily="18" charset="0"/>
-                <a:cs typeface="Times New Roman" panose="02020603050405020304" pitchFamily="18" charset="0"/>
-              </a:rPr>
-              <a:t>O elemento HTML &lt;</a:t>
-            </a:r>
-            <a:r>
-              <a:rPr lang="pt-BR" b="1" dirty="0" err="1">
-                <a:solidFill>
-                  <a:schemeClr val="tx1"/>
-                </a:solidFill>
-                <a:latin typeface="Times New Roman" panose="02020603050405020304" pitchFamily="18" charset="0"/>
-                <a:cs typeface="Times New Roman" panose="02020603050405020304" pitchFamily="18" charset="0"/>
-              </a:rPr>
-              <a:t>form</a:t>
-            </a:r>
-            <a:r>
-              <a:rPr lang="pt-BR" dirty="0">
-                <a:solidFill>
-                  <a:schemeClr val="tx1"/>
-                </a:solidFill>
-                <a:latin typeface="Times New Roman" panose="02020603050405020304" pitchFamily="18" charset="0"/>
-                <a:cs typeface="Times New Roman" panose="02020603050405020304" pitchFamily="18" charset="0"/>
-              </a:rPr>
-              <a:t>&gt; representa uma seção de um documento que </a:t>
-            </a:r>
-            <a:r>
-              <a:rPr lang="pt-BR" b="1" dirty="0">
-                <a:solidFill>
-                  <a:schemeClr val="tx1"/>
-                </a:solidFill>
-                <a:latin typeface="Times New Roman" panose="02020603050405020304" pitchFamily="18" charset="0"/>
-                <a:cs typeface="Times New Roman" panose="02020603050405020304" pitchFamily="18" charset="0"/>
-              </a:rPr>
-              <a:t>contém controles interativos</a:t>
-            </a:r>
-            <a:r>
-              <a:rPr lang="pt-BR" dirty="0">
-                <a:solidFill>
-                  <a:schemeClr val="tx1"/>
-                </a:solidFill>
-                <a:latin typeface="Times New Roman" panose="02020603050405020304" pitchFamily="18" charset="0"/>
-                <a:cs typeface="Times New Roman" panose="02020603050405020304" pitchFamily="18" charset="0"/>
-              </a:rPr>
-              <a:t> que </a:t>
-            </a:r>
-            <a:r>
-              <a:rPr lang="pt-BR" b="1" dirty="0">
-                <a:solidFill>
-                  <a:srgbClr val="FF0000"/>
-                </a:solidFill>
-                <a:latin typeface="Times New Roman" panose="02020603050405020304" pitchFamily="18" charset="0"/>
-                <a:cs typeface="Times New Roman" panose="02020603050405020304" pitchFamily="18" charset="0"/>
-              </a:rPr>
-              <a:t>permitem ao usuário submeter informação a um determinado servidor web</a:t>
-            </a:r>
-            <a:r>
-              <a:rPr lang="pt-BR" dirty="0">
-                <a:solidFill>
-                  <a:schemeClr val="tx1"/>
-                </a:solidFill>
-                <a:latin typeface="Times New Roman" panose="02020603050405020304" pitchFamily="18" charset="0"/>
-                <a:cs typeface="Times New Roman" panose="02020603050405020304" pitchFamily="18" charset="0"/>
-              </a:rPr>
-              <a:t>.</a:t>
-            </a:r>
-          </a:p>
-          <a:p>
-            <a:pPr marL="0" indent="0" algn="just">
-              <a:buNone/>
-            </a:pPr>
-            <a:endParaRPr lang="pt-BR" dirty="0">
-              <a:solidFill>
-                <a:schemeClr val="tx1"/>
-              </a:solidFill>
+              <a:rPr lang="pt-BR" sz="2400" dirty="0">
+                <a:latin typeface="Times New Roman" panose="02020603050405020304" pitchFamily="18" charset="0"/>
+                <a:cs typeface="Times New Roman" panose="02020603050405020304" pitchFamily="18" charset="0"/>
+              </a:rPr>
+              <a:t>A </a:t>
+            </a:r>
+            <a:r>
+              <a:rPr lang="pt-BR" sz="2400" dirty="0" err="1">
+                <a:latin typeface="Times New Roman" panose="02020603050405020304" pitchFamily="18" charset="0"/>
+                <a:cs typeface="Times New Roman" panose="02020603050405020304" pitchFamily="18" charset="0"/>
+              </a:rPr>
+              <a:t>tag</a:t>
+            </a:r>
+            <a:r>
+              <a:rPr lang="pt-BR" sz="2400" dirty="0">
+                <a:latin typeface="Times New Roman" panose="02020603050405020304" pitchFamily="18" charset="0"/>
+                <a:cs typeface="Times New Roman" panose="02020603050405020304" pitchFamily="18" charset="0"/>
+              </a:rPr>
+              <a:t> &lt;</a:t>
+            </a:r>
+            <a:r>
+              <a:rPr lang="pt-BR" sz="2400" b="1" dirty="0" err="1">
+                <a:latin typeface="Times New Roman" panose="02020603050405020304" pitchFamily="18" charset="0"/>
+                <a:cs typeface="Times New Roman" panose="02020603050405020304" pitchFamily="18" charset="0"/>
+              </a:rPr>
+              <a:t>abbr</a:t>
+            </a:r>
+            <a:r>
+              <a:rPr lang="pt-BR" sz="2400" dirty="0">
+                <a:latin typeface="Times New Roman" panose="02020603050405020304" pitchFamily="18" charset="0"/>
+                <a:cs typeface="Times New Roman" panose="02020603050405020304" pitchFamily="18" charset="0"/>
+              </a:rPr>
+              <a:t>&gt; define uma abreviação ou um acrônimo, como: “BNCC", "CSS", “”WWW</a:t>
+            </a:r>
+          </a:p>
+          <a:p>
+            <a:pPr marL="0" indent="0" algn="just">
+              <a:buNone/>
+            </a:pPr>
+            <a:endParaRPr lang="pt-BR" sz="2400" dirty="0">
               <a:latin typeface="Times New Roman" panose="02020603050405020304" pitchFamily="18" charset="0"/>
               <a:cs typeface="Times New Roman" panose="02020603050405020304" pitchFamily="18" charset="0"/>
             </a:endParaRPr>
@@ -16205,84 +16247,85 @@
               <a:buNone/>
             </a:pPr>
             <a:r>
-              <a:rPr lang="pt-BR" dirty="0">
-                <a:solidFill>
-                  <a:schemeClr val="tx1"/>
-                </a:solidFill>
-                <a:latin typeface="Times New Roman" panose="02020603050405020304" pitchFamily="18" charset="0"/>
-                <a:cs typeface="Times New Roman" panose="02020603050405020304" pitchFamily="18" charset="0"/>
-              </a:rPr>
-              <a:t>É possível utilizar as </a:t>
-            </a:r>
-            <a:r>
-              <a:rPr lang="pt-BR" b="1" dirty="0" err="1">
+              <a:rPr lang="pt-BR" sz="2400" b="1" dirty="0">
+                <a:latin typeface="Times New Roman" panose="02020603050405020304" pitchFamily="18" charset="0"/>
+                <a:cs typeface="Times New Roman" panose="02020603050405020304" pitchFamily="18" charset="0"/>
+              </a:rPr>
+              <a:t>Exemplo:</a:t>
+            </a:r>
+          </a:p>
+          <a:p>
+            <a:pPr marL="0" indent="0" algn="just">
+              <a:buNone/>
+            </a:pPr>
+            <a:r>
+              <a:rPr lang="pt-BR" sz="2400" dirty="0">
+                <a:latin typeface="Times New Roman" panose="02020603050405020304" pitchFamily="18" charset="0"/>
+                <a:cs typeface="Times New Roman" panose="02020603050405020304" pitchFamily="18" charset="0"/>
+              </a:rPr>
+              <a:t>A &lt;</a:t>
+            </a:r>
+            <a:r>
+              <a:rPr lang="pt-BR" sz="2400" b="1" dirty="0" err="1">
+                <a:latin typeface="Times New Roman" panose="02020603050405020304" pitchFamily="18" charset="0"/>
+                <a:cs typeface="Times New Roman" panose="02020603050405020304" pitchFamily="18" charset="0"/>
+              </a:rPr>
+              <a:t>abbr</a:t>
+            </a:r>
+            <a:r>
+              <a:rPr lang="pt-BR" sz="2400" dirty="0">
+                <a:latin typeface="Times New Roman" panose="02020603050405020304" pitchFamily="18" charset="0"/>
+                <a:cs typeface="Times New Roman" panose="02020603050405020304" pitchFamily="18" charset="0"/>
+              </a:rPr>
+              <a:t> </a:t>
+            </a:r>
+            <a:r>
+              <a:rPr lang="pt-BR" sz="2400" b="1" dirty="0" err="1">
                 <a:solidFill>
                   <a:srgbClr val="FF0000"/>
                 </a:solidFill>
                 <a:latin typeface="Times New Roman" panose="02020603050405020304" pitchFamily="18" charset="0"/>
                 <a:cs typeface="Times New Roman" panose="02020603050405020304" pitchFamily="18" charset="0"/>
               </a:rPr>
-              <a:t>pseudo-classes</a:t>
-            </a:r>
-            <a:r>
-              <a:rPr lang="pt-BR" b="1" dirty="0">
-                <a:solidFill>
-                  <a:srgbClr val="FF0000"/>
-                </a:solidFill>
-                <a:latin typeface="Times New Roman" panose="02020603050405020304" pitchFamily="18" charset="0"/>
-                <a:cs typeface="Times New Roman" panose="02020603050405020304" pitchFamily="18" charset="0"/>
-              </a:rPr>
-              <a:t> de CSS </a:t>
-            </a:r>
-            <a:r>
-              <a:rPr lang="pt-BR" dirty="0">
-                <a:solidFill>
-                  <a:schemeClr val="tx1"/>
-                </a:solidFill>
-                <a:latin typeface="Times New Roman" panose="02020603050405020304" pitchFamily="18" charset="0"/>
-                <a:cs typeface="Times New Roman" panose="02020603050405020304" pitchFamily="18" charset="0"/>
-              </a:rPr>
-              <a:t>:</a:t>
-            </a:r>
-            <a:r>
-              <a:rPr lang="pt-BR" dirty="0" err="1">
-                <a:solidFill>
-                  <a:schemeClr val="tx1"/>
-                </a:solidFill>
-                <a:latin typeface="Times New Roman" panose="02020603050405020304" pitchFamily="18" charset="0"/>
-                <a:cs typeface="Times New Roman" panose="02020603050405020304" pitchFamily="18" charset="0"/>
-              </a:rPr>
-              <a:t>valid</a:t>
-            </a:r>
-            <a:r>
-              <a:rPr lang="pt-BR" dirty="0">
-                <a:solidFill>
-                  <a:schemeClr val="tx1"/>
-                </a:solidFill>
-                <a:latin typeface="Times New Roman" panose="02020603050405020304" pitchFamily="18" charset="0"/>
-                <a:cs typeface="Times New Roman" panose="02020603050405020304" pitchFamily="18" charset="0"/>
-              </a:rPr>
-              <a:t> e:invalid para aplicar estilo a um elemento &lt;</a:t>
-            </a:r>
-            <a:r>
-              <a:rPr lang="pt-BR" dirty="0" err="1">
-                <a:solidFill>
-                  <a:schemeClr val="tx1"/>
-                </a:solidFill>
-                <a:latin typeface="Times New Roman" panose="02020603050405020304" pitchFamily="18" charset="0"/>
-                <a:cs typeface="Times New Roman" panose="02020603050405020304" pitchFamily="18" charset="0"/>
-              </a:rPr>
-              <a:t>form</a:t>
-            </a:r>
-            <a:r>
-              <a:rPr lang="pt-BR" dirty="0">
-                <a:solidFill>
-                  <a:schemeClr val="tx1"/>
-                </a:solidFill>
-                <a:latin typeface="Times New Roman" panose="02020603050405020304" pitchFamily="18" charset="0"/>
-                <a:cs typeface="Times New Roman" panose="02020603050405020304" pitchFamily="18" charset="0"/>
-              </a:rPr>
-              <a:t>&gt;.</a:t>
+              <a:t>title</a:t>
+            </a:r>
+            <a:r>
+              <a:rPr lang="pt-BR" sz="2400" dirty="0">
+                <a:latin typeface="Times New Roman" panose="02020603050405020304" pitchFamily="18" charset="0"/>
+                <a:cs typeface="Times New Roman" panose="02020603050405020304" pitchFamily="18" charset="0"/>
+              </a:rPr>
+              <a:t>=“Base Nacional Comum Curricular"&gt;</a:t>
+            </a:r>
+            <a:r>
+              <a:rPr lang="pt-BR" sz="2400" b="1" dirty="0">
+                <a:solidFill>
+                  <a:srgbClr val="0070C0"/>
+                </a:solidFill>
+                <a:latin typeface="Times New Roman" panose="02020603050405020304" pitchFamily="18" charset="0"/>
+                <a:cs typeface="Times New Roman" panose="02020603050405020304" pitchFamily="18" charset="0"/>
+              </a:rPr>
+              <a:t>BNCC</a:t>
+            </a:r>
+            <a:r>
+              <a:rPr lang="pt-BR" sz="2400" dirty="0">
+                <a:latin typeface="Times New Roman" panose="02020603050405020304" pitchFamily="18" charset="0"/>
+                <a:cs typeface="Times New Roman" panose="02020603050405020304" pitchFamily="18" charset="0"/>
+              </a:rPr>
+              <a:t>&lt;/</a:t>
+            </a:r>
+            <a:r>
+              <a:rPr lang="pt-BR" sz="2400" dirty="0" err="1">
+                <a:latin typeface="Times New Roman" panose="02020603050405020304" pitchFamily="18" charset="0"/>
+                <a:cs typeface="Times New Roman" panose="02020603050405020304" pitchFamily="18" charset="0"/>
+              </a:rPr>
+              <a:t>abbr</a:t>
+            </a:r>
+            <a:r>
+              <a:rPr lang="pt-BR" sz="2400" dirty="0">
+                <a:latin typeface="Times New Roman" panose="02020603050405020304" pitchFamily="18" charset="0"/>
+                <a:cs typeface="Times New Roman" panose="02020603050405020304" pitchFamily="18" charset="0"/>
+              </a:rPr>
+              <a:t>&gt; é um documento de caráter normativo que define o conjunto orgânico e progressivo de aprendizagens essenciais que todos os alunos devem desenvolver ao longo das etapas e modalidades da Educação Básica.</a:t>
             </a:r>
           </a:p>
         </p:txBody>
@@ -16290,7 +16333,7 @@
     </p:spTree>
     <p:extLst>
       <p:ext uri="{BB962C8B-B14F-4D97-AF65-F5344CB8AC3E}">
-        <p14:creationId xmlns:p14="http://schemas.microsoft.com/office/powerpoint/2010/main" val="3562100300"/>
+        <p14:creationId xmlns:p14="http://schemas.microsoft.com/office/powerpoint/2010/main" val="3128518468"/>
       </p:ext>
     </p:extLst>
   </p:cSld>
@@ -16384,7 +16427,7 @@
                 <a:latin typeface="Times New Roman" panose="02020603050405020304" pitchFamily="18" charset="0"/>
                 <a:cs typeface="Times New Roman" panose="02020603050405020304" pitchFamily="18" charset="0"/>
               </a:rPr>
-              <a:t>A &lt;</a:t>
+              <a:t>O elemento HTML &lt;</a:t>
             </a:r>
             <a:r>
               <a:rPr lang="pt-BR" b="1" dirty="0" err="1">
@@ -16404,17 +16447,17 @@
                 <a:latin typeface="Times New Roman" panose="02020603050405020304" pitchFamily="18" charset="0"/>
                 <a:cs typeface="Times New Roman" panose="02020603050405020304" pitchFamily="18" charset="0"/>
               </a:rPr>
-              <a:t>&gt; </a:t>
-            </a:r>
-            <a:r>
-              <a:rPr lang="pt-BR" dirty="0" err="1">
-                <a:solidFill>
-                  <a:schemeClr val="tx1"/>
-                </a:solidFill>
-                <a:latin typeface="Times New Roman" panose="02020603050405020304" pitchFamily="18" charset="0"/>
-                <a:cs typeface="Times New Roman" panose="02020603050405020304" pitchFamily="18" charset="0"/>
-              </a:rPr>
-              <a:t>tag</a:t>
+              <a:t>&gt; representa uma seção de um documento que </a:t>
+            </a:r>
+            <a:r>
+              <a:rPr lang="pt-BR" b="1" dirty="0">
+                <a:solidFill>
+                  <a:schemeClr val="tx1"/>
+                </a:solidFill>
+                <a:latin typeface="Times New Roman" panose="02020603050405020304" pitchFamily="18" charset="0"/>
+                <a:cs typeface="Times New Roman" panose="02020603050405020304" pitchFamily="18" charset="0"/>
+              </a:rPr>
+              <a:t>contém controles interativos</a:t>
             </a:r>
             <a:r>
               <a:rPr lang="pt-BR" dirty="0">
@@ -16424,7 +16467,7 @@
                 <a:latin typeface="Times New Roman" panose="02020603050405020304" pitchFamily="18" charset="0"/>
                 <a:cs typeface="Times New Roman" panose="02020603050405020304" pitchFamily="18" charset="0"/>
               </a:rPr>
-              <a:t> é usada para criar um </a:t>
+              <a:t> que </a:t>
             </a:r>
             <a:r>
               <a:rPr lang="pt-BR" b="1" dirty="0">
@@ -16434,27 +16477,7 @@
                 <a:latin typeface="Times New Roman" panose="02020603050405020304" pitchFamily="18" charset="0"/>
                 <a:cs typeface="Times New Roman" panose="02020603050405020304" pitchFamily="18" charset="0"/>
               </a:rPr>
-              <a:t>formulário HTML </a:t>
-            </a:r>
-            <a:r>
-              <a:rPr lang="pt-BR" dirty="0">
-                <a:solidFill>
-                  <a:schemeClr val="tx1"/>
-                </a:solidFill>
-                <a:latin typeface="Times New Roman" panose="02020603050405020304" pitchFamily="18" charset="0"/>
-                <a:cs typeface="Times New Roman" panose="02020603050405020304" pitchFamily="18" charset="0"/>
-              </a:rPr>
-              <a:t>para </a:t>
-            </a:r>
-            <a:r>
-              <a:rPr lang="pt-BR" b="1" dirty="0">
-                <a:solidFill>
-                  <a:schemeClr val="tx1"/>
-                </a:solidFill>
-                <a:latin typeface="Times New Roman" panose="02020603050405020304" pitchFamily="18" charset="0"/>
-                <a:cs typeface="Times New Roman" panose="02020603050405020304" pitchFamily="18" charset="0"/>
-              </a:rPr>
-              <a:t>entrada do usuário</a:t>
+              <a:t>permitem ao usuário submeter informação a um determinado servidor web</a:t>
             </a:r>
             <a:r>
               <a:rPr lang="pt-BR" dirty="0">
@@ -16491,11 +16514,61 @@
                 <a:latin typeface="Times New Roman" panose="02020603050405020304" pitchFamily="18" charset="0"/>
                 <a:cs typeface="Times New Roman" panose="02020603050405020304" pitchFamily="18" charset="0"/>
               </a:rPr>
-              <a:t>O &lt;</a:t>
+              <a:t>É possível utilizar as </a:t>
             </a:r>
             <a:r>
               <a:rPr lang="pt-BR" b="1" dirty="0" err="1">
                 <a:solidFill>
+                  <a:srgbClr val="FF0000"/>
+                </a:solidFill>
+                <a:latin typeface="Times New Roman" panose="02020603050405020304" pitchFamily="18" charset="0"/>
+                <a:cs typeface="Times New Roman" panose="02020603050405020304" pitchFamily="18" charset="0"/>
+              </a:rPr>
+              <a:t>pseudo-classes</a:t>
+            </a:r>
+            <a:r>
+              <a:rPr lang="pt-BR" b="1" dirty="0">
+                <a:solidFill>
+                  <a:srgbClr val="FF0000"/>
+                </a:solidFill>
+                <a:latin typeface="Times New Roman" panose="02020603050405020304" pitchFamily="18" charset="0"/>
+                <a:cs typeface="Times New Roman" panose="02020603050405020304" pitchFamily="18" charset="0"/>
+              </a:rPr>
+              <a:t> de CSS </a:t>
+            </a:r>
+            <a:r>
+              <a:rPr lang="pt-BR" dirty="0">
+                <a:solidFill>
+                  <a:schemeClr val="tx1"/>
+                </a:solidFill>
+                <a:latin typeface="Times New Roman" panose="02020603050405020304" pitchFamily="18" charset="0"/>
+                <a:cs typeface="Times New Roman" panose="02020603050405020304" pitchFamily="18" charset="0"/>
+              </a:rPr>
+              <a:t>:</a:t>
+            </a:r>
+            <a:r>
+              <a:rPr lang="pt-BR" dirty="0" err="1">
+                <a:solidFill>
+                  <a:schemeClr val="tx1"/>
+                </a:solidFill>
+                <a:latin typeface="Times New Roman" panose="02020603050405020304" pitchFamily="18" charset="0"/>
+                <a:cs typeface="Times New Roman" panose="02020603050405020304" pitchFamily="18" charset="0"/>
+              </a:rPr>
+              <a:t>valid</a:t>
+            </a:r>
+            <a:r>
+              <a:rPr lang="pt-BR" dirty="0">
+                <a:solidFill>
+                  <a:schemeClr val="tx1"/>
+                </a:solidFill>
+                <a:latin typeface="Times New Roman" panose="02020603050405020304" pitchFamily="18" charset="0"/>
+                <a:cs typeface="Times New Roman" panose="02020603050405020304" pitchFamily="18" charset="0"/>
+              </a:rPr>
+              <a:t> e:invalid para aplicar estilo a um elemento &lt;</a:t>
+            </a:r>
+            <a:r>
+              <a:rPr lang="pt-BR" dirty="0" err="1">
+                <a:solidFill>
                   <a:schemeClr val="tx1"/>
                 </a:solidFill>
                 <a:latin typeface="Times New Roman" panose="02020603050405020304" pitchFamily="18" charset="0"/>
@@ -16511,244 +16584,15 @@
                 <a:latin typeface="Times New Roman" panose="02020603050405020304" pitchFamily="18" charset="0"/>
                 <a:cs typeface="Times New Roman" panose="02020603050405020304" pitchFamily="18" charset="0"/>
               </a:rPr>
-              <a:t>&gt; elemento pode conter um ou mais dos seguintes elementos de formulário:</a:t>
-            </a:r>
-          </a:p>
-          <a:p>
-            <a:pPr marL="0" indent="0" algn="just">
-              <a:buNone/>
-            </a:pPr>
-            <a:endParaRPr lang="pt-BR" dirty="0">
-              <a:solidFill>
-                <a:schemeClr val="tx1"/>
-              </a:solidFill>
-              <a:latin typeface="Times New Roman" panose="02020603050405020304" pitchFamily="18" charset="0"/>
-              <a:cs typeface="Times New Roman" panose="02020603050405020304" pitchFamily="18" charset="0"/>
-            </a:endParaRPr>
-          </a:p>
-          <a:p>
-            <a:pPr marL="0" indent="0" algn="just">
-              <a:buNone/>
-            </a:pPr>
-            <a:r>
-              <a:rPr lang="en-US" dirty="0">
-                <a:solidFill>
-                  <a:schemeClr val="tx1"/>
-                </a:solidFill>
-                <a:latin typeface="Times New Roman" panose="02020603050405020304" pitchFamily="18" charset="0"/>
-                <a:cs typeface="Times New Roman" panose="02020603050405020304" pitchFamily="18" charset="0"/>
-              </a:rPr>
-              <a:t>&lt;</a:t>
-            </a:r>
-            <a:r>
-              <a:rPr lang="en-US" b="1" dirty="0">
-                <a:solidFill>
-                  <a:schemeClr val="tx1"/>
-                </a:solidFill>
-                <a:latin typeface="Times New Roman" panose="02020603050405020304" pitchFamily="18" charset="0"/>
-                <a:cs typeface="Times New Roman" panose="02020603050405020304" pitchFamily="18" charset="0"/>
-              </a:rPr>
-              <a:t>input</a:t>
-            </a:r>
-            <a:r>
-              <a:rPr lang="en-US" dirty="0">
-                <a:solidFill>
-                  <a:schemeClr val="tx1"/>
-                </a:solidFill>
-                <a:latin typeface="Times New Roman" panose="02020603050405020304" pitchFamily="18" charset="0"/>
-                <a:cs typeface="Times New Roman" panose="02020603050405020304" pitchFamily="18" charset="0"/>
-              </a:rPr>
-              <a:t>&gt; ; &lt;</a:t>
-            </a:r>
-            <a:r>
-              <a:rPr lang="en-US" b="1" dirty="0" err="1">
-                <a:solidFill>
-                  <a:schemeClr val="tx1"/>
-                </a:solidFill>
-                <a:latin typeface="Times New Roman" panose="02020603050405020304" pitchFamily="18" charset="0"/>
-                <a:cs typeface="Times New Roman" panose="02020603050405020304" pitchFamily="18" charset="0"/>
-              </a:rPr>
-              <a:t>textarea</a:t>
-            </a:r>
-            <a:r>
-              <a:rPr lang="en-US" dirty="0">
-                <a:solidFill>
-                  <a:schemeClr val="tx1"/>
-                </a:solidFill>
-                <a:latin typeface="Times New Roman" panose="02020603050405020304" pitchFamily="18" charset="0"/>
-                <a:cs typeface="Times New Roman" panose="02020603050405020304" pitchFamily="18" charset="0"/>
-              </a:rPr>
-              <a:t>&gt;; &lt;</a:t>
-            </a:r>
-            <a:r>
-              <a:rPr lang="en-US" b="1" dirty="0">
-                <a:solidFill>
-                  <a:schemeClr val="tx1"/>
-                </a:solidFill>
-                <a:latin typeface="Times New Roman" panose="02020603050405020304" pitchFamily="18" charset="0"/>
-                <a:cs typeface="Times New Roman" panose="02020603050405020304" pitchFamily="18" charset="0"/>
-              </a:rPr>
-              <a:t>button</a:t>
-            </a:r>
-            <a:r>
-              <a:rPr lang="en-US" dirty="0">
-                <a:solidFill>
-                  <a:schemeClr val="tx1"/>
-                </a:solidFill>
-                <a:latin typeface="Times New Roman" panose="02020603050405020304" pitchFamily="18" charset="0"/>
-                <a:cs typeface="Times New Roman" panose="02020603050405020304" pitchFamily="18" charset="0"/>
-              </a:rPr>
-              <a:t>&gt;; &lt;</a:t>
-            </a:r>
-            <a:r>
-              <a:rPr lang="en-US" b="1" dirty="0">
-                <a:solidFill>
-                  <a:schemeClr val="tx1"/>
-                </a:solidFill>
-                <a:latin typeface="Times New Roman" panose="02020603050405020304" pitchFamily="18" charset="0"/>
-                <a:cs typeface="Times New Roman" panose="02020603050405020304" pitchFamily="18" charset="0"/>
-              </a:rPr>
-              <a:t>select</a:t>
-            </a:r>
-            <a:r>
-              <a:rPr lang="en-US" dirty="0">
-                <a:solidFill>
-                  <a:schemeClr val="tx1"/>
-                </a:solidFill>
-                <a:latin typeface="Times New Roman" panose="02020603050405020304" pitchFamily="18" charset="0"/>
-                <a:cs typeface="Times New Roman" panose="02020603050405020304" pitchFamily="18" charset="0"/>
-              </a:rPr>
-              <a:t>&gt;; &lt;</a:t>
-            </a:r>
-            <a:r>
-              <a:rPr lang="en-US" b="1" dirty="0">
-                <a:solidFill>
-                  <a:schemeClr val="tx1"/>
-                </a:solidFill>
-                <a:latin typeface="Times New Roman" panose="02020603050405020304" pitchFamily="18" charset="0"/>
-                <a:cs typeface="Times New Roman" panose="02020603050405020304" pitchFamily="18" charset="0"/>
-              </a:rPr>
-              <a:t>option</a:t>
-            </a:r>
-            <a:r>
-              <a:rPr lang="en-US" dirty="0">
-                <a:solidFill>
-                  <a:schemeClr val="tx1"/>
-                </a:solidFill>
-                <a:latin typeface="Times New Roman" panose="02020603050405020304" pitchFamily="18" charset="0"/>
-                <a:cs typeface="Times New Roman" panose="02020603050405020304" pitchFamily="18" charset="0"/>
-              </a:rPr>
-              <a:t>&gt;; </a:t>
-            </a:r>
-          </a:p>
-          <a:p>
-            <a:pPr marL="0" indent="0" algn="just">
-              <a:buNone/>
-            </a:pPr>
-            <a:r>
-              <a:rPr lang="en-US" dirty="0">
-                <a:solidFill>
-                  <a:schemeClr val="tx1"/>
-                </a:solidFill>
-                <a:latin typeface="Times New Roman" panose="02020603050405020304" pitchFamily="18" charset="0"/>
-                <a:cs typeface="Times New Roman" panose="02020603050405020304" pitchFamily="18" charset="0"/>
-              </a:rPr>
-              <a:t>&lt;</a:t>
-            </a:r>
-            <a:r>
-              <a:rPr lang="en-US" b="1" dirty="0" err="1">
-                <a:solidFill>
-                  <a:schemeClr val="tx1"/>
-                </a:solidFill>
-                <a:latin typeface="Times New Roman" panose="02020603050405020304" pitchFamily="18" charset="0"/>
-                <a:cs typeface="Times New Roman" panose="02020603050405020304" pitchFamily="18" charset="0"/>
-              </a:rPr>
-              <a:t>optgroup</a:t>
-            </a:r>
-            <a:r>
-              <a:rPr lang="en-US" dirty="0">
-                <a:solidFill>
-                  <a:schemeClr val="tx1"/>
-                </a:solidFill>
-                <a:latin typeface="Times New Roman" panose="02020603050405020304" pitchFamily="18" charset="0"/>
-                <a:cs typeface="Times New Roman" panose="02020603050405020304" pitchFamily="18" charset="0"/>
-              </a:rPr>
-              <a:t>&gt;; &lt;</a:t>
-            </a:r>
-            <a:r>
-              <a:rPr lang="en-US" b="1" dirty="0" err="1">
-                <a:solidFill>
-                  <a:schemeClr val="tx1"/>
-                </a:solidFill>
-                <a:latin typeface="Times New Roman" panose="02020603050405020304" pitchFamily="18" charset="0"/>
-                <a:cs typeface="Times New Roman" panose="02020603050405020304" pitchFamily="18" charset="0"/>
-              </a:rPr>
-              <a:t>fieldset</a:t>
-            </a:r>
-            <a:r>
-              <a:rPr lang="en-US" dirty="0">
-                <a:solidFill>
-                  <a:schemeClr val="tx1"/>
-                </a:solidFill>
-                <a:latin typeface="Times New Roman" panose="02020603050405020304" pitchFamily="18" charset="0"/>
-                <a:cs typeface="Times New Roman" panose="02020603050405020304" pitchFamily="18" charset="0"/>
-              </a:rPr>
-              <a:t>&gt;; &lt;</a:t>
-            </a:r>
-            <a:r>
-              <a:rPr lang="en-US" b="1" dirty="0">
-                <a:solidFill>
-                  <a:schemeClr val="tx1"/>
-                </a:solidFill>
-                <a:latin typeface="Times New Roman" panose="02020603050405020304" pitchFamily="18" charset="0"/>
-                <a:cs typeface="Times New Roman" panose="02020603050405020304" pitchFamily="18" charset="0"/>
-              </a:rPr>
-              <a:t>label</a:t>
-            </a:r>
-            <a:r>
-              <a:rPr lang="en-US" dirty="0">
-                <a:solidFill>
-                  <a:schemeClr val="tx1"/>
-                </a:solidFill>
-                <a:latin typeface="Times New Roman" panose="02020603050405020304" pitchFamily="18" charset="0"/>
-                <a:cs typeface="Times New Roman" panose="02020603050405020304" pitchFamily="18" charset="0"/>
-              </a:rPr>
-              <a:t>&gt;; &lt;</a:t>
-            </a:r>
-            <a:r>
-              <a:rPr lang="en-US" b="1" dirty="0">
-                <a:solidFill>
-                  <a:schemeClr val="tx1"/>
-                </a:solidFill>
-                <a:latin typeface="Times New Roman" panose="02020603050405020304" pitchFamily="18" charset="0"/>
-                <a:cs typeface="Times New Roman" panose="02020603050405020304" pitchFamily="18" charset="0"/>
-              </a:rPr>
-              <a:t>output</a:t>
-            </a:r>
-            <a:r>
-              <a:rPr lang="en-US" dirty="0">
-                <a:solidFill>
-                  <a:schemeClr val="tx1"/>
-                </a:solidFill>
-                <a:latin typeface="Times New Roman" panose="02020603050405020304" pitchFamily="18" charset="0"/>
-                <a:cs typeface="Times New Roman" panose="02020603050405020304" pitchFamily="18" charset="0"/>
-              </a:rPr>
               <a:t>&gt;.</a:t>
             </a:r>
-            <a:endParaRPr lang="pt-BR" dirty="0">
-              <a:solidFill>
-                <a:schemeClr val="tx1"/>
-              </a:solidFill>
-              <a:latin typeface="Times New Roman" panose="02020603050405020304" pitchFamily="18" charset="0"/>
-              <a:cs typeface="Times New Roman" panose="02020603050405020304" pitchFamily="18" charset="0"/>
-            </a:endParaRPr>
           </a:p>
         </p:txBody>
       </p:sp>
     </p:spTree>
     <p:extLst>
       <p:ext uri="{BB962C8B-B14F-4D97-AF65-F5344CB8AC3E}">
-        <p14:creationId xmlns:p14="http://schemas.microsoft.com/office/powerpoint/2010/main" val="2488638060"/>
+        <p14:creationId xmlns:p14="http://schemas.microsoft.com/office/powerpoint/2010/main" val="3562100300"/>
       </p:ext>
     </p:extLst>
   </p:cSld>
@@ -16842,17 +16686,57 @@
                 <a:latin typeface="Times New Roman" panose="02020603050405020304" pitchFamily="18" charset="0"/>
                 <a:cs typeface="Times New Roman" panose="02020603050405020304" pitchFamily="18" charset="0"/>
               </a:rPr>
-              <a:t>Alguns </a:t>
+              <a:t>A &lt;</a:t>
+            </a:r>
+            <a:r>
+              <a:rPr lang="pt-BR" b="1" dirty="0" err="1">
+                <a:solidFill>
+                  <a:schemeClr val="tx1"/>
+                </a:solidFill>
+                <a:latin typeface="Times New Roman" panose="02020603050405020304" pitchFamily="18" charset="0"/>
+                <a:cs typeface="Times New Roman" panose="02020603050405020304" pitchFamily="18" charset="0"/>
+              </a:rPr>
+              <a:t>form</a:t>
+            </a:r>
+            <a:r>
+              <a:rPr lang="pt-BR" dirty="0">
+                <a:solidFill>
+                  <a:schemeClr val="tx1"/>
+                </a:solidFill>
+                <a:latin typeface="Times New Roman" panose="02020603050405020304" pitchFamily="18" charset="0"/>
+                <a:cs typeface="Times New Roman" panose="02020603050405020304" pitchFamily="18" charset="0"/>
+              </a:rPr>
+              <a:t>&gt; </a:t>
+            </a:r>
+            <a:r>
+              <a:rPr lang="pt-BR" dirty="0" err="1">
+                <a:solidFill>
+                  <a:schemeClr val="tx1"/>
+                </a:solidFill>
+                <a:latin typeface="Times New Roman" panose="02020603050405020304" pitchFamily="18" charset="0"/>
+                <a:cs typeface="Times New Roman" panose="02020603050405020304" pitchFamily="18" charset="0"/>
+              </a:rPr>
+              <a:t>tag</a:t>
+            </a:r>
+            <a:r>
+              <a:rPr lang="pt-BR" dirty="0">
+                <a:solidFill>
+                  <a:schemeClr val="tx1"/>
+                </a:solidFill>
+                <a:latin typeface="Times New Roman" panose="02020603050405020304" pitchFamily="18" charset="0"/>
+                <a:cs typeface="Times New Roman" panose="02020603050405020304" pitchFamily="18" charset="0"/>
+              </a:rPr>
+              <a:t> é usada para criar um </a:t>
             </a:r>
             <a:r>
               <a:rPr lang="pt-BR" b="1" dirty="0">
                 <a:solidFill>
-                  <a:schemeClr val="tx1"/>
-                </a:solidFill>
-                <a:latin typeface="Times New Roman" panose="02020603050405020304" pitchFamily="18" charset="0"/>
-                <a:cs typeface="Times New Roman" panose="02020603050405020304" pitchFamily="18" charset="0"/>
-              </a:rPr>
-              <a:t>atributos</a:t>
+                  <a:srgbClr val="FF0000"/>
+                </a:solidFill>
+                <a:latin typeface="Times New Roman" panose="02020603050405020304" pitchFamily="18" charset="0"/>
+                <a:cs typeface="Times New Roman" panose="02020603050405020304" pitchFamily="18" charset="0"/>
+              </a:rPr>
+              <a:t>formulário HTML </a:t>
             </a:r>
             <a:r>
               <a:rPr lang="pt-BR" dirty="0">
@@ -16862,7 +16746,27 @@
                 <a:latin typeface="Times New Roman" panose="02020603050405020304" pitchFamily="18" charset="0"/>
                 <a:cs typeface="Times New Roman" panose="02020603050405020304" pitchFamily="18" charset="0"/>
               </a:rPr>
-              <a:t>:</a:t>
+              <a:t>para </a:t>
+            </a:r>
+            <a:r>
+              <a:rPr lang="pt-BR" b="1" dirty="0">
+                <a:solidFill>
+                  <a:schemeClr val="tx1"/>
+                </a:solidFill>
+                <a:latin typeface="Times New Roman" panose="02020603050405020304" pitchFamily="18" charset="0"/>
+                <a:cs typeface="Times New Roman" panose="02020603050405020304" pitchFamily="18" charset="0"/>
+              </a:rPr>
+              <a:t>entrada do usuário</a:t>
+            </a:r>
+            <a:r>
+              <a:rPr lang="pt-BR" dirty="0">
+                <a:solidFill>
+                  <a:schemeClr val="tx1"/>
+                </a:solidFill>
+                <a:latin typeface="Times New Roman" panose="02020603050405020304" pitchFamily="18" charset="0"/>
+                <a:cs typeface="Times New Roman" panose="02020603050405020304" pitchFamily="18" charset="0"/>
+              </a:rPr>
+              <a:t>.</a:t>
             </a:r>
           </a:p>
           <a:p>
@@ -16889,7 +16793,7 @@
                 <a:latin typeface="Times New Roman" panose="02020603050405020304" pitchFamily="18" charset="0"/>
                 <a:cs typeface="Times New Roman" panose="02020603050405020304" pitchFamily="18" charset="0"/>
               </a:rPr>
-              <a:t>	</a:t>
+              <a:t>O &lt;</a:t>
             </a:r>
             <a:r>
               <a:rPr lang="pt-BR" b="1" dirty="0" err="1">
@@ -16899,77 +16803,17 @@
                 <a:latin typeface="Times New Roman" panose="02020603050405020304" pitchFamily="18" charset="0"/>
                 <a:cs typeface="Times New Roman" panose="02020603050405020304" pitchFamily="18" charset="0"/>
               </a:rPr>
-              <a:t>action</a:t>
-            </a:r>
-            <a:r>
-              <a:rPr lang="pt-BR" b="1" dirty="0">
-                <a:solidFill>
-                  <a:schemeClr val="tx1"/>
-                </a:solidFill>
-                <a:latin typeface="Times New Roman" panose="02020603050405020304" pitchFamily="18" charset="0"/>
-                <a:cs typeface="Times New Roman" panose="02020603050405020304" pitchFamily="18" charset="0"/>
-              </a:rPr>
-              <a:t>, </a:t>
-            </a:r>
-            <a:r>
-              <a:rPr lang="pt-BR" b="1" dirty="0" err="1">
-                <a:solidFill>
-                  <a:schemeClr val="tx1"/>
-                </a:solidFill>
-                <a:latin typeface="Times New Roman" panose="02020603050405020304" pitchFamily="18" charset="0"/>
-                <a:cs typeface="Times New Roman" panose="02020603050405020304" pitchFamily="18" charset="0"/>
-              </a:rPr>
-              <a:t>method</a:t>
-            </a:r>
-            <a:r>
-              <a:rPr lang="pt-BR" b="1" dirty="0">
-                <a:solidFill>
-                  <a:schemeClr val="tx1"/>
-                </a:solidFill>
-                <a:latin typeface="Times New Roman" panose="02020603050405020304" pitchFamily="18" charset="0"/>
-                <a:cs typeface="Times New Roman" panose="02020603050405020304" pitchFamily="18" charset="0"/>
-              </a:rPr>
-              <a:t>, </a:t>
-            </a:r>
-            <a:r>
-              <a:rPr lang="pt-BR" b="1" dirty="0" err="1">
-                <a:solidFill>
-                  <a:schemeClr val="tx1"/>
-                </a:solidFill>
-                <a:latin typeface="Times New Roman" panose="02020603050405020304" pitchFamily="18" charset="0"/>
-                <a:cs typeface="Times New Roman" panose="02020603050405020304" pitchFamily="18" charset="0"/>
-              </a:rPr>
-              <a:t>name</a:t>
-            </a:r>
-            <a:r>
-              <a:rPr lang="pt-BR" b="1" dirty="0">
-                <a:solidFill>
-                  <a:schemeClr val="tx1"/>
-                </a:solidFill>
-                <a:latin typeface="Times New Roman" panose="02020603050405020304" pitchFamily="18" charset="0"/>
-                <a:cs typeface="Times New Roman" panose="02020603050405020304" pitchFamily="18" charset="0"/>
-              </a:rPr>
-              <a:t>, target, </a:t>
-            </a:r>
-            <a:r>
-              <a:rPr lang="pt-BR" b="1" dirty="0" err="1">
-                <a:solidFill>
-                  <a:schemeClr val="tx1"/>
-                </a:solidFill>
-                <a:latin typeface="Times New Roman" panose="02020603050405020304" pitchFamily="18" charset="0"/>
-                <a:cs typeface="Times New Roman" panose="02020603050405020304" pitchFamily="18" charset="0"/>
-              </a:rPr>
-              <a:t>etc</a:t>
-            </a:r>
-            <a:r>
-              <a:rPr lang="pt-BR" b="1" dirty="0">
-                <a:solidFill>
-                  <a:schemeClr val="tx1"/>
-                </a:solidFill>
-                <a:latin typeface="Times New Roman" panose="02020603050405020304" pitchFamily="18" charset="0"/>
-                <a:cs typeface="Times New Roman" panose="02020603050405020304" pitchFamily="18" charset="0"/>
-              </a:rPr>
-              <a:t> </a:t>
+              <a:t>form</a:t>
+            </a:r>
+            <a:r>
+              <a:rPr lang="pt-BR" dirty="0">
+                <a:solidFill>
+                  <a:schemeClr val="tx1"/>
+                </a:solidFill>
+                <a:latin typeface="Times New Roman" panose="02020603050405020304" pitchFamily="18" charset="0"/>
+                <a:cs typeface="Times New Roman" panose="02020603050405020304" pitchFamily="18" charset="0"/>
+              </a:rPr>
+              <a:t>&gt; elemento pode conter um ou mais dos seguintes elementos de formulário:</a:t>
             </a:r>
           </a:p>
           <a:p>
@@ -16988,6 +16832,211 @@
             <a:pPr marL="0" indent="0" algn="just">
               <a:buNone/>
             </a:pPr>
+            <a:r>
+              <a:rPr lang="en-US" dirty="0">
+                <a:solidFill>
+                  <a:schemeClr val="tx1"/>
+                </a:solidFill>
+                <a:latin typeface="Times New Roman" panose="02020603050405020304" pitchFamily="18" charset="0"/>
+                <a:cs typeface="Times New Roman" panose="02020603050405020304" pitchFamily="18" charset="0"/>
+              </a:rPr>
+              <a:t>&lt;</a:t>
+            </a:r>
+            <a:r>
+              <a:rPr lang="en-US" b="1" dirty="0">
+                <a:solidFill>
+                  <a:schemeClr val="tx1"/>
+                </a:solidFill>
+                <a:latin typeface="Times New Roman" panose="02020603050405020304" pitchFamily="18" charset="0"/>
+                <a:cs typeface="Times New Roman" panose="02020603050405020304" pitchFamily="18" charset="0"/>
+              </a:rPr>
+              <a:t>input</a:t>
+            </a:r>
+            <a:r>
+              <a:rPr lang="en-US" dirty="0">
+                <a:solidFill>
+                  <a:schemeClr val="tx1"/>
+                </a:solidFill>
+                <a:latin typeface="Times New Roman" panose="02020603050405020304" pitchFamily="18" charset="0"/>
+                <a:cs typeface="Times New Roman" panose="02020603050405020304" pitchFamily="18" charset="0"/>
+              </a:rPr>
+              <a:t>&gt; ; &lt;</a:t>
+            </a:r>
+            <a:r>
+              <a:rPr lang="en-US" b="1" dirty="0" err="1">
+                <a:solidFill>
+                  <a:schemeClr val="tx1"/>
+                </a:solidFill>
+                <a:latin typeface="Times New Roman" panose="02020603050405020304" pitchFamily="18" charset="0"/>
+                <a:cs typeface="Times New Roman" panose="02020603050405020304" pitchFamily="18" charset="0"/>
+              </a:rPr>
+              <a:t>textarea</a:t>
+            </a:r>
+            <a:r>
+              <a:rPr lang="en-US" dirty="0">
+                <a:solidFill>
+                  <a:schemeClr val="tx1"/>
+                </a:solidFill>
+                <a:latin typeface="Times New Roman" panose="02020603050405020304" pitchFamily="18" charset="0"/>
+                <a:cs typeface="Times New Roman" panose="02020603050405020304" pitchFamily="18" charset="0"/>
+              </a:rPr>
+              <a:t>&gt;; &lt;</a:t>
+            </a:r>
+            <a:r>
+              <a:rPr lang="en-US" b="1" dirty="0">
+                <a:solidFill>
+                  <a:schemeClr val="tx1"/>
+                </a:solidFill>
+                <a:latin typeface="Times New Roman" panose="02020603050405020304" pitchFamily="18" charset="0"/>
+                <a:cs typeface="Times New Roman" panose="02020603050405020304" pitchFamily="18" charset="0"/>
+              </a:rPr>
+              <a:t>button</a:t>
+            </a:r>
+            <a:r>
+              <a:rPr lang="en-US" dirty="0">
+                <a:solidFill>
+                  <a:schemeClr val="tx1"/>
+                </a:solidFill>
+                <a:latin typeface="Times New Roman" panose="02020603050405020304" pitchFamily="18" charset="0"/>
+                <a:cs typeface="Times New Roman" panose="02020603050405020304" pitchFamily="18" charset="0"/>
+              </a:rPr>
+              <a:t>&gt;; &lt;</a:t>
+            </a:r>
+            <a:r>
+              <a:rPr lang="en-US" b="1" dirty="0">
+                <a:solidFill>
+                  <a:schemeClr val="tx1"/>
+                </a:solidFill>
+                <a:latin typeface="Times New Roman" panose="02020603050405020304" pitchFamily="18" charset="0"/>
+                <a:cs typeface="Times New Roman" panose="02020603050405020304" pitchFamily="18" charset="0"/>
+              </a:rPr>
+              <a:t>select</a:t>
+            </a:r>
+            <a:r>
+              <a:rPr lang="en-US" dirty="0">
+                <a:solidFill>
+                  <a:schemeClr val="tx1"/>
+                </a:solidFill>
+                <a:latin typeface="Times New Roman" panose="02020603050405020304" pitchFamily="18" charset="0"/>
+                <a:cs typeface="Times New Roman" panose="02020603050405020304" pitchFamily="18" charset="0"/>
+              </a:rPr>
+              <a:t>&gt;; &lt;</a:t>
+            </a:r>
+            <a:r>
+              <a:rPr lang="en-US" b="1" dirty="0">
+                <a:solidFill>
+                  <a:schemeClr val="tx1"/>
+                </a:solidFill>
+                <a:latin typeface="Times New Roman" panose="02020603050405020304" pitchFamily="18" charset="0"/>
+                <a:cs typeface="Times New Roman" panose="02020603050405020304" pitchFamily="18" charset="0"/>
+              </a:rPr>
+              <a:t>option</a:t>
+            </a:r>
+            <a:r>
+              <a:rPr lang="en-US" dirty="0">
+                <a:solidFill>
+                  <a:schemeClr val="tx1"/>
+                </a:solidFill>
+                <a:latin typeface="Times New Roman" panose="02020603050405020304" pitchFamily="18" charset="0"/>
+                <a:cs typeface="Times New Roman" panose="02020603050405020304" pitchFamily="18" charset="0"/>
+              </a:rPr>
+              <a:t>&gt;; </a:t>
+            </a:r>
+          </a:p>
+          <a:p>
+            <a:pPr marL="0" indent="0" algn="just">
+              <a:buNone/>
+            </a:pPr>
+            <a:r>
+              <a:rPr lang="en-US" dirty="0">
+                <a:solidFill>
+                  <a:schemeClr val="tx1"/>
+                </a:solidFill>
+                <a:latin typeface="Times New Roman" panose="02020603050405020304" pitchFamily="18" charset="0"/>
+                <a:cs typeface="Times New Roman" panose="02020603050405020304" pitchFamily="18" charset="0"/>
+              </a:rPr>
+              <a:t>&lt;</a:t>
+            </a:r>
+            <a:r>
+              <a:rPr lang="en-US" b="1" dirty="0" err="1">
+                <a:solidFill>
+                  <a:schemeClr val="tx1"/>
+                </a:solidFill>
+                <a:latin typeface="Times New Roman" panose="02020603050405020304" pitchFamily="18" charset="0"/>
+                <a:cs typeface="Times New Roman" panose="02020603050405020304" pitchFamily="18" charset="0"/>
+              </a:rPr>
+              <a:t>optgroup</a:t>
+            </a:r>
+            <a:r>
+              <a:rPr lang="en-US" dirty="0">
+                <a:solidFill>
+                  <a:schemeClr val="tx1"/>
+                </a:solidFill>
+                <a:latin typeface="Times New Roman" panose="02020603050405020304" pitchFamily="18" charset="0"/>
+                <a:cs typeface="Times New Roman" panose="02020603050405020304" pitchFamily="18" charset="0"/>
+              </a:rPr>
+              <a:t>&gt;; &lt;</a:t>
+            </a:r>
+            <a:r>
+              <a:rPr lang="en-US" b="1" dirty="0" err="1">
+                <a:solidFill>
+                  <a:schemeClr val="tx1"/>
+                </a:solidFill>
+                <a:latin typeface="Times New Roman" panose="02020603050405020304" pitchFamily="18" charset="0"/>
+                <a:cs typeface="Times New Roman" panose="02020603050405020304" pitchFamily="18" charset="0"/>
+              </a:rPr>
+              <a:t>fieldset</a:t>
+            </a:r>
+            <a:r>
+              <a:rPr lang="en-US" dirty="0">
+                <a:solidFill>
+                  <a:schemeClr val="tx1"/>
+                </a:solidFill>
+                <a:latin typeface="Times New Roman" panose="02020603050405020304" pitchFamily="18" charset="0"/>
+                <a:cs typeface="Times New Roman" panose="02020603050405020304" pitchFamily="18" charset="0"/>
+              </a:rPr>
+              <a:t>&gt;; &lt;</a:t>
+            </a:r>
+            <a:r>
+              <a:rPr lang="en-US" b="1" dirty="0">
+                <a:solidFill>
+                  <a:schemeClr val="tx1"/>
+                </a:solidFill>
+                <a:latin typeface="Times New Roman" panose="02020603050405020304" pitchFamily="18" charset="0"/>
+                <a:cs typeface="Times New Roman" panose="02020603050405020304" pitchFamily="18" charset="0"/>
+              </a:rPr>
+              <a:t>label</a:t>
+            </a:r>
+            <a:r>
+              <a:rPr lang="en-US" dirty="0">
+                <a:solidFill>
+                  <a:schemeClr val="tx1"/>
+                </a:solidFill>
+                <a:latin typeface="Times New Roman" panose="02020603050405020304" pitchFamily="18" charset="0"/>
+                <a:cs typeface="Times New Roman" panose="02020603050405020304" pitchFamily="18" charset="0"/>
+              </a:rPr>
+              <a:t>&gt;; &lt;</a:t>
+            </a:r>
+            <a:r>
+              <a:rPr lang="en-US" b="1" dirty="0">
+                <a:solidFill>
+                  <a:schemeClr val="tx1"/>
+                </a:solidFill>
+                <a:latin typeface="Times New Roman" panose="02020603050405020304" pitchFamily="18" charset="0"/>
+                <a:cs typeface="Times New Roman" panose="02020603050405020304" pitchFamily="18" charset="0"/>
+              </a:rPr>
+              <a:t>output</a:t>
+            </a:r>
+            <a:r>
+              <a:rPr lang="en-US" dirty="0">
+                <a:solidFill>
+                  <a:schemeClr val="tx1"/>
+                </a:solidFill>
+                <a:latin typeface="Times New Roman" panose="02020603050405020304" pitchFamily="18" charset="0"/>
+                <a:cs typeface="Times New Roman" panose="02020603050405020304" pitchFamily="18" charset="0"/>
+              </a:rPr>
+              <a:t>&gt;.</a:t>
+            </a:r>
             <a:endParaRPr lang="pt-BR" dirty="0">
               <a:solidFill>
                 <a:schemeClr val="tx1"/>
@@ -17001,7 +17050,7 @@
     </p:spTree>
     <p:extLst>
       <p:ext uri="{BB962C8B-B14F-4D97-AF65-F5344CB8AC3E}">
-        <p14:creationId xmlns:p14="http://schemas.microsoft.com/office/powerpoint/2010/main" val="2679977288"/>
+        <p14:creationId xmlns:p14="http://schemas.microsoft.com/office/powerpoint/2010/main" val="2488638060"/>
       </p:ext>
     </p:extLst>
   </p:cSld>
@@ -17088,17 +17137,27 @@
               <a:buNone/>
             </a:pPr>
             <a:r>
-              <a:rPr lang="pt-BR" sz="2000" b="1" dirty="0">
-                <a:solidFill>
-                  <a:schemeClr val="tx1"/>
-                </a:solidFill>
-                <a:latin typeface="Times New Roman" panose="02020603050405020304" pitchFamily="18" charset="0"/>
-                <a:cs typeface="Times New Roman" panose="02020603050405020304" pitchFamily="18" charset="0"/>
-              </a:rPr>
-              <a:t>Exemplo1</a:t>
-            </a:r>
-            <a:r>
-              <a:rPr lang="pt-BR" sz="2000" dirty="0">
+              <a:rPr lang="pt-BR" dirty="0">
+                <a:solidFill>
+                  <a:schemeClr val="tx1"/>
+                </a:solidFill>
+                <a:latin typeface="Times New Roman" panose="02020603050405020304" pitchFamily="18" charset="0"/>
+                <a:cs typeface="Times New Roman" panose="02020603050405020304" pitchFamily="18" charset="0"/>
+              </a:rPr>
+              <a:t>Alguns </a:t>
+            </a:r>
+            <a:r>
+              <a:rPr lang="pt-BR" b="1" dirty="0">
+                <a:solidFill>
+                  <a:schemeClr val="tx1"/>
+                </a:solidFill>
+                <a:latin typeface="Times New Roman" panose="02020603050405020304" pitchFamily="18" charset="0"/>
+                <a:cs typeface="Times New Roman" panose="02020603050405020304" pitchFamily="18" charset="0"/>
+              </a:rPr>
+              <a:t>atributos</a:t>
+            </a:r>
+            <a:r>
+              <a:rPr lang="pt-BR" dirty="0">
                 <a:solidFill>
                   <a:schemeClr val="tx1"/>
                 </a:solidFill>
@@ -17112,7 +17171,7 @@
             <a:pPr marL="0" indent="0" algn="just">
               <a:buNone/>
             </a:pPr>
-            <a:endParaRPr lang="pt-BR" sz="2000" dirty="0">
+            <a:endParaRPr lang="pt-BR" dirty="0">
               <a:solidFill>
                 <a:schemeClr val="tx1"/>
               </a:solidFill>
@@ -17125,27 +17184,87 @@
               <a:buNone/>
             </a:pPr>
             <a:r>
-              <a:rPr lang="pt-BR" sz="1800" dirty="0">
-                <a:solidFill>
-                  <a:schemeClr val="tx1"/>
-                </a:solidFill>
-                <a:latin typeface="Times New Roman" panose="02020603050405020304" pitchFamily="18" charset="0"/>
-                <a:cs typeface="Times New Roman" panose="02020603050405020304" pitchFamily="18" charset="0"/>
-              </a:rPr>
-              <a:t>  &lt;</a:t>
-            </a:r>
-            <a:r>
-              <a:rPr lang="pt-BR" sz="1800" b="1" dirty="0" err="1">
-                <a:solidFill>
-                  <a:schemeClr val="tx1"/>
-                </a:solidFill>
-                <a:latin typeface="Times New Roman" panose="02020603050405020304" pitchFamily="18" charset="0"/>
-                <a:cs typeface="Times New Roman" panose="02020603050405020304" pitchFamily="18" charset="0"/>
-              </a:rPr>
-              <a:t>form</a:t>
-            </a:r>
-            <a:r>
-              <a:rPr lang="pt-BR" sz="1800" dirty="0">
+              <a:rPr lang="pt-BR" dirty="0">
+                <a:solidFill>
+                  <a:schemeClr val="tx1"/>
+                </a:solidFill>
+                <a:latin typeface="Times New Roman" panose="02020603050405020304" pitchFamily="18" charset="0"/>
+                <a:cs typeface="Times New Roman" panose="02020603050405020304" pitchFamily="18" charset="0"/>
+              </a:rPr>
+              <a:t>	</a:t>
+            </a:r>
+            <a:r>
+              <a:rPr lang="pt-BR" b="1" dirty="0" err="1">
+                <a:solidFill>
+                  <a:schemeClr val="tx1"/>
+                </a:solidFill>
+                <a:latin typeface="Times New Roman" panose="02020603050405020304" pitchFamily="18" charset="0"/>
+                <a:cs typeface="Times New Roman" panose="02020603050405020304" pitchFamily="18" charset="0"/>
+              </a:rPr>
+              <a:t>action</a:t>
+            </a:r>
+            <a:r>
+              <a:rPr lang="pt-BR" b="1" dirty="0">
+                <a:solidFill>
+                  <a:schemeClr val="tx1"/>
+                </a:solidFill>
+                <a:latin typeface="Times New Roman" panose="02020603050405020304" pitchFamily="18" charset="0"/>
+                <a:cs typeface="Times New Roman" panose="02020603050405020304" pitchFamily="18" charset="0"/>
+              </a:rPr>
+              <a:t>, </a:t>
+            </a:r>
+            <a:r>
+              <a:rPr lang="pt-BR" b="1" dirty="0" err="1">
+                <a:solidFill>
+                  <a:schemeClr val="tx1"/>
+                </a:solidFill>
+                <a:latin typeface="Times New Roman" panose="02020603050405020304" pitchFamily="18" charset="0"/>
+                <a:cs typeface="Times New Roman" panose="02020603050405020304" pitchFamily="18" charset="0"/>
+              </a:rPr>
+              <a:t>method</a:t>
+            </a:r>
+            <a:r>
+              <a:rPr lang="pt-BR" b="1" dirty="0">
+                <a:solidFill>
+                  <a:schemeClr val="tx1"/>
+                </a:solidFill>
+                <a:latin typeface="Times New Roman" panose="02020603050405020304" pitchFamily="18" charset="0"/>
+                <a:cs typeface="Times New Roman" panose="02020603050405020304" pitchFamily="18" charset="0"/>
+              </a:rPr>
+              <a:t>, </a:t>
+            </a:r>
+            <a:r>
+              <a:rPr lang="pt-BR" b="1" dirty="0" err="1">
+                <a:solidFill>
+                  <a:schemeClr val="tx1"/>
+                </a:solidFill>
+                <a:latin typeface="Times New Roman" panose="02020603050405020304" pitchFamily="18" charset="0"/>
+                <a:cs typeface="Times New Roman" panose="02020603050405020304" pitchFamily="18" charset="0"/>
+              </a:rPr>
+              <a:t>name</a:t>
+            </a:r>
+            <a:r>
+              <a:rPr lang="pt-BR" b="1" dirty="0">
+                <a:solidFill>
+                  <a:schemeClr val="tx1"/>
+                </a:solidFill>
+                <a:latin typeface="Times New Roman" panose="02020603050405020304" pitchFamily="18" charset="0"/>
+                <a:cs typeface="Times New Roman" panose="02020603050405020304" pitchFamily="18" charset="0"/>
+              </a:rPr>
+              <a:t>, target, </a:t>
+            </a:r>
+            <a:r>
+              <a:rPr lang="pt-BR" b="1" dirty="0" err="1">
+                <a:solidFill>
+                  <a:schemeClr val="tx1"/>
+                </a:solidFill>
+                <a:latin typeface="Times New Roman" panose="02020603050405020304" pitchFamily="18" charset="0"/>
+                <a:cs typeface="Times New Roman" panose="02020603050405020304" pitchFamily="18" charset="0"/>
+              </a:rPr>
+              <a:t>etc</a:t>
+            </a:r>
+            <a:r>
+              <a:rPr lang="pt-BR" b="1" dirty="0">
                 <a:solidFill>
                   <a:schemeClr val="tx1"/>
                 </a:solidFill>
@@ -17154,883 +17273,37 @@
               </a:rPr>
               <a:t> </a:t>
             </a:r>
-            <a:r>
-              <a:rPr lang="pt-BR" sz="1800" b="1" dirty="0" err="1">
-                <a:solidFill>
-                  <a:srgbClr val="FF0000"/>
-                </a:solidFill>
-                <a:latin typeface="Times New Roman" panose="02020603050405020304" pitchFamily="18" charset="0"/>
-                <a:cs typeface="Times New Roman" panose="02020603050405020304" pitchFamily="18" charset="0"/>
-              </a:rPr>
-              <a:t>action</a:t>
-            </a:r>
-            <a:r>
-              <a:rPr lang="pt-BR" sz="1800" dirty="0">
-                <a:solidFill>
-                  <a:schemeClr val="tx1"/>
-                </a:solidFill>
-                <a:latin typeface="Times New Roman" panose="02020603050405020304" pitchFamily="18" charset="0"/>
-                <a:cs typeface="Times New Roman" panose="02020603050405020304" pitchFamily="18" charset="0"/>
-              </a:rPr>
-              <a:t>="/</a:t>
-            </a:r>
-            <a:r>
-              <a:rPr lang="pt-BR" sz="1800" dirty="0" err="1">
-                <a:solidFill>
-                  <a:schemeClr val="tx1"/>
-                </a:solidFill>
-                <a:latin typeface="Times New Roman" panose="02020603050405020304" pitchFamily="18" charset="0"/>
-                <a:cs typeface="Times New Roman" panose="02020603050405020304" pitchFamily="18" charset="0"/>
-              </a:rPr>
-              <a:t>action_page.php</a:t>
-            </a:r>
-            <a:r>
-              <a:rPr lang="pt-BR" sz="1800" dirty="0">
-                <a:solidFill>
-                  <a:schemeClr val="tx1"/>
-                </a:solidFill>
-                <a:latin typeface="Times New Roman" panose="02020603050405020304" pitchFamily="18" charset="0"/>
-                <a:cs typeface="Times New Roman" panose="02020603050405020304" pitchFamily="18" charset="0"/>
-              </a:rPr>
-              <a:t>" </a:t>
-            </a:r>
-            <a:r>
-              <a:rPr lang="pt-BR" sz="1800" b="1" dirty="0" err="1">
-                <a:solidFill>
-                  <a:srgbClr val="FF0000"/>
-                </a:solidFill>
-                <a:latin typeface="Times New Roman" panose="02020603050405020304" pitchFamily="18" charset="0"/>
-                <a:cs typeface="Times New Roman" panose="02020603050405020304" pitchFamily="18" charset="0"/>
-              </a:rPr>
-              <a:t>method</a:t>
-            </a:r>
-            <a:r>
-              <a:rPr lang="pt-BR" sz="1800" dirty="0">
-                <a:solidFill>
-                  <a:schemeClr val="tx1"/>
-                </a:solidFill>
-                <a:latin typeface="Times New Roman" panose="02020603050405020304" pitchFamily="18" charset="0"/>
-                <a:cs typeface="Times New Roman" panose="02020603050405020304" pitchFamily="18" charset="0"/>
-              </a:rPr>
-              <a:t>="</a:t>
-            </a:r>
-            <a:r>
-              <a:rPr lang="pt-BR" sz="1800" dirty="0" err="1">
-                <a:solidFill>
-                  <a:schemeClr val="tx1"/>
-                </a:solidFill>
-                <a:latin typeface="Times New Roman" panose="02020603050405020304" pitchFamily="18" charset="0"/>
-                <a:cs typeface="Times New Roman" panose="02020603050405020304" pitchFamily="18" charset="0"/>
-              </a:rPr>
-              <a:t>get</a:t>
-            </a:r>
-            <a:r>
-              <a:rPr lang="pt-BR" sz="1800" dirty="0">
-                <a:solidFill>
-                  <a:schemeClr val="tx1"/>
-                </a:solidFill>
-                <a:latin typeface="Times New Roman" panose="02020603050405020304" pitchFamily="18" charset="0"/>
-                <a:cs typeface="Times New Roman" panose="02020603050405020304" pitchFamily="18" charset="0"/>
-              </a:rPr>
-              <a:t>"&gt;</a:t>
-            </a:r>
-          </a:p>
-          <a:p>
-            <a:pPr marL="447675" lvl="1" indent="0" algn="just">
-              <a:buNone/>
-            </a:pPr>
-            <a:r>
-              <a:rPr lang="pt-BR" sz="1800" dirty="0">
-                <a:solidFill>
-                  <a:schemeClr val="tx1"/>
-                </a:solidFill>
-                <a:latin typeface="Times New Roman" panose="02020603050405020304" pitchFamily="18" charset="0"/>
-                <a:cs typeface="Times New Roman" panose="02020603050405020304" pitchFamily="18" charset="0"/>
-              </a:rPr>
-              <a:t>  &lt;</a:t>
-            </a:r>
-            <a:r>
-              <a:rPr lang="pt-BR" sz="1800" b="1" dirty="0">
-                <a:solidFill>
-                  <a:schemeClr val="tx1"/>
-                </a:solidFill>
-                <a:latin typeface="Times New Roman" panose="02020603050405020304" pitchFamily="18" charset="0"/>
-                <a:cs typeface="Times New Roman" panose="02020603050405020304" pitchFamily="18" charset="0"/>
-              </a:rPr>
-              <a:t>input</a:t>
-            </a:r>
-            <a:r>
-              <a:rPr lang="pt-BR" sz="1800" dirty="0">
-                <a:solidFill>
-                  <a:schemeClr val="tx1"/>
-                </a:solidFill>
-                <a:latin typeface="Times New Roman" panose="02020603050405020304" pitchFamily="18" charset="0"/>
-                <a:cs typeface="Times New Roman" panose="02020603050405020304" pitchFamily="18" charset="0"/>
-              </a:rPr>
-              <a:t> </a:t>
-            </a:r>
-            <a:r>
-              <a:rPr lang="pt-BR" sz="1800" b="1" dirty="0" err="1">
-                <a:solidFill>
-                  <a:srgbClr val="FF0000"/>
-                </a:solidFill>
-                <a:latin typeface="Times New Roman" panose="02020603050405020304" pitchFamily="18" charset="0"/>
-                <a:cs typeface="Times New Roman" panose="02020603050405020304" pitchFamily="18" charset="0"/>
-              </a:rPr>
-              <a:t>type</a:t>
-            </a:r>
-            <a:r>
-              <a:rPr lang="pt-BR" sz="1800" dirty="0">
-                <a:solidFill>
-                  <a:schemeClr val="tx1"/>
-                </a:solidFill>
-                <a:latin typeface="Times New Roman" panose="02020603050405020304" pitchFamily="18" charset="0"/>
-                <a:cs typeface="Times New Roman" panose="02020603050405020304" pitchFamily="18" charset="0"/>
-              </a:rPr>
-              <a:t>="</a:t>
-            </a:r>
-            <a:r>
-              <a:rPr lang="pt-BR" sz="1800" dirty="0" err="1">
-                <a:solidFill>
-                  <a:schemeClr val="tx1"/>
-                </a:solidFill>
-                <a:latin typeface="Times New Roman" panose="02020603050405020304" pitchFamily="18" charset="0"/>
-                <a:cs typeface="Times New Roman" panose="02020603050405020304" pitchFamily="18" charset="0"/>
-              </a:rPr>
-              <a:t>checkbox</a:t>
-            </a:r>
-            <a:r>
-              <a:rPr lang="pt-BR" sz="1800" dirty="0">
-                <a:solidFill>
-                  <a:schemeClr val="tx1"/>
-                </a:solidFill>
-                <a:latin typeface="Times New Roman" panose="02020603050405020304" pitchFamily="18" charset="0"/>
-                <a:cs typeface="Times New Roman" panose="02020603050405020304" pitchFamily="18" charset="0"/>
-              </a:rPr>
-              <a:t>" </a:t>
-            </a:r>
-            <a:r>
-              <a:rPr lang="pt-BR" sz="1800" dirty="0" err="1">
-                <a:solidFill>
-                  <a:schemeClr val="tx1"/>
-                </a:solidFill>
-                <a:latin typeface="Times New Roman" panose="02020603050405020304" pitchFamily="18" charset="0"/>
-                <a:cs typeface="Times New Roman" panose="02020603050405020304" pitchFamily="18" charset="0"/>
-              </a:rPr>
-              <a:t>name</a:t>
-            </a:r>
-            <a:r>
-              <a:rPr lang="pt-BR" sz="1800" dirty="0">
-                <a:solidFill>
-                  <a:schemeClr val="tx1"/>
-                </a:solidFill>
-                <a:latin typeface="Times New Roman" panose="02020603050405020304" pitchFamily="18" charset="0"/>
-                <a:cs typeface="Times New Roman" panose="02020603050405020304" pitchFamily="18" charset="0"/>
-              </a:rPr>
-              <a:t>=“veiculo1" </a:t>
-            </a:r>
-            <a:r>
-              <a:rPr lang="pt-BR" sz="1800" b="1" dirty="0" err="1">
-                <a:solidFill>
-                  <a:srgbClr val="FF0000"/>
-                </a:solidFill>
-                <a:latin typeface="Times New Roman" panose="02020603050405020304" pitchFamily="18" charset="0"/>
-                <a:cs typeface="Times New Roman" panose="02020603050405020304" pitchFamily="18" charset="0"/>
-              </a:rPr>
-              <a:t>value</a:t>
-            </a:r>
-            <a:r>
-              <a:rPr lang="pt-BR" sz="1800" dirty="0">
-                <a:solidFill>
-                  <a:schemeClr val="tx1"/>
-                </a:solidFill>
-                <a:latin typeface="Times New Roman" panose="02020603050405020304" pitchFamily="18" charset="0"/>
-                <a:cs typeface="Times New Roman" panose="02020603050405020304" pitchFamily="18" charset="0"/>
-              </a:rPr>
-              <a:t>=“Bicicleta"&gt;</a:t>
-            </a:r>
-          </a:p>
-          <a:p>
-            <a:pPr marL="447675" lvl="1" indent="0" algn="just">
-              <a:buNone/>
-            </a:pPr>
-            <a:r>
-              <a:rPr lang="pt-BR" sz="1800" dirty="0">
-                <a:solidFill>
-                  <a:schemeClr val="tx1"/>
-                </a:solidFill>
-                <a:latin typeface="Times New Roman" panose="02020603050405020304" pitchFamily="18" charset="0"/>
-                <a:cs typeface="Times New Roman" panose="02020603050405020304" pitchFamily="18" charset="0"/>
-              </a:rPr>
-              <a:t>  &lt;</a:t>
-            </a:r>
-            <a:r>
-              <a:rPr lang="pt-BR" sz="1800" b="1" dirty="0" err="1">
-                <a:solidFill>
-                  <a:schemeClr val="tx1"/>
-                </a:solidFill>
-                <a:latin typeface="Times New Roman" panose="02020603050405020304" pitchFamily="18" charset="0"/>
-                <a:cs typeface="Times New Roman" panose="02020603050405020304" pitchFamily="18" charset="0"/>
-              </a:rPr>
-              <a:t>label</a:t>
-            </a:r>
-            <a:r>
-              <a:rPr lang="pt-BR" sz="1800" dirty="0">
-                <a:solidFill>
-                  <a:schemeClr val="tx1"/>
-                </a:solidFill>
-                <a:latin typeface="Times New Roman" panose="02020603050405020304" pitchFamily="18" charset="0"/>
-                <a:cs typeface="Times New Roman" panose="02020603050405020304" pitchFamily="18" charset="0"/>
-              </a:rPr>
-              <a:t> </a:t>
-            </a:r>
-            <a:r>
-              <a:rPr lang="pt-BR" sz="1800" b="1" dirty="0">
-                <a:solidFill>
-                  <a:srgbClr val="FF0000"/>
-                </a:solidFill>
-                <a:latin typeface="Times New Roman" panose="02020603050405020304" pitchFamily="18" charset="0"/>
-                <a:cs typeface="Times New Roman" panose="02020603050405020304" pitchFamily="18" charset="0"/>
-              </a:rPr>
-              <a:t>for</a:t>
-            </a:r>
-            <a:r>
-              <a:rPr lang="pt-BR" sz="1800" dirty="0">
-                <a:solidFill>
-                  <a:schemeClr val="tx1"/>
-                </a:solidFill>
-                <a:latin typeface="Times New Roman" panose="02020603050405020304" pitchFamily="18" charset="0"/>
-                <a:cs typeface="Times New Roman" panose="02020603050405020304" pitchFamily="18" charset="0"/>
-              </a:rPr>
-              <a:t>="vehicle1"&gt; Eu tenho uma bicicleta&lt;/</a:t>
-            </a:r>
-            <a:r>
-              <a:rPr lang="pt-BR" sz="1800" dirty="0" err="1">
-                <a:solidFill>
-                  <a:schemeClr val="tx1"/>
-                </a:solidFill>
-                <a:latin typeface="Times New Roman" panose="02020603050405020304" pitchFamily="18" charset="0"/>
-                <a:cs typeface="Times New Roman" panose="02020603050405020304" pitchFamily="18" charset="0"/>
-              </a:rPr>
-              <a:t>label</a:t>
-            </a:r>
-            <a:r>
-              <a:rPr lang="pt-BR" sz="1800" dirty="0">
-                <a:solidFill>
-                  <a:schemeClr val="tx1"/>
-                </a:solidFill>
-                <a:latin typeface="Times New Roman" panose="02020603050405020304" pitchFamily="18" charset="0"/>
-                <a:cs typeface="Times New Roman" panose="02020603050405020304" pitchFamily="18" charset="0"/>
-              </a:rPr>
-              <a:t>&gt;&lt;</a:t>
-            </a:r>
-            <a:r>
-              <a:rPr lang="pt-BR" sz="1800" dirty="0" err="1">
-                <a:solidFill>
-                  <a:schemeClr val="tx1"/>
-                </a:solidFill>
-                <a:latin typeface="Times New Roman" panose="02020603050405020304" pitchFamily="18" charset="0"/>
-                <a:cs typeface="Times New Roman" panose="02020603050405020304" pitchFamily="18" charset="0"/>
-              </a:rPr>
-              <a:t>br</a:t>
-            </a:r>
-            <a:r>
-              <a:rPr lang="pt-BR" sz="1800" dirty="0">
-                <a:solidFill>
-                  <a:schemeClr val="tx1"/>
-                </a:solidFill>
-                <a:latin typeface="Times New Roman" panose="02020603050405020304" pitchFamily="18" charset="0"/>
-                <a:cs typeface="Times New Roman" panose="02020603050405020304" pitchFamily="18" charset="0"/>
-              </a:rPr>
-              <a:t>&gt;</a:t>
-            </a:r>
-          </a:p>
-          <a:p>
-            <a:pPr marL="447675" lvl="1" indent="0" algn="just">
-              <a:buNone/>
-            </a:pPr>
-            <a:r>
-              <a:rPr lang="pt-BR" sz="1800" dirty="0">
-                <a:solidFill>
-                  <a:schemeClr val="tx1"/>
-                </a:solidFill>
-                <a:latin typeface="Times New Roman" panose="02020603050405020304" pitchFamily="18" charset="0"/>
-                <a:cs typeface="Times New Roman" panose="02020603050405020304" pitchFamily="18" charset="0"/>
-              </a:rPr>
-              <a:t>  &lt;</a:t>
-            </a:r>
-            <a:r>
-              <a:rPr lang="pt-BR" sz="1800" b="1" dirty="0">
-                <a:solidFill>
-                  <a:schemeClr val="tx1"/>
-                </a:solidFill>
-                <a:latin typeface="Times New Roman" panose="02020603050405020304" pitchFamily="18" charset="0"/>
-                <a:cs typeface="Times New Roman" panose="02020603050405020304" pitchFamily="18" charset="0"/>
-              </a:rPr>
-              <a:t>input</a:t>
-            </a:r>
-            <a:r>
-              <a:rPr lang="pt-BR" sz="1800" dirty="0">
-                <a:solidFill>
-                  <a:schemeClr val="tx1"/>
-                </a:solidFill>
-                <a:latin typeface="Times New Roman" panose="02020603050405020304" pitchFamily="18" charset="0"/>
-                <a:cs typeface="Times New Roman" panose="02020603050405020304" pitchFamily="18" charset="0"/>
-              </a:rPr>
-              <a:t> </a:t>
-            </a:r>
-            <a:r>
-              <a:rPr lang="pt-BR" sz="1800" b="1" dirty="0" err="1">
-                <a:solidFill>
-                  <a:srgbClr val="FF0000"/>
-                </a:solidFill>
-                <a:latin typeface="Times New Roman" panose="02020603050405020304" pitchFamily="18" charset="0"/>
-                <a:cs typeface="Times New Roman" panose="02020603050405020304" pitchFamily="18" charset="0"/>
-              </a:rPr>
-              <a:t>type</a:t>
-            </a:r>
-            <a:r>
-              <a:rPr lang="pt-BR" sz="1800" dirty="0">
-                <a:solidFill>
-                  <a:schemeClr val="tx1"/>
-                </a:solidFill>
-                <a:latin typeface="Times New Roman" panose="02020603050405020304" pitchFamily="18" charset="0"/>
-                <a:cs typeface="Times New Roman" panose="02020603050405020304" pitchFamily="18" charset="0"/>
-              </a:rPr>
-              <a:t>="</a:t>
-            </a:r>
-            <a:r>
-              <a:rPr lang="pt-BR" sz="1800" dirty="0" err="1">
-                <a:solidFill>
-                  <a:schemeClr val="tx1"/>
-                </a:solidFill>
-                <a:latin typeface="Times New Roman" panose="02020603050405020304" pitchFamily="18" charset="0"/>
-                <a:cs typeface="Times New Roman" panose="02020603050405020304" pitchFamily="18" charset="0"/>
-              </a:rPr>
-              <a:t>checkbox</a:t>
-            </a:r>
-            <a:r>
-              <a:rPr lang="pt-BR" sz="1800" dirty="0">
-                <a:solidFill>
-                  <a:schemeClr val="tx1"/>
-                </a:solidFill>
-                <a:latin typeface="Times New Roman" panose="02020603050405020304" pitchFamily="18" charset="0"/>
-                <a:cs typeface="Times New Roman" panose="02020603050405020304" pitchFamily="18" charset="0"/>
-              </a:rPr>
-              <a:t>" </a:t>
-            </a:r>
-            <a:r>
-              <a:rPr lang="pt-BR" sz="1800" dirty="0" err="1">
-                <a:solidFill>
-                  <a:schemeClr val="tx1"/>
-                </a:solidFill>
-                <a:latin typeface="Times New Roman" panose="02020603050405020304" pitchFamily="18" charset="0"/>
-                <a:cs typeface="Times New Roman" panose="02020603050405020304" pitchFamily="18" charset="0"/>
-              </a:rPr>
-              <a:t>name</a:t>
-            </a:r>
-            <a:r>
-              <a:rPr lang="pt-BR" sz="1800" dirty="0">
-                <a:solidFill>
-                  <a:schemeClr val="tx1"/>
-                </a:solidFill>
-                <a:latin typeface="Times New Roman" panose="02020603050405020304" pitchFamily="18" charset="0"/>
-                <a:cs typeface="Times New Roman" panose="02020603050405020304" pitchFamily="18" charset="0"/>
-              </a:rPr>
-              <a:t>=" veiculo2" </a:t>
-            </a:r>
-            <a:r>
-              <a:rPr lang="pt-BR" sz="1800" b="1" dirty="0" err="1">
-                <a:solidFill>
-                  <a:srgbClr val="FF0000"/>
-                </a:solidFill>
-                <a:latin typeface="Times New Roman" panose="02020603050405020304" pitchFamily="18" charset="0"/>
-                <a:cs typeface="Times New Roman" panose="02020603050405020304" pitchFamily="18" charset="0"/>
-              </a:rPr>
-              <a:t>value</a:t>
-            </a:r>
-            <a:r>
-              <a:rPr lang="pt-BR" sz="1800" dirty="0">
-                <a:solidFill>
-                  <a:schemeClr val="tx1"/>
-                </a:solidFill>
-                <a:latin typeface="Times New Roman" panose="02020603050405020304" pitchFamily="18" charset="0"/>
-                <a:cs typeface="Times New Roman" panose="02020603050405020304" pitchFamily="18" charset="0"/>
-              </a:rPr>
-              <a:t>=“Carro"&gt;</a:t>
-            </a:r>
-          </a:p>
-          <a:p>
-            <a:pPr marL="447675" lvl="1" indent="0" algn="just">
-              <a:buNone/>
-            </a:pPr>
-            <a:r>
-              <a:rPr lang="pt-BR" sz="1800" dirty="0">
-                <a:solidFill>
-                  <a:schemeClr val="tx1"/>
-                </a:solidFill>
-                <a:latin typeface="Times New Roman" panose="02020603050405020304" pitchFamily="18" charset="0"/>
-                <a:cs typeface="Times New Roman" panose="02020603050405020304" pitchFamily="18" charset="0"/>
-              </a:rPr>
-              <a:t>  &lt;</a:t>
-            </a:r>
-            <a:r>
-              <a:rPr lang="pt-BR" sz="1800" b="1" dirty="0" err="1">
-                <a:solidFill>
-                  <a:schemeClr val="tx1"/>
-                </a:solidFill>
-                <a:latin typeface="Times New Roman" panose="02020603050405020304" pitchFamily="18" charset="0"/>
-                <a:cs typeface="Times New Roman" panose="02020603050405020304" pitchFamily="18" charset="0"/>
-              </a:rPr>
-              <a:t>label</a:t>
-            </a:r>
-            <a:r>
-              <a:rPr lang="pt-BR" sz="1800" dirty="0">
-                <a:solidFill>
-                  <a:schemeClr val="tx1"/>
-                </a:solidFill>
-                <a:latin typeface="Times New Roman" panose="02020603050405020304" pitchFamily="18" charset="0"/>
-                <a:cs typeface="Times New Roman" panose="02020603050405020304" pitchFamily="18" charset="0"/>
-              </a:rPr>
-              <a:t> </a:t>
-            </a:r>
-            <a:r>
-              <a:rPr lang="pt-BR" sz="1800" b="1" dirty="0">
-                <a:solidFill>
-                  <a:srgbClr val="FF0000"/>
-                </a:solidFill>
-                <a:latin typeface="Times New Roman" panose="02020603050405020304" pitchFamily="18" charset="0"/>
-                <a:cs typeface="Times New Roman" panose="02020603050405020304" pitchFamily="18" charset="0"/>
-              </a:rPr>
-              <a:t>for</a:t>
-            </a:r>
-            <a:r>
-              <a:rPr lang="pt-BR" sz="1800" dirty="0">
-                <a:solidFill>
-                  <a:schemeClr val="tx1"/>
-                </a:solidFill>
-                <a:latin typeface="Times New Roman" panose="02020603050405020304" pitchFamily="18" charset="0"/>
-                <a:cs typeface="Times New Roman" panose="02020603050405020304" pitchFamily="18" charset="0"/>
-              </a:rPr>
-              <a:t>="vehicle2"&gt; Eu tenho um carro&lt;/</a:t>
-            </a:r>
-            <a:r>
-              <a:rPr lang="pt-BR" sz="1800" dirty="0" err="1">
-                <a:solidFill>
-                  <a:schemeClr val="tx1"/>
-                </a:solidFill>
-                <a:latin typeface="Times New Roman" panose="02020603050405020304" pitchFamily="18" charset="0"/>
-                <a:cs typeface="Times New Roman" panose="02020603050405020304" pitchFamily="18" charset="0"/>
-              </a:rPr>
-              <a:t>label</a:t>
-            </a:r>
-            <a:r>
-              <a:rPr lang="pt-BR" sz="1800" dirty="0">
-                <a:solidFill>
-                  <a:schemeClr val="tx1"/>
-                </a:solidFill>
-                <a:latin typeface="Times New Roman" panose="02020603050405020304" pitchFamily="18" charset="0"/>
-                <a:cs typeface="Times New Roman" panose="02020603050405020304" pitchFamily="18" charset="0"/>
-              </a:rPr>
-              <a:t>&gt;&lt;</a:t>
-            </a:r>
-            <a:r>
-              <a:rPr lang="pt-BR" sz="1800" dirty="0" err="1">
-                <a:solidFill>
-                  <a:schemeClr val="tx1"/>
-                </a:solidFill>
-                <a:latin typeface="Times New Roman" panose="02020603050405020304" pitchFamily="18" charset="0"/>
-                <a:cs typeface="Times New Roman" panose="02020603050405020304" pitchFamily="18" charset="0"/>
-              </a:rPr>
-              <a:t>br</a:t>
-            </a:r>
-            <a:r>
-              <a:rPr lang="pt-BR" sz="1800" dirty="0">
-                <a:solidFill>
-                  <a:schemeClr val="tx1"/>
-                </a:solidFill>
-                <a:latin typeface="Times New Roman" panose="02020603050405020304" pitchFamily="18" charset="0"/>
-                <a:cs typeface="Times New Roman" panose="02020603050405020304" pitchFamily="18" charset="0"/>
-              </a:rPr>
-              <a:t>&gt;</a:t>
-            </a:r>
-          </a:p>
-          <a:p>
-            <a:pPr marL="447675" lvl="1" indent="0" algn="just">
-              <a:buNone/>
-            </a:pPr>
-            <a:r>
-              <a:rPr lang="pt-BR" sz="1800" dirty="0">
-                <a:solidFill>
-                  <a:schemeClr val="tx1"/>
-                </a:solidFill>
-                <a:latin typeface="Times New Roman" panose="02020603050405020304" pitchFamily="18" charset="0"/>
-                <a:cs typeface="Times New Roman" panose="02020603050405020304" pitchFamily="18" charset="0"/>
-              </a:rPr>
-              <a:t>  &lt;</a:t>
-            </a:r>
-            <a:r>
-              <a:rPr lang="pt-BR" sz="1800" b="1" dirty="0">
-                <a:solidFill>
-                  <a:schemeClr val="tx1"/>
-                </a:solidFill>
-                <a:latin typeface="Times New Roman" panose="02020603050405020304" pitchFamily="18" charset="0"/>
-                <a:cs typeface="Times New Roman" panose="02020603050405020304" pitchFamily="18" charset="0"/>
-              </a:rPr>
-              <a:t>input</a:t>
-            </a:r>
-            <a:r>
-              <a:rPr lang="pt-BR" sz="1800" dirty="0">
-                <a:solidFill>
-                  <a:schemeClr val="tx1"/>
-                </a:solidFill>
-                <a:latin typeface="Times New Roman" panose="02020603050405020304" pitchFamily="18" charset="0"/>
-                <a:cs typeface="Times New Roman" panose="02020603050405020304" pitchFamily="18" charset="0"/>
-              </a:rPr>
-              <a:t> </a:t>
-            </a:r>
-            <a:r>
-              <a:rPr lang="pt-BR" sz="1800" b="1" dirty="0" err="1">
-                <a:solidFill>
-                  <a:srgbClr val="FF0000"/>
-                </a:solidFill>
-                <a:latin typeface="Times New Roman" panose="02020603050405020304" pitchFamily="18" charset="0"/>
-                <a:cs typeface="Times New Roman" panose="02020603050405020304" pitchFamily="18" charset="0"/>
-              </a:rPr>
-              <a:t>type</a:t>
-            </a:r>
-            <a:r>
-              <a:rPr lang="pt-BR" sz="1800" dirty="0">
-                <a:solidFill>
-                  <a:schemeClr val="tx1"/>
-                </a:solidFill>
-                <a:latin typeface="Times New Roman" panose="02020603050405020304" pitchFamily="18" charset="0"/>
-                <a:cs typeface="Times New Roman" panose="02020603050405020304" pitchFamily="18" charset="0"/>
-              </a:rPr>
-              <a:t>="</a:t>
-            </a:r>
-            <a:r>
-              <a:rPr lang="pt-BR" sz="1800" dirty="0" err="1">
-                <a:solidFill>
-                  <a:schemeClr val="tx1"/>
-                </a:solidFill>
-                <a:latin typeface="Times New Roman" panose="02020603050405020304" pitchFamily="18" charset="0"/>
-                <a:cs typeface="Times New Roman" panose="02020603050405020304" pitchFamily="18" charset="0"/>
-              </a:rPr>
-              <a:t>checkbox</a:t>
-            </a:r>
-            <a:r>
-              <a:rPr lang="pt-BR" sz="1800" dirty="0">
-                <a:solidFill>
-                  <a:schemeClr val="tx1"/>
-                </a:solidFill>
-                <a:latin typeface="Times New Roman" panose="02020603050405020304" pitchFamily="18" charset="0"/>
-                <a:cs typeface="Times New Roman" panose="02020603050405020304" pitchFamily="18" charset="0"/>
-              </a:rPr>
-              <a:t>" </a:t>
-            </a:r>
-            <a:r>
-              <a:rPr lang="pt-BR" sz="1800" dirty="0" err="1">
-                <a:solidFill>
-                  <a:schemeClr val="tx1"/>
-                </a:solidFill>
-                <a:latin typeface="Times New Roman" panose="02020603050405020304" pitchFamily="18" charset="0"/>
-                <a:cs typeface="Times New Roman" panose="02020603050405020304" pitchFamily="18" charset="0"/>
-              </a:rPr>
-              <a:t>name</a:t>
-            </a:r>
-            <a:r>
-              <a:rPr lang="pt-BR" sz="1800" dirty="0">
-                <a:solidFill>
-                  <a:schemeClr val="tx1"/>
-                </a:solidFill>
-                <a:latin typeface="Times New Roman" panose="02020603050405020304" pitchFamily="18" charset="0"/>
-                <a:cs typeface="Times New Roman" panose="02020603050405020304" pitchFamily="18" charset="0"/>
-              </a:rPr>
-              <a:t>=" veiculo3" </a:t>
-            </a:r>
-            <a:r>
-              <a:rPr lang="pt-BR" sz="1800" b="1" dirty="0" err="1">
-                <a:solidFill>
-                  <a:srgbClr val="FF0000"/>
-                </a:solidFill>
-                <a:latin typeface="Times New Roman" panose="02020603050405020304" pitchFamily="18" charset="0"/>
-                <a:cs typeface="Times New Roman" panose="02020603050405020304" pitchFamily="18" charset="0"/>
-              </a:rPr>
-              <a:t>value</a:t>
-            </a:r>
-            <a:r>
-              <a:rPr lang="pt-BR" sz="1800" dirty="0">
-                <a:solidFill>
-                  <a:schemeClr val="tx1"/>
-                </a:solidFill>
-                <a:latin typeface="Times New Roman" panose="02020603050405020304" pitchFamily="18" charset="0"/>
-                <a:cs typeface="Times New Roman" panose="02020603050405020304" pitchFamily="18" charset="0"/>
-              </a:rPr>
-              <a:t>=“Barco" </a:t>
-            </a:r>
-            <a:r>
-              <a:rPr lang="pt-BR" sz="1800" dirty="0" err="1">
-                <a:solidFill>
-                  <a:schemeClr val="tx1"/>
-                </a:solidFill>
-                <a:latin typeface="Times New Roman" panose="02020603050405020304" pitchFamily="18" charset="0"/>
-                <a:cs typeface="Times New Roman" panose="02020603050405020304" pitchFamily="18" charset="0"/>
-              </a:rPr>
-              <a:t>checked</a:t>
-            </a:r>
-            <a:r>
-              <a:rPr lang="pt-BR" sz="1800" dirty="0">
-                <a:solidFill>
-                  <a:schemeClr val="tx1"/>
-                </a:solidFill>
-                <a:latin typeface="Times New Roman" panose="02020603050405020304" pitchFamily="18" charset="0"/>
-                <a:cs typeface="Times New Roman" panose="02020603050405020304" pitchFamily="18" charset="0"/>
-              </a:rPr>
-              <a:t>&gt;</a:t>
-            </a:r>
-          </a:p>
-          <a:p>
-            <a:pPr marL="447675" lvl="1" indent="0" algn="just">
-              <a:buNone/>
-            </a:pPr>
-            <a:r>
-              <a:rPr lang="pt-BR" sz="1800" dirty="0">
-                <a:solidFill>
-                  <a:schemeClr val="tx1"/>
-                </a:solidFill>
-                <a:latin typeface="Times New Roman" panose="02020603050405020304" pitchFamily="18" charset="0"/>
-                <a:cs typeface="Times New Roman" panose="02020603050405020304" pitchFamily="18" charset="0"/>
-              </a:rPr>
-              <a:t>  &lt;</a:t>
-            </a:r>
-            <a:r>
-              <a:rPr lang="pt-BR" sz="1800" b="1" dirty="0" err="1">
-                <a:solidFill>
-                  <a:schemeClr val="tx1"/>
-                </a:solidFill>
-                <a:latin typeface="Times New Roman" panose="02020603050405020304" pitchFamily="18" charset="0"/>
-                <a:cs typeface="Times New Roman" panose="02020603050405020304" pitchFamily="18" charset="0"/>
-              </a:rPr>
-              <a:t>label</a:t>
-            </a:r>
-            <a:r>
-              <a:rPr lang="pt-BR" sz="1800" dirty="0">
-                <a:solidFill>
-                  <a:schemeClr val="tx1"/>
-                </a:solidFill>
-                <a:latin typeface="Times New Roman" panose="02020603050405020304" pitchFamily="18" charset="0"/>
-                <a:cs typeface="Times New Roman" panose="02020603050405020304" pitchFamily="18" charset="0"/>
-              </a:rPr>
-              <a:t> </a:t>
-            </a:r>
-            <a:r>
-              <a:rPr lang="pt-BR" sz="1800" b="1" dirty="0">
-                <a:solidFill>
-                  <a:srgbClr val="FF0000"/>
-                </a:solidFill>
-                <a:latin typeface="Times New Roman" panose="02020603050405020304" pitchFamily="18" charset="0"/>
-                <a:cs typeface="Times New Roman" panose="02020603050405020304" pitchFamily="18" charset="0"/>
-              </a:rPr>
-              <a:t>for</a:t>
-            </a:r>
-            <a:r>
-              <a:rPr lang="pt-BR" sz="1800" dirty="0">
-                <a:solidFill>
-                  <a:schemeClr val="tx1"/>
-                </a:solidFill>
-                <a:latin typeface="Times New Roman" panose="02020603050405020304" pitchFamily="18" charset="0"/>
-                <a:cs typeface="Times New Roman" panose="02020603050405020304" pitchFamily="18" charset="0"/>
-              </a:rPr>
-              <a:t>="vehicle3"&gt; Eu tenho um barco&lt;/</a:t>
-            </a:r>
-            <a:r>
-              <a:rPr lang="pt-BR" sz="1800" dirty="0" err="1">
-                <a:solidFill>
-                  <a:schemeClr val="tx1"/>
-                </a:solidFill>
-                <a:latin typeface="Times New Roman" panose="02020603050405020304" pitchFamily="18" charset="0"/>
-                <a:cs typeface="Times New Roman" panose="02020603050405020304" pitchFamily="18" charset="0"/>
-              </a:rPr>
-              <a:t>label</a:t>
-            </a:r>
-            <a:r>
-              <a:rPr lang="pt-BR" sz="1800" dirty="0">
-                <a:solidFill>
-                  <a:schemeClr val="tx1"/>
-                </a:solidFill>
-                <a:latin typeface="Times New Roman" panose="02020603050405020304" pitchFamily="18" charset="0"/>
-                <a:cs typeface="Times New Roman" panose="02020603050405020304" pitchFamily="18" charset="0"/>
-              </a:rPr>
-              <a:t>&gt;&lt;</a:t>
-            </a:r>
-            <a:r>
-              <a:rPr lang="pt-BR" sz="1800" dirty="0" err="1">
-                <a:solidFill>
-                  <a:schemeClr val="tx1"/>
-                </a:solidFill>
-                <a:latin typeface="Times New Roman" panose="02020603050405020304" pitchFamily="18" charset="0"/>
-                <a:cs typeface="Times New Roman" panose="02020603050405020304" pitchFamily="18" charset="0"/>
-              </a:rPr>
-              <a:t>br</a:t>
-            </a:r>
-            <a:r>
-              <a:rPr lang="pt-BR" sz="1800" dirty="0">
-                <a:solidFill>
-                  <a:schemeClr val="tx1"/>
-                </a:solidFill>
-                <a:latin typeface="Times New Roman" panose="02020603050405020304" pitchFamily="18" charset="0"/>
-                <a:cs typeface="Times New Roman" panose="02020603050405020304" pitchFamily="18" charset="0"/>
-              </a:rPr>
-              <a:t>&gt;&lt;</a:t>
-            </a:r>
-            <a:r>
-              <a:rPr lang="pt-BR" sz="1800" dirty="0" err="1">
-                <a:solidFill>
-                  <a:schemeClr val="tx1"/>
-                </a:solidFill>
-                <a:latin typeface="Times New Roman" panose="02020603050405020304" pitchFamily="18" charset="0"/>
-                <a:cs typeface="Times New Roman" panose="02020603050405020304" pitchFamily="18" charset="0"/>
-              </a:rPr>
-              <a:t>br</a:t>
-            </a:r>
-            <a:r>
-              <a:rPr lang="pt-BR" sz="1800" dirty="0">
-                <a:solidFill>
-                  <a:schemeClr val="tx1"/>
-                </a:solidFill>
-                <a:latin typeface="Times New Roman" panose="02020603050405020304" pitchFamily="18" charset="0"/>
-                <a:cs typeface="Times New Roman" panose="02020603050405020304" pitchFamily="18" charset="0"/>
-              </a:rPr>
-              <a:t>&gt;</a:t>
-            </a:r>
-          </a:p>
-          <a:p>
-            <a:pPr marL="447675" lvl="1" indent="0" algn="just">
-              <a:buNone/>
-            </a:pPr>
-            <a:r>
-              <a:rPr lang="pt-BR" sz="1800" dirty="0">
-                <a:solidFill>
-                  <a:schemeClr val="tx1"/>
-                </a:solidFill>
-                <a:latin typeface="Times New Roman" panose="02020603050405020304" pitchFamily="18" charset="0"/>
-                <a:cs typeface="Times New Roman" panose="02020603050405020304" pitchFamily="18" charset="0"/>
-              </a:rPr>
-              <a:t>  </a:t>
-            </a:r>
-            <a:r>
-              <a:rPr lang="en-US" sz="1800" dirty="0">
-                <a:solidFill>
-                  <a:schemeClr val="tx1"/>
-                </a:solidFill>
-                <a:latin typeface="Times New Roman" panose="02020603050405020304" pitchFamily="18" charset="0"/>
-                <a:cs typeface="Times New Roman" panose="02020603050405020304" pitchFamily="18" charset="0"/>
-              </a:rPr>
-              <a:t>&lt;</a:t>
-            </a:r>
-            <a:r>
-              <a:rPr lang="en-US" sz="1800" b="1" dirty="0">
-                <a:solidFill>
-                  <a:schemeClr val="tx1"/>
-                </a:solidFill>
-                <a:latin typeface="Times New Roman" panose="02020603050405020304" pitchFamily="18" charset="0"/>
-                <a:cs typeface="Times New Roman" panose="02020603050405020304" pitchFamily="18" charset="0"/>
-              </a:rPr>
-              <a:t>input</a:t>
-            </a:r>
-            <a:r>
-              <a:rPr lang="en-US" sz="1800" dirty="0">
-                <a:solidFill>
-                  <a:schemeClr val="tx1"/>
-                </a:solidFill>
-                <a:latin typeface="Times New Roman" panose="02020603050405020304" pitchFamily="18" charset="0"/>
-                <a:cs typeface="Times New Roman" panose="02020603050405020304" pitchFamily="18" charset="0"/>
-              </a:rPr>
-              <a:t> </a:t>
-            </a:r>
-            <a:r>
-              <a:rPr lang="en-US" sz="1800" b="1" dirty="0">
-                <a:solidFill>
-                  <a:srgbClr val="FF0000"/>
-                </a:solidFill>
-                <a:latin typeface="Times New Roman" panose="02020603050405020304" pitchFamily="18" charset="0"/>
-                <a:cs typeface="Times New Roman" panose="02020603050405020304" pitchFamily="18" charset="0"/>
-              </a:rPr>
-              <a:t>type</a:t>
-            </a:r>
-            <a:r>
-              <a:rPr lang="en-US" sz="1800" dirty="0">
-                <a:solidFill>
-                  <a:schemeClr val="tx1"/>
-                </a:solidFill>
-                <a:latin typeface="Times New Roman" panose="02020603050405020304" pitchFamily="18" charset="0"/>
-                <a:cs typeface="Times New Roman" panose="02020603050405020304" pitchFamily="18" charset="0"/>
-              </a:rPr>
-              <a:t>="submit" </a:t>
-            </a:r>
-            <a:r>
-              <a:rPr lang="en-US" sz="1800" b="1" dirty="0">
-                <a:solidFill>
-                  <a:srgbClr val="FF0000"/>
-                </a:solidFill>
-                <a:latin typeface="Times New Roman" panose="02020603050405020304" pitchFamily="18" charset="0"/>
-                <a:cs typeface="Times New Roman" panose="02020603050405020304" pitchFamily="18" charset="0"/>
-              </a:rPr>
-              <a:t>value</a:t>
-            </a:r>
-            <a:r>
-              <a:rPr lang="en-US" sz="1800" dirty="0">
-                <a:solidFill>
-                  <a:schemeClr val="tx1"/>
-                </a:solidFill>
-                <a:latin typeface="Times New Roman" panose="02020603050405020304" pitchFamily="18" charset="0"/>
-                <a:cs typeface="Times New Roman" panose="02020603050405020304" pitchFamily="18" charset="0"/>
-              </a:rPr>
-              <a:t>="Submit"&gt;</a:t>
-            </a:r>
-          </a:p>
-          <a:p>
-            <a:pPr marL="0" indent="0" algn="just">
-              <a:buNone/>
-            </a:pPr>
-            <a:r>
-              <a:rPr lang="pt-BR" sz="1800" dirty="0">
-                <a:solidFill>
-                  <a:schemeClr val="tx1"/>
-                </a:solidFill>
-                <a:latin typeface="Times New Roman" panose="02020603050405020304" pitchFamily="18" charset="0"/>
-                <a:cs typeface="Times New Roman" panose="02020603050405020304" pitchFamily="18" charset="0"/>
-              </a:rPr>
-              <a:t>&lt;/</a:t>
-            </a:r>
-            <a:r>
-              <a:rPr lang="pt-BR" sz="1800" dirty="0" err="1">
-                <a:solidFill>
-                  <a:schemeClr val="tx1"/>
-                </a:solidFill>
-                <a:latin typeface="Times New Roman" panose="02020603050405020304" pitchFamily="18" charset="0"/>
-                <a:cs typeface="Times New Roman" panose="02020603050405020304" pitchFamily="18" charset="0"/>
-              </a:rPr>
-              <a:t>form</a:t>
-            </a:r>
-            <a:r>
-              <a:rPr lang="pt-BR" sz="1800" dirty="0">
-                <a:solidFill>
-                  <a:schemeClr val="tx1"/>
-                </a:solidFill>
-                <a:latin typeface="Times New Roman" panose="02020603050405020304" pitchFamily="18" charset="0"/>
-                <a:cs typeface="Times New Roman" panose="02020603050405020304" pitchFamily="18" charset="0"/>
-              </a:rPr>
-              <a:t>&gt;</a:t>
-            </a:r>
+          </a:p>
+          <a:p>
+            <a:pPr marL="0" indent="0" algn="just">
+              <a:buNone/>
+            </a:pPr>
+            <a:endParaRPr lang="pt-BR" dirty="0">
+              <a:solidFill>
+                <a:schemeClr val="tx1"/>
+              </a:solidFill>
+              <a:latin typeface="Times New Roman" panose="02020603050405020304" pitchFamily="18" charset="0"/>
+              <a:cs typeface="Times New Roman" panose="02020603050405020304" pitchFamily="18" charset="0"/>
+            </a:endParaRPr>
+          </a:p>
+          <a:p>
+            <a:pPr marL="0" indent="0" algn="just">
+              <a:buNone/>
+            </a:pPr>
+            <a:endParaRPr lang="pt-BR" dirty="0">
+              <a:solidFill>
+                <a:schemeClr val="tx1"/>
+              </a:solidFill>
+              <a:latin typeface="Times New Roman" panose="02020603050405020304" pitchFamily="18" charset="0"/>
+              <a:cs typeface="Times New Roman" panose="02020603050405020304" pitchFamily="18" charset="0"/>
+            </a:endParaRPr>
           </a:p>
         </p:txBody>
       </p:sp>
     </p:spTree>
     <p:extLst>
       <p:ext uri="{BB962C8B-B14F-4D97-AF65-F5344CB8AC3E}">
-        <p14:creationId xmlns:p14="http://schemas.microsoft.com/office/powerpoint/2010/main" val="3264889888"/>
+        <p14:creationId xmlns:p14="http://schemas.microsoft.com/office/powerpoint/2010/main" val="2679977288"/>
       </p:ext>
     </p:extLst>
   </p:cSld>
@@ -18490,7 +17763,7 @@
                 <a:latin typeface="Times New Roman" panose="02020603050405020304" pitchFamily="18" charset="0"/>
                 <a:cs typeface="Times New Roman" panose="02020603050405020304" pitchFamily="18" charset="0"/>
               </a:rPr>
-              <a:t>Exemplo2</a:t>
+              <a:t>Exemplo1</a:t>
             </a:r>
             <a:r>
               <a:rPr lang="pt-BR" sz="2000" dirty="0">
@@ -19425,7 +18698,7 @@
     </p:spTree>
     <p:extLst>
       <p:ext uri="{BB962C8B-B14F-4D97-AF65-F5344CB8AC3E}">
-        <p14:creationId xmlns:p14="http://schemas.microsoft.com/office/powerpoint/2010/main" val="943449933"/>
+        <p14:creationId xmlns:p14="http://schemas.microsoft.com/office/powerpoint/2010/main" val="3264889888"/>
       </p:ext>
     </p:extLst>
   </p:cSld>
@@ -19549,17 +18822,17 @@
               <a:buNone/>
             </a:pPr>
             <a:r>
-              <a:rPr lang="pt-BR" sz="2000" dirty="0">
-                <a:solidFill>
-                  <a:schemeClr val="tx1"/>
-                </a:solidFill>
-                <a:latin typeface="Times New Roman" panose="02020603050405020304" pitchFamily="18" charset="0"/>
-                <a:cs typeface="Times New Roman" panose="02020603050405020304" pitchFamily="18" charset="0"/>
-              </a:rPr>
-              <a:t> &lt;</a:t>
-            </a:r>
-            <a:r>
-              <a:rPr lang="pt-BR" sz="2000" b="1" dirty="0" err="1">
+              <a:rPr lang="pt-BR" sz="1800" dirty="0">
+                <a:solidFill>
+                  <a:schemeClr val="tx1"/>
+                </a:solidFill>
+                <a:latin typeface="Times New Roman" panose="02020603050405020304" pitchFamily="18" charset="0"/>
+                <a:cs typeface="Times New Roman" panose="02020603050405020304" pitchFamily="18" charset="0"/>
+              </a:rPr>
+              <a:t>  &lt;</a:t>
+            </a:r>
+            <a:r>
+              <a:rPr lang="pt-BR" sz="1800" b="1" dirty="0" err="1">
                 <a:solidFill>
                   <a:schemeClr val="tx1"/>
                 </a:solidFill>
@@ -19569,7 +18842,7 @@
               <a:t>form</a:t>
             </a:r>
             <a:r>
-              <a:rPr lang="pt-BR" sz="2000" dirty="0">
+              <a:rPr lang="pt-BR" sz="1800" dirty="0">
                 <a:solidFill>
                   <a:schemeClr val="tx1"/>
                 </a:solidFill>
@@ -19579,9 +18852,9 @@
               <a:t> </a:t>
             </a:r>
             <a:r>
-              <a:rPr lang="pt-BR" sz="2000" dirty="0" err="1">
-                <a:solidFill>
-                  <a:schemeClr val="tx1"/>
+              <a:rPr lang="pt-BR" sz="1800" b="1" dirty="0" err="1">
+                <a:solidFill>
+                  <a:srgbClr val="FF0000"/>
                 </a:solidFill>
                 <a:latin typeface="Times New Roman" panose="02020603050405020304" pitchFamily="18" charset="0"/>
                 <a:cs typeface="Times New Roman" panose="02020603050405020304" pitchFamily="18" charset="0"/>
@@ -19589,7 +18862,47 @@
               <a:t>action</a:t>
             </a:r>
             <a:r>
-              <a:rPr lang="pt-BR" sz="2000" dirty="0">
+              <a:rPr lang="pt-BR" sz="1800" dirty="0">
+                <a:solidFill>
+                  <a:schemeClr val="tx1"/>
+                </a:solidFill>
+                <a:latin typeface="Times New Roman" panose="02020603050405020304" pitchFamily="18" charset="0"/>
+                <a:cs typeface="Times New Roman" panose="02020603050405020304" pitchFamily="18" charset="0"/>
+              </a:rPr>
+              <a:t>="/</a:t>
+            </a:r>
+            <a:r>
+              <a:rPr lang="pt-BR" sz="1800" dirty="0" err="1">
+                <a:solidFill>
+                  <a:schemeClr val="tx1"/>
+                </a:solidFill>
+                <a:latin typeface="Times New Roman" panose="02020603050405020304" pitchFamily="18" charset="0"/>
+                <a:cs typeface="Times New Roman" panose="02020603050405020304" pitchFamily="18" charset="0"/>
+              </a:rPr>
+              <a:t>action_page.php</a:t>
+            </a:r>
+            <a:r>
+              <a:rPr lang="pt-BR" sz="1800" dirty="0">
+                <a:solidFill>
+                  <a:schemeClr val="tx1"/>
+                </a:solidFill>
+                <a:latin typeface="Times New Roman" panose="02020603050405020304" pitchFamily="18" charset="0"/>
+                <a:cs typeface="Times New Roman" panose="02020603050405020304" pitchFamily="18" charset="0"/>
+              </a:rPr>
+              <a:t>" </a:t>
+            </a:r>
+            <a:r>
+              <a:rPr lang="pt-BR" sz="1800" b="1" dirty="0" err="1">
+                <a:solidFill>
+                  <a:srgbClr val="FF0000"/>
+                </a:solidFill>
+                <a:latin typeface="Times New Roman" panose="02020603050405020304" pitchFamily="18" charset="0"/>
+                <a:cs typeface="Times New Roman" panose="02020603050405020304" pitchFamily="18" charset="0"/>
+              </a:rPr>
+              <a:t>method</a:t>
+            </a:r>
+            <a:r>
+              <a:rPr lang="pt-BR" sz="1800" dirty="0">
                 <a:solidFill>
                   <a:schemeClr val="tx1"/>
                 </a:solidFill>
@@ -19599,17 +18912,92 @@
               <a:t>="</a:t>
             </a:r>
             <a:r>
-              <a:rPr lang="pt-BR" sz="2000" dirty="0" err="1">
-                <a:solidFill>
-                  <a:schemeClr val="tx1"/>
-                </a:solidFill>
-                <a:latin typeface="Times New Roman" panose="02020603050405020304" pitchFamily="18" charset="0"/>
-                <a:cs typeface="Times New Roman" panose="02020603050405020304" pitchFamily="18" charset="0"/>
-              </a:rPr>
-              <a:t>FCadAluno.php</a:t>
-            </a:r>
-            <a:r>
-              <a:rPr lang="pt-BR" sz="2000" dirty="0">
+              <a:rPr lang="pt-BR" sz="1800" dirty="0" err="1">
+                <a:solidFill>
+                  <a:schemeClr val="tx1"/>
+                </a:solidFill>
+                <a:latin typeface="Times New Roman" panose="02020603050405020304" pitchFamily="18" charset="0"/>
+                <a:cs typeface="Times New Roman" panose="02020603050405020304" pitchFamily="18" charset="0"/>
+              </a:rPr>
+              <a:t>get</a:t>
+            </a:r>
+            <a:r>
+              <a:rPr lang="pt-BR" sz="1800" dirty="0">
+                <a:solidFill>
+                  <a:schemeClr val="tx1"/>
+                </a:solidFill>
+                <a:latin typeface="Times New Roman" panose="02020603050405020304" pitchFamily="18" charset="0"/>
+                <a:cs typeface="Times New Roman" panose="02020603050405020304" pitchFamily="18" charset="0"/>
+              </a:rPr>
+              <a:t>"&gt;</a:t>
+            </a:r>
+          </a:p>
+          <a:p>
+            <a:pPr marL="447675" lvl="1" indent="0" algn="just">
+              <a:buNone/>
+            </a:pPr>
+            <a:r>
+              <a:rPr lang="pt-BR" sz="1800" dirty="0">
+                <a:solidFill>
+                  <a:schemeClr val="tx1"/>
+                </a:solidFill>
+                <a:latin typeface="Times New Roman" panose="02020603050405020304" pitchFamily="18" charset="0"/>
+                <a:cs typeface="Times New Roman" panose="02020603050405020304" pitchFamily="18" charset="0"/>
+              </a:rPr>
+              <a:t>  &lt;</a:t>
+            </a:r>
+            <a:r>
+              <a:rPr lang="pt-BR" sz="1800" b="1" dirty="0">
+                <a:solidFill>
+                  <a:schemeClr val="tx1"/>
+                </a:solidFill>
+                <a:latin typeface="Times New Roman" panose="02020603050405020304" pitchFamily="18" charset="0"/>
+                <a:cs typeface="Times New Roman" panose="02020603050405020304" pitchFamily="18" charset="0"/>
+              </a:rPr>
+              <a:t>input</a:t>
+            </a:r>
+            <a:r>
+              <a:rPr lang="pt-BR" sz="1800" dirty="0">
+                <a:solidFill>
+                  <a:schemeClr val="tx1"/>
+                </a:solidFill>
+                <a:latin typeface="Times New Roman" panose="02020603050405020304" pitchFamily="18" charset="0"/>
+                <a:cs typeface="Times New Roman" panose="02020603050405020304" pitchFamily="18" charset="0"/>
+              </a:rPr>
+              <a:t> </a:t>
+            </a:r>
+            <a:r>
+              <a:rPr lang="pt-BR" sz="1800" b="1" dirty="0" err="1">
+                <a:solidFill>
+                  <a:srgbClr val="FF0000"/>
+                </a:solidFill>
+                <a:latin typeface="Times New Roman" panose="02020603050405020304" pitchFamily="18" charset="0"/>
+                <a:cs typeface="Times New Roman" panose="02020603050405020304" pitchFamily="18" charset="0"/>
+              </a:rPr>
+              <a:t>type</a:t>
+            </a:r>
+            <a:r>
+              <a:rPr lang="pt-BR" sz="1800" dirty="0">
+                <a:solidFill>
+                  <a:schemeClr val="tx1"/>
+                </a:solidFill>
+                <a:latin typeface="Times New Roman" panose="02020603050405020304" pitchFamily="18" charset="0"/>
+                <a:cs typeface="Times New Roman" panose="02020603050405020304" pitchFamily="18" charset="0"/>
+              </a:rPr>
+              <a:t>="</a:t>
+            </a:r>
+            <a:r>
+              <a:rPr lang="pt-BR" sz="1800" dirty="0" err="1">
+                <a:solidFill>
+                  <a:schemeClr val="tx1"/>
+                </a:solidFill>
+                <a:latin typeface="Times New Roman" panose="02020603050405020304" pitchFamily="18" charset="0"/>
+                <a:cs typeface="Times New Roman" panose="02020603050405020304" pitchFamily="18" charset="0"/>
+              </a:rPr>
+              <a:t>checkbox</a:t>
+            </a:r>
+            <a:r>
+              <a:rPr lang="pt-BR" sz="1800" dirty="0">
                 <a:solidFill>
                   <a:schemeClr val="tx1"/>
                 </a:solidFill>
@@ -19619,17 +19007,187 @@
               <a:t>" </a:t>
             </a:r>
             <a:r>
-              <a:rPr lang="pt-BR" sz="2000" dirty="0" err="1">
-                <a:solidFill>
-                  <a:schemeClr val="tx1"/>
-                </a:solidFill>
-                <a:latin typeface="Times New Roman" panose="02020603050405020304" pitchFamily="18" charset="0"/>
-                <a:cs typeface="Times New Roman" panose="02020603050405020304" pitchFamily="18" charset="0"/>
-              </a:rPr>
-              <a:t>method</a:t>
-            </a:r>
-            <a:r>
-              <a:rPr lang="pt-BR" sz="2000" dirty="0">
+              <a:rPr lang="pt-BR" sz="1800" dirty="0" err="1">
+                <a:solidFill>
+                  <a:schemeClr val="tx1"/>
+                </a:solidFill>
+                <a:latin typeface="Times New Roman" panose="02020603050405020304" pitchFamily="18" charset="0"/>
+                <a:cs typeface="Times New Roman" panose="02020603050405020304" pitchFamily="18" charset="0"/>
+              </a:rPr>
+              <a:t>name</a:t>
+            </a:r>
+            <a:r>
+              <a:rPr lang="pt-BR" sz="1800" dirty="0">
+                <a:solidFill>
+                  <a:schemeClr val="tx1"/>
+                </a:solidFill>
+                <a:latin typeface="Times New Roman" panose="02020603050405020304" pitchFamily="18" charset="0"/>
+                <a:cs typeface="Times New Roman" panose="02020603050405020304" pitchFamily="18" charset="0"/>
+              </a:rPr>
+              <a:t>=“veiculo1" </a:t>
+            </a:r>
+            <a:r>
+              <a:rPr lang="pt-BR" sz="1800" b="1" dirty="0" err="1">
+                <a:solidFill>
+                  <a:srgbClr val="FF0000"/>
+                </a:solidFill>
+                <a:latin typeface="Times New Roman" panose="02020603050405020304" pitchFamily="18" charset="0"/>
+                <a:cs typeface="Times New Roman" panose="02020603050405020304" pitchFamily="18" charset="0"/>
+              </a:rPr>
+              <a:t>value</a:t>
+            </a:r>
+            <a:r>
+              <a:rPr lang="pt-BR" sz="1800" dirty="0">
+                <a:solidFill>
+                  <a:schemeClr val="tx1"/>
+                </a:solidFill>
+                <a:latin typeface="Times New Roman" panose="02020603050405020304" pitchFamily="18" charset="0"/>
+                <a:cs typeface="Times New Roman" panose="02020603050405020304" pitchFamily="18" charset="0"/>
+              </a:rPr>
+              <a:t>=“Bicicleta"&gt;</a:t>
+            </a:r>
+          </a:p>
+          <a:p>
+            <a:pPr marL="447675" lvl="1" indent="0" algn="just">
+              <a:buNone/>
+            </a:pPr>
+            <a:r>
+              <a:rPr lang="pt-BR" sz="1800" dirty="0">
+                <a:solidFill>
+                  <a:schemeClr val="tx1"/>
+                </a:solidFill>
+                <a:latin typeface="Times New Roman" panose="02020603050405020304" pitchFamily="18" charset="0"/>
+                <a:cs typeface="Times New Roman" panose="02020603050405020304" pitchFamily="18" charset="0"/>
+              </a:rPr>
+              <a:t>  &lt;</a:t>
+            </a:r>
+            <a:r>
+              <a:rPr lang="pt-BR" sz="1800" b="1" dirty="0" err="1">
+                <a:solidFill>
+                  <a:schemeClr val="tx1"/>
+                </a:solidFill>
+                <a:latin typeface="Times New Roman" panose="02020603050405020304" pitchFamily="18" charset="0"/>
+                <a:cs typeface="Times New Roman" panose="02020603050405020304" pitchFamily="18" charset="0"/>
+              </a:rPr>
+              <a:t>label</a:t>
+            </a:r>
+            <a:r>
+              <a:rPr lang="pt-BR" sz="1800" dirty="0">
+                <a:solidFill>
+                  <a:schemeClr val="tx1"/>
+                </a:solidFill>
+                <a:latin typeface="Times New Roman" panose="02020603050405020304" pitchFamily="18" charset="0"/>
+                <a:cs typeface="Times New Roman" panose="02020603050405020304" pitchFamily="18" charset="0"/>
+              </a:rPr>
+              <a:t> </a:t>
+            </a:r>
+            <a:r>
+              <a:rPr lang="pt-BR" sz="1800" b="1" dirty="0">
+                <a:solidFill>
+                  <a:srgbClr val="FF0000"/>
+                </a:solidFill>
+                <a:latin typeface="Times New Roman" panose="02020603050405020304" pitchFamily="18" charset="0"/>
+                <a:cs typeface="Times New Roman" panose="02020603050405020304" pitchFamily="18" charset="0"/>
+              </a:rPr>
+              <a:t>for</a:t>
+            </a:r>
+            <a:r>
+              <a:rPr lang="pt-BR" sz="1800" dirty="0">
+                <a:solidFill>
+                  <a:schemeClr val="tx1"/>
+                </a:solidFill>
+                <a:latin typeface="Times New Roman" panose="02020603050405020304" pitchFamily="18" charset="0"/>
+                <a:cs typeface="Times New Roman" panose="02020603050405020304" pitchFamily="18" charset="0"/>
+              </a:rPr>
+              <a:t>="vehicle1"&gt; Eu tenho uma bicicleta&lt;/</a:t>
+            </a:r>
+            <a:r>
+              <a:rPr lang="pt-BR" sz="1800" dirty="0" err="1">
+                <a:solidFill>
+                  <a:schemeClr val="tx1"/>
+                </a:solidFill>
+                <a:latin typeface="Times New Roman" panose="02020603050405020304" pitchFamily="18" charset="0"/>
+                <a:cs typeface="Times New Roman" panose="02020603050405020304" pitchFamily="18" charset="0"/>
+              </a:rPr>
+              <a:t>label</a:t>
+            </a:r>
+            <a:r>
+              <a:rPr lang="pt-BR" sz="1800" dirty="0">
+                <a:solidFill>
+                  <a:schemeClr val="tx1"/>
+                </a:solidFill>
+                <a:latin typeface="Times New Roman" panose="02020603050405020304" pitchFamily="18" charset="0"/>
+                <a:cs typeface="Times New Roman" panose="02020603050405020304" pitchFamily="18" charset="0"/>
+              </a:rPr>
+              <a:t>&gt;&lt;</a:t>
+            </a:r>
+            <a:r>
+              <a:rPr lang="pt-BR" sz="1800" dirty="0" err="1">
+                <a:solidFill>
+                  <a:schemeClr val="tx1"/>
+                </a:solidFill>
+                <a:latin typeface="Times New Roman" panose="02020603050405020304" pitchFamily="18" charset="0"/>
+                <a:cs typeface="Times New Roman" panose="02020603050405020304" pitchFamily="18" charset="0"/>
+              </a:rPr>
+              <a:t>br</a:t>
+            </a:r>
+            <a:r>
+              <a:rPr lang="pt-BR" sz="1800" dirty="0">
+                <a:solidFill>
+                  <a:schemeClr val="tx1"/>
+                </a:solidFill>
+                <a:latin typeface="Times New Roman" panose="02020603050405020304" pitchFamily="18" charset="0"/>
+                <a:cs typeface="Times New Roman" panose="02020603050405020304" pitchFamily="18" charset="0"/>
+              </a:rPr>
+              <a:t>&gt;</a:t>
+            </a:r>
+          </a:p>
+          <a:p>
+            <a:pPr marL="447675" lvl="1" indent="0" algn="just">
+              <a:buNone/>
+            </a:pPr>
+            <a:r>
+              <a:rPr lang="pt-BR" sz="1800" dirty="0">
+                <a:solidFill>
+                  <a:schemeClr val="tx1"/>
+                </a:solidFill>
+                <a:latin typeface="Times New Roman" panose="02020603050405020304" pitchFamily="18" charset="0"/>
+                <a:cs typeface="Times New Roman" panose="02020603050405020304" pitchFamily="18" charset="0"/>
+              </a:rPr>
+              <a:t>  &lt;</a:t>
+            </a:r>
+            <a:r>
+              <a:rPr lang="pt-BR" sz="1800" b="1" dirty="0">
+                <a:solidFill>
+                  <a:schemeClr val="tx1"/>
+                </a:solidFill>
+                <a:latin typeface="Times New Roman" panose="02020603050405020304" pitchFamily="18" charset="0"/>
+                <a:cs typeface="Times New Roman" panose="02020603050405020304" pitchFamily="18" charset="0"/>
+              </a:rPr>
+              <a:t>input</a:t>
+            </a:r>
+            <a:r>
+              <a:rPr lang="pt-BR" sz="1800" dirty="0">
+                <a:solidFill>
+                  <a:schemeClr val="tx1"/>
+                </a:solidFill>
+                <a:latin typeface="Times New Roman" panose="02020603050405020304" pitchFamily="18" charset="0"/>
+                <a:cs typeface="Times New Roman" panose="02020603050405020304" pitchFamily="18" charset="0"/>
+              </a:rPr>
+              <a:t> </a:t>
+            </a:r>
+            <a:r>
+              <a:rPr lang="pt-BR" sz="1800" b="1" dirty="0" err="1">
+                <a:solidFill>
+                  <a:srgbClr val="FF0000"/>
+                </a:solidFill>
+                <a:latin typeface="Times New Roman" panose="02020603050405020304" pitchFamily="18" charset="0"/>
+                <a:cs typeface="Times New Roman" panose="02020603050405020304" pitchFamily="18" charset="0"/>
+              </a:rPr>
+              <a:t>type</a:t>
+            </a:r>
+            <a:r>
+              <a:rPr lang="pt-BR" sz="1800" dirty="0">
                 <a:solidFill>
                   <a:schemeClr val="tx1"/>
                 </a:solidFill>
@@ -19639,52 +19197,152 @@
               <a:t>="</a:t>
             </a:r>
             <a:r>
-              <a:rPr lang="pt-BR" sz="2000" dirty="0" err="1">
-                <a:solidFill>
-                  <a:schemeClr val="tx1"/>
-                </a:solidFill>
-                <a:latin typeface="Times New Roman" panose="02020603050405020304" pitchFamily="18" charset="0"/>
-                <a:cs typeface="Times New Roman" panose="02020603050405020304" pitchFamily="18" charset="0"/>
-              </a:rPr>
-              <a:t>get</a:t>
-            </a:r>
-            <a:r>
-              <a:rPr lang="pt-BR" sz="2000" dirty="0">
-                <a:solidFill>
-                  <a:schemeClr val="tx1"/>
-                </a:solidFill>
-                <a:latin typeface="Times New Roman" panose="02020603050405020304" pitchFamily="18" charset="0"/>
-                <a:cs typeface="Times New Roman" panose="02020603050405020304" pitchFamily="18" charset="0"/>
-              </a:rPr>
-              <a:t>"&gt;</a:t>
-            </a:r>
-          </a:p>
-          <a:p>
-            <a:pPr marL="0" indent="0" algn="just">
-              <a:buNone/>
-            </a:pPr>
-            <a:r>
-              <a:rPr lang="pt-BR" sz="2000" dirty="0">
-                <a:solidFill>
-                  <a:schemeClr val="tx1"/>
-                </a:solidFill>
-                <a:latin typeface="Times New Roman" panose="02020603050405020304" pitchFamily="18" charset="0"/>
-                <a:cs typeface="Times New Roman" panose="02020603050405020304" pitchFamily="18" charset="0"/>
-              </a:rPr>
-              <a:t>      &lt;</a:t>
-            </a:r>
-            <a:r>
-              <a:rPr lang="pt-BR" sz="2000" b="1" dirty="0" err="1">
-                <a:solidFill>
-                  <a:schemeClr val="tx1"/>
-                </a:solidFill>
-                <a:latin typeface="Times New Roman" panose="02020603050405020304" pitchFamily="18" charset="0"/>
-                <a:cs typeface="Times New Roman" panose="02020603050405020304" pitchFamily="18" charset="0"/>
-              </a:rPr>
-              <a:t>div</a:t>
-            </a:r>
-            <a:r>
-              <a:rPr lang="pt-BR" sz="2000" dirty="0">
+              <a:rPr lang="pt-BR" sz="1800" dirty="0" err="1">
+                <a:solidFill>
+                  <a:schemeClr val="tx1"/>
+                </a:solidFill>
+                <a:latin typeface="Times New Roman" panose="02020603050405020304" pitchFamily="18" charset="0"/>
+                <a:cs typeface="Times New Roman" panose="02020603050405020304" pitchFamily="18" charset="0"/>
+              </a:rPr>
+              <a:t>checkbox</a:t>
+            </a:r>
+            <a:r>
+              <a:rPr lang="pt-BR" sz="1800" dirty="0">
+                <a:solidFill>
+                  <a:schemeClr val="tx1"/>
+                </a:solidFill>
+                <a:latin typeface="Times New Roman" panose="02020603050405020304" pitchFamily="18" charset="0"/>
+                <a:cs typeface="Times New Roman" panose="02020603050405020304" pitchFamily="18" charset="0"/>
+              </a:rPr>
+              <a:t>" </a:t>
+            </a:r>
+            <a:r>
+              <a:rPr lang="pt-BR" sz="1800" dirty="0" err="1">
+                <a:solidFill>
+                  <a:schemeClr val="tx1"/>
+                </a:solidFill>
+                <a:latin typeface="Times New Roman" panose="02020603050405020304" pitchFamily="18" charset="0"/>
+                <a:cs typeface="Times New Roman" panose="02020603050405020304" pitchFamily="18" charset="0"/>
+              </a:rPr>
+              <a:t>name</a:t>
+            </a:r>
+            <a:r>
+              <a:rPr lang="pt-BR" sz="1800" dirty="0">
+                <a:solidFill>
+                  <a:schemeClr val="tx1"/>
+                </a:solidFill>
+                <a:latin typeface="Times New Roman" panose="02020603050405020304" pitchFamily="18" charset="0"/>
+                <a:cs typeface="Times New Roman" panose="02020603050405020304" pitchFamily="18" charset="0"/>
+              </a:rPr>
+              <a:t>=" veiculo2" </a:t>
+            </a:r>
+            <a:r>
+              <a:rPr lang="pt-BR" sz="1800" b="1" dirty="0" err="1">
+                <a:solidFill>
+                  <a:srgbClr val="FF0000"/>
+                </a:solidFill>
+                <a:latin typeface="Times New Roman" panose="02020603050405020304" pitchFamily="18" charset="0"/>
+                <a:cs typeface="Times New Roman" panose="02020603050405020304" pitchFamily="18" charset="0"/>
+              </a:rPr>
+              <a:t>value</a:t>
+            </a:r>
+            <a:r>
+              <a:rPr lang="pt-BR" sz="1800" dirty="0">
+                <a:solidFill>
+                  <a:schemeClr val="tx1"/>
+                </a:solidFill>
+                <a:latin typeface="Times New Roman" panose="02020603050405020304" pitchFamily="18" charset="0"/>
+                <a:cs typeface="Times New Roman" panose="02020603050405020304" pitchFamily="18" charset="0"/>
+              </a:rPr>
+              <a:t>=“Carro"&gt;</a:t>
+            </a:r>
+          </a:p>
+          <a:p>
+            <a:pPr marL="447675" lvl="1" indent="0" algn="just">
+              <a:buNone/>
+            </a:pPr>
+            <a:r>
+              <a:rPr lang="pt-BR" sz="1800" dirty="0">
+                <a:solidFill>
+                  <a:schemeClr val="tx1"/>
+                </a:solidFill>
+                <a:latin typeface="Times New Roman" panose="02020603050405020304" pitchFamily="18" charset="0"/>
+                <a:cs typeface="Times New Roman" panose="02020603050405020304" pitchFamily="18" charset="0"/>
+              </a:rPr>
+              <a:t>  &lt;</a:t>
+            </a:r>
+            <a:r>
+              <a:rPr lang="pt-BR" sz="1800" b="1" dirty="0" err="1">
+                <a:solidFill>
+                  <a:schemeClr val="tx1"/>
+                </a:solidFill>
+                <a:latin typeface="Times New Roman" panose="02020603050405020304" pitchFamily="18" charset="0"/>
+                <a:cs typeface="Times New Roman" panose="02020603050405020304" pitchFamily="18" charset="0"/>
+              </a:rPr>
+              <a:t>label</a:t>
+            </a:r>
+            <a:r>
+              <a:rPr lang="pt-BR" sz="1800" dirty="0">
+                <a:solidFill>
+                  <a:schemeClr val="tx1"/>
+                </a:solidFill>
+                <a:latin typeface="Times New Roman" panose="02020603050405020304" pitchFamily="18" charset="0"/>
+                <a:cs typeface="Times New Roman" panose="02020603050405020304" pitchFamily="18" charset="0"/>
+              </a:rPr>
+              <a:t> </a:t>
+            </a:r>
+            <a:r>
+              <a:rPr lang="pt-BR" sz="1800" b="1" dirty="0">
+                <a:solidFill>
+                  <a:srgbClr val="FF0000"/>
+                </a:solidFill>
+                <a:latin typeface="Times New Roman" panose="02020603050405020304" pitchFamily="18" charset="0"/>
+                <a:cs typeface="Times New Roman" panose="02020603050405020304" pitchFamily="18" charset="0"/>
+              </a:rPr>
+              <a:t>for</a:t>
+            </a:r>
+            <a:r>
+              <a:rPr lang="pt-BR" sz="1800" dirty="0">
+                <a:solidFill>
+                  <a:schemeClr val="tx1"/>
+                </a:solidFill>
+                <a:latin typeface="Times New Roman" panose="02020603050405020304" pitchFamily="18" charset="0"/>
+                <a:cs typeface="Times New Roman" panose="02020603050405020304" pitchFamily="18" charset="0"/>
+              </a:rPr>
+              <a:t>="vehicle2"&gt; Eu tenho um carro&lt;/</a:t>
+            </a:r>
+            <a:r>
+              <a:rPr lang="pt-BR" sz="1800" dirty="0" err="1">
+                <a:solidFill>
+                  <a:schemeClr val="tx1"/>
+                </a:solidFill>
+                <a:latin typeface="Times New Roman" panose="02020603050405020304" pitchFamily="18" charset="0"/>
+                <a:cs typeface="Times New Roman" panose="02020603050405020304" pitchFamily="18" charset="0"/>
+              </a:rPr>
+              <a:t>label</a:t>
+            </a:r>
+            <a:r>
+              <a:rPr lang="pt-BR" sz="1800" dirty="0">
+                <a:solidFill>
+                  <a:schemeClr val="tx1"/>
+                </a:solidFill>
+                <a:latin typeface="Times New Roman" panose="02020603050405020304" pitchFamily="18" charset="0"/>
+                <a:cs typeface="Times New Roman" panose="02020603050405020304" pitchFamily="18" charset="0"/>
+              </a:rPr>
+              <a:t>&gt;&lt;</a:t>
+            </a:r>
+            <a:r>
+              <a:rPr lang="pt-BR" sz="1800" dirty="0" err="1">
+                <a:solidFill>
+                  <a:schemeClr val="tx1"/>
+                </a:solidFill>
+                <a:latin typeface="Times New Roman" panose="02020603050405020304" pitchFamily="18" charset="0"/>
+                <a:cs typeface="Times New Roman" panose="02020603050405020304" pitchFamily="18" charset="0"/>
+              </a:rPr>
+              <a:t>br</a:t>
+            </a:r>
+            <a:r>
+              <a:rPr lang="pt-BR" sz="1800" dirty="0">
                 <a:solidFill>
                   <a:schemeClr val="tx1"/>
                 </a:solidFill>
@@ -19695,21 +19353,156 @@
             </a:r>
           </a:p>
           <a:p>
-            <a:pPr marL="0" indent="0" algn="just">
-              <a:buNone/>
-            </a:pPr>
-            <a:r>
-              <a:rPr lang="pt-BR" sz="2000" dirty="0">
-                <a:solidFill>
-                  <a:schemeClr val="tx1"/>
-                </a:solidFill>
-                <a:latin typeface="Times New Roman" panose="02020603050405020304" pitchFamily="18" charset="0"/>
-                <a:cs typeface="Times New Roman" panose="02020603050405020304" pitchFamily="18" charset="0"/>
-              </a:rPr>
-              <a:t>        	&lt;</a:t>
-            </a:r>
-            <a:r>
-              <a:rPr lang="pt-BR" sz="2000" b="1" dirty="0" err="1">
+            <a:pPr marL="447675" lvl="1" indent="0" algn="just">
+              <a:buNone/>
+            </a:pPr>
+            <a:r>
+              <a:rPr lang="pt-BR" sz="1800" dirty="0">
+                <a:solidFill>
+                  <a:schemeClr val="tx1"/>
+                </a:solidFill>
+                <a:latin typeface="Times New Roman" panose="02020603050405020304" pitchFamily="18" charset="0"/>
+                <a:cs typeface="Times New Roman" panose="02020603050405020304" pitchFamily="18" charset="0"/>
+              </a:rPr>
+              <a:t>  &lt;</a:t>
+            </a:r>
+            <a:r>
+              <a:rPr lang="pt-BR" sz="1800" b="1" dirty="0">
+                <a:solidFill>
+                  <a:schemeClr val="tx1"/>
+                </a:solidFill>
+                <a:latin typeface="Times New Roman" panose="02020603050405020304" pitchFamily="18" charset="0"/>
+                <a:cs typeface="Times New Roman" panose="02020603050405020304" pitchFamily="18" charset="0"/>
+              </a:rPr>
+              <a:t>input</a:t>
+            </a:r>
+            <a:r>
+              <a:rPr lang="pt-BR" sz="1800" dirty="0">
+                <a:solidFill>
+                  <a:schemeClr val="tx1"/>
+                </a:solidFill>
+                <a:latin typeface="Times New Roman" panose="02020603050405020304" pitchFamily="18" charset="0"/>
+                <a:cs typeface="Times New Roman" panose="02020603050405020304" pitchFamily="18" charset="0"/>
+              </a:rPr>
+              <a:t> </a:t>
+            </a:r>
+            <a:r>
+              <a:rPr lang="pt-BR" sz="1800" b="1" dirty="0" err="1">
+                <a:solidFill>
+                  <a:srgbClr val="FF0000"/>
+                </a:solidFill>
+                <a:latin typeface="Times New Roman" panose="02020603050405020304" pitchFamily="18" charset="0"/>
+                <a:cs typeface="Times New Roman" panose="02020603050405020304" pitchFamily="18" charset="0"/>
+              </a:rPr>
+              <a:t>type</a:t>
+            </a:r>
+            <a:r>
+              <a:rPr lang="pt-BR" sz="1800" dirty="0">
+                <a:solidFill>
+                  <a:schemeClr val="tx1"/>
+                </a:solidFill>
+                <a:latin typeface="Times New Roman" panose="02020603050405020304" pitchFamily="18" charset="0"/>
+                <a:cs typeface="Times New Roman" panose="02020603050405020304" pitchFamily="18" charset="0"/>
+              </a:rPr>
+              <a:t>="</a:t>
+            </a:r>
+            <a:r>
+              <a:rPr lang="pt-BR" sz="1800" dirty="0" err="1">
+                <a:solidFill>
+                  <a:schemeClr val="tx1"/>
+                </a:solidFill>
+                <a:latin typeface="Times New Roman" panose="02020603050405020304" pitchFamily="18" charset="0"/>
+                <a:cs typeface="Times New Roman" panose="02020603050405020304" pitchFamily="18" charset="0"/>
+              </a:rPr>
+              <a:t>checkbox</a:t>
+            </a:r>
+            <a:r>
+              <a:rPr lang="pt-BR" sz="1800" dirty="0">
+                <a:solidFill>
+                  <a:schemeClr val="tx1"/>
+                </a:solidFill>
+                <a:latin typeface="Times New Roman" panose="02020603050405020304" pitchFamily="18" charset="0"/>
+                <a:cs typeface="Times New Roman" panose="02020603050405020304" pitchFamily="18" charset="0"/>
+              </a:rPr>
+              <a:t>" </a:t>
+            </a:r>
+            <a:r>
+              <a:rPr lang="pt-BR" sz="1800" dirty="0" err="1">
+                <a:solidFill>
+                  <a:schemeClr val="tx1"/>
+                </a:solidFill>
+                <a:latin typeface="Times New Roman" panose="02020603050405020304" pitchFamily="18" charset="0"/>
+                <a:cs typeface="Times New Roman" panose="02020603050405020304" pitchFamily="18" charset="0"/>
+              </a:rPr>
+              <a:t>name</a:t>
+            </a:r>
+            <a:r>
+              <a:rPr lang="pt-BR" sz="1800" dirty="0">
+                <a:solidFill>
+                  <a:schemeClr val="tx1"/>
+                </a:solidFill>
+                <a:latin typeface="Times New Roman" panose="02020603050405020304" pitchFamily="18" charset="0"/>
+                <a:cs typeface="Times New Roman" panose="02020603050405020304" pitchFamily="18" charset="0"/>
+              </a:rPr>
+              <a:t>=" veiculo3" </a:t>
+            </a:r>
+            <a:r>
+              <a:rPr lang="pt-BR" sz="1800" b="1" dirty="0" err="1">
+                <a:solidFill>
+                  <a:srgbClr val="FF0000"/>
+                </a:solidFill>
+                <a:latin typeface="Times New Roman" panose="02020603050405020304" pitchFamily="18" charset="0"/>
+                <a:cs typeface="Times New Roman" panose="02020603050405020304" pitchFamily="18" charset="0"/>
+              </a:rPr>
+              <a:t>value</a:t>
+            </a:r>
+            <a:r>
+              <a:rPr lang="pt-BR" sz="1800" dirty="0">
+                <a:solidFill>
+                  <a:schemeClr val="tx1"/>
+                </a:solidFill>
+                <a:latin typeface="Times New Roman" panose="02020603050405020304" pitchFamily="18" charset="0"/>
+                <a:cs typeface="Times New Roman" panose="02020603050405020304" pitchFamily="18" charset="0"/>
+              </a:rPr>
+              <a:t>=“Barco" </a:t>
+            </a:r>
+            <a:r>
+              <a:rPr lang="pt-BR" sz="1800" dirty="0" err="1">
+                <a:solidFill>
+                  <a:schemeClr val="tx1"/>
+                </a:solidFill>
+                <a:latin typeface="Times New Roman" panose="02020603050405020304" pitchFamily="18" charset="0"/>
+                <a:cs typeface="Times New Roman" panose="02020603050405020304" pitchFamily="18" charset="0"/>
+              </a:rPr>
+              <a:t>checked</a:t>
+            </a:r>
+            <a:r>
+              <a:rPr lang="pt-BR" sz="1800" dirty="0">
+                <a:solidFill>
+                  <a:schemeClr val="tx1"/>
+                </a:solidFill>
+                <a:latin typeface="Times New Roman" panose="02020603050405020304" pitchFamily="18" charset="0"/>
+                <a:cs typeface="Times New Roman" panose="02020603050405020304" pitchFamily="18" charset="0"/>
+              </a:rPr>
+              <a:t>&gt;</a:t>
+            </a:r>
+          </a:p>
+          <a:p>
+            <a:pPr marL="447675" lvl="1" indent="0" algn="just">
+              <a:buNone/>
+            </a:pPr>
+            <a:r>
+              <a:rPr lang="pt-BR" sz="1800" dirty="0">
+                <a:solidFill>
+                  <a:schemeClr val="tx1"/>
+                </a:solidFill>
+                <a:latin typeface="Times New Roman" panose="02020603050405020304" pitchFamily="18" charset="0"/>
+                <a:cs typeface="Times New Roman" panose="02020603050405020304" pitchFamily="18" charset="0"/>
+              </a:rPr>
+              <a:t>  &lt;</a:t>
+            </a:r>
+            <a:r>
+              <a:rPr lang="pt-BR" sz="1800" b="1" dirty="0" err="1">
                 <a:solidFill>
                   <a:schemeClr val="tx1"/>
                 </a:solidFill>
@@ -19719,7 +19512,7 @@
               <a:t>label</a:t>
             </a:r>
             <a:r>
-              <a:rPr lang="pt-BR" sz="2000" dirty="0">
+              <a:rPr lang="pt-BR" sz="1800" dirty="0">
                 <a:solidFill>
                   <a:schemeClr val="tx1"/>
                 </a:solidFill>
@@ -19729,7 +19522,7 @@
               <a:t> </a:t>
             </a:r>
             <a:r>
-              <a:rPr lang="pt-BR" sz="2000" b="1" dirty="0">
+              <a:rPr lang="pt-BR" sz="1800" b="1" dirty="0">
                 <a:solidFill>
                   <a:srgbClr val="FF0000"/>
                 </a:solidFill>
@@ -19739,32 +19532,102 @@
               <a:t>for</a:t>
             </a:r>
             <a:r>
-              <a:rPr lang="pt-BR" sz="2000" dirty="0">
-                <a:solidFill>
-                  <a:schemeClr val="tx1"/>
-                </a:solidFill>
-                <a:latin typeface="Times New Roman" panose="02020603050405020304" pitchFamily="18" charset="0"/>
-                <a:cs typeface="Times New Roman" panose="02020603050405020304" pitchFamily="18" charset="0"/>
-              </a:rPr>
-              <a:t>="nome"&gt; Nome</a:t>
-            </a:r>
-          </a:p>
-          <a:p>
-            <a:pPr marL="0" indent="0" algn="just">
-              <a:buNone/>
-            </a:pPr>
-            <a:r>
-              <a:rPr lang="pt-BR" sz="2000" dirty="0">
-                <a:solidFill>
-                  <a:schemeClr val="tx1"/>
-                </a:solidFill>
-                <a:latin typeface="Times New Roman" panose="02020603050405020304" pitchFamily="18" charset="0"/>
-                <a:cs typeface="Times New Roman" panose="02020603050405020304" pitchFamily="18" charset="0"/>
-              </a:rPr>
-              <a:t>          		&lt;</a:t>
-            </a:r>
-            <a:r>
-              <a:rPr lang="pt-BR" sz="2000" b="1" dirty="0">
+              <a:rPr lang="pt-BR" sz="1800" dirty="0">
+                <a:solidFill>
+                  <a:schemeClr val="tx1"/>
+                </a:solidFill>
+                <a:latin typeface="Times New Roman" panose="02020603050405020304" pitchFamily="18" charset="0"/>
+                <a:cs typeface="Times New Roman" panose="02020603050405020304" pitchFamily="18" charset="0"/>
+              </a:rPr>
+              <a:t>="vehicle3"&gt; Eu tenho um barco&lt;/</a:t>
+            </a:r>
+            <a:r>
+              <a:rPr lang="pt-BR" sz="1800" dirty="0" err="1">
+                <a:solidFill>
+                  <a:schemeClr val="tx1"/>
+                </a:solidFill>
+                <a:latin typeface="Times New Roman" panose="02020603050405020304" pitchFamily="18" charset="0"/>
+                <a:cs typeface="Times New Roman" panose="02020603050405020304" pitchFamily="18" charset="0"/>
+              </a:rPr>
+              <a:t>label</a:t>
+            </a:r>
+            <a:r>
+              <a:rPr lang="pt-BR" sz="1800" dirty="0">
+                <a:solidFill>
+                  <a:schemeClr val="tx1"/>
+                </a:solidFill>
+                <a:latin typeface="Times New Roman" panose="02020603050405020304" pitchFamily="18" charset="0"/>
+                <a:cs typeface="Times New Roman" panose="02020603050405020304" pitchFamily="18" charset="0"/>
+              </a:rPr>
+              <a:t>&gt;&lt;</a:t>
+            </a:r>
+            <a:r>
+              <a:rPr lang="pt-BR" sz="1800" dirty="0" err="1">
+                <a:solidFill>
+                  <a:schemeClr val="tx1"/>
+                </a:solidFill>
+                <a:latin typeface="Times New Roman" panose="02020603050405020304" pitchFamily="18" charset="0"/>
+                <a:cs typeface="Times New Roman" panose="02020603050405020304" pitchFamily="18" charset="0"/>
+              </a:rPr>
+              <a:t>br</a:t>
+            </a:r>
+            <a:r>
+              <a:rPr lang="pt-BR" sz="1800" dirty="0">
+                <a:solidFill>
+                  <a:schemeClr val="tx1"/>
+                </a:solidFill>
+                <a:latin typeface="Times New Roman" panose="02020603050405020304" pitchFamily="18" charset="0"/>
+                <a:cs typeface="Times New Roman" panose="02020603050405020304" pitchFamily="18" charset="0"/>
+              </a:rPr>
+              <a:t>&gt;&lt;</a:t>
+            </a:r>
+            <a:r>
+              <a:rPr lang="pt-BR" sz="1800" dirty="0" err="1">
+                <a:solidFill>
+                  <a:schemeClr val="tx1"/>
+                </a:solidFill>
+                <a:latin typeface="Times New Roman" panose="02020603050405020304" pitchFamily="18" charset="0"/>
+                <a:cs typeface="Times New Roman" panose="02020603050405020304" pitchFamily="18" charset="0"/>
+              </a:rPr>
+              <a:t>br</a:t>
+            </a:r>
+            <a:r>
+              <a:rPr lang="pt-BR" sz="1800" dirty="0">
+                <a:solidFill>
+                  <a:schemeClr val="tx1"/>
+                </a:solidFill>
+                <a:latin typeface="Times New Roman" panose="02020603050405020304" pitchFamily="18" charset="0"/>
+                <a:cs typeface="Times New Roman" panose="02020603050405020304" pitchFamily="18" charset="0"/>
+              </a:rPr>
+              <a:t>&gt;</a:t>
+            </a:r>
+          </a:p>
+          <a:p>
+            <a:pPr marL="447675" lvl="1" indent="0" algn="just">
+              <a:buNone/>
+            </a:pPr>
+            <a:r>
+              <a:rPr lang="pt-BR" sz="1800" dirty="0">
+                <a:solidFill>
+                  <a:schemeClr val="tx1"/>
+                </a:solidFill>
+                <a:latin typeface="Times New Roman" panose="02020603050405020304" pitchFamily="18" charset="0"/>
+                <a:cs typeface="Times New Roman" panose="02020603050405020304" pitchFamily="18" charset="0"/>
+              </a:rPr>
+              <a:t>  </a:t>
+            </a:r>
+            <a:r>
+              <a:rPr lang="en-US" sz="1800" dirty="0">
+                <a:solidFill>
+                  <a:schemeClr val="tx1"/>
+                </a:solidFill>
+                <a:latin typeface="Times New Roman" panose="02020603050405020304" pitchFamily="18" charset="0"/>
+                <a:cs typeface="Times New Roman" panose="02020603050405020304" pitchFamily="18" charset="0"/>
+              </a:rPr>
+              <a:t>&lt;</a:t>
+            </a:r>
+            <a:r>
+              <a:rPr lang="en-US" sz="1800" b="1" dirty="0">
                 <a:solidFill>
                   <a:schemeClr val="tx1"/>
                 </a:solidFill>
@@ -19774,7 +19637,7 @@
               <a:t>input</a:t>
             </a:r>
             <a:r>
-              <a:rPr lang="pt-BR" sz="2000" dirty="0">
+              <a:rPr lang="en-US" sz="1800" dirty="0">
                 <a:solidFill>
                   <a:schemeClr val="tx1"/>
                 </a:solidFill>
@@ -19784,7 +19647,7 @@
               <a:t> </a:t>
             </a:r>
             <a:r>
-              <a:rPr lang="pt-BR" sz="2000" b="1" dirty="0" err="1">
+              <a:rPr lang="en-US" sz="1800" b="1" dirty="0">
                 <a:solidFill>
                   <a:srgbClr val="FF0000"/>
                 </a:solidFill>
@@ -19794,247 +19657,62 @@
               <a:t>type</a:t>
             </a:r>
             <a:r>
-              <a:rPr lang="pt-BR" sz="2000" dirty="0">
-                <a:solidFill>
-                  <a:schemeClr val="tx1"/>
-                </a:solidFill>
-                <a:latin typeface="Times New Roman" panose="02020603050405020304" pitchFamily="18" charset="0"/>
-                <a:cs typeface="Times New Roman" panose="02020603050405020304" pitchFamily="18" charset="0"/>
-              </a:rPr>
-              <a:t>="</a:t>
-            </a:r>
-            <a:r>
-              <a:rPr lang="pt-BR" sz="2000" dirty="0" err="1">
-                <a:solidFill>
-                  <a:schemeClr val="tx1"/>
-                </a:solidFill>
-                <a:latin typeface="Times New Roman" panose="02020603050405020304" pitchFamily="18" charset="0"/>
-                <a:cs typeface="Times New Roman" panose="02020603050405020304" pitchFamily="18" charset="0"/>
-              </a:rPr>
-              <a:t>text</a:t>
-            </a:r>
-            <a:r>
-              <a:rPr lang="pt-BR" sz="2000" dirty="0">
-                <a:solidFill>
-                  <a:schemeClr val="tx1"/>
-                </a:solidFill>
-                <a:latin typeface="Times New Roman" panose="02020603050405020304" pitchFamily="18" charset="0"/>
-                <a:cs typeface="Times New Roman" panose="02020603050405020304" pitchFamily="18" charset="0"/>
-              </a:rPr>
-              <a:t>“  </a:t>
-            </a:r>
-            <a:r>
-              <a:rPr lang="pt-BR" sz="2000" b="1" dirty="0" err="1">
+              <a:rPr lang="en-US" sz="1800" dirty="0">
+                <a:solidFill>
+                  <a:schemeClr val="tx1"/>
+                </a:solidFill>
+                <a:latin typeface="Times New Roman" panose="02020603050405020304" pitchFamily="18" charset="0"/>
+                <a:cs typeface="Times New Roman" panose="02020603050405020304" pitchFamily="18" charset="0"/>
+              </a:rPr>
+              <a:t>="submit" </a:t>
+            </a:r>
+            <a:r>
+              <a:rPr lang="en-US" sz="1800" b="1" dirty="0">
                 <a:solidFill>
                   <a:srgbClr val="FF0000"/>
                 </a:solidFill>
                 <a:latin typeface="Times New Roman" panose="02020603050405020304" pitchFamily="18" charset="0"/>
                 <a:cs typeface="Times New Roman" panose="02020603050405020304" pitchFamily="18" charset="0"/>
               </a:rPr>
-              <a:t>name</a:t>
-            </a:r>
-            <a:r>
-              <a:rPr lang="pt-BR" sz="2000" dirty="0">
-                <a:solidFill>
-                  <a:schemeClr val="tx1"/>
-                </a:solidFill>
-                <a:latin typeface="Times New Roman" panose="02020603050405020304" pitchFamily="18" charset="0"/>
-                <a:cs typeface="Times New Roman" panose="02020603050405020304" pitchFamily="18" charset="0"/>
-              </a:rPr>
-              <a:t>="nome“  </a:t>
-            </a:r>
-            <a:r>
-              <a:rPr lang="pt-BR" sz="2000" b="1" dirty="0">
-                <a:solidFill>
-                  <a:srgbClr val="FF0000"/>
-                </a:solidFill>
-                <a:latin typeface="Times New Roman" panose="02020603050405020304" pitchFamily="18" charset="0"/>
-                <a:cs typeface="Times New Roman" panose="02020603050405020304" pitchFamily="18" charset="0"/>
-              </a:rPr>
-              <a:t>id</a:t>
-            </a:r>
-            <a:r>
-              <a:rPr lang="pt-BR" sz="2000" dirty="0">
-                <a:solidFill>
-                  <a:schemeClr val="tx1"/>
-                </a:solidFill>
-                <a:latin typeface="Times New Roman" panose="02020603050405020304" pitchFamily="18" charset="0"/>
-                <a:cs typeface="Times New Roman" panose="02020603050405020304" pitchFamily="18" charset="0"/>
-              </a:rPr>
-              <a:t>="nome“ </a:t>
-            </a:r>
-            <a:r>
-              <a:rPr lang="pt-BR" sz="2000" b="1" dirty="0" err="1">
-                <a:solidFill>
-                  <a:srgbClr val="FF0000"/>
-                </a:solidFill>
-                <a:latin typeface="Times New Roman" panose="02020603050405020304" pitchFamily="18" charset="0"/>
-                <a:cs typeface="Times New Roman" panose="02020603050405020304" pitchFamily="18" charset="0"/>
-              </a:rPr>
-              <a:t>size</a:t>
-            </a:r>
-            <a:r>
-              <a:rPr lang="pt-BR" sz="2000" dirty="0">
-                <a:solidFill>
-                  <a:schemeClr val="tx1"/>
-                </a:solidFill>
-                <a:latin typeface="Times New Roman" panose="02020603050405020304" pitchFamily="18" charset="0"/>
-                <a:cs typeface="Times New Roman" panose="02020603050405020304" pitchFamily="18" charset="0"/>
-              </a:rPr>
-              <a:t>="80“ </a:t>
-            </a:r>
-          </a:p>
-          <a:p>
-            <a:pPr marL="0" indent="0" algn="just">
-              <a:buNone/>
-            </a:pPr>
-            <a:r>
-              <a:rPr lang="pt-BR" sz="2000" dirty="0">
-                <a:solidFill>
-                  <a:schemeClr val="tx1"/>
-                </a:solidFill>
-                <a:latin typeface="Times New Roman" panose="02020603050405020304" pitchFamily="18" charset="0"/>
-                <a:cs typeface="Times New Roman" panose="02020603050405020304" pitchFamily="18" charset="0"/>
-              </a:rPr>
-              <a:t>			   </a:t>
-            </a:r>
-            <a:r>
-              <a:rPr lang="pt-BR" sz="2000" b="1" dirty="0" err="1">
-                <a:solidFill>
-                  <a:srgbClr val="FF0000"/>
-                </a:solidFill>
-                <a:latin typeface="Times New Roman" panose="02020603050405020304" pitchFamily="18" charset="0"/>
-                <a:cs typeface="Times New Roman" panose="02020603050405020304" pitchFamily="18" charset="0"/>
-              </a:rPr>
-              <a:t>maxlength</a:t>
-            </a:r>
-            <a:r>
-              <a:rPr lang="pt-BR" sz="2000" dirty="0">
-                <a:solidFill>
-                  <a:schemeClr val="tx1"/>
-                </a:solidFill>
-                <a:latin typeface="Times New Roman" panose="02020603050405020304" pitchFamily="18" charset="0"/>
-                <a:cs typeface="Times New Roman" panose="02020603050405020304" pitchFamily="18" charset="0"/>
-              </a:rPr>
-              <a:t>="60“	</a:t>
-            </a:r>
-            <a:r>
-              <a:rPr lang="pt-BR" sz="2000" b="1" dirty="0" err="1">
-                <a:solidFill>
-                  <a:srgbClr val="FF0000"/>
-                </a:solidFill>
-                <a:latin typeface="Times New Roman" panose="02020603050405020304" pitchFamily="18" charset="0"/>
-                <a:cs typeface="Times New Roman" panose="02020603050405020304" pitchFamily="18" charset="0"/>
-              </a:rPr>
-              <a:t>required</a:t>
-            </a:r>
-            <a:r>
-              <a:rPr lang="pt-BR" sz="2000" dirty="0">
-                <a:solidFill>
-                  <a:schemeClr val="tx1"/>
-                </a:solidFill>
-                <a:latin typeface="Times New Roman" panose="02020603050405020304" pitchFamily="18" charset="0"/>
-                <a:cs typeface="Times New Roman" panose="02020603050405020304" pitchFamily="18" charset="0"/>
-              </a:rPr>
-              <a:t>  /&gt;</a:t>
-            </a:r>
-          </a:p>
-          <a:p>
-            <a:pPr marL="0" indent="0" algn="just">
-              <a:buNone/>
-            </a:pPr>
-            <a:r>
-              <a:rPr lang="pt-BR" sz="2000" dirty="0">
-                <a:solidFill>
-                  <a:schemeClr val="tx1"/>
-                </a:solidFill>
-                <a:latin typeface="Times New Roman" panose="02020603050405020304" pitchFamily="18" charset="0"/>
-                <a:cs typeface="Times New Roman" panose="02020603050405020304" pitchFamily="18" charset="0"/>
-              </a:rPr>
-              <a:t>        	&lt;/</a:t>
-            </a:r>
-            <a:r>
-              <a:rPr lang="pt-BR" sz="2000" dirty="0" err="1">
-                <a:solidFill>
-                  <a:schemeClr val="tx1"/>
-                </a:solidFill>
-                <a:latin typeface="Times New Roman" panose="02020603050405020304" pitchFamily="18" charset="0"/>
-                <a:cs typeface="Times New Roman" panose="02020603050405020304" pitchFamily="18" charset="0"/>
-              </a:rPr>
-              <a:t>label</a:t>
-            </a:r>
-            <a:r>
-              <a:rPr lang="pt-BR" sz="2000" dirty="0">
-                <a:solidFill>
-                  <a:schemeClr val="tx1"/>
-                </a:solidFill>
-                <a:latin typeface="Times New Roman" panose="02020603050405020304" pitchFamily="18" charset="0"/>
-                <a:cs typeface="Times New Roman" panose="02020603050405020304" pitchFamily="18" charset="0"/>
-              </a:rPr>
-              <a:t>&gt;</a:t>
-            </a:r>
-          </a:p>
-          <a:p>
-            <a:pPr marL="0" indent="0" algn="just">
-              <a:buNone/>
-            </a:pPr>
-            <a:r>
-              <a:rPr lang="pt-BR" sz="2000" dirty="0">
-                <a:solidFill>
-                  <a:schemeClr val="tx1"/>
-                </a:solidFill>
-                <a:latin typeface="Times New Roman" panose="02020603050405020304" pitchFamily="18" charset="0"/>
-                <a:cs typeface="Times New Roman" panose="02020603050405020304" pitchFamily="18" charset="0"/>
-              </a:rPr>
-              <a:t>        &lt;</a:t>
-            </a:r>
-            <a:r>
-              <a:rPr lang="pt-BR" sz="2000" b="1" dirty="0">
-                <a:solidFill>
-                  <a:schemeClr val="tx1"/>
-                </a:solidFill>
-                <a:latin typeface="Times New Roman" panose="02020603050405020304" pitchFamily="18" charset="0"/>
-                <a:cs typeface="Times New Roman" panose="02020603050405020304" pitchFamily="18" charset="0"/>
-              </a:rPr>
-              <a:t>p</a:t>
-            </a:r>
-            <a:r>
-              <a:rPr lang="pt-BR" sz="2000" dirty="0">
-                <a:solidFill>
-                  <a:schemeClr val="tx1"/>
-                </a:solidFill>
-                <a:latin typeface="Times New Roman" panose="02020603050405020304" pitchFamily="18" charset="0"/>
-                <a:cs typeface="Times New Roman" panose="02020603050405020304" pitchFamily="18" charset="0"/>
-              </a:rPr>
-              <a:t>&gt;&lt;/p&gt;</a:t>
-            </a:r>
-          </a:p>
-          <a:p>
-            <a:pPr marL="0" indent="0" algn="just">
-              <a:buNone/>
-            </a:pPr>
-            <a:r>
-              <a:rPr lang="pt-BR" sz="2000" dirty="0">
-                <a:solidFill>
-                  <a:schemeClr val="tx1"/>
-                </a:solidFill>
-                <a:latin typeface="Times New Roman" panose="02020603050405020304" pitchFamily="18" charset="0"/>
-                <a:cs typeface="Times New Roman" panose="02020603050405020304" pitchFamily="18" charset="0"/>
-              </a:rPr>
-              <a:t>      &lt;/</a:t>
-            </a:r>
-            <a:r>
-              <a:rPr lang="pt-BR" sz="2000" dirty="0" err="1">
-                <a:solidFill>
-                  <a:schemeClr val="tx1"/>
-                </a:solidFill>
-                <a:latin typeface="Times New Roman" panose="02020603050405020304" pitchFamily="18" charset="0"/>
-                <a:cs typeface="Times New Roman" panose="02020603050405020304" pitchFamily="18" charset="0"/>
-              </a:rPr>
-              <a:t>div</a:t>
-            </a:r>
-            <a:r>
-              <a:rPr lang="pt-BR" sz="2000" dirty="0">
+              <a:t>value</a:t>
+            </a:r>
+            <a:r>
+              <a:rPr lang="en-US" sz="1800" dirty="0">
+                <a:solidFill>
+                  <a:schemeClr val="tx1"/>
+                </a:solidFill>
+                <a:latin typeface="Times New Roman" panose="02020603050405020304" pitchFamily="18" charset="0"/>
+                <a:cs typeface="Times New Roman" panose="02020603050405020304" pitchFamily="18" charset="0"/>
+              </a:rPr>
+              <a:t>="Submit"&gt;</a:t>
+            </a:r>
+          </a:p>
+          <a:p>
+            <a:pPr marL="0" indent="0" algn="just">
+              <a:buNone/>
+            </a:pPr>
+            <a:r>
+              <a:rPr lang="pt-BR" sz="1800" dirty="0">
+                <a:solidFill>
+                  <a:schemeClr val="tx1"/>
+                </a:solidFill>
+                <a:latin typeface="Times New Roman" panose="02020603050405020304" pitchFamily="18" charset="0"/>
+                <a:cs typeface="Times New Roman" panose="02020603050405020304" pitchFamily="18" charset="0"/>
+              </a:rPr>
+              <a:t>&lt;/</a:t>
+            </a:r>
+            <a:r>
+              <a:rPr lang="pt-BR" sz="1800" dirty="0" err="1">
+                <a:solidFill>
+                  <a:schemeClr val="tx1"/>
+                </a:solidFill>
+                <a:latin typeface="Times New Roman" panose="02020603050405020304" pitchFamily="18" charset="0"/>
+                <a:cs typeface="Times New Roman" panose="02020603050405020304" pitchFamily="18" charset="0"/>
+              </a:rPr>
+              <a:t>form</a:t>
+            </a:r>
+            <a:r>
+              <a:rPr lang="pt-BR" sz="1800" dirty="0">
                 <a:solidFill>
                   <a:schemeClr val="tx1"/>
                 </a:solidFill>
@@ -20049,7 +19727,7 @@
     </p:spTree>
     <p:extLst>
       <p:ext uri="{BB962C8B-B14F-4D97-AF65-F5344CB8AC3E}">
-        <p14:creationId xmlns:p14="http://schemas.microsoft.com/office/powerpoint/2010/main" val="1023638232"/>
+        <p14:creationId xmlns:p14="http://schemas.microsoft.com/office/powerpoint/2010/main" val="943449933"/>
       </p:ext>
     </p:extLst>
   </p:cSld>
@@ -20143,7 +19821,7 @@
                 <a:latin typeface="Times New Roman" panose="02020603050405020304" pitchFamily="18" charset="0"/>
                 <a:cs typeface="Times New Roman" panose="02020603050405020304" pitchFamily="18" charset="0"/>
               </a:rPr>
-              <a:t>Exemplo3</a:t>
+              <a:t>Exemplo2</a:t>
             </a:r>
             <a:r>
               <a:rPr lang="pt-BR" sz="2000" dirty="0">
@@ -20180,7 +19858,7 @@
                 <a:latin typeface="Times New Roman" panose="02020603050405020304" pitchFamily="18" charset="0"/>
                 <a:cs typeface="Times New Roman" panose="02020603050405020304" pitchFamily="18" charset="0"/>
               </a:rPr>
-              <a:t>  &lt;</a:t>
+              <a:t> &lt;</a:t>
             </a:r>
             <a:r>
               <a:rPr lang="pt-BR" sz="2000" b="1" dirty="0" err="1">
@@ -20203,14 +19881,164 @@
               <a:t> </a:t>
             </a:r>
             <a:r>
+              <a:rPr lang="pt-BR" sz="2000" dirty="0" err="1">
+                <a:solidFill>
+                  <a:schemeClr val="tx1"/>
+                </a:solidFill>
+                <a:latin typeface="Times New Roman" panose="02020603050405020304" pitchFamily="18" charset="0"/>
+                <a:cs typeface="Times New Roman" panose="02020603050405020304" pitchFamily="18" charset="0"/>
+              </a:rPr>
+              <a:t>action</a:t>
+            </a:r>
+            <a:r>
+              <a:rPr lang="pt-BR" sz="2000" dirty="0">
+                <a:solidFill>
+                  <a:schemeClr val="tx1"/>
+                </a:solidFill>
+                <a:latin typeface="Times New Roman" panose="02020603050405020304" pitchFamily="18" charset="0"/>
+                <a:cs typeface="Times New Roman" panose="02020603050405020304" pitchFamily="18" charset="0"/>
+              </a:rPr>
+              <a:t>="</a:t>
+            </a:r>
+            <a:r>
+              <a:rPr lang="pt-BR" sz="2000" dirty="0" err="1">
+                <a:solidFill>
+                  <a:schemeClr val="tx1"/>
+                </a:solidFill>
+                <a:latin typeface="Times New Roman" panose="02020603050405020304" pitchFamily="18" charset="0"/>
+                <a:cs typeface="Times New Roman" panose="02020603050405020304" pitchFamily="18" charset="0"/>
+              </a:rPr>
+              <a:t>FCadAluno.php</a:t>
+            </a:r>
+            <a:r>
+              <a:rPr lang="pt-BR" sz="2000" dirty="0">
+                <a:solidFill>
+                  <a:schemeClr val="tx1"/>
+                </a:solidFill>
+                <a:latin typeface="Times New Roman" panose="02020603050405020304" pitchFamily="18" charset="0"/>
+                <a:cs typeface="Times New Roman" panose="02020603050405020304" pitchFamily="18" charset="0"/>
+              </a:rPr>
+              <a:t>" </a:t>
+            </a:r>
+            <a:r>
+              <a:rPr lang="pt-BR" sz="2000" dirty="0" err="1">
+                <a:solidFill>
+                  <a:schemeClr val="tx1"/>
+                </a:solidFill>
+                <a:latin typeface="Times New Roman" panose="02020603050405020304" pitchFamily="18" charset="0"/>
+                <a:cs typeface="Times New Roman" panose="02020603050405020304" pitchFamily="18" charset="0"/>
+              </a:rPr>
+              <a:t>method</a:t>
+            </a:r>
+            <a:r>
+              <a:rPr lang="pt-BR" sz="2000" dirty="0">
+                <a:solidFill>
+                  <a:schemeClr val="tx1"/>
+                </a:solidFill>
+                <a:latin typeface="Times New Roman" panose="02020603050405020304" pitchFamily="18" charset="0"/>
+                <a:cs typeface="Times New Roman" panose="02020603050405020304" pitchFamily="18" charset="0"/>
+              </a:rPr>
+              <a:t>="</a:t>
+            </a:r>
+            <a:r>
+              <a:rPr lang="pt-BR" sz="2000" dirty="0" err="1">
+                <a:solidFill>
+                  <a:schemeClr val="tx1"/>
+                </a:solidFill>
+                <a:latin typeface="Times New Roman" panose="02020603050405020304" pitchFamily="18" charset="0"/>
+                <a:cs typeface="Times New Roman" panose="02020603050405020304" pitchFamily="18" charset="0"/>
+              </a:rPr>
+              <a:t>get</a:t>
+            </a:r>
+            <a:r>
+              <a:rPr lang="pt-BR" sz="2000" dirty="0">
+                <a:solidFill>
+                  <a:schemeClr val="tx1"/>
+                </a:solidFill>
+                <a:latin typeface="Times New Roman" panose="02020603050405020304" pitchFamily="18" charset="0"/>
+                <a:cs typeface="Times New Roman" panose="02020603050405020304" pitchFamily="18" charset="0"/>
+              </a:rPr>
+              <a:t>"&gt;</a:t>
+            </a:r>
+          </a:p>
+          <a:p>
+            <a:pPr marL="0" indent="0" algn="just">
+              <a:buNone/>
+            </a:pPr>
+            <a:r>
+              <a:rPr lang="pt-BR" sz="2000" dirty="0">
+                <a:solidFill>
+                  <a:schemeClr val="tx1"/>
+                </a:solidFill>
+                <a:latin typeface="Times New Roman" panose="02020603050405020304" pitchFamily="18" charset="0"/>
+                <a:cs typeface="Times New Roman" panose="02020603050405020304" pitchFamily="18" charset="0"/>
+              </a:rPr>
+              <a:t>      &lt;</a:t>
+            </a:r>
+            <a:r>
               <a:rPr lang="pt-BR" sz="2000" b="1" dirty="0" err="1">
                 <a:solidFill>
+                  <a:schemeClr val="tx1"/>
+                </a:solidFill>
+                <a:latin typeface="Times New Roman" panose="02020603050405020304" pitchFamily="18" charset="0"/>
+                <a:cs typeface="Times New Roman" panose="02020603050405020304" pitchFamily="18" charset="0"/>
+              </a:rPr>
+              <a:t>div</a:t>
+            </a:r>
+            <a:r>
+              <a:rPr lang="pt-BR" sz="2000" dirty="0">
+                <a:solidFill>
+                  <a:schemeClr val="tx1"/>
+                </a:solidFill>
+                <a:latin typeface="Times New Roman" panose="02020603050405020304" pitchFamily="18" charset="0"/>
+                <a:cs typeface="Times New Roman" panose="02020603050405020304" pitchFamily="18" charset="0"/>
+              </a:rPr>
+              <a:t>&gt;</a:t>
+            </a:r>
+          </a:p>
+          <a:p>
+            <a:pPr marL="0" indent="0" algn="just">
+              <a:buNone/>
+            </a:pPr>
+            <a:r>
+              <a:rPr lang="pt-BR" sz="2000" dirty="0">
+                <a:solidFill>
+                  <a:schemeClr val="tx1"/>
+                </a:solidFill>
+                <a:latin typeface="Times New Roman" panose="02020603050405020304" pitchFamily="18" charset="0"/>
+                <a:cs typeface="Times New Roman" panose="02020603050405020304" pitchFamily="18" charset="0"/>
+              </a:rPr>
+              <a:t>        	&lt;</a:t>
+            </a:r>
+            <a:r>
+              <a:rPr lang="pt-BR" sz="2000" b="1" dirty="0" err="1">
+                <a:solidFill>
+                  <a:schemeClr val="tx1"/>
+                </a:solidFill>
+                <a:latin typeface="Times New Roman" panose="02020603050405020304" pitchFamily="18" charset="0"/>
+                <a:cs typeface="Times New Roman" panose="02020603050405020304" pitchFamily="18" charset="0"/>
+              </a:rPr>
+              <a:t>label</a:t>
+            </a:r>
+            <a:r>
+              <a:rPr lang="pt-BR" sz="2000" dirty="0">
+                <a:solidFill>
+                  <a:schemeClr val="tx1"/>
+                </a:solidFill>
+                <a:latin typeface="Times New Roman" panose="02020603050405020304" pitchFamily="18" charset="0"/>
+                <a:cs typeface="Times New Roman" panose="02020603050405020304" pitchFamily="18" charset="0"/>
+              </a:rPr>
+              <a:t> </a:t>
+            </a:r>
+            <a:r>
+              <a:rPr lang="pt-BR" sz="2000" b="1" dirty="0">
+                <a:solidFill>
                   <a:srgbClr val="FF0000"/>
                 </a:solidFill>
                 <a:latin typeface="Times New Roman" panose="02020603050405020304" pitchFamily="18" charset="0"/>
                 <a:cs typeface="Times New Roman" panose="02020603050405020304" pitchFamily="18" charset="0"/>
               </a:rPr>
-              <a:t>oninput</a:t>
+              <a:t>for</a:t>
             </a:r>
             <a:r>
               <a:rPr lang="pt-BR" sz="2000" dirty="0">
@@ -20220,6 +20048,61 @@
                 <a:latin typeface="Times New Roman" panose="02020603050405020304" pitchFamily="18" charset="0"/>
                 <a:cs typeface="Times New Roman" panose="02020603050405020304" pitchFamily="18" charset="0"/>
               </a:rPr>
+              <a:t>="nome"&gt; Nome</a:t>
+            </a:r>
+          </a:p>
+          <a:p>
+            <a:pPr marL="0" indent="0" algn="just">
+              <a:buNone/>
+            </a:pPr>
+            <a:r>
+              <a:rPr lang="pt-BR" sz="2000" dirty="0">
+                <a:solidFill>
+                  <a:schemeClr val="tx1"/>
+                </a:solidFill>
+                <a:latin typeface="Times New Roman" panose="02020603050405020304" pitchFamily="18" charset="0"/>
+                <a:cs typeface="Times New Roman" panose="02020603050405020304" pitchFamily="18" charset="0"/>
+              </a:rPr>
+              <a:t>          		&lt;</a:t>
+            </a:r>
+            <a:r>
+              <a:rPr lang="pt-BR" sz="2000" b="1" dirty="0">
+                <a:solidFill>
+                  <a:schemeClr val="tx1"/>
+                </a:solidFill>
+                <a:latin typeface="Times New Roman" panose="02020603050405020304" pitchFamily="18" charset="0"/>
+                <a:cs typeface="Times New Roman" panose="02020603050405020304" pitchFamily="18" charset="0"/>
+              </a:rPr>
+              <a:t>input</a:t>
+            </a:r>
+            <a:r>
+              <a:rPr lang="pt-BR" sz="2000" dirty="0">
+                <a:solidFill>
+                  <a:schemeClr val="tx1"/>
+                </a:solidFill>
+                <a:latin typeface="Times New Roman" panose="02020603050405020304" pitchFamily="18" charset="0"/>
+                <a:cs typeface="Times New Roman" panose="02020603050405020304" pitchFamily="18" charset="0"/>
+              </a:rPr>
+              <a:t> </a:t>
+            </a:r>
+            <a:r>
+              <a:rPr lang="pt-BR" sz="2000" b="1" dirty="0" err="1">
+                <a:solidFill>
+                  <a:srgbClr val="FF0000"/>
+                </a:solidFill>
+                <a:latin typeface="Times New Roman" panose="02020603050405020304" pitchFamily="18" charset="0"/>
+                <a:cs typeface="Times New Roman" panose="02020603050405020304" pitchFamily="18" charset="0"/>
+              </a:rPr>
+              <a:t>type</a:t>
+            </a:r>
+            <a:r>
+              <a:rPr lang="pt-BR" sz="2000" dirty="0">
+                <a:solidFill>
+                  <a:schemeClr val="tx1"/>
+                </a:solidFill>
+                <a:latin typeface="Times New Roman" panose="02020603050405020304" pitchFamily="18" charset="0"/>
+                <a:cs typeface="Times New Roman" panose="02020603050405020304" pitchFamily="18" charset="0"/>
+              </a:rPr>
               <a:t>="</a:t>
             </a:r>
             <a:r>
@@ -20230,7 +20113,7 @@
                 <a:latin typeface="Times New Roman" panose="02020603050405020304" pitchFamily="18" charset="0"/>
                 <a:cs typeface="Times New Roman" panose="02020603050405020304" pitchFamily="18" charset="0"/>
               </a:rPr>
-              <a:t>result.value</a:t>
+              <a:t>text</a:t>
             </a:r>
             <a:r>
               <a:rPr lang="pt-BR" sz="2000" dirty="0">
@@ -20240,7 +20123,137 @@
                 <a:latin typeface="Times New Roman" panose="02020603050405020304" pitchFamily="18" charset="0"/>
                 <a:cs typeface="Times New Roman" panose="02020603050405020304" pitchFamily="18" charset="0"/>
               </a:rPr>
-              <a:t> = </a:t>
+              <a:t>“  </a:t>
+            </a:r>
+            <a:r>
+              <a:rPr lang="pt-BR" sz="2000" b="1" dirty="0" err="1">
+                <a:solidFill>
+                  <a:srgbClr val="FF0000"/>
+                </a:solidFill>
+                <a:latin typeface="Times New Roman" panose="02020603050405020304" pitchFamily="18" charset="0"/>
+                <a:cs typeface="Times New Roman" panose="02020603050405020304" pitchFamily="18" charset="0"/>
+              </a:rPr>
+              <a:t>name</a:t>
+            </a:r>
+            <a:r>
+              <a:rPr lang="pt-BR" sz="2000" dirty="0">
+                <a:solidFill>
+                  <a:schemeClr val="tx1"/>
+                </a:solidFill>
+                <a:latin typeface="Times New Roman" panose="02020603050405020304" pitchFamily="18" charset="0"/>
+                <a:cs typeface="Times New Roman" panose="02020603050405020304" pitchFamily="18" charset="0"/>
+              </a:rPr>
+              <a:t>="nome“  </a:t>
+            </a:r>
+            <a:r>
+              <a:rPr lang="pt-BR" sz="2000" b="1" dirty="0">
+                <a:solidFill>
+                  <a:srgbClr val="FF0000"/>
+                </a:solidFill>
+                <a:latin typeface="Times New Roman" panose="02020603050405020304" pitchFamily="18" charset="0"/>
+                <a:cs typeface="Times New Roman" panose="02020603050405020304" pitchFamily="18" charset="0"/>
+              </a:rPr>
+              <a:t>id</a:t>
+            </a:r>
+            <a:r>
+              <a:rPr lang="pt-BR" sz="2000" dirty="0">
+                <a:solidFill>
+                  <a:schemeClr val="tx1"/>
+                </a:solidFill>
+                <a:latin typeface="Times New Roman" panose="02020603050405020304" pitchFamily="18" charset="0"/>
+                <a:cs typeface="Times New Roman" panose="02020603050405020304" pitchFamily="18" charset="0"/>
+              </a:rPr>
+              <a:t>="nome“ </a:t>
+            </a:r>
+            <a:r>
+              <a:rPr lang="pt-BR" sz="2000" b="1" dirty="0" err="1">
+                <a:solidFill>
+                  <a:srgbClr val="FF0000"/>
+                </a:solidFill>
+                <a:latin typeface="Times New Roman" panose="02020603050405020304" pitchFamily="18" charset="0"/>
+                <a:cs typeface="Times New Roman" panose="02020603050405020304" pitchFamily="18" charset="0"/>
+              </a:rPr>
+              <a:t>size</a:t>
+            </a:r>
+            <a:r>
+              <a:rPr lang="pt-BR" sz="2000" dirty="0">
+                <a:solidFill>
+                  <a:schemeClr val="tx1"/>
+                </a:solidFill>
+                <a:latin typeface="Times New Roman" panose="02020603050405020304" pitchFamily="18" charset="0"/>
+                <a:cs typeface="Times New Roman" panose="02020603050405020304" pitchFamily="18" charset="0"/>
+              </a:rPr>
+              <a:t>="80“ </a:t>
+            </a:r>
+          </a:p>
+          <a:p>
+            <a:pPr marL="0" indent="0" algn="just">
+              <a:buNone/>
+            </a:pPr>
+            <a:r>
+              <a:rPr lang="pt-BR" sz="2000" dirty="0">
+                <a:solidFill>
+                  <a:schemeClr val="tx1"/>
+                </a:solidFill>
+                <a:latin typeface="Times New Roman" panose="02020603050405020304" pitchFamily="18" charset="0"/>
+                <a:cs typeface="Times New Roman" panose="02020603050405020304" pitchFamily="18" charset="0"/>
+              </a:rPr>
+              <a:t>			   </a:t>
+            </a:r>
+            <a:r>
+              <a:rPr lang="pt-BR" sz="2000" b="1" dirty="0" err="1">
+                <a:solidFill>
+                  <a:srgbClr val="FF0000"/>
+                </a:solidFill>
+                <a:latin typeface="Times New Roman" panose="02020603050405020304" pitchFamily="18" charset="0"/>
+                <a:cs typeface="Times New Roman" panose="02020603050405020304" pitchFamily="18" charset="0"/>
+              </a:rPr>
+              <a:t>maxlength</a:t>
+            </a:r>
+            <a:r>
+              <a:rPr lang="pt-BR" sz="2000" dirty="0">
+                <a:solidFill>
+                  <a:schemeClr val="tx1"/>
+                </a:solidFill>
+                <a:latin typeface="Times New Roman" panose="02020603050405020304" pitchFamily="18" charset="0"/>
+                <a:cs typeface="Times New Roman" panose="02020603050405020304" pitchFamily="18" charset="0"/>
+              </a:rPr>
+              <a:t>="60“	</a:t>
+            </a:r>
+            <a:r>
+              <a:rPr lang="pt-BR" sz="2000" b="1" dirty="0" err="1">
+                <a:solidFill>
+                  <a:srgbClr val="FF0000"/>
+                </a:solidFill>
+                <a:latin typeface="Times New Roman" panose="02020603050405020304" pitchFamily="18" charset="0"/>
+                <a:cs typeface="Times New Roman" panose="02020603050405020304" pitchFamily="18" charset="0"/>
+              </a:rPr>
+              <a:t>required</a:t>
+            </a:r>
+            <a:r>
+              <a:rPr lang="pt-BR" sz="2000" dirty="0">
+                <a:solidFill>
+                  <a:schemeClr val="tx1"/>
+                </a:solidFill>
+                <a:latin typeface="Times New Roman" panose="02020603050405020304" pitchFamily="18" charset="0"/>
+                <a:cs typeface="Times New Roman" panose="02020603050405020304" pitchFamily="18" charset="0"/>
+              </a:rPr>
+              <a:t>  /&gt;</a:t>
+            </a:r>
+          </a:p>
+          <a:p>
+            <a:pPr marL="0" indent="0" algn="just">
+              <a:buNone/>
+            </a:pPr>
+            <a:r>
+              <a:rPr lang="pt-BR" sz="2000" dirty="0">
+                <a:solidFill>
+                  <a:schemeClr val="tx1"/>
+                </a:solidFill>
+                <a:latin typeface="Times New Roman" panose="02020603050405020304" pitchFamily="18" charset="0"/>
+                <a:cs typeface="Times New Roman" panose="02020603050405020304" pitchFamily="18" charset="0"/>
+              </a:rPr>
+              <a:t>        	&lt;/</a:t>
             </a:r>
             <a:r>
               <a:rPr lang="pt-BR" sz="2000" dirty="0" err="1">
@@ -20250,7 +20263,7 @@
                 <a:latin typeface="Times New Roman" panose="02020603050405020304" pitchFamily="18" charset="0"/>
                 <a:cs typeface="Times New Roman" panose="02020603050405020304" pitchFamily="18" charset="0"/>
               </a:rPr>
-              <a:t>parseInt</a:t>
+              <a:t>label</a:t>
             </a:r>
             <a:r>
               <a:rPr lang="pt-BR" sz="2000" dirty="0">
@@ -20260,7 +20273,57 @@
                 <a:latin typeface="Times New Roman" panose="02020603050405020304" pitchFamily="18" charset="0"/>
                 <a:cs typeface="Times New Roman" panose="02020603050405020304" pitchFamily="18" charset="0"/>
               </a:rPr>
-              <a:t>(</a:t>
+              <a:t>&gt;</a:t>
+            </a:r>
+          </a:p>
+          <a:p>
+            <a:pPr marL="0" indent="0" algn="just">
+              <a:buNone/>
+            </a:pPr>
+            <a:r>
+              <a:rPr lang="pt-BR" sz="2000" dirty="0">
+                <a:solidFill>
+                  <a:schemeClr val="tx1"/>
+                </a:solidFill>
+                <a:latin typeface="Times New Roman" panose="02020603050405020304" pitchFamily="18" charset="0"/>
+                <a:cs typeface="Times New Roman" panose="02020603050405020304" pitchFamily="18" charset="0"/>
+              </a:rPr>
+              <a:t>        &lt;</a:t>
+            </a:r>
+            <a:r>
+              <a:rPr lang="pt-BR" sz="2000" b="1" dirty="0">
+                <a:solidFill>
+                  <a:schemeClr val="tx1"/>
+                </a:solidFill>
+                <a:latin typeface="Times New Roman" panose="02020603050405020304" pitchFamily="18" charset="0"/>
+                <a:cs typeface="Times New Roman" panose="02020603050405020304" pitchFamily="18" charset="0"/>
+              </a:rPr>
+              <a:t>p</a:t>
+            </a:r>
+            <a:r>
+              <a:rPr lang="pt-BR" sz="2000" dirty="0">
+                <a:solidFill>
+                  <a:schemeClr val="tx1"/>
+                </a:solidFill>
+                <a:latin typeface="Times New Roman" panose="02020603050405020304" pitchFamily="18" charset="0"/>
+                <a:cs typeface="Times New Roman" panose="02020603050405020304" pitchFamily="18" charset="0"/>
+              </a:rPr>
+              <a:t>&gt;&lt;/p&gt;</a:t>
+            </a:r>
+          </a:p>
+          <a:p>
+            <a:pPr marL="0" indent="0" algn="just">
+              <a:buNone/>
+            </a:pPr>
+            <a:r>
+              <a:rPr lang="pt-BR" sz="2000" dirty="0">
+                <a:solidFill>
+                  <a:schemeClr val="tx1"/>
+                </a:solidFill>
+                <a:latin typeface="Times New Roman" panose="02020603050405020304" pitchFamily="18" charset="0"/>
+                <a:cs typeface="Times New Roman" panose="02020603050405020304" pitchFamily="18" charset="0"/>
+              </a:rPr>
+              <a:t>      &lt;/</a:t>
             </a:r>
             <a:r>
               <a:rPr lang="pt-BR" sz="2000" dirty="0" err="1">
@@ -20270,337 +20333,7 @@
                 <a:latin typeface="Times New Roman" panose="02020603050405020304" pitchFamily="18" charset="0"/>
                 <a:cs typeface="Times New Roman" panose="02020603050405020304" pitchFamily="18" charset="0"/>
               </a:rPr>
-              <a:t>a.value</a:t>
-            </a:r>
-            <a:r>
-              <a:rPr lang="pt-BR" sz="2000" dirty="0">
-                <a:solidFill>
-                  <a:schemeClr val="tx1"/>
-                </a:solidFill>
-                <a:latin typeface="Times New Roman" panose="02020603050405020304" pitchFamily="18" charset="0"/>
-                <a:cs typeface="Times New Roman" panose="02020603050405020304" pitchFamily="18" charset="0"/>
-              </a:rPr>
-              <a:t>) + </a:t>
-            </a:r>
-            <a:r>
-              <a:rPr lang="pt-BR" sz="2000" dirty="0" err="1">
-                <a:solidFill>
-                  <a:schemeClr val="tx1"/>
-                </a:solidFill>
-                <a:latin typeface="Times New Roman" panose="02020603050405020304" pitchFamily="18" charset="0"/>
-                <a:cs typeface="Times New Roman" panose="02020603050405020304" pitchFamily="18" charset="0"/>
-              </a:rPr>
-              <a:t>parseInt</a:t>
-            </a:r>
-            <a:r>
-              <a:rPr lang="pt-BR" sz="2000" dirty="0">
-                <a:solidFill>
-                  <a:schemeClr val="tx1"/>
-                </a:solidFill>
-                <a:latin typeface="Times New Roman" panose="02020603050405020304" pitchFamily="18" charset="0"/>
-                <a:cs typeface="Times New Roman" panose="02020603050405020304" pitchFamily="18" charset="0"/>
-              </a:rPr>
-              <a:t>(</a:t>
-            </a:r>
-            <a:r>
-              <a:rPr lang="pt-BR" sz="2000" dirty="0" err="1">
-                <a:solidFill>
-                  <a:schemeClr val="tx1"/>
-                </a:solidFill>
-                <a:latin typeface="Times New Roman" panose="02020603050405020304" pitchFamily="18" charset="0"/>
-                <a:cs typeface="Times New Roman" panose="02020603050405020304" pitchFamily="18" charset="0"/>
-              </a:rPr>
-              <a:t>b.value</a:t>
-            </a:r>
-            <a:r>
-              <a:rPr lang="pt-BR" sz="2000" dirty="0">
-                <a:solidFill>
-                  <a:schemeClr val="tx1"/>
-                </a:solidFill>
-                <a:latin typeface="Times New Roman" panose="02020603050405020304" pitchFamily="18" charset="0"/>
-                <a:cs typeface="Times New Roman" panose="02020603050405020304" pitchFamily="18" charset="0"/>
-              </a:rPr>
-              <a:t>)"&gt;</a:t>
-            </a:r>
-          </a:p>
-          <a:p>
-            <a:pPr marL="0" indent="0" algn="just">
-              <a:buNone/>
-            </a:pPr>
-            <a:r>
-              <a:rPr lang="pt-BR" sz="2000" dirty="0">
-                <a:solidFill>
-                  <a:schemeClr val="tx1"/>
-                </a:solidFill>
-                <a:latin typeface="Times New Roman" panose="02020603050405020304" pitchFamily="18" charset="0"/>
-                <a:cs typeface="Times New Roman" panose="02020603050405020304" pitchFamily="18" charset="0"/>
-              </a:rPr>
-              <a:t>	0 &lt;</a:t>
-            </a:r>
-            <a:r>
-              <a:rPr lang="pt-BR" sz="2000" b="1" dirty="0">
-                <a:solidFill>
-                  <a:schemeClr val="tx1"/>
-                </a:solidFill>
-                <a:latin typeface="Times New Roman" panose="02020603050405020304" pitchFamily="18" charset="0"/>
-                <a:cs typeface="Times New Roman" panose="02020603050405020304" pitchFamily="18" charset="0"/>
-              </a:rPr>
-              <a:t>input</a:t>
-            </a:r>
-            <a:r>
-              <a:rPr lang="pt-BR" sz="2000" dirty="0">
-                <a:solidFill>
-                  <a:schemeClr val="tx1"/>
-                </a:solidFill>
-                <a:latin typeface="Times New Roman" panose="02020603050405020304" pitchFamily="18" charset="0"/>
-                <a:cs typeface="Times New Roman" panose="02020603050405020304" pitchFamily="18" charset="0"/>
-              </a:rPr>
-              <a:t> </a:t>
-            </a:r>
-            <a:r>
-              <a:rPr lang="pt-BR" sz="2000" b="1" dirty="0" err="1">
-                <a:solidFill>
-                  <a:srgbClr val="FF0000"/>
-                </a:solidFill>
-                <a:latin typeface="Times New Roman" panose="02020603050405020304" pitchFamily="18" charset="0"/>
-                <a:cs typeface="Times New Roman" panose="02020603050405020304" pitchFamily="18" charset="0"/>
-              </a:rPr>
-              <a:t>type</a:t>
-            </a:r>
-            <a:r>
-              <a:rPr lang="pt-BR" sz="2000" dirty="0">
-                <a:solidFill>
-                  <a:schemeClr val="tx1"/>
-                </a:solidFill>
-                <a:latin typeface="Times New Roman" panose="02020603050405020304" pitchFamily="18" charset="0"/>
-                <a:cs typeface="Times New Roman" panose="02020603050405020304" pitchFamily="18" charset="0"/>
-              </a:rPr>
-              <a:t>="range" </a:t>
-            </a:r>
-            <a:r>
-              <a:rPr lang="pt-BR" sz="2000" b="1" dirty="0" err="1">
-                <a:solidFill>
-                  <a:srgbClr val="FF0000"/>
-                </a:solidFill>
-                <a:latin typeface="Times New Roman" panose="02020603050405020304" pitchFamily="18" charset="0"/>
-                <a:cs typeface="Times New Roman" panose="02020603050405020304" pitchFamily="18" charset="0"/>
-              </a:rPr>
-              <a:t>name</a:t>
-            </a:r>
-            <a:r>
-              <a:rPr lang="pt-BR" sz="2000" dirty="0">
-                <a:solidFill>
-                  <a:schemeClr val="tx1"/>
-                </a:solidFill>
-                <a:latin typeface="Times New Roman" panose="02020603050405020304" pitchFamily="18" charset="0"/>
-                <a:cs typeface="Times New Roman" panose="02020603050405020304" pitchFamily="18" charset="0"/>
-              </a:rPr>
-              <a:t>="b" </a:t>
-            </a:r>
-            <a:r>
-              <a:rPr lang="pt-BR" sz="2000" b="1" dirty="0" err="1">
-                <a:solidFill>
-                  <a:srgbClr val="FF0000"/>
-                </a:solidFill>
-                <a:latin typeface="Times New Roman" panose="02020603050405020304" pitchFamily="18" charset="0"/>
-                <a:cs typeface="Times New Roman" panose="02020603050405020304" pitchFamily="18" charset="0"/>
-              </a:rPr>
-              <a:t>value</a:t>
-            </a:r>
-            <a:r>
-              <a:rPr lang="pt-BR" sz="2000" dirty="0">
-                <a:solidFill>
-                  <a:schemeClr val="tx1"/>
-                </a:solidFill>
-                <a:latin typeface="Times New Roman" panose="02020603050405020304" pitchFamily="18" charset="0"/>
-                <a:cs typeface="Times New Roman" panose="02020603050405020304" pitchFamily="18" charset="0"/>
-              </a:rPr>
-              <a:t>="50" /&gt; 100 + &lt;</a:t>
-            </a:r>
-            <a:r>
-              <a:rPr lang="pt-BR" sz="2000" b="1" dirty="0">
-                <a:solidFill>
-                  <a:schemeClr val="tx1"/>
-                </a:solidFill>
-                <a:latin typeface="Times New Roman" panose="02020603050405020304" pitchFamily="18" charset="0"/>
-                <a:cs typeface="Times New Roman" panose="02020603050405020304" pitchFamily="18" charset="0"/>
-              </a:rPr>
-              <a:t>input</a:t>
-            </a:r>
-            <a:r>
-              <a:rPr lang="pt-BR" sz="2000" dirty="0">
-                <a:solidFill>
-                  <a:schemeClr val="tx1"/>
-                </a:solidFill>
-                <a:latin typeface="Times New Roman" panose="02020603050405020304" pitchFamily="18" charset="0"/>
-                <a:cs typeface="Times New Roman" panose="02020603050405020304" pitchFamily="18" charset="0"/>
-              </a:rPr>
-              <a:t> </a:t>
-            </a:r>
-            <a:r>
-              <a:rPr lang="pt-BR" sz="2000" b="1" dirty="0" err="1">
-                <a:solidFill>
-                  <a:srgbClr val="FF0000"/>
-                </a:solidFill>
-                <a:latin typeface="Times New Roman" panose="02020603050405020304" pitchFamily="18" charset="0"/>
-                <a:cs typeface="Times New Roman" panose="02020603050405020304" pitchFamily="18" charset="0"/>
-              </a:rPr>
-              <a:t>type</a:t>
-            </a:r>
-            <a:r>
-              <a:rPr lang="pt-BR" sz="2000" dirty="0">
-                <a:solidFill>
-                  <a:schemeClr val="tx1"/>
-                </a:solidFill>
-                <a:latin typeface="Times New Roman" panose="02020603050405020304" pitchFamily="18" charset="0"/>
-                <a:cs typeface="Times New Roman" panose="02020603050405020304" pitchFamily="18" charset="0"/>
-              </a:rPr>
-              <a:t>="</a:t>
-            </a:r>
-            <a:r>
-              <a:rPr lang="pt-BR" sz="2000" dirty="0" err="1">
-                <a:solidFill>
-                  <a:schemeClr val="tx1"/>
-                </a:solidFill>
-                <a:latin typeface="Times New Roman" panose="02020603050405020304" pitchFamily="18" charset="0"/>
-                <a:cs typeface="Times New Roman" panose="02020603050405020304" pitchFamily="18" charset="0"/>
-              </a:rPr>
-              <a:t>number</a:t>
-            </a:r>
-            <a:r>
-              <a:rPr lang="pt-BR" sz="2000" dirty="0">
-                <a:solidFill>
-                  <a:schemeClr val="tx1"/>
-                </a:solidFill>
-                <a:latin typeface="Times New Roman" panose="02020603050405020304" pitchFamily="18" charset="0"/>
-                <a:cs typeface="Times New Roman" panose="02020603050405020304" pitchFamily="18" charset="0"/>
-              </a:rPr>
-              <a:t>" </a:t>
-            </a:r>
-            <a:r>
-              <a:rPr lang="pt-BR" sz="2000" b="1" dirty="0" err="1">
-                <a:solidFill>
-                  <a:srgbClr val="FF0000"/>
-                </a:solidFill>
-                <a:latin typeface="Times New Roman" panose="02020603050405020304" pitchFamily="18" charset="0"/>
-                <a:cs typeface="Times New Roman" panose="02020603050405020304" pitchFamily="18" charset="0"/>
-              </a:rPr>
-              <a:t>name</a:t>
-            </a:r>
-            <a:r>
-              <a:rPr lang="pt-BR" sz="2000" dirty="0">
-                <a:solidFill>
-                  <a:schemeClr val="tx1"/>
-                </a:solidFill>
-                <a:latin typeface="Times New Roman" panose="02020603050405020304" pitchFamily="18" charset="0"/>
-                <a:cs typeface="Times New Roman" panose="02020603050405020304" pitchFamily="18" charset="0"/>
-              </a:rPr>
-              <a:t>="a" 	</a:t>
-            </a:r>
-            <a:r>
-              <a:rPr lang="pt-BR" sz="2000" b="1" dirty="0" err="1">
-                <a:solidFill>
-                  <a:srgbClr val="FF0000"/>
-                </a:solidFill>
-                <a:latin typeface="Times New Roman" panose="02020603050405020304" pitchFamily="18" charset="0"/>
-                <a:cs typeface="Times New Roman" panose="02020603050405020304" pitchFamily="18" charset="0"/>
-              </a:rPr>
-              <a:t>value</a:t>
-            </a:r>
-            <a:r>
-              <a:rPr lang="pt-BR" sz="2000" dirty="0">
-                <a:solidFill>
-                  <a:schemeClr val="tx1"/>
-                </a:solidFill>
-                <a:latin typeface="Times New Roman" panose="02020603050405020304" pitchFamily="18" charset="0"/>
-                <a:cs typeface="Times New Roman" panose="02020603050405020304" pitchFamily="18" charset="0"/>
-              </a:rPr>
-              <a:t>="10" /&gt; = &lt;</a:t>
-            </a:r>
-            <a:r>
-              <a:rPr lang="pt-BR" sz="2000" b="1" dirty="0">
-                <a:solidFill>
-                  <a:schemeClr val="tx1"/>
-                </a:solidFill>
-                <a:latin typeface="Times New Roman" panose="02020603050405020304" pitchFamily="18" charset="0"/>
-                <a:cs typeface="Times New Roman" panose="02020603050405020304" pitchFamily="18" charset="0"/>
-              </a:rPr>
-              <a:t>output</a:t>
-            </a:r>
-            <a:r>
-              <a:rPr lang="pt-BR" sz="2000" dirty="0">
-                <a:solidFill>
-                  <a:schemeClr val="tx1"/>
-                </a:solidFill>
-                <a:latin typeface="Times New Roman" panose="02020603050405020304" pitchFamily="18" charset="0"/>
-                <a:cs typeface="Times New Roman" panose="02020603050405020304" pitchFamily="18" charset="0"/>
-              </a:rPr>
-              <a:t> </a:t>
-            </a:r>
-            <a:r>
-              <a:rPr lang="pt-BR" sz="2000" b="1" dirty="0" err="1">
-                <a:solidFill>
-                  <a:srgbClr val="FF0000"/>
-                </a:solidFill>
-                <a:latin typeface="Times New Roman" panose="02020603050405020304" pitchFamily="18" charset="0"/>
-                <a:cs typeface="Times New Roman" panose="02020603050405020304" pitchFamily="18" charset="0"/>
-              </a:rPr>
-              <a:t>name</a:t>
-            </a:r>
-            <a:r>
-              <a:rPr lang="pt-BR" sz="2000" dirty="0">
-                <a:solidFill>
-                  <a:schemeClr val="tx1"/>
-                </a:solidFill>
-                <a:latin typeface="Times New Roman" panose="02020603050405020304" pitchFamily="18" charset="0"/>
-                <a:cs typeface="Times New Roman" panose="02020603050405020304" pitchFamily="18" charset="0"/>
-              </a:rPr>
-              <a:t>="</a:t>
-            </a:r>
-            <a:r>
-              <a:rPr lang="pt-BR" sz="2000" dirty="0" err="1">
-                <a:solidFill>
-                  <a:schemeClr val="tx1"/>
-                </a:solidFill>
-                <a:latin typeface="Times New Roman" panose="02020603050405020304" pitchFamily="18" charset="0"/>
-                <a:cs typeface="Times New Roman" panose="02020603050405020304" pitchFamily="18" charset="0"/>
-              </a:rPr>
-              <a:t>result</a:t>
-            </a:r>
-            <a:r>
-              <a:rPr lang="pt-BR" sz="2000" dirty="0">
-                <a:solidFill>
-                  <a:schemeClr val="tx1"/>
-                </a:solidFill>
-                <a:latin typeface="Times New Roman" panose="02020603050405020304" pitchFamily="18" charset="0"/>
-                <a:cs typeface="Times New Roman" panose="02020603050405020304" pitchFamily="18" charset="0"/>
-              </a:rPr>
-              <a:t>"&gt;&lt;/output&gt;</a:t>
-            </a:r>
-          </a:p>
-          <a:p>
-            <a:pPr marL="0" indent="0" algn="just">
-              <a:buNone/>
-            </a:pPr>
-            <a:r>
-              <a:rPr lang="pt-BR" sz="2000" dirty="0">
-                <a:solidFill>
-                  <a:schemeClr val="tx1"/>
-                </a:solidFill>
-                <a:latin typeface="Times New Roman" panose="02020603050405020304" pitchFamily="18" charset="0"/>
-                <a:cs typeface="Times New Roman" panose="02020603050405020304" pitchFamily="18" charset="0"/>
-              </a:rPr>
-              <a:t>  &lt;/</a:t>
-            </a:r>
-            <a:r>
-              <a:rPr lang="pt-BR" sz="2000" dirty="0" err="1">
-                <a:solidFill>
-                  <a:schemeClr val="tx1"/>
-                </a:solidFill>
-                <a:latin typeface="Times New Roman" panose="02020603050405020304" pitchFamily="18" charset="0"/>
-                <a:cs typeface="Times New Roman" panose="02020603050405020304" pitchFamily="18" charset="0"/>
-              </a:rPr>
-              <a:t>form</a:t>
+              <a:t>div</a:t>
             </a:r>
             <a:r>
               <a:rPr lang="pt-BR" sz="2000" dirty="0">
@@ -20618,7 +20351,7 @@
     </p:spTree>
     <p:extLst>
       <p:ext uri="{BB962C8B-B14F-4D97-AF65-F5344CB8AC3E}">
-        <p14:creationId xmlns:p14="http://schemas.microsoft.com/office/powerpoint/2010/main" val="2338438493"/>
+        <p14:creationId xmlns:p14="http://schemas.microsoft.com/office/powerpoint/2010/main" val="1023638232"/>
       </p:ext>
     </p:extLst>
   </p:cSld>
@@ -20674,21 +20407,8 @@
                   <a:srgbClr val="0070C0"/>
                 </a:solidFill>
               </a:rPr>
-              <a:t>HTML – </a:t>
-            </a:r>
-            <a:r>
-              <a:rPr lang="en-US" b="1" dirty="0" err="1">
-                <a:solidFill>
-                  <a:srgbClr val="0070C0"/>
-                </a:solidFill>
-              </a:rPr>
-              <a:t>SiteMap</a:t>
-            </a:r>
-            <a:endParaRPr lang="en-US" b="1" dirty="0">
-              <a:solidFill>
-                <a:srgbClr val="0070C0"/>
-              </a:solidFill>
-            </a:endParaRPr>
+              <a:t>HTML – Form</a:t>
+            </a:r>
           </a:p>
         </p:txBody>
       </p:sp>
@@ -20718,6 +20438,16 @@
               <a:buNone/>
             </a:pPr>
             <a:r>
+              <a:rPr lang="pt-BR" sz="2000" b="1" dirty="0">
+                <a:solidFill>
+                  <a:schemeClr val="tx1"/>
+                </a:solidFill>
+                <a:latin typeface="Times New Roman" panose="02020603050405020304" pitchFamily="18" charset="0"/>
+                <a:cs typeface="Times New Roman" panose="02020603050405020304" pitchFamily="18" charset="0"/>
+              </a:rPr>
+              <a:t>Exemplo3</a:t>
+            </a:r>
+            <a:r>
               <a:rPr lang="pt-BR" sz="2000" dirty="0">
                 <a:solidFill>
                   <a:schemeClr val="tx1"/>
@@ -20725,7 +20455,7 @@
                 <a:latin typeface="Times New Roman" panose="02020603050405020304" pitchFamily="18" charset="0"/>
                 <a:cs typeface="Times New Roman" panose="02020603050405020304" pitchFamily="18" charset="0"/>
               </a:rPr>
-              <a:t>É um arquivo nos formatos XML ou HTML que mostra os caminhos para as páginas do seu site, incluindo as categorias, imagens, vídeos e conteúdos em texto publicados.</a:t>
+              <a:t>:</a:t>
             </a:r>
           </a:p>
           <a:p>
@@ -20752,7 +20482,47 @@
                 <a:latin typeface="Times New Roman" panose="02020603050405020304" pitchFamily="18" charset="0"/>
                 <a:cs typeface="Times New Roman" panose="02020603050405020304" pitchFamily="18" charset="0"/>
               </a:rPr>
-              <a:t>Essa lista com todas as </a:t>
+              <a:t>  &lt;</a:t>
+            </a:r>
+            <a:r>
+              <a:rPr lang="pt-BR" sz="2000" b="1" dirty="0" err="1">
+                <a:solidFill>
+                  <a:schemeClr val="tx1"/>
+                </a:solidFill>
+                <a:latin typeface="Times New Roman" panose="02020603050405020304" pitchFamily="18" charset="0"/>
+                <a:cs typeface="Times New Roman" panose="02020603050405020304" pitchFamily="18" charset="0"/>
+              </a:rPr>
+              <a:t>form</a:t>
+            </a:r>
+            <a:r>
+              <a:rPr lang="pt-BR" sz="2000" dirty="0">
+                <a:solidFill>
+                  <a:schemeClr val="tx1"/>
+                </a:solidFill>
+                <a:latin typeface="Times New Roman" panose="02020603050405020304" pitchFamily="18" charset="0"/>
+                <a:cs typeface="Times New Roman" panose="02020603050405020304" pitchFamily="18" charset="0"/>
+              </a:rPr>
+              <a:t> </a:t>
+            </a:r>
+            <a:r>
+              <a:rPr lang="pt-BR" sz="2000" b="1" dirty="0" err="1">
+                <a:solidFill>
+                  <a:srgbClr val="FF0000"/>
+                </a:solidFill>
+                <a:latin typeface="Times New Roman" panose="02020603050405020304" pitchFamily="18" charset="0"/>
+                <a:cs typeface="Times New Roman" panose="02020603050405020304" pitchFamily="18" charset="0"/>
+              </a:rPr>
+              <a:t>oninput</a:t>
+            </a:r>
+            <a:r>
+              <a:rPr lang="pt-BR" sz="2000" dirty="0">
+                <a:solidFill>
+                  <a:schemeClr val="tx1"/>
+                </a:solidFill>
+                <a:latin typeface="Times New Roman" panose="02020603050405020304" pitchFamily="18" charset="0"/>
+                <a:cs typeface="Times New Roman" panose="02020603050405020304" pitchFamily="18" charset="0"/>
+              </a:rPr>
+              <a:t>="</a:t>
             </a:r>
             <a:r>
               <a:rPr lang="pt-BR" sz="2000" dirty="0" err="1">
@@ -20762,7 +20532,7 @@
                 <a:latin typeface="Times New Roman" panose="02020603050405020304" pitchFamily="18" charset="0"/>
                 <a:cs typeface="Times New Roman" panose="02020603050405020304" pitchFamily="18" charset="0"/>
               </a:rPr>
-              <a:t>URLs</a:t>
+              <a:t>result.value</a:t>
             </a:r>
             <a:r>
               <a:rPr lang="pt-BR" sz="2000" dirty="0">
@@ -20772,25 +20542,18 @@
                 <a:latin typeface="Times New Roman" panose="02020603050405020304" pitchFamily="18" charset="0"/>
                 <a:cs typeface="Times New Roman" panose="02020603050405020304" pitchFamily="18" charset="0"/>
               </a:rPr>
-              <a:t> irá funcionar como uma espécie de guia para que os robôs das ferramentas de busca possam encontrar mais facilmente as pesquisas feitas pelos usuários.</a:t>
-            </a:r>
-          </a:p>
-          <a:p>
-            <a:pPr marL="0" indent="0" algn="just">
-              <a:buNone/>
-            </a:pPr>
-            <a:endParaRPr lang="pt-BR" sz="2000" dirty="0">
-              <a:solidFill>
-                <a:schemeClr val="tx1"/>
-              </a:solidFill>
-              <a:latin typeface="Times New Roman" panose="02020603050405020304" pitchFamily="18" charset="0"/>
-              <a:cs typeface="Times New Roman" panose="02020603050405020304" pitchFamily="18" charset="0"/>
-            </a:endParaRPr>
-          </a:p>
-          <a:p>
-            <a:pPr marL="0" indent="0" algn="just">
-              <a:buNone/>
-            </a:pPr>
+              <a:t> = </a:t>
+            </a:r>
+            <a:r>
+              <a:rPr lang="pt-BR" sz="2000" dirty="0" err="1">
+                <a:solidFill>
+                  <a:schemeClr val="tx1"/>
+                </a:solidFill>
+                <a:latin typeface="Times New Roman" panose="02020603050405020304" pitchFamily="18" charset="0"/>
+                <a:cs typeface="Times New Roman" panose="02020603050405020304" pitchFamily="18" charset="0"/>
+              </a:rPr>
+              <a:t>parseInt</a:t>
+            </a:r>
             <a:r>
               <a:rPr lang="pt-BR" sz="2000" dirty="0">
                 <a:solidFill>
@@ -20798,34 +20561,19 @@
                 </a:solidFill>
                 <a:latin typeface="Times New Roman" panose="02020603050405020304" pitchFamily="18" charset="0"/>
                 <a:cs typeface="Times New Roman" panose="02020603050405020304" pitchFamily="18" charset="0"/>
-                <a:hlinkClick r:id="rId3"/>
-              </a:rPr>
-              <a:t>https://br.godaddy.com/blog/o-que-e-mapa-do-site-como-pode-ajudar-seu-site/</a:t>
-            </a:r>
-            <a:endParaRPr lang="pt-BR" sz="2000" dirty="0">
-              <a:solidFill>
-                <a:schemeClr val="tx1"/>
-              </a:solidFill>
-              <a:latin typeface="Times New Roman" panose="02020603050405020304" pitchFamily="18" charset="0"/>
-              <a:cs typeface="Times New Roman" panose="02020603050405020304" pitchFamily="18" charset="0"/>
-            </a:endParaRPr>
-          </a:p>
-          <a:p>
-            <a:pPr marL="0" indent="0" algn="just">
-              <a:buNone/>
-            </a:pPr>
-            <a:endParaRPr lang="pt-BR" sz="2000" dirty="0">
-              <a:solidFill>
-                <a:schemeClr val="tx1"/>
-              </a:solidFill>
-              <a:latin typeface="Times New Roman" panose="02020603050405020304" pitchFamily="18" charset="0"/>
-              <a:cs typeface="Times New Roman" panose="02020603050405020304" pitchFamily="18" charset="0"/>
-            </a:endParaRPr>
-          </a:p>
-          <a:p>
-            <a:pPr marL="0" indent="0" algn="just">
-              <a:buNone/>
-            </a:pPr>
+              </a:rPr>
+              <a:t>(</a:t>
+            </a:r>
+            <a:r>
+              <a:rPr lang="pt-BR" sz="2000" dirty="0" err="1">
+                <a:solidFill>
+                  <a:schemeClr val="tx1"/>
+                </a:solidFill>
+                <a:latin typeface="Times New Roman" panose="02020603050405020304" pitchFamily="18" charset="0"/>
+                <a:cs typeface="Times New Roman" panose="02020603050405020304" pitchFamily="18" charset="0"/>
+              </a:rPr>
+              <a:t>a.value</a:t>
+            </a:r>
             <a:r>
               <a:rPr lang="pt-BR" sz="2000" dirty="0">
                 <a:solidFill>
@@ -20834,13 +20582,18 @@
                 <a:latin typeface="Times New Roman" panose="02020603050405020304" pitchFamily="18" charset="0"/>
                 <a:cs typeface="Times New Roman" panose="02020603050405020304" pitchFamily="18" charset="0"/>
               </a:rPr>
-              <a:t>URL Criação:</a:t>
-            </a:r>
-          </a:p>
-          <a:p>
-            <a:pPr marL="0" indent="0" algn="just">
-              <a:buNone/>
-            </a:pPr>
+              <a:t>) + </a:t>
+            </a:r>
+            <a:r>
+              <a:rPr lang="pt-BR" sz="2000" dirty="0" err="1">
+                <a:solidFill>
+                  <a:schemeClr val="tx1"/>
+                </a:solidFill>
+                <a:latin typeface="Times New Roman" panose="02020603050405020304" pitchFamily="18" charset="0"/>
+                <a:cs typeface="Times New Roman" panose="02020603050405020304" pitchFamily="18" charset="0"/>
+              </a:rPr>
+              <a:t>parseInt</a:t>
+            </a:r>
             <a:r>
               <a:rPr lang="pt-BR" sz="2000" dirty="0">
                 <a:solidFill>
@@ -20848,36 +20601,326 @@
                 </a:solidFill>
                 <a:latin typeface="Times New Roman" panose="02020603050405020304" pitchFamily="18" charset="0"/>
                 <a:cs typeface="Times New Roman" panose="02020603050405020304" pitchFamily="18" charset="0"/>
-                <a:hlinkClick r:id="rId4"/>
-              </a:rPr>
-              <a:t>https://www.xml-sitemaps.com/</a:t>
-            </a:r>
-            <a:endParaRPr lang="pt-BR" sz="2000" dirty="0">
-              <a:solidFill>
-                <a:schemeClr val="tx1"/>
-              </a:solidFill>
-              <a:latin typeface="Times New Roman" panose="02020603050405020304" pitchFamily="18" charset="0"/>
-              <a:cs typeface="Times New Roman" panose="02020603050405020304" pitchFamily="18" charset="0"/>
-            </a:endParaRPr>
-          </a:p>
-          <a:p>
-            <a:pPr marL="0" indent="0" algn="just">
-              <a:buNone/>
-            </a:pPr>
-            <a:endParaRPr lang="pt-BR" sz="2000" dirty="0">
-              <a:solidFill>
-                <a:schemeClr val="tx1"/>
-              </a:solidFill>
-              <a:latin typeface="Times New Roman" panose="02020603050405020304" pitchFamily="18" charset="0"/>
-              <a:cs typeface="Times New Roman" panose="02020603050405020304" pitchFamily="18" charset="0"/>
-            </a:endParaRPr>
+              </a:rPr>
+              <a:t>(</a:t>
+            </a:r>
+            <a:r>
+              <a:rPr lang="pt-BR" sz="2000" dirty="0" err="1">
+                <a:solidFill>
+                  <a:schemeClr val="tx1"/>
+                </a:solidFill>
+                <a:latin typeface="Times New Roman" panose="02020603050405020304" pitchFamily="18" charset="0"/>
+                <a:cs typeface="Times New Roman" panose="02020603050405020304" pitchFamily="18" charset="0"/>
+              </a:rPr>
+              <a:t>b.value</a:t>
+            </a:r>
+            <a:r>
+              <a:rPr lang="pt-BR" sz="2000" dirty="0">
+                <a:solidFill>
+                  <a:schemeClr val="tx1"/>
+                </a:solidFill>
+                <a:latin typeface="Times New Roman" panose="02020603050405020304" pitchFamily="18" charset="0"/>
+                <a:cs typeface="Times New Roman" panose="02020603050405020304" pitchFamily="18" charset="0"/>
+              </a:rPr>
+              <a:t>)"&gt;</a:t>
+            </a:r>
+          </a:p>
+          <a:p>
+            <a:pPr marL="0" indent="0" algn="just">
+              <a:buNone/>
+            </a:pPr>
+            <a:r>
+              <a:rPr lang="pt-BR" sz="2000" dirty="0">
+                <a:solidFill>
+                  <a:schemeClr val="tx1"/>
+                </a:solidFill>
+                <a:latin typeface="Times New Roman" panose="02020603050405020304" pitchFamily="18" charset="0"/>
+                <a:cs typeface="Times New Roman" panose="02020603050405020304" pitchFamily="18" charset="0"/>
+              </a:rPr>
+              <a:t>	0 &lt;</a:t>
+            </a:r>
+            <a:r>
+              <a:rPr lang="pt-BR" sz="2000" b="1" dirty="0">
+                <a:solidFill>
+                  <a:schemeClr val="tx1"/>
+                </a:solidFill>
+                <a:latin typeface="Times New Roman" panose="02020603050405020304" pitchFamily="18" charset="0"/>
+                <a:cs typeface="Times New Roman" panose="02020603050405020304" pitchFamily="18" charset="0"/>
+              </a:rPr>
+              <a:t>input</a:t>
+            </a:r>
+            <a:r>
+              <a:rPr lang="pt-BR" sz="2000" dirty="0">
+                <a:solidFill>
+                  <a:schemeClr val="tx1"/>
+                </a:solidFill>
+                <a:latin typeface="Times New Roman" panose="02020603050405020304" pitchFamily="18" charset="0"/>
+                <a:cs typeface="Times New Roman" panose="02020603050405020304" pitchFamily="18" charset="0"/>
+              </a:rPr>
+              <a:t> </a:t>
+            </a:r>
+            <a:r>
+              <a:rPr lang="pt-BR" sz="2000" b="1" dirty="0" err="1">
+                <a:solidFill>
+                  <a:srgbClr val="FF0000"/>
+                </a:solidFill>
+                <a:latin typeface="Times New Roman" panose="02020603050405020304" pitchFamily="18" charset="0"/>
+                <a:cs typeface="Times New Roman" panose="02020603050405020304" pitchFamily="18" charset="0"/>
+              </a:rPr>
+              <a:t>type</a:t>
+            </a:r>
+            <a:r>
+              <a:rPr lang="pt-BR" sz="2000" dirty="0">
+                <a:solidFill>
+                  <a:schemeClr val="tx1"/>
+                </a:solidFill>
+                <a:latin typeface="Times New Roman" panose="02020603050405020304" pitchFamily="18" charset="0"/>
+                <a:cs typeface="Times New Roman" panose="02020603050405020304" pitchFamily="18" charset="0"/>
+              </a:rPr>
+              <a:t>="range" </a:t>
+            </a:r>
+            <a:r>
+              <a:rPr lang="pt-BR" sz="2000" b="1" dirty="0" err="1">
+                <a:solidFill>
+                  <a:srgbClr val="FF0000"/>
+                </a:solidFill>
+                <a:latin typeface="Times New Roman" panose="02020603050405020304" pitchFamily="18" charset="0"/>
+                <a:cs typeface="Times New Roman" panose="02020603050405020304" pitchFamily="18" charset="0"/>
+              </a:rPr>
+              <a:t>name</a:t>
+            </a:r>
+            <a:r>
+              <a:rPr lang="pt-BR" sz="2000" dirty="0">
+                <a:solidFill>
+                  <a:schemeClr val="tx1"/>
+                </a:solidFill>
+                <a:latin typeface="Times New Roman" panose="02020603050405020304" pitchFamily="18" charset="0"/>
+                <a:cs typeface="Times New Roman" panose="02020603050405020304" pitchFamily="18" charset="0"/>
+              </a:rPr>
+              <a:t>="b" </a:t>
+            </a:r>
+            <a:r>
+              <a:rPr lang="pt-BR" sz="2000" b="1" dirty="0" err="1">
+                <a:solidFill>
+                  <a:srgbClr val="FF0000"/>
+                </a:solidFill>
+                <a:latin typeface="Times New Roman" panose="02020603050405020304" pitchFamily="18" charset="0"/>
+                <a:cs typeface="Times New Roman" panose="02020603050405020304" pitchFamily="18" charset="0"/>
+              </a:rPr>
+              <a:t>value</a:t>
+            </a:r>
+            <a:r>
+              <a:rPr lang="pt-BR" sz="2000" dirty="0">
+                <a:solidFill>
+                  <a:schemeClr val="tx1"/>
+                </a:solidFill>
+                <a:latin typeface="Times New Roman" panose="02020603050405020304" pitchFamily="18" charset="0"/>
+                <a:cs typeface="Times New Roman" panose="02020603050405020304" pitchFamily="18" charset="0"/>
+              </a:rPr>
+              <a:t>="50" /&gt; 100 + &lt;</a:t>
+            </a:r>
+            <a:r>
+              <a:rPr lang="pt-BR" sz="2000" b="1" dirty="0">
+                <a:solidFill>
+                  <a:schemeClr val="tx1"/>
+                </a:solidFill>
+                <a:latin typeface="Times New Roman" panose="02020603050405020304" pitchFamily="18" charset="0"/>
+                <a:cs typeface="Times New Roman" panose="02020603050405020304" pitchFamily="18" charset="0"/>
+              </a:rPr>
+              <a:t>input</a:t>
+            </a:r>
+            <a:r>
+              <a:rPr lang="pt-BR" sz="2000" dirty="0">
+                <a:solidFill>
+                  <a:schemeClr val="tx1"/>
+                </a:solidFill>
+                <a:latin typeface="Times New Roman" panose="02020603050405020304" pitchFamily="18" charset="0"/>
+                <a:cs typeface="Times New Roman" panose="02020603050405020304" pitchFamily="18" charset="0"/>
+              </a:rPr>
+              <a:t> </a:t>
+            </a:r>
+            <a:r>
+              <a:rPr lang="pt-BR" sz="2000" b="1" dirty="0" err="1">
+                <a:solidFill>
+                  <a:srgbClr val="FF0000"/>
+                </a:solidFill>
+                <a:latin typeface="Times New Roman" panose="02020603050405020304" pitchFamily="18" charset="0"/>
+                <a:cs typeface="Times New Roman" panose="02020603050405020304" pitchFamily="18" charset="0"/>
+              </a:rPr>
+              <a:t>type</a:t>
+            </a:r>
+            <a:r>
+              <a:rPr lang="pt-BR" sz="2000" dirty="0">
+                <a:solidFill>
+                  <a:schemeClr val="tx1"/>
+                </a:solidFill>
+                <a:latin typeface="Times New Roman" panose="02020603050405020304" pitchFamily="18" charset="0"/>
+                <a:cs typeface="Times New Roman" panose="02020603050405020304" pitchFamily="18" charset="0"/>
+              </a:rPr>
+              <a:t>="</a:t>
+            </a:r>
+            <a:r>
+              <a:rPr lang="pt-BR" sz="2000" dirty="0" err="1">
+                <a:solidFill>
+                  <a:schemeClr val="tx1"/>
+                </a:solidFill>
+                <a:latin typeface="Times New Roman" panose="02020603050405020304" pitchFamily="18" charset="0"/>
+                <a:cs typeface="Times New Roman" panose="02020603050405020304" pitchFamily="18" charset="0"/>
+              </a:rPr>
+              <a:t>number</a:t>
+            </a:r>
+            <a:r>
+              <a:rPr lang="pt-BR" sz="2000" dirty="0">
+                <a:solidFill>
+                  <a:schemeClr val="tx1"/>
+                </a:solidFill>
+                <a:latin typeface="Times New Roman" panose="02020603050405020304" pitchFamily="18" charset="0"/>
+                <a:cs typeface="Times New Roman" panose="02020603050405020304" pitchFamily="18" charset="0"/>
+              </a:rPr>
+              <a:t>" </a:t>
+            </a:r>
+            <a:r>
+              <a:rPr lang="pt-BR" sz="2000" b="1" dirty="0" err="1">
+                <a:solidFill>
+                  <a:srgbClr val="FF0000"/>
+                </a:solidFill>
+                <a:latin typeface="Times New Roman" panose="02020603050405020304" pitchFamily="18" charset="0"/>
+                <a:cs typeface="Times New Roman" panose="02020603050405020304" pitchFamily="18" charset="0"/>
+              </a:rPr>
+              <a:t>name</a:t>
+            </a:r>
+            <a:r>
+              <a:rPr lang="pt-BR" sz="2000" dirty="0">
+                <a:solidFill>
+                  <a:schemeClr val="tx1"/>
+                </a:solidFill>
+                <a:latin typeface="Times New Roman" panose="02020603050405020304" pitchFamily="18" charset="0"/>
+                <a:cs typeface="Times New Roman" panose="02020603050405020304" pitchFamily="18" charset="0"/>
+              </a:rPr>
+              <a:t>="a" 	</a:t>
+            </a:r>
+            <a:r>
+              <a:rPr lang="pt-BR" sz="2000" b="1" dirty="0" err="1">
+                <a:solidFill>
+                  <a:srgbClr val="FF0000"/>
+                </a:solidFill>
+                <a:latin typeface="Times New Roman" panose="02020603050405020304" pitchFamily="18" charset="0"/>
+                <a:cs typeface="Times New Roman" panose="02020603050405020304" pitchFamily="18" charset="0"/>
+              </a:rPr>
+              <a:t>value</a:t>
+            </a:r>
+            <a:r>
+              <a:rPr lang="pt-BR" sz="2000" dirty="0">
+                <a:solidFill>
+                  <a:schemeClr val="tx1"/>
+                </a:solidFill>
+                <a:latin typeface="Times New Roman" panose="02020603050405020304" pitchFamily="18" charset="0"/>
+                <a:cs typeface="Times New Roman" panose="02020603050405020304" pitchFamily="18" charset="0"/>
+              </a:rPr>
+              <a:t>="10" /&gt; = &lt;</a:t>
+            </a:r>
+            <a:r>
+              <a:rPr lang="pt-BR" sz="2000" b="1" dirty="0">
+                <a:solidFill>
+                  <a:schemeClr val="tx1"/>
+                </a:solidFill>
+                <a:latin typeface="Times New Roman" panose="02020603050405020304" pitchFamily="18" charset="0"/>
+                <a:cs typeface="Times New Roman" panose="02020603050405020304" pitchFamily="18" charset="0"/>
+              </a:rPr>
+              <a:t>output</a:t>
+            </a:r>
+            <a:r>
+              <a:rPr lang="pt-BR" sz="2000" dirty="0">
+                <a:solidFill>
+                  <a:schemeClr val="tx1"/>
+                </a:solidFill>
+                <a:latin typeface="Times New Roman" panose="02020603050405020304" pitchFamily="18" charset="0"/>
+                <a:cs typeface="Times New Roman" panose="02020603050405020304" pitchFamily="18" charset="0"/>
+              </a:rPr>
+              <a:t> </a:t>
+            </a:r>
+            <a:r>
+              <a:rPr lang="pt-BR" sz="2000" b="1" dirty="0" err="1">
+                <a:solidFill>
+                  <a:srgbClr val="FF0000"/>
+                </a:solidFill>
+                <a:latin typeface="Times New Roman" panose="02020603050405020304" pitchFamily="18" charset="0"/>
+                <a:cs typeface="Times New Roman" panose="02020603050405020304" pitchFamily="18" charset="0"/>
+              </a:rPr>
+              <a:t>name</a:t>
+            </a:r>
+            <a:r>
+              <a:rPr lang="pt-BR" sz="2000" dirty="0">
+                <a:solidFill>
+                  <a:schemeClr val="tx1"/>
+                </a:solidFill>
+                <a:latin typeface="Times New Roman" panose="02020603050405020304" pitchFamily="18" charset="0"/>
+                <a:cs typeface="Times New Roman" panose="02020603050405020304" pitchFamily="18" charset="0"/>
+              </a:rPr>
+              <a:t>="</a:t>
+            </a:r>
+            <a:r>
+              <a:rPr lang="pt-BR" sz="2000" dirty="0" err="1">
+                <a:solidFill>
+                  <a:schemeClr val="tx1"/>
+                </a:solidFill>
+                <a:latin typeface="Times New Roman" panose="02020603050405020304" pitchFamily="18" charset="0"/>
+                <a:cs typeface="Times New Roman" panose="02020603050405020304" pitchFamily="18" charset="0"/>
+              </a:rPr>
+              <a:t>result</a:t>
+            </a:r>
+            <a:r>
+              <a:rPr lang="pt-BR" sz="2000" dirty="0">
+                <a:solidFill>
+                  <a:schemeClr val="tx1"/>
+                </a:solidFill>
+                <a:latin typeface="Times New Roman" panose="02020603050405020304" pitchFamily="18" charset="0"/>
+                <a:cs typeface="Times New Roman" panose="02020603050405020304" pitchFamily="18" charset="0"/>
+              </a:rPr>
+              <a:t>"&gt;&lt;/output&gt;</a:t>
+            </a:r>
+          </a:p>
+          <a:p>
+            <a:pPr marL="0" indent="0" algn="just">
+              <a:buNone/>
+            </a:pPr>
+            <a:r>
+              <a:rPr lang="pt-BR" sz="2000" dirty="0">
+                <a:solidFill>
+                  <a:schemeClr val="tx1"/>
+                </a:solidFill>
+                <a:latin typeface="Times New Roman" panose="02020603050405020304" pitchFamily="18" charset="0"/>
+                <a:cs typeface="Times New Roman" panose="02020603050405020304" pitchFamily="18" charset="0"/>
+              </a:rPr>
+              <a:t>  &lt;/</a:t>
+            </a:r>
+            <a:r>
+              <a:rPr lang="pt-BR" sz="2000" dirty="0" err="1">
+                <a:solidFill>
+                  <a:schemeClr val="tx1"/>
+                </a:solidFill>
+                <a:latin typeface="Times New Roman" panose="02020603050405020304" pitchFamily="18" charset="0"/>
+                <a:cs typeface="Times New Roman" panose="02020603050405020304" pitchFamily="18" charset="0"/>
+              </a:rPr>
+              <a:t>form</a:t>
+            </a:r>
+            <a:r>
+              <a:rPr lang="pt-BR" sz="2000" dirty="0">
+                <a:solidFill>
+                  <a:schemeClr val="tx1"/>
+                </a:solidFill>
+                <a:latin typeface="Times New Roman" panose="02020603050405020304" pitchFamily="18" charset="0"/>
+                <a:cs typeface="Times New Roman" panose="02020603050405020304" pitchFamily="18" charset="0"/>
+              </a:rPr>
+              <a:t>&gt;</a:t>
+            </a:r>
           </a:p>
         </p:txBody>
       </p:sp>
     </p:spTree>
     <p:extLst>
       <p:ext uri="{BB962C8B-B14F-4D97-AF65-F5344CB8AC3E}">
-        <p14:creationId xmlns:p14="http://schemas.microsoft.com/office/powerpoint/2010/main" val="3187977476"/>
+        <p14:creationId xmlns:p14="http://schemas.microsoft.com/office/powerpoint/2010/main" val="2338438493"/>
       </p:ext>
     </p:extLst>
   </p:cSld>
@@ -20928,28 +20971,20 @@
           <a:lstStyle/>
           <a:p>
             <a:r>
+              <a:rPr lang="en-US" b="1" dirty="0">
+                <a:solidFill>
+                  <a:srgbClr val="0070C0"/>
+                </a:solidFill>
+              </a:rPr>
+              <a:t>HTML – </a:t>
+            </a:r>
+            <a:r>
               <a:rPr lang="en-US" b="1" dirty="0" err="1">
                 <a:solidFill>
                   <a:srgbClr val="0070C0"/>
                 </a:solidFill>
               </a:rPr>
-              <a:t>Leitura</a:t>
-            </a:r>
-            <a:r>
-              <a:rPr lang="en-US" b="1" dirty="0">
-                <a:solidFill>
-                  <a:srgbClr val="0070C0"/>
-                </a:solidFill>
-              </a:rPr>
-              <a:t> </a:t>
-            </a:r>
-            <a:r>
-              <a:rPr lang="en-US" b="1" dirty="0" err="1">
-                <a:solidFill>
-                  <a:srgbClr val="0070C0"/>
-                </a:solidFill>
-              </a:rPr>
-              <a:t>Específica</a:t>
+              <a:t>SiteMap</a:t>
             </a:r>
             <a:endParaRPr lang="en-US" b="1" dirty="0">
               <a:solidFill>
@@ -20971,8 +21006,8 @@
         </p:nvSpPr>
         <p:spPr>
           <a:xfrm>
-            <a:off x="142865" y="1012261"/>
-            <a:ext cx="8865056" cy="3394472"/>
+            <a:off x="142865" y="1024786"/>
+            <a:ext cx="8865056" cy="3900208"/>
           </a:xfrm>
         </p:spPr>
         <p:txBody>
@@ -20986,74 +21021,23 @@
             </a:pPr>
             <a:r>
               <a:rPr lang="pt-BR" sz="2000" dirty="0">
-                <a:latin typeface="Times New Roman" panose="02020603050405020304" pitchFamily="18" charset="0"/>
-                <a:cs typeface="Times New Roman" panose="02020603050405020304" pitchFamily="18" charset="0"/>
-              </a:rPr>
-              <a:t>[1] </a:t>
-            </a:r>
-            <a:r>
-              <a:rPr lang="pt-BR" sz="2000" b="1" dirty="0">
-                <a:latin typeface="Times New Roman" panose="02020603050405020304" pitchFamily="18" charset="0"/>
-                <a:cs typeface="Times New Roman" panose="02020603050405020304" pitchFamily="18" charset="0"/>
-              </a:rPr>
-              <a:t>IKENO</a:t>
-            </a:r>
-            <a:r>
-              <a:rPr lang="pt-BR" sz="2000" dirty="0">
-                <a:latin typeface="Times New Roman" panose="02020603050405020304" pitchFamily="18" charset="0"/>
-                <a:cs typeface="Times New Roman" panose="02020603050405020304" pitchFamily="18" charset="0"/>
-              </a:rPr>
-              <a:t>, Sergio N.; DA COSTA MARCHI¹, </a:t>
-            </a:r>
-            <a:r>
-              <a:rPr lang="pt-BR" sz="2000" dirty="0" err="1">
-                <a:latin typeface="Times New Roman" panose="02020603050405020304" pitchFamily="18" charset="0"/>
-                <a:cs typeface="Times New Roman" panose="02020603050405020304" pitchFamily="18" charset="0"/>
-              </a:rPr>
-              <a:t>Késsia</a:t>
-            </a:r>
-            <a:r>
-              <a:rPr lang="pt-BR" sz="2000" dirty="0">
-                <a:latin typeface="Times New Roman" panose="02020603050405020304" pitchFamily="18" charset="0"/>
-                <a:cs typeface="Times New Roman" panose="02020603050405020304" pitchFamily="18" charset="0"/>
-              </a:rPr>
-              <a:t> Rita. Análise da Nova Linguagem HTML5 para o Desenvolvimento Web.</a:t>
-            </a:r>
-          </a:p>
-          <a:p>
-            <a:pPr marL="0" indent="0" algn="just">
-              <a:buNone/>
-            </a:pPr>
-            <a:r>
-              <a:rPr lang="pt-BR" sz="2000" dirty="0">
-                <a:latin typeface="Times New Roman" panose="02020603050405020304" pitchFamily="18" charset="0"/>
-                <a:cs typeface="Times New Roman" panose="02020603050405020304" pitchFamily="18" charset="0"/>
-              </a:rPr>
-              <a:t>	</a:t>
-            </a:r>
-            <a:r>
-              <a:rPr lang="pt-BR" sz="2000" b="1" dirty="0">
-                <a:latin typeface="Times New Roman" panose="02020603050405020304" pitchFamily="18" charset="0"/>
-                <a:cs typeface="Times New Roman" panose="02020603050405020304" pitchFamily="18" charset="0"/>
-              </a:rPr>
-              <a:t>Disponível em</a:t>
-            </a:r>
-            <a:r>
-              <a:rPr lang="pt-BR" sz="2000" dirty="0">
-                <a:latin typeface="Times New Roman" panose="02020603050405020304" pitchFamily="18" charset="0"/>
-                <a:cs typeface="Times New Roman" panose="02020603050405020304" pitchFamily="18" charset="0"/>
-              </a:rPr>
-              <a:t>: </a:t>
-            </a:r>
-            <a:r>
-              <a:rPr lang="pt-BR" sz="2000" dirty="0">
-                <a:latin typeface="Times New Roman" panose="02020603050405020304" pitchFamily="18" charset="0"/>
-                <a:cs typeface="Times New Roman" panose="02020603050405020304" pitchFamily="18" charset="0"/>
-                <a:hlinkClick r:id="rId3"/>
-              </a:rPr>
-              <a:t>http://siteunidavi.s3.amazonaws.com/revistaCaminhos/ano3.pdf#page=25</a:t>
-            </a:r>
+                <a:solidFill>
+                  <a:schemeClr val="tx1"/>
+                </a:solidFill>
+                <a:latin typeface="Times New Roman" panose="02020603050405020304" pitchFamily="18" charset="0"/>
+                <a:cs typeface="Times New Roman" panose="02020603050405020304" pitchFamily="18" charset="0"/>
+              </a:rPr>
+              <a:t>É um arquivo nos formatos XML ou HTML que mostra os caminhos para as páginas do seu site, incluindo as categorias, imagens, vídeos e conteúdos em texto publicados.</a:t>
+            </a:r>
+          </a:p>
+          <a:p>
+            <a:pPr marL="0" indent="0" algn="just">
+              <a:buNone/>
+            </a:pPr>
             <a:endParaRPr lang="pt-BR" sz="2000" dirty="0">
+              <a:solidFill>
+                <a:schemeClr val="tx1"/>
+              </a:solidFill>
               <a:latin typeface="Times New Roman" panose="02020603050405020304" pitchFamily="18" charset="0"/>
               <a:cs typeface="Times New Roman" panose="02020603050405020304" pitchFamily="18" charset="0"/>
             </a:endParaRPr>
@@ -21062,7 +21046,45 @@
             <a:pPr marL="0" indent="0" algn="just">
               <a:buNone/>
             </a:pPr>
+            <a:r>
+              <a:rPr lang="pt-BR" sz="2000" dirty="0">
+                <a:solidFill>
+                  <a:schemeClr val="tx1"/>
+                </a:solidFill>
+                <a:latin typeface="Times New Roman" panose="02020603050405020304" pitchFamily="18" charset="0"/>
+                <a:cs typeface="Times New Roman" panose="02020603050405020304" pitchFamily="18" charset="0"/>
+              </a:rPr>
+              <a:t>Essa lista com todas as </a:t>
+            </a:r>
+            <a:r>
+              <a:rPr lang="pt-BR" sz="2000" dirty="0" err="1">
+                <a:solidFill>
+                  <a:schemeClr val="tx1"/>
+                </a:solidFill>
+                <a:latin typeface="Times New Roman" panose="02020603050405020304" pitchFamily="18" charset="0"/>
+                <a:cs typeface="Times New Roman" panose="02020603050405020304" pitchFamily="18" charset="0"/>
+              </a:rPr>
+              <a:t>URLs</a:t>
+            </a:r>
+            <a:r>
+              <a:rPr lang="pt-BR" sz="2000" dirty="0">
+                <a:solidFill>
+                  <a:schemeClr val="tx1"/>
+                </a:solidFill>
+                <a:latin typeface="Times New Roman" panose="02020603050405020304" pitchFamily="18" charset="0"/>
+                <a:cs typeface="Times New Roman" panose="02020603050405020304" pitchFamily="18" charset="0"/>
+              </a:rPr>
+              <a:t> irá funcionar como uma espécie de guia para que os robôs das ferramentas de busca possam encontrar mais facilmente as pesquisas feitas pelos usuários.</a:t>
+            </a:r>
+          </a:p>
+          <a:p>
+            <a:pPr marL="0" indent="0" algn="just">
+              <a:buNone/>
+            </a:pPr>
             <a:endParaRPr lang="pt-BR" sz="2000" dirty="0">
+              <a:solidFill>
+                <a:schemeClr val="tx1"/>
+              </a:solidFill>
               <a:latin typeface="Times New Roman" panose="02020603050405020304" pitchFamily="18" charset="0"/>
               <a:cs typeface="Times New Roman" panose="02020603050405020304" pitchFamily="18" charset="0"/>
             </a:endParaRPr>
@@ -21073,60 +21095,19 @@
             </a:pPr>
             <a:r>
               <a:rPr lang="pt-BR" sz="2000" dirty="0">
-                <a:latin typeface="Times New Roman" panose="02020603050405020304" pitchFamily="18" charset="0"/>
-                <a:cs typeface="Times New Roman" panose="02020603050405020304" pitchFamily="18" charset="0"/>
-              </a:rPr>
-              <a:t>[2] </a:t>
-            </a:r>
-            <a:r>
-              <a:rPr lang="pt-BR" sz="2000" b="1" dirty="0">
-                <a:latin typeface="Times New Roman" panose="02020603050405020304" pitchFamily="18" charset="0"/>
-                <a:cs typeface="Times New Roman" panose="02020603050405020304" pitchFamily="18" charset="0"/>
-              </a:rPr>
-              <a:t>BATISTA</a:t>
-            </a:r>
-            <a:r>
-              <a:rPr lang="pt-BR" sz="2000" dirty="0">
-                <a:latin typeface="Times New Roman" panose="02020603050405020304" pitchFamily="18" charset="0"/>
-                <a:cs typeface="Times New Roman" panose="02020603050405020304" pitchFamily="18" charset="0"/>
-              </a:rPr>
-              <a:t>, Rafael NUNES et al. HTML5–O futuro da internet. ETIC-ENCONTRO DE INICIAÇÃO CIENTÍFICA-ISSN 21-76-8498, v. 7, n. 7, 2011.</a:t>
-            </a:r>
-          </a:p>
-          <a:p>
-            <a:pPr marL="0" indent="0" algn="just">
-              <a:buNone/>
-            </a:pPr>
-            <a:r>
-              <a:rPr lang="pt-BR" sz="2000" dirty="0">
-                <a:latin typeface="Times New Roman" panose="02020603050405020304" pitchFamily="18" charset="0"/>
-                <a:cs typeface="Times New Roman" panose="02020603050405020304" pitchFamily="18" charset="0"/>
-              </a:rPr>
-              <a:t>	</a:t>
-            </a:r>
-            <a:r>
-              <a:rPr lang="pt-BR" sz="2000" b="1" dirty="0">
-                <a:latin typeface="Times New Roman" panose="02020603050405020304" pitchFamily="18" charset="0"/>
-                <a:cs typeface="Times New Roman" panose="02020603050405020304" pitchFamily="18" charset="0"/>
-              </a:rPr>
-              <a:t>Disponível em</a:t>
-            </a:r>
-            <a:r>
-              <a:rPr lang="pt-BR" sz="2000" dirty="0">
-                <a:latin typeface="Times New Roman" panose="02020603050405020304" pitchFamily="18" charset="0"/>
-                <a:cs typeface="Times New Roman" panose="02020603050405020304" pitchFamily="18" charset="0"/>
-              </a:rPr>
-              <a:t>: </a:t>
-            </a:r>
-            <a:r>
-              <a:rPr lang="pt-BR" sz="2000" dirty="0">
-                <a:latin typeface="Times New Roman" panose="02020603050405020304" pitchFamily="18" charset="0"/>
-                <a:cs typeface="Times New Roman" panose="02020603050405020304" pitchFamily="18" charset="0"/>
-                <a:hlinkClick r:id="rId4"/>
-              </a:rPr>
-              <a:t>http://intertemas.toledoprudente.edu.br/index.php/ETIC/article/view/3960</a:t>
+                <a:solidFill>
+                  <a:schemeClr val="tx1"/>
+                </a:solidFill>
+                <a:latin typeface="Times New Roman" panose="02020603050405020304" pitchFamily="18" charset="0"/>
+                <a:cs typeface="Times New Roman" panose="02020603050405020304" pitchFamily="18" charset="0"/>
+                <a:hlinkClick r:id="rId3"/>
+              </a:rPr>
+              <a:t>https://br.godaddy.com/blog/o-que-e-mapa-do-site-como-pode-ajudar-seu-site/</a:t>
             </a:r>
             <a:endParaRPr lang="pt-BR" sz="2000" dirty="0">
+              <a:solidFill>
+                <a:schemeClr val="tx1"/>
+              </a:solidFill>
               <a:latin typeface="Times New Roman" panose="02020603050405020304" pitchFamily="18" charset="0"/>
               <a:cs typeface="Times New Roman" panose="02020603050405020304" pitchFamily="18" charset="0"/>
             </a:endParaRPr>
@@ -21136,6 +21117,59 @@
               <a:buNone/>
             </a:pPr>
             <a:endParaRPr lang="pt-BR" sz="2000" dirty="0">
+              <a:solidFill>
+                <a:schemeClr val="tx1"/>
+              </a:solidFill>
+              <a:latin typeface="Times New Roman" panose="02020603050405020304" pitchFamily="18" charset="0"/>
+              <a:cs typeface="Times New Roman" panose="02020603050405020304" pitchFamily="18" charset="0"/>
+            </a:endParaRPr>
+          </a:p>
+          <a:p>
+            <a:pPr marL="0" indent="0" algn="just">
+              <a:buNone/>
+            </a:pPr>
+            <a:r>
+              <a:rPr lang="pt-BR" sz="2000" dirty="0">
+                <a:solidFill>
+                  <a:schemeClr val="tx1"/>
+                </a:solidFill>
+                <a:latin typeface="Times New Roman" panose="02020603050405020304" pitchFamily="18" charset="0"/>
+                <a:cs typeface="Times New Roman" panose="02020603050405020304" pitchFamily="18" charset="0"/>
+              </a:rPr>
+              <a:t>URL Criação:</a:t>
+            </a:r>
+          </a:p>
+          <a:p>
+            <a:pPr marL="0" indent="0" algn="just">
+              <a:buNone/>
+            </a:pPr>
+            <a:r>
+              <a:rPr lang="pt-BR" sz="2000" dirty="0">
+                <a:solidFill>
+                  <a:schemeClr val="tx1"/>
+                </a:solidFill>
+                <a:latin typeface="Times New Roman" panose="02020603050405020304" pitchFamily="18" charset="0"/>
+                <a:cs typeface="Times New Roman" panose="02020603050405020304" pitchFamily="18" charset="0"/>
+                <a:hlinkClick r:id="rId4"/>
+              </a:rPr>
+              <a:t>https://www.xml-sitemaps.com/</a:t>
+            </a:r>
+            <a:endParaRPr lang="pt-BR" sz="2000" dirty="0">
+              <a:solidFill>
+                <a:schemeClr val="tx1"/>
+              </a:solidFill>
+              <a:latin typeface="Times New Roman" panose="02020603050405020304" pitchFamily="18" charset="0"/>
+              <a:cs typeface="Times New Roman" panose="02020603050405020304" pitchFamily="18" charset="0"/>
+            </a:endParaRPr>
+          </a:p>
+          <a:p>
+            <a:pPr marL="0" indent="0" algn="just">
+              <a:buNone/>
+            </a:pPr>
+            <a:endParaRPr lang="pt-BR" sz="2000" dirty="0">
+              <a:solidFill>
+                <a:schemeClr val="tx1"/>
+              </a:solidFill>
               <a:latin typeface="Times New Roman" panose="02020603050405020304" pitchFamily="18" charset="0"/>
               <a:cs typeface="Times New Roman" panose="02020603050405020304" pitchFamily="18" charset="0"/>
             </a:endParaRPr>
@@ -21145,7 +21179,7 @@
     </p:spTree>
     <p:extLst>
       <p:ext uri="{BB962C8B-B14F-4D97-AF65-F5344CB8AC3E}">
-        <p14:creationId xmlns:p14="http://schemas.microsoft.com/office/powerpoint/2010/main" val="3680270425"/>
+        <p14:creationId xmlns:p14="http://schemas.microsoft.com/office/powerpoint/2010/main" val="3187977476"/>
       </p:ext>
     </p:extLst>
   </p:cSld>
@@ -21201,7 +21235,7 @@
                   <a:srgbClr val="0070C0"/>
                 </a:solidFill>
               </a:rPr>
-              <a:t>Aprenda</a:t>
+              <a:t>Leitura</a:t>
             </a:r>
             <a:r>
               <a:rPr lang="en-US" b="1" dirty="0">
@@ -21209,8 +21243,21 @@
                   <a:srgbClr val="0070C0"/>
                 </a:solidFill>
               </a:rPr>
-              <a:t>+</a:t>
-            </a:r>
+              <a:t> </a:t>
+            </a:r>
+            <a:r>
+              <a:rPr lang="en-US" b="1" dirty="0" err="1">
+                <a:solidFill>
+                  <a:srgbClr val="0070C0"/>
+                </a:solidFill>
+              </a:rPr>
+              <a:t>Específica</a:t>
+            </a:r>
+            <a:endParaRPr lang="en-US" b="1" dirty="0">
+              <a:solidFill>
+                <a:srgbClr val="0070C0"/>
+              </a:solidFill>
+            </a:endParaRPr>
           </a:p>
         </p:txBody>
       </p:sp>
@@ -21226,7 +21273,7 @@
         </p:nvSpPr>
         <p:spPr>
           <a:xfrm>
-            <a:off x="142865" y="1200151"/>
+            <a:off x="142865" y="1012261"/>
             <a:ext cx="8865056" cy="3394472"/>
           </a:xfrm>
         </p:spPr>
@@ -21239,7 +21286,76 @@
             <a:pPr marL="0" indent="0" algn="just">
               <a:buNone/>
             </a:pPr>
-            <a:endParaRPr lang="pt-BR" sz="2400" dirty="0">
+            <a:r>
+              <a:rPr lang="pt-BR" sz="2000" dirty="0">
+                <a:latin typeface="Times New Roman" panose="02020603050405020304" pitchFamily="18" charset="0"/>
+                <a:cs typeface="Times New Roman" panose="02020603050405020304" pitchFamily="18" charset="0"/>
+              </a:rPr>
+              <a:t>[1] </a:t>
+            </a:r>
+            <a:r>
+              <a:rPr lang="pt-BR" sz="2000" b="1" dirty="0">
+                <a:latin typeface="Times New Roman" panose="02020603050405020304" pitchFamily="18" charset="0"/>
+                <a:cs typeface="Times New Roman" panose="02020603050405020304" pitchFamily="18" charset="0"/>
+              </a:rPr>
+              <a:t>IKENO</a:t>
+            </a:r>
+            <a:r>
+              <a:rPr lang="pt-BR" sz="2000" dirty="0">
+                <a:latin typeface="Times New Roman" panose="02020603050405020304" pitchFamily="18" charset="0"/>
+                <a:cs typeface="Times New Roman" panose="02020603050405020304" pitchFamily="18" charset="0"/>
+              </a:rPr>
+              <a:t>, Sergio N.; DA COSTA MARCHI¹, </a:t>
+            </a:r>
+            <a:r>
+              <a:rPr lang="pt-BR" sz="2000" dirty="0" err="1">
+                <a:latin typeface="Times New Roman" panose="02020603050405020304" pitchFamily="18" charset="0"/>
+                <a:cs typeface="Times New Roman" panose="02020603050405020304" pitchFamily="18" charset="0"/>
+              </a:rPr>
+              <a:t>Késsia</a:t>
+            </a:r>
+            <a:r>
+              <a:rPr lang="pt-BR" sz="2000" dirty="0">
+                <a:latin typeface="Times New Roman" panose="02020603050405020304" pitchFamily="18" charset="0"/>
+                <a:cs typeface="Times New Roman" panose="02020603050405020304" pitchFamily="18" charset="0"/>
+              </a:rPr>
+              <a:t> Rita. Análise da Nova Linguagem HTML5 para o Desenvolvimento Web.</a:t>
+            </a:r>
+          </a:p>
+          <a:p>
+            <a:pPr marL="0" indent="0" algn="just">
+              <a:buNone/>
+            </a:pPr>
+            <a:r>
+              <a:rPr lang="pt-BR" sz="2000" dirty="0">
+                <a:latin typeface="Times New Roman" panose="02020603050405020304" pitchFamily="18" charset="0"/>
+                <a:cs typeface="Times New Roman" panose="02020603050405020304" pitchFamily="18" charset="0"/>
+              </a:rPr>
+              <a:t>	</a:t>
+            </a:r>
+            <a:r>
+              <a:rPr lang="pt-BR" sz="2000" b="1" dirty="0">
+                <a:latin typeface="Times New Roman" panose="02020603050405020304" pitchFamily="18" charset="0"/>
+                <a:cs typeface="Times New Roman" panose="02020603050405020304" pitchFamily="18" charset="0"/>
+              </a:rPr>
+              <a:t>Disponível em</a:t>
+            </a:r>
+            <a:r>
+              <a:rPr lang="pt-BR" sz="2000" dirty="0">
+                <a:latin typeface="Times New Roman" panose="02020603050405020304" pitchFamily="18" charset="0"/>
+                <a:cs typeface="Times New Roman" panose="02020603050405020304" pitchFamily="18" charset="0"/>
+              </a:rPr>
+              <a:t>: </a:t>
+            </a:r>
+            <a:r>
+              <a:rPr lang="pt-BR" sz="2000" dirty="0">
+                <a:latin typeface="Times New Roman" panose="02020603050405020304" pitchFamily="18" charset="0"/>
+                <a:cs typeface="Times New Roman" panose="02020603050405020304" pitchFamily="18" charset="0"/>
+                <a:hlinkClick r:id="rId3"/>
+              </a:rPr>
+              <a:t>http://siteunidavi.s3.amazonaws.com/revistaCaminhos/ano3.pdf#page=25</a:t>
+            </a:r>
+            <a:endParaRPr lang="pt-BR" sz="2000" dirty="0">
               <a:latin typeface="Times New Roman" panose="02020603050405020304" pitchFamily="18" charset="0"/>
               <a:cs typeface="Times New Roman" panose="02020603050405020304" pitchFamily="18" charset="0"/>
             </a:endParaRPr>
@@ -21248,34 +21364,7 @@
             <a:pPr marL="0" indent="0" algn="just">
               <a:buNone/>
             </a:pPr>
-            <a:r>
-              <a:rPr lang="pt-BR" sz="2400" dirty="0">
-                <a:latin typeface="Times New Roman" panose="02020603050405020304" pitchFamily="18" charset="0"/>
-                <a:cs typeface="Times New Roman" panose="02020603050405020304" pitchFamily="18" charset="0"/>
-              </a:rPr>
-              <a:t>[1] </a:t>
-            </a:r>
-            <a:r>
-              <a:rPr lang="pt-BR" sz="2400" dirty="0">
-                <a:latin typeface="Times New Roman" panose="02020603050405020304" pitchFamily="18" charset="0"/>
-                <a:cs typeface="Times New Roman" panose="02020603050405020304" pitchFamily="18" charset="0"/>
-                <a:hlinkClick r:id="rId3"/>
-              </a:rPr>
-              <a:t>https://www.youtube.com/watch?v=hu-q2zYwEYs</a:t>
-            </a:r>
-            <a:r>
-              <a:rPr lang="pt-BR" sz="2400" dirty="0">
-                <a:latin typeface="Times New Roman" panose="02020603050405020304" pitchFamily="18" charset="0"/>
-                <a:cs typeface="Times New Roman" panose="02020603050405020304" pitchFamily="18" charset="0"/>
-              </a:rPr>
-              <a:t> (HTML)</a:t>
-            </a:r>
-          </a:p>
-          <a:p>
-            <a:pPr marL="0" indent="0" algn="just">
-              <a:buNone/>
-            </a:pPr>
-            <a:endParaRPr lang="pt-BR" sz="2400" dirty="0">
+            <a:endParaRPr lang="pt-BR" sz="2000" dirty="0">
               <a:latin typeface="Times New Roman" panose="02020603050405020304" pitchFamily="18" charset="0"/>
               <a:cs typeface="Times New Roman" panose="02020603050405020304" pitchFamily="18" charset="0"/>
             </a:endParaRPr>
@@ -21284,7 +21373,62 @@
             <a:pPr marL="0" indent="0" algn="just">
               <a:buNone/>
             </a:pPr>
-            <a:endParaRPr lang="pt-BR" sz="2400" dirty="0">
+            <a:r>
+              <a:rPr lang="pt-BR" sz="2000" dirty="0">
+                <a:latin typeface="Times New Roman" panose="02020603050405020304" pitchFamily="18" charset="0"/>
+                <a:cs typeface="Times New Roman" panose="02020603050405020304" pitchFamily="18" charset="0"/>
+              </a:rPr>
+              <a:t>[2] </a:t>
+            </a:r>
+            <a:r>
+              <a:rPr lang="pt-BR" sz="2000" b="1" dirty="0">
+                <a:latin typeface="Times New Roman" panose="02020603050405020304" pitchFamily="18" charset="0"/>
+                <a:cs typeface="Times New Roman" panose="02020603050405020304" pitchFamily="18" charset="0"/>
+              </a:rPr>
+              <a:t>BATISTA</a:t>
+            </a:r>
+            <a:r>
+              <a:rPr lang="pt-BR" sz="2000" dirty="0">
+                <a:latin typeface="Times New Roman" panose="02020603050405020304" pitchFamily="18" charset="0"/>
+                <a:cs typeface="Times New Roman" panose="02020603050405020304" pitchFamily="18" charset="0"/>
+              </a:rPr>
+              <a:t>, Rafael NUNES et al. HTML5–O futuro da internet. ETIC-ENCONTRO DE INICIAÇÃO CIENTÍFICA-ISSN 21-76-8498, v. 7, n. 7, 2011.</a:t>
+            </a:r>
+          </a:p>
+          <a:p>
+            <a:pPr marL="0" indent="0" algn="just">
+              <a:buNone/>
+            </a:pPr>
+            <a:r>
+              <a:rPr lang="pt-BR" sz="2000" dirty="0">
+                <a:latin typeface="Times New Roman" panose="02020603050405020304" pitchFamily="18" charset="0"/>
+                <a:cs typeface="Times New Roman" panose="02020603050405020304" pitchFamily="18" charset="0"/>
+              </a:rPr>
+              <a:t>	</a:t>
+            </a:r>
+            <a:r>
+              <a:rPr lang="pt-BR" sz="2000" b="1" dirty="0">
+                <a:latin typeface="Times New Roman" panose="02020603050405020304" pitchFamily="18" charset="0"/>
+                <a:cs typeface="Times New Roman" panose="02020603050405020304" pitchFamily="18" charset="0"/>
+              </a:rPr>
+              <a:t>Disponível em</a:t>
+            </a:r>
+            <a:r>
+              <a:rPr lang="pt-BR" sz="2000" dirty="0">
+                <a:latin typeface="Times New Roman" panose="02020603050405020304" pitchFamily="18" charset="0"/>
+                <a:cs typeface="Times New Roman" panose="02020603050405020304" pitchFamily="18" charset="0"/>
+              </a:rPr>
+              <a:t>: </a:t>
+            </a:r>
+            <a:r>
+              <a:rPr lang="pt-BR" sz="2000" dirty="0">
+                <a:latin typeface="Times New Roman" panose="02020603050405020304" pitchFamily="18" charset="0"/>
+                <a:cs typeface="Times New Roman" panose="02020603050405020304" pitchFamily="18" charset="0"/>
+                <a:hlinkClick r:id="rId4"/>
+              </a:rPr>
+              <a:t>http://intertemas.toledoprudente.edu.br/index.php/ETIC/article/view/3960</a:t>
+            </a:r>
+            <a:endParaRPr lang="pt-BR" sz="2000" dirty="0">
               <a:latin typeface="Times New Roman" panose="02020603050405020304" pitchFamily="18" charset="0"/>
               <a:cs typeface="Times New Roman" panose="02020603050405020304" pitchFamily="18" charset="0"/>
             </a:endParaRPr>
@@ -21293,31 +21437,7 @@
             <a:pPr marL="0" indent="0" algn="just">
               <a:buNone/>
             </a:pPr>
-            <a:r>
-              <a:rPr lang="pt-BR" sz="2400" dirty="0">
-                <a:latin typeface="Times New Roman" panose="02020603050405020304" pitchFamily="18" charset="0"/>
-                <a:cs typeface="Times New Roman" panose="02020603050405020304" pitchFamily="18" charset="0"/>
-              </a:rPr>
-              <a:t>[2]  </a:t>
-            </a:r>
-            <a:r>
-              <a:rPr lang="pt-BR" sz="2400" dirty="0">
-                <a:latin typeface="Times New Roman" panose="02020603050405020304" pitchFamily="18" charset="0"/>
-                <a:cs typeface="Times New Roman" panose="02020603050405020304" pitchFamily="18" charset="0"/>
-                <a:hlinkClick r:id="rId4"/>
-              </a:rPr>
-              <a:t>https://www.youtube.com/watch?v=UB1O30fR-EE</a:t>
-            </a:r>
-            <a:endParaRPr lang="pt-BR" sz="2400" dirty="0">
-              <a:latin typeface="Times New Roman" panose="02020603050405020304" pitchFamily="18" charset="0"/>
-              <a:cs typeface="Times New Roman" panose="02020603050405020304" pitchFamily="18" charset="0"/>
-            </a:endParaRPr>
-          </a:p>
-          <a:p>
-            <a:pPr marL="0" indent="0" algn="just">
-              <a:buNone/>
-            </a:pPr>
-            <a:endParaRPr lang="pt-BR" sz="2400" dirty="0">
+            <a:endParaRPr lang="pt-BR" sz="2000" dirty="0">
               <a:latin typeface="Times New Roman" panose="02020603050405020304" pitchFamily="18" charset="0"/>
               <a:cs typeface="Times New Roman" panose="02020603050405020304" pitchFamily="18" charset="0"/>
             </a:endParaRPr>
@@ -21327,7 +21447,7 @@
     </p:spTree>
     <p:extLst>
       <p:ext uri="{BB962C8B-B14F-4D97-AF65-F5344CB8AC3E}">
-        <p14:creationId xmlns:p14="http://schemas.microsoft.com/office/powerpoint/2010/main" val="2747596967"/>
+        <p14:creationId xmlns:p14="http://schemas.microsoft.com/office/powerpoint/2010/main" val="3680270425"/>
       </p:ext>
     </p:extLst>
   </p:cSld>
@@ -21383,7 +21503,7 @@
                   <a:srgbClr val="0070C0"/>
                 </a:solidFill>
               </a:rPr>
-              <a:t>Dinâmica</a:t>
+              <a:t>Aprenda</a:t>
             </a:r>
             <a:r>
               <a:rPr lang="en-US" b="1" dirty="0">
@@ -21391,21 +21511,8 @@
                   <a:srgbClr val="0070C0"/>
                 </a:solidFill>
               </a:rPr>
-              <a:t>/</a:t>
-            </a:r>
-            <a:r>
-              <a:rPr lang="en-US" b="1" dirty="0" err="1">
-                <a:solidFill>
-                  <a:srgbClr val="0070C0"/>
-                </a:solidFill>
-              </a:rPr>
-              <a:t>Atividades</a:t>
-            </a:r>
-            <a:endParaRPr lang="en-US" b="1" dirty="0">
-              <a:solidFill>
-                <a:srgbClr val="0070C0"/>
-              </a:solidFill>
-            </a:endParaRPr>
+              <a:t>+</a:t>
+            </a:r>
           </a:p>
         </p:txBody>
       </p:sp>
@@ -21421,8 +21528,8 @@
         </p:nvSpPr>
         <p:spPr>
           <a:xfrm>
-            <a:off x="139472" y="1063230"/>
-            <a:ext cx="8865056" cy="3606305"/>
+            <a:off x="142865" y="1200151"/>
+            <a:ext cx="8865056" cy="3394472"/>
           </a:xfrm>
         </p:spPr>
         <p:txBody>
@@ -21431,91 +21538,10 @@
           </a:bodyPr>
           <a:lstStyle/>
           <a:p>
-            <a:pPr algn="just">
-              <a:buFontTx/>
-              <a:buChar char="-"/>
-            </a:pPr>
-            <a:r>
-              <a:rPr lang="pt-BR" dirty="0">
-                <a:latin typeface="Times New Roman" panose="02020603050405020304" pitchFamily="18" charset="0"/>
-                <a:cs typeface="Times New Roman" panose="02020603050405020304" pitchFamily="18" charset="0"/>
-              </a:rPr>
-              <a:t>Exercícios de Fixação </a:t>
-            </a:r>
-            <a:r>
-              <a:rPr lang="pt-BR" b="1" dirty="0">
-                <a:latin typeface="Times New Roman" panose="02020603050405020304" pitchFamily="18" charset="0"/>
-                <a:cs typeface="Times New Roman" panose="02020603050405020304" pitchFamily="18" charset="0"/>
-              </a:rPr>
-              <a:t>HTML</a:t>
-            </a:r>
-          </a:p>
-          <a:p>
-            <a:pPr marL="0" indent="0" algn="just">
-              <a:buNone/>
-            </a:pPr>
-            <a:r>
-              <a:rPr lang="pt-BR" dirty="0">
-                <a:latin typeface="Times New Roman" panose="02020603050405020304" pitchFamily="18" charset="0"/>
-                <a:cs typeface="Times New Roman" panose="02020603050405020304" pitchFamily="18" charset="0"/>
-              </a:rPr>
-              <a:t>	</a:t>
-            </a:r>
-            <a:r>
-              <a:rPr lang="pt-BR" b="1" dirty="0">
-                <a:solidFill>
-                  <a:srgbClr val="FF0000"/>
-                </a:solidFill>
-                <a:latin typeface="Times New Roman" panose="02020603050405020304" pitchFamily="18" charset="0"/>
-                <a:cs typeface="Times New Roman" panose="02020603050405020304" pitchFamily="18" charset="0"/>
-              </a:rPr>
-              <a:t>Desafios em Sala de Aula</a:t>
-            </a:r>
-            <a:r>
-              <a:rPr lang="pt-BR" dirty="0">
-                <a:latin typeface="Times New Roman" panose="02020603050405020304" pitchFamily="18" charset="0"/>
-                <a:cs typeface="Times New Roman" panose="02020603050405020304" pitchFamily="18" charset="0"/>
-              </a:rPr>
-              <a:t>.</a:t>
-            </a:r>
-          </a:p>
-          <a:p>
-            <a:pPr marL="0" indent="0" algn="just">
-              <a:buNone/>
-            </a:pPr>
-            <a:r>
-              <a:rPr lang="pt-BR" dirty="0">
-                <a:latin typeface="Times New Roman" panose="02020603050405020304" pitchFamily="18" charset="0"/>
-                <a:cs typeface="Times New Roman" panose="02020603050405020304" pitchFamily="18" charset="0"/>
-              </a:rPr>
-              <a:t>	</a:t>
-            </a:r>
-          </a:p>
-          <a:p>
-            <a:pPr marL="0" indent="0" algn="just">
-              <a:buNone/>
-            </a:pPr>
-            <a:r>
-              <a:rPr lang="es-ES" dirty="0">
-                <a:latin typeface="Times New Roman" panose="02020603050405020304" pitchFamily="18" charset="0"/>
-                <a:cs typeface="Times New Roman" panose="02020603050405020304" pitchFamily="18" charset="0"/>
-              </a:rPr>
-              <a:t>- Quiz HTML</a:t>
-            </a:r>
-          </a:p>
-          <a:p>
-            <a:pPr marL="0" indent="0" algn="just">
-              <a:buNone/>
-            </a:pPr>
-            <a:r>
-              <a:rPr lang="es-ES" dirty="0">
-                <a:latin typeface="Times New Roman" panose="02020603050405020304" pitchFamily="18" charset="0"/>
-                <a:cs typeface="Times New Roman" panose="02020603050405020304" pitchFamily="18" charset="0"/>
-                <a:hlinkClick r:id="rId3"/>
-              </a:rPr>
-              <a:t>https://docs.google.com/forms/d/1sIof5xEJ_sP-fUk_qgOKjhtV25D_a438OowjG30xL1o/prefill</a:t>
-            </a:r>
-            <a:endParaRPr lang="es-ES" dirty="0">
+            <a:pPr marL="0" indent="0" algn="just">
+              <a:buNone/>
+            </a:pPr>
+            <a:endParaRPr lang="pt-BR" sz="2400" dirty="0">
               <a:latin typeface="Times New Roman" panose="02020603050405020304" pitchFamily="18" charset="0"/>
               <a:cs typeface="Times New Roman" panose="02020603050405020304" pitchFamily="18" charset="0"/>
             </a:endParaRPr>
@@ -21524,7 +21550,34 @@
             <a:pPr marL="0" indent="0" algn="just">
               <a:buNone/>
             </a:pPr>
-            <a:endParaRPr lang="es-ES" dirty="0">
+            <a:r>
+              <a:rPr lang="pt-BR" sz="2400" dirty="0">
+                <a:latin typeface="Times New Roman" panose="02020603050405020304" pitchFamily="18" charset="0"/>
+                <a:cs typeface="Times New Roman" panose="02020603050405020304" pitchFamily="18" charset="0"/>
+              </a:rPr>
+              <a:t>[1] </a:t>
+            </a:r>
+            <a:r>
+              <a:rPr lang="pt-BR" sz="2400" dirty="0">
+                <a:latin typeface="Times New Roman" panose="02020603050405020304" pitchFamily="18" charset="0"/>
+                <a:cs typeface="Times New Roman" panose="02020603050405020304" pitchFamily="18" charset="0"/>
+                <a:hlinkClick r:id="rId3"/>
+              </a:rPr>
+              <a:t>https://www.youtube.com/watch?v=hu-q2zYwEYs</a:t>
+            </a:r>
+            <a:r>
+              <a:rPr lang="pt-BR" sz="2400" dirty="0">
+                <a:latin typeface="Times New Roman" panose="02020603050405020304" pitchFamily="18" charset="0"/>
+                <a:cs typeface="Times New Roman" panose="02020603050405020304" pitchFamily="18" charset="0"/>
+              </a:rPr>
+              <a:t> (HTML)</a:t>
+            </a:r>
+          </a:p>
+          <a:p>
+            <a:pPr marL="0" indent="0" algn="just">
+              <a:buNone/>
+            </a:pPr>
+            <a:endParaRPr lang="pt-BR" sz="2400" dirty="0">
               <a:latin typeface="Times New Roman" panose="02020603050405020304" pitchFamily="18" charset="0"/>
               <a:cs typeface="Times New Roman" panose="02020603050405020304" pitchFamily="18" charset="0"/>
             </a:endParaRPr>
@@ -21533,22 +21586,42 @@
             <a:pPr marL="0" indent="0" algn="just">
               <a:buNone/>
             </a:pPr>
-            <a:endParaRPr lang="pt-BR" dirty="0">
+            <a:endParaRPr lang="pt-BR" sz="2400" dirty="0">
               <a:latin typeface="Times New Roman" panose="02020603050405020304" pitchFamily="18" charset="0"/>
               <a:cs typeface="Times New Roman" panose="02020603050405020304" pitchFamily="18" charset="0"/>
             </a:endParaRPr>
           </a:p>
           <a:p>
-            <a:pPr algn="just"/>
-            <a:endParaRPr lang="pt-BR" dirty="0">
+            <a:pPr marL="0" indent="0" algn="just">
+              <a:buNone/>
+            </a:pPr>
+            <a:r>
+              <a:rPr lang="pt-BR" sz="2400" dirty="0">
+                <a:latin typeface="Times New Roman" panose="02020603050405020304" pitchFamily="18" charset="0"/>
+                <a:cs typeface="Times New Roman" panose="02020603050405020304" pitchFamily="18" charset="0"/>
+              </a:rPr>
+              <a:t>[2]  </a:t>
+            </a:r>
+            <a:r>
+              <a:rPr lang="pt-BR" sz="2400" dirty="0">
+                <a:latin typeface="Times New Roman" panose="02020603050405020304" pitchFamily="18" charset="0"/>
+                <a:cs typeface="Times New Roman" panose="02020603050405020304" pitchFamily="18" charset="0"/>
+                <a:hlinkClick r:id="rId4"/>
+              </a:rPr>
+              <a:t>https://www.youtube.com/watch?v=UB1O30fR-EE</a:t>
+            </a:r>
+            <a:endParaRPr lang="pt-BR" sz="2400" dirty="0">
               <a:latin typeface="Times New Roman" panose="02020603050405020304" pitchFamily="18" charset="0"/>
               <a:cs typeface="Times New Roman" panose="02020603050405020304" pitchFamily="18" charset="0"/>
             </a:endParaRPr>
           </a:p>
           <a:p>
-            <a:pPr algn="just"/>
-            <a:endParaRPr lang="pt-BR" dirty="0">
-              <a:latin typeface="Calibri" panose="020F0502020204030204" pitchFamily="34" charset="0"/>
+            <a:pPr marL="0" indent="0" algn="just">
+              <a:buNone/>
+            </a:pPr>
+            <a:endParaRPr lang="pt-BR" sz="2400" dirty="0">
+              <a:latin typeface="Times New Roman" panose="02020603050405020304" pitchFamily="18" charset="0"/>
+              <a:cs typeface="Times New Roman" panose="02020603050405020304" pitchFamily="18" charset="0"/>
             </a:endParaRPr>
           </a:p>
         </p:txBody>
@@ -21556,7 +21629,7 @@
     </p:spTree>
     <p:extLst>
       <p:ext uri="{BB962C8B-B14F-4D97-AF65-F5344CB8AC3E}">
-        <p14:creationId xmlns:p14="http://schemas.microsoft.com/office/powerpoint/2010/main" val="2470652989"/>
+        <p14:creationId xmlns:p14="http://schemas.microsoft.com/office/powerpoint/2010/main" val="2747596967"/>
       </p:ext>
     </p:extLst>
   </p:cSld>
@@ -21612,6 +21685,235 @@
                   <a:srgbClr val="0070C0"/>
                 </a:solidFill>
               </a:rPr>
+              <a:t>Dinâmica</a:t>
+            </a:r>
+            <a:r>
+              <a:rPr lang="en-US" b="1" dirty="0">
+                <a:solidFill>
+                  <a:srgbClr val="0070C0"/>
+                </a:solidFill>
+              </a:rPr>
+              <a:t>/</a:t>
+            </a:r>
+            <a:r>
+              <a:rPr lang="en-US" b="1" dirty="0" err="1">
+                <a:solidFill>
+                  <a:srgbClr val="0070C0"/>
+                </a:solidFill>
+              </a:rPr>
+              <a:t>Atividades</a:t>
+            </a:r>
+            <a:endParaRPr lang="en-US" b="1" dirty="0">
+              <a:solidFill>
+                <a:srgbClr val="0070C0"/>
+              </a:solidFill>
+            </a:endParaRPr>
+          </a:p>
+        </p:txBody>
+      </p:sp>
+      <p:sp>
+        <p:nvSpPr>
+          <p:cNvPr id="8" name="Text Placeholder 2"/>
+          <p:cNvSpPr>
+            <a:spLocks noGrp="1"/>
+          </p:cNvSpPr>
+          <p:nvPr>
+            <p:ph type="body" sz="half" idx="1"/>
+          </p:nvPr>
+        </p:nvSpPr>
+        <p:spPr>
+          <a:xfrm>
+            <a:off x="139472" y="1063230"/>
+            <a:ext cx="8865056" cy="3606305"/>
+          </a:xfrm>
+        </p:spPr>
+        <p:txBody>
+          <a:bodyPr>
+            <a:noAutofit/>
+          </a:bodyPr>
+          <a:lstStyle/>
+          <a:p>
+            <a:pPr algn="just">
+              <a:buFontTx/>
+              <a:buChar char="-"/>
+            </a:pPr>
+            <a:r>
+              <a:rPr lang="pt-BR" dirty="0">
+                <a:latin typeface="Times New Roman" panose="02020603050405020304" pitchFamily="18" charset="0"/>
+                <a:cs typeface="Times New Roman" panose="02020603050405020304" pitchFamily="18" charset="0"/>
+              </a:rPr>
+              <a:t>Exercícios de Fixação </a:t>
+            </a:r>
+            <a:r>
+              <a:rPr lang="pt-BR" b="1" dirty="0">
+                <a:latin typeface="Times New Roman" panose="02020603050405020304" pitchFamily="18" charset="0"/>
+                <a:cs typeface="Times New Roman" panose="02020603050405020304" pitchFamily="18" charset="0"/>
+              </a:rPr>
+              <a:t>HTML</a:t>
+            </a:r>
+          </a:p>
+          <a:p>
+            <a:pPr marL="0" indent="0" algn="just">
+              <a:buNone/>
+            </a:pPr>
+            <a:r>
+              <a:rPr lang="pt-BR" dirty="0">
+                <a:latin typeface="Times New Roman" panose="02020603050405020304" pitchFamily="18" charset="0"/>
+                <a:cs typeface="Times New Roman" panose="02020603050405020304" pitchFamily="18" charset="0"/>
+              </a:rPr>
+              <a:t>	</a:t>
+            </a:r>
+            <a:r>
+              <a:rPr lang="pt-BR" b="1" dirty="0">
+                <a:solidFill>
+                  <a:srgbClr val="FF0000"/>
+                </a:solidFill>
+                <a:latin typeface="Times New Roman" panose="02020603050405020304" pitchFamily="18" charset="0"/>
+                <a:cs typeface="Times New Roman" panose="02020603050405020304" pitchFamily="18" charset="0"/>
+              </a:rPr>
+              <a:t>Desafios em Sala de Aula</a:t>
+            </a:r>
+            <a:r>
+              <a:rPr lang="pt-BR" dirty="0">
+                <a:latin typeface="Times New Roman" panose="02020603050405020304" pitchFamily="18" charset="0"/>
+                <a:cs typeface="Times New Roman" panose="02020603050405020304" pitchFamily="18" charset="0"/>
+              </a:rPr>
+              <a:t>.</a:t>
+            </a:r>
+          </a:p>
+          <a:p>
+            <a:pPr marL="0" indent="0" algn="just">
+              <a:buNone/>
+            </a:pPr>
+            <a:r>
+              <a:rPr lang="pt-BR" dirty="0">
+                <a:latin typeface="Times New Roman" panose="02020603050405020304" pitchFamily="18" charset="0"/>
+                <a:cs typeface="Times New Roman" panose="02020603050405020304" pitchFamily="18" charset="0"/>
+              </a:rPr>
+              <a:t>	</a:t>
+            </a:r>
+          </a:p>
+          <a:p>
+            <a:pPr marL="0" indent="0" algn="just">
+              <a:buNone/>
+            </a:pPr>
+            <a:r>
+              <a:rPr lang="es-ES" dirty="0">
+                <a:latin typeface="Times New Roman" panose="02020603050405020304" pitchFamily="18" charset="0"/>
+                <a:cs typeface="Times New Roman" panose="02020603050405020304" pitchFamily="18" charset="0"/>
+              </a:rPr>
+              <a:t>- Quiz HTML</a:t>
+            </a:r>
+          </a:p>
+          <a:p>
+            <a:pPr marL="0" indent="0" algn="just">
+              <a:buNone/>
+            </a:pPr>
+            <a:r>
+              <a:rPr lang="es-ES" dirty="0">
+                <a:latin typeface="Times New Roman" panose="02020603050405020304" pitchFamily="18" charset="0"/>
+                <a:cs typeface="Times New Roman" panose="02020603050405020304" pitchFamily="18" charset="0"/>
+                <a:hlinkClick r:id="rId3"/>
+              </a:rPr>
+              <a:t>https://docs.google.com/forms/d/1sIof5xEJ_sP-fUk_qgOKjhtV25D_a438OowjG30xL1o/prefill</a:t>
+            </a:r>
+            <a:endParaRPr lang="es-ES" dirty="0">
+              <a:latin typeface="Times New Roman" panose="02020603050405020304" pitchFamily="18" charset="0"/>
+              <a:cs typeface="Times New Roman" panose="02020603050405020304" pitchFamily="18" charset="0"/>
+            </a:endParaRPr>
+          </a:p>
+          <a:p>
+            <a:pPr marL="0" indent="0" algn="just">
+              <a:buNone/>
+            </a:pPr>
+            <a:endParaRPr lang="es-ES" dirty="0">
+              <a:latin typeface="Times New Roman" panose="02020603050405020304" pitchFamily="18" charset="0"/>
+              <a:cs typeface="Times New Roman" panose="02020603050405020304" pitchFamily="18" charset="0"/>
+            </a:endParaRPr>
+          </a:p>
+          <a:p>
+            <a:pPr marL="0" indent="0" algn="just">
+              <a:buNone/>
+            </a:pPr>
+            <a:endParaRPr lang="pt-BR" dirty="0">
+              <a:latin typeface="Times New Roman" panose="02020603050405020304" pitchFamily="18" charset="0"/>
+              <a:cs typeface="Times New Roman" panose="02020603050405020304" pitchFamily="18" charset="0"/>
+            </a:endParaRPr>
+          </a:p>
+          <a:p>
+            <a:pPr algn="just"/>
+            <a:endParaRPr lang="pt-BR" dirty="0">
+              <a:latin typeface="Times New Roman" panose="02020603050405020304" pitchFamily="18" charset="0"/>
+              <a:cs typeface="Times New Roman" panose="02020603050405020304" pitchFamily="18" charset="0"/>
+            </a:endParaRPr>
+          </a:p>
+          <a:p>
+            <a:pPr algn="just"/>
+            <a:endParaRPr lang="pt-BR" dirty="0">
+              <a:latin typeface="Calibri" panose="020F0502020204030204" pitchFamily="34" charset="0"/>
+            </a:endParaRPr>
+          </a:p>
+        </p:txBody>
+      </p:sp>
+    </p:spTree>
+    <p:extLst>
+      <p:ext uri="{BB962C8B-B14F-4D97-AF65-F5344CB8AC3E}">
+        <p14:creationId xmlns:p14="http://schemas.microsoft.com/office/powerpoint/2010/main" val="2470652989"/>
+      </p:ext>
+    </p:extLst>
+  </p:cSld>
+  <p:clrMapOvr>
+    <a:masterClrMapping/>
+  </p:clrMapOvr>
+  <p:transition spd="med"/>
+</p:sld>
+</file>
+
+<file path=ppt/slides/slide48.xml><?xml version="1.0" encoding="utf-8"?>
+<p:sld xmlns:a="http://schemas.openxmlformats.org/drawingml/2006/main" xmlns:r="http://schemas.openxmlformats.org/officeDocument/2006/relationships" xmlns:p="http://schemas.openxmlformats.org/presentationml/2006/main">
+  <p:cSld>
+    <p:spTree>
+      <p:nvGrpSpPr>
+        <p:cNvPr id="1" name=""/>
+        <p:cNvGrpSpPr/>
+        <p:nvPr/>
+      </p:nvGrpSpPr>
+      <p:grpSpPr>
+        <a:xfrm>
+          <a:off x="0" y="0"/>
+          <a:ext cx="0" cy="0"/>
+          <a:chOff x="0" y="0"/>
+          <a:chExt cx="0" cy="0"/>
+        </a:xfrm>
+      </p:grpSpPr>
+      <p:sp>
+        <p:nvSpPr>
+          <p:cNvPr id="6" name="Title 1"/>
+          <p:cNvSpPr>
+            <a:spLocks noGrp="1"/>
+          </p:cNvSpPr>
+          <p:nvPr>
+            <p:ph type="title"/>
+          </p:nvPr>
+        </p:nvSpPr>
+        <p:spPr>
+          <a:xfrm>
+            <a:off x="457200" y="205980"/>
+            <a:ext cx="8229600" cy="857251"/>
+          </a:xfrm>
+        </p:spPr>
+        <p:txBody>
+          <a:bodyPr>
+            <a:normAutofit/>
+          </a:bodyPr>
+          <a:lstStyle/>
+          <a:p>
+            <a:r>
+              <a:rPr lang="en-US" b="1" dirty="0" err="1">
+                <a:solidFill>
+                  <a:srgbClr val="0070C0"/>
+                </a:solidFill>
+              </a:rPr>
               <a:t>Referências</a:t>
             </a:r>
             <a:r>
@@ -21781,7 +22083,7 @@
 </p:sld>
 </file>
 
-<file path=ppt/slides/slide48.xml><?xml version="1.0" encoding="utf-8"?>
+<file path=ppt/slides/slide49.xml><?xml version="1.0" encoding="utf-8"?>
 <p:sld xmlns:a="http://schemas.openxmlformats.org/drawingml/2006/main" xmlns:r="http://schemas.openxmlformats.org/officeDocument/2006/relationships" xmlns:p="http://schemas.openxmlformats.org/presentationml/2006/main">
   <p:cSld>
     <p:spTree>

--- a/01 Classes/Aula 04 Desenvolvimento Web - HTML.pptx
+++ b/01 Classes/Aula 04 Desenvolvimento Web - HTML.pptx
@@ -5,7 +5,7 @@
     <p:sldMasterId id="2147483648" r:id="rId1"/>
   </p:sldMasterIdLst>
   <p:notesMasterIdLst>
-    <p:notesMasterId r:id="rId52"/>
+    <p:notesMasterId r:id="rId53"/>
   </p:notesMasterIdLst>
   <p:sldIdLst>
     <p:sldId id="256" r:id="rId2"/>
@@ -53,11 +53,12 @@
     <p:sldId id="437" r:id="rId44"/>
     <p:sldId id="436" r:id="rId45"/>
     <p:sldId id="438" r:id="rId46"/>
-    <p:sldId id="333" r:id="rId47"/>
-    <p:sldId id="323" r:id="rId48"/>
-    <p:sldId id="334" r:id="rId49"/>
-    <p:sldId id="337" r:id="rId50"/>
-    <p:sldId id="309" r:id="rId51"/>
+    <p:sldId id="442" r:id="rId47"/>
+    <p:sldId id="333" r:id="rId48"/>
+    <p:sldId id="323" r:id="rId49"/>
+    <p:sldId id="334" r:id="rId50"/>
+    <p:sldId id="337" r:id="rId51"/>
+    <p:sldId id="309" r:id="rId52"/>
   </p:sldIdLst>
   <p:sldSz cx="9144000" cy="5143500" type="screen16x9"/>
   <p:notesSz cx="6858000" cy="9144000"/>
@@ -3107,7 +3108,7 @@
     </p:spTree>
     <p:extLst>
       <p:ext uri="{BB962C8B-B14F-4D97-AF65-F5344CB8AC3E}">
-        <p14:creationId xmlns:p14="http://schemas.microsoft.com/office/powerpoint/2010/main" val="585304384"/>
+        <p14:creationId xmlns:p14="http://schemas.microsoft.com/office/powerpoint/2010/main" val="1438828921"/>
       </p:ext>
     </p:extLst>
   </p:cSld>
@@ -3173,7 +3174,7 @@
     </p:spTree>
     <p:extLst>
       <p:ext uri="{BB962C8B-B14F-4D97-AF65-F5344CB8AC3E}">
-        <p14:creationId xmlns:p14="http://schemas.microsoft.com/office/powerpoint/2010/main" val="2709569597"/>
+        <p14:creationId xmlns:p14="http://schemas.microsoft.com/office/powerpoint/2010/main" val="585304384"/>
       </p:ext>
     </p:extLst>
   </p:cSld>
@@ -3239,6 +3240,72 @@
     </p:spTree>
     <p:extLst>
       <p:ext uri="{BB962C8B-B14F-4D97-AF65-F5344CB8AC3E}">
+        <p14:creationId xmlns:p14="http://schemas.microsoft.com/office/powerpoint/2010/main" val="2709569597"/>
+      </p:ext>
+    </p:extLst>
+  </p:cSld>
+  <p:clrMapOvr>
+    <a:masterClrMapping/>
+  </p:clrMapOvr>
+</p:notes>
+</file>
+
+<file path=ppt/notesSlides/notesSlide47.xml><?xml version="1.0" encoding="utf-8"?>
+<p:notes xmlns:a="http://schemas.openxmlformats.org/drawingml/2006/main" xmlns:r="http://schemas.openxmlformats.org/officeDocument/2006/relationships" xmlns:p="http://schemas.openxmlformats.org/presentationml/2006/main">
+  <p:cSld>
+    <p:spTree>
+      <p:nvGrpSpPr>
+        <p:cNvPr id="1" name=""/>
+        <p:cNvGrpSpPr/>
+        <p:nvPr/>
+      </p:nvGrpSpPr>
+      <p:grpSpPr>
+        <a:xfrm>
+          <a:off x="0" y="0"/>
+          <a:ext cx="0" cy="0"/>
+          <a:chOff x="0" y="0"/>
+          <a:chExt cx="0" cy="0"/>
+        </a:xfrm>
+      </p:grpSpPr>
+      <p:sp>
+        <p:nvSpPr>
+          <p:cNvPr id="2" name="Espaço Reservado para Imagem de Slide 1"/>
+          <p:cNvSpPr>
+            <a:spLocks noGrp="1" noRot="1" noChangeAspect="1"/>
+          </p:cNvSpPr>
+          <p:nvPr>
+            <p:ph type="sldImg"/>
+          </p:nvPr>
+        </p:nvSpPr>
+        <p:spPr>
+          <a:xfrm>
+            <a:off x="381000" y="685800"/>
+            <a:ext cx="6096000" cy="3429000"/>
+          </a:xfrm>
+        </p:spPr>
+      </p:sp>
+      <p:sp>
+        <p:nvSpPr>
+          <p:cNvPr id="3" name="Espaço Reservado para Anotações 2"/>
+          <p:cNvSpPr>
+            <a:spLocks noGrp="1"/>
+          </p:cNvSpPr>
+          <p:nvPr>
+            <p:ph type="body" idx="1"/>
+          </p:nvPr>
+        </p:nvSpPr>
+        <p:spPr/>
+        <p:txBody>
+          <a:bodyPr/>
+          <a:lstStyle/>
+          <a:p>
+            <a:endParaRPr lang="pt-BR" dirty="0"/>
+          </a:p>
+        </p:txBody>
+      </p:sp>
+    </p:spTree>
+    <p:extLst>
+      <p:ext uri="{BB962C8B-B14F-4D97-AF65-F5344CB8AC3E}">
         <p14:creationId xmlns:p14="http://schemas.microsoft.com/office/powerpoint/2010/main" val="2296249050"/>
       </p:ext>
     </p:extLst>
@@ -3249,7 +3316,7 @@
 </p:notes>
 </file>
 
-<file path=ppt/notesSlides/notesSlide47.xml><?xml version="1.0" encoding="utf-8"?>
+<file path=ppt/notesSlides/notesSlide48.xml><?xml version="1.0" encoding="utf-8"?>
 <p:notes xmlns:a="http://schemas.openxmlformats.org/drawingml/2006/main" xmlns:r="http://schemas.openxmlformats.org/officeDocument/2006/relationships" xmlns:p="http://schemas.openxmlformats.org/presentationml/2006/main">
   <p:cSld>
     <p:spTree>
@@ -21664,12 +21731,20 @@
           <a:lstStyle/>
           <a:p>
             <a:r>
+              <a:rPr lang="en-US" b="1" dirty="0">
+                <a:solidFill>
+                  <a:srgbClr val="0070C0"/>
+                </a:solidFill>
+              </a:rPr>
+              <a:t>HTML – </a:t>
+            </a:r>
+            <a:r>
               <a:rPr lang="en-US" b="1" dirty="0" err="1">
                 <a:solidFill>
                   <a:srgbClr val="0070C0"/>
                 </a:solidFill>
               </a:rPr>
-              <a:t>Leitura</a:t>
+              <a:t>Estatísticas</a:t>
             </a:r>
             <a:r>
               <a:rPr lang="en-US" b="1" dirty="0">
@@ -21677,7 +21752,7 @@
                   <a:srgbClr val="0070C0"/>
                 </a:solidFill>
               </a:rPr>
-              <a:t> </a:t>
+              <a:t>/</a:t>
             </a:r>
             <a:r>
               <a:rPr lang="en-US" b="1" dirty="0" err="1">
@@ -21685,7 +21760,7 @@
                   <a:srgbClr val="0070C0"/>
                 </a:solidFill>
               </a:rPr>
-              <a:t>Específica</a:t>
+              <a:t>Conteúdos</a:t>
             </a:r>
             <a:endParaRPr lang="en-US" b="1" dirty="0">
               <a:solidFill>
@@ -21707,8 +21782,8 @@
         </p:nvSpPr>
         <p:spPr>
           <a:xfrm>
-            <a:off x="142865" y="1012261"/>
-            <a:ext cx="8865056" cy="3394472"/>
+            <a:off x="142865" y="1024786"/>
+            <a:ext cx="8865056" cy="3900208"/>
           </a:xfrm>
         </p:spPr>
         <p:txBody>
@@ -21721,75 +21796,45 @@
               <a:buNone/>
             </a:pPr>
             <a:r>
-              <a:rPr lang="pt-BR" sz="2000" dirty="0">
-                <a:latin typeface="Times New Roman" panose="02020603050405020304" pitchFamily="18" charset="0"/>
-                <a:cs typeface="Times New Roman" panose="02020603050405020304" pitchFamily="18" charset="0"/>
-              </a:rPr>
-              <a:t>[1] </a:t>
-            </a:r>
-            <a:r>
-              <a:rPr lang="pt-BR" sz="2000" b="1" dirty="0">
-                <a:latin typeface="Times New Roman" panose="02020603050405020304" pitchFamily="18" charset="0"/>
-                <a:cs typeface="Times New Roman" panose="02020603050405020304" pitchFamily="18" charset="0"/>
-              </a:rPr>
-              <a:t>IKENO</a:t>
-            </a:r>
-            <a:r>
-              <a:rPr lang="pt-BR" sz="2000" dirty="0">
-                <a:latin typeface="Times New Roman" panose="02020603050405020304" pitchFamily="18" charset="0"/>
-                <a:cs typeface="Times New Roman" panose="02020603050405020304" pitchFamily="18" charset="0"/>
-              </a:rPr>
-              <a:t>, Sergio N.; DA COSTA MARCHI¹, </a:t>
-            </a:r>
-            <a:r>
-              <a:rPr lang="pt-BR" sz="2000" dirty="0" err="1">
-                <a:latin typeface="Times New Roman" panose="02020603050405020304" pitchFamily="18" charset="0"/>
-                <a:cs typeface="Times New Roman" panose="02020603050405020304" pitchFamily="18" charset="0"/>
-              </a:rPr>
-              <a:t>Késsia</a:t>
-            </a:r>
-            <a:r>
-              <a:rPr lang="pt-BR" sz="2000" dirty="0">
-                <a:latin typeface="Times New Roman" panose="02020603050405020304" pitchFamily="18" charset="0"/>
-                <a:cs typeface="Times New Roman" panose="02020603050405020304" pitchFamily="18" charset="0"/>
-              </a:rPr>
-              <a:t> Rita. Análise da Nova Linguagem HTML5 para o Desenvolvimento Web.</a:t>
-            </a:r>
-          </a:p>
-          <a:p>
-            <a:pPr marL="0" indent="0" algn="just">
-              <a:buNone/>
-            </a:pPr>
-            <a:r>
-              <a:rPr lang="pt-BR" sz="2000" dirty="0">
-                <a:latin typeface="Times New Roman" panose="02020603050405020304" pitchFamily="18" charset="0"/>
-                <a:cs typeface="Times New Roman" panose="02020603050405020304" pitchFamily="18" charset="0"/>
-              </a:rPr>
-              <a:t>	</a:t>
-            </a:r>
-            <a:r>
-              <a:rPr lang="pt-BR" sz="2000" b="1" dirty="0">
-                <a:latin typeface="Times New Roman" panose="02020603050405020304" pitchFamily="18" charset="0"/>
-                <a:cs typeface="Times New Roman" panose="02020603050405020304" pitchFamily="18" charset="0"/>
-              </a:rPr>
-              <a:t>Disponível em</a:t>
-            </a:r>
-            <a:r>
-              <a:rPr lang="pt-BR" sz="2000" dirty="0">
-                <a:latin typeface="Times New Roman" panose="02020603050405020304" pitchFamily="18" charset="0"/>
-                <a:cs typeface="Times New Roman" panose="02020603050405020304" pitchFamily="18" charset="0"/>
-              </a:rPr>
-              <a:t>: </a:t>
-            </a:r>
-            <a:r>
-              <a:rPr lang="pt-BR" sz="2000" dirty="0">
+              <a:rPr lang="pt-BR" dirty="0" err="1">
+                <a:solidFill>
+                  <a:schemeClr val="tx1"/>
+                </a:solidFill>
+                <a:latin typeface="Times New Roman" panose="02020603050405020304" pitchFamily="18" charset="0"/>
+                <a:cs typeface="Times New Roman" panose="02020603050405020304" pitchFamily="18" charset="0"/>
+              </a:rPr>
+              <a:t>URLs</a:t>
+            </a:r>
+            <a:r>
+              <a:rPr lang="pt-BR" dirty="0">
+                <a:solidFill>
+                  <a:schemeClr val="tx1"/>
+                </a:solidFill>
+                <a:latin typeface="Times New Roman" panose="02020603050405020304" pitchFamily="18" charset="0"/>
+                <a:cs typeface="Times New Roman" panose="02020603050405020304" pitchFamily="18" charset="0"/>
+              </a:rPr>
+              <a:t>:</a:t>
+            </a:r>
+          </a:p>
+          <a:p>
+            <a:pPr marL="0" indent="0" algn="just">
+              <a:buNone/>
+            </a:pPr>
+            <a:r>
+              <a:rPr lang="pt-BR" dirty="0">
+                <a:solidFill>
+                  <a:schemeClr val="tx1"/>
+                </a:solidFill>
                 <a:latin typeface="Times New Roman" panose="02020603050405020304" pitchFamily="18" charset="0"/>
                 <a:cs typeface="Times New Roman" panose="02020603050405020304" pitchFamily="18" charset="0"/>
                 <a:hlinkClick r:id="rId3"/>
               </a:rPr>
-              <a:t>http://siteunidavi.s3.amazonaws.com/revistaCaminhos/ano3.pdf#page=25</a:t>
-            </a:r>
-            <a:endParaRPr lang="pt-BR" sz="2000" dirty="0">
+              <a:t>1. https://www.internetworldstats.com/stats.htm</a:t>
+            </a:r>
+            <a:endParaRPr lang="pt-BR" dirty="0">
+              <a:solidFill>
+                <a:schemeClr val="tx1"/>
+              </a:solidFill>
               <a:latin typeface="Times New Roman" panose="02020603050405020304" pitchFamily="18" charset="0"/>
               <a:cs typeface="Times New Roman" panose="02020603050405020304" pitchFamily="18" charset="0"/>
             </a:endParaRPr>
@@ -21798,7 +21843,10 @@
             <a:pPr marL="0" indent="0" algn="just">
               <a:buNone/>
             </a:pPr>
-            <a:endParaRPr lang="pt-BR" sz="2000" dirty="0">
+            <a:endParaRPr lang="pt-BR" dirty="0">
+              <a:solidFill>
+                <a:schemeClr val="tx1"/>
+              </a:solidFill>
               <a:latin typeface="Times New Roman" panose="02020603050405020304" pitchFamily="18" charset="0"/>
               <a:cs typeface="Times New Roman" panose="02020603050405020304" pitchFamily="18" charset="0"/>
             </a:endParaRPr>
@@ -21808,61 +21856,20 @@
               <a:buNone/>
             </a:pPr>
             <a:r>
-              <a:rPr lang="pt-BR" sz="2000" dirty="0">
-                <a:latin typeface="Times New Roman" panose="02020603050405020304" pitchFamily="18" charset="0"/>
-                <a:cs typeface="Times New Roman" panose="02020603050405020304" pitchFamily="18" charset="0"/>
-              </a:rPr>
-              <a:t>[2] </a:t>
-            </a:r>
-            <a:r>
-              <a:rPr lang="pt-BR" sz="2000" b="1" dirty="0">
-                <a:latin typeface="Times New Roman" panose="02020603050405020304" pitchFamily="18" charset="0"/>
-                <a:cs typeface="Times New Roman" panose="02020603050405020304" pitchFamily="18" charset="0"/>
-              </a:rPr>
-              <a:t>BATISTA</a:t>
-            </a:r>
-            <a:r>
-              <a:rPr lang="pt-BR" sz="2000" dirty="0">
-                <a:latin typeface="Times New Roman" panose="02020603050405020304" pitchFamily="18" charset="0"/>
-                <a:cs typeface="Times New Roman" panose="02020603050405020304" pitchFamily="18" charset="0"/>
-              </a:rPr>
-              <a:t>, Rafael NUNES et al. HTML5–O futuro da internet. ETIC-ENCONTRO DE INICIAÇÃO CIENTÍFICA-ISSN 21-76-8498, v. 7, n. 7, 2011.</a:t>
-            </a:r>
-          </a:p>
-          <a:p>
-            <a:pPr marL="0" indent="0" algn="just">
-              <a:buNone/>
-            </a:pPr>
-            <a:r>
-              <a:rPr lang="pt-BR" sz="2000" dirty="0">
-                <a:latin typeface="Times New Roman" panose="02020603050405020304" pitchFamily="18" charset="0"/>
-                <a:cs typeface="Times New Roman" panose="02020603050405020304" pitchFamily="18" charset="0"/>
-              </a:rPr>
-              <a:t>	</a:t>
-            </a:r>
-            <a:r>
-              <a:rPr lang="pt-BR" sz="2000" b="1" dirty="0">
-                <a:latin typeface="Times New Roman" panose="02020603050405020304" pitchFamily="18" charset="0"/>
-                <a:cs typeface="Times New Roman" panose="02020603050405020304" pitchFamily="18" charset="0"/>
-              </a:rPr>
-              <a:t>Disponível em</a:t>
-            </a:r>
-            <a:r>
-              <a:rPr lang="pt-BR" sz="2000" dirty="0">
-                <a:latin typeface="Times New Roman" panose="02020603050405020304" pitchFamily="18" charset="0"/>
-                <a:cs typeface="Times New Roman" panose="02020603050405020304" pitchFamily="18" charset="0"/>
-              </a:rPr>
-              <a:t>: </a:t>
-            </a:r>
-            <a:r>
-              <a:rPr lang="pt-BR" sz="2000" dirty="0">
+              <a:rPr lang="pt-BR" dirty="0">
+                <a:solidFill>
+                  <a:schemeClr val="tx1"/>
+                </a:solidFill>
                 <a:latin typeface="Times New Roman" panose="02020603050405020304" pitchFamily="18" charset="0"/>
                 <a:cs typeface="Times New Roman" panose="02020603050405020304" pitchFamily="18" charset="0"/>
                 <a:hlinkClick r:id="rId4"/>
               </a:rPr>
-              <a:t>http://intertemas.toledoprudente.edu.br/index.php/ETIC/article/view/3960</a:t>
-            </a:r>
-            <a:endParaRPr lang="pt-BR" sz="2000" dirty="0">
+              <a:t>2. https://gs.statcounter.com/</a:t>
+            </a:r>
+            <a:endParaRPr lang="pt-BR" dirty="0">
+              <a:solidFill>
+                <a:schemeClr val="tx1"/>
+              </a:solidFill>
               <a:latin typeface="Times New Roman" panose="02020603050405020304" pitchFamily="18" charset="0"/>
               <a:cs typeface="Times New Roman" panose="02020603050405020304" pitchFamily="18" charset="0"/>
             </a:endParaRPr>
@@ -21871,7 +21878,126 @@
             <a:pPr marL="0" indent="0" algn="just">
               <a:buNone/>
             </a:pPr>
-            <a:endParaRPr lang="pt-BR" sz="2000" dirty="0">
+            <a:endParaRPr lang="pt-BR" dirty="0">
+              <a:solidFill>
+                <a:schemeClr val="tx1"/>
+              </a:solidFill>
+              <a:latin typeface="Times New Roman" panose="02020603050405020304" pitchFamily="18" charset="0"/>
+              <a:cs typeface="Times New Roman" panose="02020603050405020304" pitchFamily="18" charset="0"/>
+            </a:endParaRPr>
+          </a:p>
+          <a:p>
+            <a:pPr marL="0" indent="0" algn="just">
+              <a:buNone/>
+            </a:pPr>
+            <a:r>
+              <a:rPr lang="pt-BR" dirty="0">
+                <a:solidFill>
+                  <a:schemeClr val="tx1"/>
+                </a:solidFill>
+                <a:latin typeface="Times New Roman" panose="02020603050405020304" pitchFamily="18" charset="0"/>
+                <a:cs typeface="Times New Roman" panose="02020603050405020304" pitchFamily="18" charset="0"/>
+                <a:hlinkClick r:id="rId5"/>
+              </a:rPr>
+              <a:t>3. https://canaltech.com.br/navegadores/</a:t>
+            </a:r>
+            <a:endParaRPr lang="pt-BR" dirty="0">
+              <a:solidFill>
+                <a:schemeClr val="tx1"/>
+              </a:solidFill>
+              <a:latin typeface="Times New Roman" panose="02020603050405020304" pitchFamily="18" charset="0"/>
+              <a:cs typeface="Times New Roman" panose="02020603050405020304" pitchFamily="18" charset="0"/>
+            </a:endParaRPr>
+          </a:p>
+          <a:p>
+            <a:pPr marL="0" indent="0" algn="just">
+              <a:buNone/>
+            </a:pPr>
+            <a:endParaRPr lang="pt-BR" dirty="0">
+              <a:solidFill>
+                <a:schemeClr val="tx1"/>
+              </a:solidFill>
+              <a:latin typeface="Times New Roman" panose="02020603050405020304" pitchFamily="18" charset="0"/>
+              <a:cs typeface="Times New Roman" panose="02020603050405020304" pitchFamily="18" charset="0"/>
+            </a:endParaRPr>
+          </a:p>
+          <a:p>
+            <a:pPr marL="0" indent="0" algn="just">
+              <a:buNone/>
+            </a:pPr>
+            <a:r>
+              <a:rPr lang="pt-BR" dirty="0">
+                <a:solidFill>
+                  <a:schemeClr val="tx1"/>
+                </a:solidFill>
+                <a:latin typeface="Times New Roman" panose="02020603050405020304" pitchFamily="18" charset="0"/>
+                <a:cs typeface="Times New Roman" panose="02020603050405020304" pitchFamily="18" charset="0"/>
+              </a:rPr>
+              <a:t>4. </a:t>
+            </a:r>
+            <a:r>
+              <a:rPr lang="pt-BR" dirty="0">
+                <a:solidFill>
+                  <a:schemeClr val="tx1"/>
+                </a:solidFill>
+                <a:latin typeface="Times New Roman" panose="02020603050405020304" pitchFamily="18" charset="0"/>
+                <a:cs typeface="Times New Roman" panose="02020603050405020304" pitchFamily="18" charset="0"/>
+                <a:hlinkClick r:id="rId6"/>
+              </a:rPr>
+              <a:t>https://www.tecmundo.com.br/</a:t>
+            </a:r>
+            <a:endParaRPr lang="pt-BR" dirty="0">
+              <a:solidFill>
+                <a:schemeClr val="tx1"/>
+              </a:solidFill>
+              <a:latin typeface="Times New Roman" panose="02020603050405020304" pitchFamily="18" charset="0"/>
+              <a:cs typeface="Times New Roman" panose="02020603050405020304" pitchFamily="18" charset="0"/>
+            </a:endParaRPr>
+          </a:p>
+          <a:p>
+            <a:pPr marL="0" indent="0" algn="just">
+              <a:buNone/>
+            </a:pPr>
+            <a:endParaRPr lang="pt-BR" dirty="0">
+              <a:solidFill>
+                <a:schemeClr val="tx1"/>
+              </a:solidFill>
+              <a:latin typeface="Times New Roman" panose="02020603050405020304" pitchFamily="18" charset="0"/>
+              <a:cs typeface="Times New Roman" panose="02020603050405020304" pitchFamily="18" charset="0"/>
+            </a:endParaRPr>
+          </a:p>
+          <a:p>
+            <a:pPr marL="0" indent="0" algn="just">
+              <a:buNone/>
+            </a:pPr>
+            <a:endParaRPr lang="pt-BR" dirty="0">
+              <a:solidFill>
+                <a:schemeClr val="tx1"/>
+              </a:solidFill>
+              <a:latin typeface="Times New Roman" panose="02020603050405020304" pitchFamily="18" charset="0"/>
+              <a:cs typeface="Times New Roman" panose="02020603050405020304" pitchFamily="18" charset="0"/>
+            </a:endParaRPr>
+          </a:p>
+          <a:p>
+            <a:pPr marL="0" indent="0" algn="just">
+              <a:buNone/>
+            </a:pPr>
+            <a:endParaRPr lang="pt-BR" dirty="0">
+              <a:solidFill>
+                <a:schemeClr val="tx1"/>
+              </a:solidFill>
+              <a:latin typeface="Times New Roman" panose="02020603050405020304" pitchFamily="18" charset="0"/>
+              <a:cs typeface="Times New Roman" panose="02020603050405020304" pitchFamily="18" charset="0"/>
+            </a:endParaRPr>
+          </a:p>
+          <a:p>
+            <a:pPr marL="0" indent="0" algn="just">
+              <a:buNone/>
+            </a:pPr>
+            <a:endParaRPr lang="pt-BR" dirty="0">
+              <a:solidFill>
+                <a:schemeClr val="tx1"/>
+              </a:solidFill>
               <a:latin typeface="Times New Roman" panose="02020603050405020304" pitchFamily="18" charset="0"/>
               <a:cs typeface="Times New Roman" panose="02020603050405020304" pitchFamily="18" charset="0"/>
             </a:endParaRPr>
@@ -21881,7 +22007,7 @@
     </p:spTree>
     <p:extLst>
       <p:ext uri="{BB962C8B-B14F-4D97-AF65-F5344CB8AC3E}">
-        <p14:creationId xmlns:p14="http://schemas.microsoft.com/office/powerpoint/2010/main" val="3680270425"/>
+        <p14:creationId xmlns:p14="http://schemas.microsoft.com/office/powerpoint/2010/main" val="4204514671"/>
       </p:ext>
     </p:extLst>
   </p:cSld>
@@ -21937,7 +22063,7 @@
                   <a:srgbClr val="0070C0"/>
                 </a:solidFill>
               </a:rPr>
-              <a:t>Aprenda</a:t>
+              <a:t>Leitura</a:t>
             </a:r>
             <a:r>
               <a:rPr lang="en-US" b="1" dirty="0">
@@ -21945,8 +22071,21 @@
                   <a:srgbClr val="0070C0"/>
                 </a:solidFill>
               </a:rPr>
-              <a:t>+</a:t>
-            </a:r>
+              <a:t> </a:t>
+            </a:r>
+            <a:r>
+              <a:rPr lang="en-US" b="1" dirty="0" err="1">
+                <a:solidFill>
+                  <a:srgbClr val="0070C0"/>
+                </a:solidFill>
+              </a:rPr>
+              <a:t>Específica</a:t>
+            </a:r>
+            <a:endParaRPr lang="en-US" b="1" dirty="0">
+              <a:solidFill>
+                <a:srgbClr val="0070C0"/>
+              </a:solidFill>
+            </a:endParaRPr>
           </a:p>
         </p:txBody>
       </p:sp>
@@ -21962,7 +22101,7 @@
         </p:nvSpPr>
         <p:spPr>
           <a:xfrm>
-            <a:off x="142865" y="1200151"/>
+            <a:off x="142865" y="1012261"/>
             <a:ext cx="8865056" cy="3394472"/>
           </a:xfrm>
         </p:spPr>
@@ -21975,7 +22114,76 @@
             <a:pPr marL="0" indent="0" algn="just">
               <a:buNone/>
             </a:pPr>
-            <a:endParaRPr lang="pt-BR" sz="2400" dirty="0">
+            <a:r>
+              <a:rPr lang="pt-BR" sz="2000" dirty="0">
+                <a:latin typeface="Times New Roman" panose="02020603050405020304" pitchFamily="18" charset="0"/>
+                <a:cs typeface="Times New Roman" panose="02020603050405020304" pitchFamily="18" charset="0"/>
+              </a:rPr>
+              <a:t>[1] </a:t>
+            </a:r>
+            <a:r>
+              <a:rPr lang="pt-BR" sz="2000" b="1" dirty="0">
+                <a:latin typeface="Times New Roman" panose="02020603050405020304" pitchFamily="18" charset="0"/>
+                <a:cs typeface="Times New Roman" panose="02020603050405020304" pitchFamily="18" charset="0"/>
+              </a:rPr>
+              <a:t>IKENO</a:t>
+            </a:r>
+            <a:r>
+              <a:rPr lang="pt-BR" sz="2000" dirty="0">
+                <a:latin typeface="Times New Roman" panose="02020603050405020304" pitchFamily="18" charset="0"/>
+                <a:cs typeface="Times New Roman" panose="02020603050405020304" pitchFamily="18" charset="0"/>
+              </a:rPr>
+              <a:t>, Sergio N.; DA COSTA MARCHI¹, </a:t>
+            </a:r>
+            <a:r>
+              <a:rPr lang="pt-BR" sz="2000" dirty="0" err="1">
+                <a:latin typeface="Times New Roman" panose="02020603050405020304" pitchFamily="18" charset="0"/>
+                <a:cs typeface="Times New Roman" panose="02020603050405020304" pitchFamily="18" charset="0"/>
+              </a:rPr>
+              <a:t>Késsia</a:t>
+            </a:r>
+            <a:r>
+              <a:rPr lang="pt-BR" sz="2000" dirty="0">
+                <a:latin typeface="Times New Roman" panose="02020603050405020304" pitchFamily="18" charset="0"/>
+                <a:cs typeface="Times New Roman" panose="02020603050405020304" pitchFamily="18" charset="0"/>
+              </a:rPr>
+              <a:t> Rita. Análise da Nova Linguagem HTML5 para o Desenvolvimento Web.</a:t>
+            </a:r>
+          </a:p>
+          <a:p>
+            <a:pPr marL="0" indent="0" algn="just">
+              <a:buNone/>
+            </a:pPr>
+            <a:r>
+              <a:rPr lang="pt-BR" sz="2000" dirty="0">
+                <a:latin typeface="Times New Roman" panose="02020603050405020304" pitchFamily="18" charset="0"/>
+                <a:cs typeface="Times New Roman" panose="02020603050405020304" pitchFamily="18" charset="0"/>
+              </a:rPr>
+              <a:t>	</a:t>
+            </a:r>
+            <a:r>
+              <a:rPr lang="pt-BR" sz="2000" b="1" dirty="0">
+                <a:latin typeface="Times New Roman" panose="02020603050405020304" pitchFamily="18" charset="0"/>
+                <a:cs typeface="Times New Roman" panose="02020603050405020304" pitchFamily="18" charset="0"/>
+              </a:rPr>
+              <a:t>Disponível em</a:t>
+            </a:r>
+            <a:r>
+              <a:rPr lang="pt-BR" sz="2000" dirty="0">
+                <a:latin typeface="Times New Roman" panose="02020603050405020304" pitchFamily="18" charset="0"/>
+                <a:cs typeface="Times New Roman" panose="02020603050405020304" pitchFamily="18" charset="0"/>
+              </a:rPr>
+              <a:t>: </a:t>
+            </a:r>
+            <a:r>
+              <a:rPr lang="pt-BR" sz="2000" dirty="0">
+                <a:latin typeface="Times New Roman" panose="02020603050405020304" pitchFamily="18" charset="0"/>
+                <a:cs typeface="Times New Roman" panose="02020603050405020304" pitchFamily="18" charset="0"/>
+                <a:hlinkClick r:id="rId3"/>
+              </a:rPr>
+              <a:t>http://siteunidavi.s3.amazonaws.com/revistaCaminhos/ano3.pdf#page=25</a:t>
+            </a:r>
+            <a:endParaRPr lang="pt-BR" sz="2000" dirty="0">
               <a:latin typeface="Times New Roman" panose="02020603050405020304" pitchFamily="18" charset="0"/>
               <a:cs typeface="Times New Roman" panose="02020603050405020304" pitchFamily="18" charset="0"/>
             </a:endParaRPr>
@@ -21984,34 +22192,7 @@
             <a:pPr marL="0" indent="0" algn="just">
               <a:buNone/>
             </a:pPr>
-            <a:r>
-              <a:rPr lang="pt-BR" sz="2400" dirty="0">
-                <a:latin typeface="Times New Roman" panose="02020603050405020304" pitchFamily="18" charset="0"/>
-                <a:cs typeface="Times New Roman" panose="02020603050405020304" pitchFamily="18" charset="0"/>
-              </a:rPr>
-              <a:t>[1] </a:t>
-            </a:r>
-            <a:r>
-              <a:rPr lang="pt-BR" sz="2400" dirty="0">
-                <a:latin typeface="Times New Roman" panose="02020603050405020304" pitchFamily="18" charset="0"/>
-                <a:cs typeface="Times New Roman" panose="02020603050405020304" pitchFamily="18" charset="0"/>
-                <a:hlinkClick r:id="rId3"/>
-              </a:rPr>
-              <a:t>https://www.youtube.com/watch?v=hu-q2zYwEYs</a:t>
-            </a:r>
-            <a:r>
-              <a:rPr lang="pt-BR" sz="2400" dirty="0">
-                <a:latin typeface="Times New Roman" panose="02020603050405020304" pitchFamily="18" charset="0"/>
-                <a:cs typeface="Times New Roman" panose="02020603050405020304" pitchFamily="18" charset="0"/>
-              </a:rPr>
-              <a:t> (HTML)</a:t>
-            </a:r>
-          </a:p>
-          <a:p>
-            <a:pPr marL="0" indent="0" algn="just">
-              <a:buNone/>
-            </a:pPr>
-            <a:endParaRPr lang="pt-BR" sz="2400" dirty="0">
+            <a:endParaRPr lang="pt-BR" sz="2000" dirty="0">
               <a:latin typeface="Times New Roman" panose="02020603050405020304" pitchFamily="18" charset="0"/>
               <a:cs typeface="Times New Roman" panose="02020603050405020304" pitchFamily="18" charset="0"/>
             </a:endParaRPr>
@@ -22020,7 +22201,62 @@
             <a:pPr marL="0" indent="0" algn="just">
               <a:buNone/>
             </a:pPr>
-            <a:endParaRPr lang="pt-BR" sz="2400" dirty="0">
+            <a:r>
+              <a:rPr lang="pt-BR" sz="2000" dirty="0">
+                <a:latin typeface="Times New Roman" panose="02020603050405020304" pitchFamily="18" charset="0"/>
+                <a:cs typeface="Times New Roman" panose="02020603050405020304" pitchFamily="18" charset="0"/>
+              </a:rPr>
+              <a:t>[2] </a:t>
+            </a:r>
+            <a:r>
+              <a:rPr lang="pt-BR" sz="2000" b="1" dirty="0">
+                <a:latin typeface="Times New Roman" panose="02020603050405020304" pitchFamily="18" charset="0"/>
+                <a:cs typeface="Times New Roman" panose="02020603050405020304" pitchFamily="18" charset="0"/>
+              </a:rPr>
+              <a:t>BATISTA</a:t>
+            </a:r>
+            <a:r>
+              <a:rPr lang="pt-BR" sz="2000" dirty="0">
+                <a:latin typeface="Times New Roman" panose="02020603050405020304" pitchFamily="18" charset="0"/>
+                <a:cs typeface="Times New Roman" panose="02020603050405020304" pitchFamily="18" charset="0"/>
+              </a:rPr>
+              <a:t>, Rafael NUNES et al. HTML5–O futuro da internet. ETIC-ENCONTRO DE INICIAÇÃO CIENTÍFICA-ISSN 21-76-8498, v. 7, n. 7, 2011.</a:t>
+            </a:r>
+          </a:p>
+          <a:p>
+            <a:pPr marL="0" indent="0" algn="just">
+              <a:buNone/>
+            </a:pPr>
+            <a:r>
+              <a:rPr lang="pt-BR" sz="2000" dirty="0">
+                <a:latin typeface="Times New Roman" panose="02020603050405020304" pitchFamily="18" charset="0"/>
+                <a:cs typeface="Times New Roman" panose="02020603050405020304" pitchFamily="18" charset="0"/>
+              </a:rPr>
+              <a:t>	</a:t>
+            </a:r>
+            <a:r>
+              <a:rPr lang="pt-BR" sz="2000" b="1" dirty="0">
+                <a:latin typeface="Times New Roman" panose="02020603050405020304" pitchFamily="18" charset="0"/>
+                <a:cs typeface="Times New Roman" panose="02020603050405020304" pitchFamily="18" charset="0"/>
+              </a:rPr>
+              <a:t>Disponível em</a:t>
+            </a:r>
+            <a:r>
+              <a:rPr lang="pt-BR" sz="2000" dirty="0">
+                <a:latin typeface="Times New Roman" panose="02020603050405020304" pitchFamily="18" charset="0"/>
+                <a:cs typeface="Times New Roman" panose="02020603050405020304" pitchFamily="18" charset="0"/>
+              </a:rPr>
+              <a:t>: </a:t>
+            </a:r>
+            <a:r>
+              <a:rPr lang="pt-BR" sz="2000" dirty="0">
+                <a:latin typeface="Times New Roman" panose="02020603050405020304" pitchFamily="18" charset="0"/>
+                <a:cs typeface="Times New Roman" panose="02020603050405020304" pitchFamily="18" charset="0"/>
+                <a:hlinkClick r:id="rId4"/>
+              </a:rPr>
+              <a:t>http://intertemas.toledoprudente.edu.br/index.php/ETIC/article/view/3960</a:t>
+            </a:r>
+            <a:endParaRPr lang="pt-BR" sz="2000" dirty="0">
               <a:latin typeface="Times New Roman" panose="02020603050405020304" pitchFamily="18" charset="0"/>
               <a:cs typeface="Times New Roman" panose="02020603050405020304" pitchFamily="18" charset="0"/>
             </a:endParaRPr>
@@ -22029,31 +22265,7 @@
             <a:pPr marL="0" indent="0" algn="just">
               <a:buNone/>
             </a:pPr>
-            <a:r>
-              <a:rPr lang="pt-BR" sz="2400" dirty="0">
-                <a:latin typeface="Times New Roman" panose="02020603050405020304" pitchFamily="18" charset="0"/>
-                <a:cs typeface="Times New Roman" panose="02020603050405020304" pitchFamily="18" charset="0"/>
-              </a:rPr>
-              <a:t>[2]  </a:t>
-            </a:r>
-            <a:r>
-              <a:rPr lang="pt-BR" sz="2400" dirty="0">
-                <a:latin typeface="Times New Roman" panose="02020603050405020304" pitchFamily="18" charset="0"/>
-                <a:cs typeface="Times New Roman" panose="02020603050405020304" pitchFamily="18" charset="0"/>
-                <a:hlinkClick r:id="rId4"/>
-              </a:rPr>
-              <a:t>https://www.youtube.com/watch?v=UB1O30fR-EE</a:t>
-            </a:r>
-            <a:endParaRPr lang="pt-BR" sz="2400" dirty="0">
-              <a:latin typeface="Times New Roman" panose="02020603050405020304" pitchFamily="18" charset="0"/>
-              <a:cs typeface="Times New Roman" panose="02020603050405020304" pitchFamily="18" charset="0"/>
-            </a:endParaRPr>
-          </a:p>
-          <a:p>
-            <a:pPr marL="0" indent="0" algn="just">
-              <a:buNone/>
-            </a:pPr>
-            <a:endParaRPr lang="pt-BR" sz="2400" dirty="0">
+            <a:endParaRPr lang="pt-BR" sz="2000" dirty="0">
               <a:latin typeface="Times New Roman" panose="02020603050405020304" pitchFamily="18" charset="0"/>
               <a:cs typeface="Times New Roman" panose="02020603050405020304" pitchFamily="18" charset="0"/>
             </a:endParaRPr>
@@ -22063,7 +22275,7 @@
     </p:spTree>
     <p:extLst>
       <p:ext uri="{BB962C8B-B14F-4D97-AF65-F5344CB8AC3E}">
-        <p14:creationId xmlns:p14="http://schemas.microsoft.com/office/powerpoint/2010/main" val="2747596967"/>
+        <p14:creationId xmlns:p14="http://schemas.microsoft.com/office/powerpoint/2010/main" val="3680270425"/>
       </p:ext>
     </p:extLst>
   </p:cSld>
@@ -22119,7 +22331,7 @@
                   <a:srgbClr val="0070C0"/>
                 </a:solidFill>
               </a:rPr>
-              <a:t>Dinâmica</a:t>
+              <a:t>Aprenda</a:t>
             </a:r>
             <a:r>
               <a:rPr lang="en-US" b="1" dirty="0">
@@ -22127,21 +22339,8 @@
                   <a:srgbClr val="0070C0"/>
                 </a:solidFill>
               </a:rPr>
-              <a:t>/</a:t>
-            </a:r>
-            <a:r>
-              <a:rPr lang="en-US" b="1" dirty="0" err="1">
-                <a:solidFill>
-                  <a:srgbClr val="0070C0"/>
-                </a:solidFill>
-              </a:rPr>
-              <a:t>Atividades</a:t>
-            </a:r>
-            <a:endParaRPr lang="en-US" b="1" dirty="0">
-              <a:solidFill>
-                <a:srgbClr val="0070C0"/>
-              </a:solidFill>
-            </a:endParaRPr>
+              <a:t>+</a:t>
+            </a:r>
           </a:p>
         </p:txBody>
       </p:sp>
@@ -22157,8 +22356,8 @@
         </p:nvSpPr>
         <p:spPr>
           <a:xfrm>
-            <a:off x="139472" y="1063230"/>
-            <a:ext cx="8865056" cy="3606305"/>
+            <a:off x="142865" y="1200151"/>
+            <a:ext cx="8865056" cy="3394472"/>
           </a:xfrm>
         </p:spPr>
         <p:txBody>
@@ -22167,91 +22366,10 @@
           </a:bodyPr>
           <a:lstStyle/>
           <a:p>
-            <a:pPr algn="just">
-              <a:buFontTx/>
-              <a:buChar char="-"/>
-            </a:pPr>
-            <a:r>
-              <a:rPr lang="pt-BR" dirty="0">
-                <a:latin typeface="Times New Roman" panose="02020603050405020304" pitchFamily="18" charset="0"/>
-                <a:cs typeface="Times New Roman" panose="02020603050405020304" pitchFamily="18" charset="0"/>
-              </a:rPr>
-              <a:t>Exercícios de Fixação </a:t>
-            </a:r>
-            <a:r>
-              <a:rPr lang="pt-BR" b="1" dirty="0">
-                <a:latin typeface="Times New Roman" panose="02020603050405020304" pitchFamily="18" charset="0"/>
-                <a:cs typeface="Times New Roman" panose="02020603050405020304" pitchFamily="18" charset="0"/>
-              </a:rPr>
-              <a:t>HTML</a:t>
-            </a:r>
-          </a:p>
-          <a:p>
-            <a:pPr marL="0" indent="0" algn="just">
-              <a:buNone/>
-            </a:pPr>
-            <a:r>
-              <a:rPr lang="pt-BR" dirty="0">
-                <a:latin typeface="Times New Roman" panose="02020603050405020304" pitchFamily="18" charset="0"/>
-                <a:cs typeface="Times New Roman" panose="02020603050405020304" pitchFamily="18" charset="0"/>
-              </a:rPr>
-              <a:t>	</a:t>
-            </a:r>
-            <a:r>
-              <a:rPr lang="pt-BR" b="1" dirty="0">
-                <a:solidFill>
-                  <a:srgbClr val="FF0000"/>
-                </a:solidFill>
-                <a:latin typeface="Times New Roman" panose="02020603050405020304" pitchFamily="18" charset="0"/>
-                <a:cs typeface="Times New Roman" panose="02020603050405020304" pitchFamily="18" charset="0"/>
-              </a:rPr>
-              <a:t>Desafios em Sala de Aula</a:t>
-            </a:r>
-            <a:r>
-              <a:rPr lang="pt-BR" dirty="0">
-                <a:latin typeface="Times New Roman" panose="02020603050405020304" pitchFamily="18" charset="0"/>
-                <a:cs typeface="Times New Roman" panose="02020603050405020304" pitchFamily="18" charset="0"/>
-              </a:rPr>
-              <a:t>.</a:t>
-            </a:r>
-          </a:p>
-          <a:p>
-            <a:pPr marL="0" indent="0" algn="just">
-              <a:buNone/>
-            </a:pPr>
-            <a:r>
-              <a:rPr lang="pt-BR" dirty="0">
-                <a:latin typeface="Times New Roman" panose="02020603050405020304" pitchFamily="18" charset="0"/>
-                <a:cs typeface="Times New Roman" panose="02020603050405020304" pitchFamily="18" charset="0"/>
-              </a:rPr>
-              <a:t>	</a:t>
-            </a:r>
-          </a:p>
-          <a:p>
-            <a:pPr marL="0" indent="0" algn="just">
-              <a:buNone/>
-            </a:pPr>
-            <a:r>
-              <a:rPr lang="es-ES" dirty="0">
-                <a:latin typeface="Times New Roman" panose="02020603050405020304" pitchFamily="18" charset="0"/>
-                <a:cs typeface="Times New Roman" panose="02020603050405020304" pitchFamily="18" charset="0"/>
-              </a:rPr>
-              <a:t>- Quiz HTML</a:t>
-            </a:r>
-          </a:p>
-          <a:p>
-            <a:pPr marL="0" indent="0" algn="just">
-              <a:buNone/>
-            </a:pPr>
-            <a:r>
-              <a:rPr lang="es-ES" dirty="0">
-                <a:latin typeface="Times New Roman" panose="02020603050405020304" pitchFamily="18" charset="0"/>
-                <a:cs typeface="Times New Roman" panose="02020603050405020304" pitchFamily="18" charset="0"/>
-                <a:hlinkClick r:id="rId3"/>
-              </a:rPr>
-              <a:t>https://docs.google.com/forms/d/1sIof5xEJ_sP-fUk_qgOKjhtV25D_a438OowjG30xL1o/prefill</a:t>
-            </a:r>
-            <a:endParaRPr lang="es-ES" dirty="0">
+            <a:pPr marL="0" indent="0" algn="just">
+              <a:buNone/>
+            </a:pPr>
+            <a:endParaRPr lang="pt-BR" sz="2400" dirty="0">
               <a:latin typeface="Times New Roman" panose="02020603050405020304" pitchFamily="18" charset="0"/>
               <a:cs typeface="Times New Roman" panose="02020603050405020304" pitchFamily="18" charset="0"/>
             </a:endParaRPr>
@@ -22260,7 +22378,34 @@
             <a:pPr marL="0" indent="0" algn="just">
               <a:buNone/>
             </a:pPr>
-            <a:endParaRPr lang="es-ES" dirty="0">
+            <a:r>
+              <a:rPr lang="pt-BR" sz="2400" dirty="0">
+                <a:latin typeface="Times New Roman" panose="02020603050405020304" pitchFamily="18" charset="0"/>
+                <a:cs typeface="Times New Roman" panose="02020603050405020304" pitchFamily="18" charset="0"/>
+              </a:rPr>
+              <a:t>[1] </a:t>
+            </a:r>
+            <a:r>
+              <a:rPr lang="pt-BR" sz="2400" dirty="0">
+                <a:latin typeface="Times New Roman" panose="02020603050405020304" pitchFamily="18" charset="0"/>
+                <a:cs typeface="Times New Roman" panose="02020603050405020304" pitchFamily="18" charset="0"/>
+                <a:hlinkClick r:id="rId3"/>
+              </a:rPr>
+              <a:t>https://www.youtube.com/watch?v=hu-q2zYwEYs</a:t>
+            </a:r>
+            <a:r>
+              <a:rPr lang="pt-BR" sz="2400" dirty="0">
+                <a:latin typeface="Times New Roman" panose="02020603050405020304" pitchFamily="18" charset="0"/>
+                <a:cs typeface="Times New Roman" panose="02020603050405020304" pitchFamily="18" charset="0"/>
+              </a:rPr>
+              <a:t> (HTML)</a:t>
+            </a:r>
+          </a:p>
+          <a:p>
+            <a:pPr marL="0" indent="0" algn="just">
+              <a:buNone/>
+            </a:pPr>
+            <a:endParaRPr lang="pt-BR" sz="2400" dirty="0">
               <a:latin typeface="Times New Roman" panose="02020603050405020304" pitchFamily="18" charset="0"/>
               <a:cs typeface="Times New Roman" panose="02020603050405020304" pitchFamily="18" charset="0"/>
             </a:endParaRPr>
@@ -22269,22 +22414,42 @@
             <a:pPr marL="0" indent="0" algn="just">
               <a:buNone/>
             </a:pPr>
-            <a:endParaRPr lang="pt-BR" dirty="0">
+            <a:endParaRPr lang="pt-BR" sz="2400" dirty="0">
               <a:latin typeface="Times New Roman" panose="02020603050405020304" pitchFamily="18" charset="0"/>
               <a:cs typeface="Times New Roman" panose="02020603050405020304" pitchFamily="18" charset="0"/>
             </a:endParaRPr>
           </a:p>
           <a:p>
-            <a:pPr algn="just"/>
-            <a:endParaRPr lang="pt-BR" dirty="0">
+            <a:pPr marL="0" indent="0" algn="just">
+              <a:buNone/>
+            </a:pPr>
+            <a:r>
+              <a:rPr lang="pt-BR" sz="2400" dirty="0">
+                <a:latin typeface="Times New Roman" panose="02020603050405020304" pitchFamily="18" charset="0"/>
+                <a:cs typeface="Times New Roman" panose="02020603050405020304" pitchFamily="18" charset="0"/>
+              </a:rPr>
+              <a:t>[2]  </a:t>
+            </a:r>
+            <a:r>
+              <a:rPr lang="pt-BR" sz="2400" dirty="0">
+                <a:latin typeface="Times New Roman" panose="02020603050405020304" pitchFamily="18" charset="0"/>
+                <a:cs typeface="Times New Roman" panose="02020603050405020304" pitchFamily="18" charset="0"/>
+                <a:hlinkClick r:id="rId4"/>
+              </a:rPr>
+              <a:t>https://www.youtube.com/watch?v=UB1O30fR-EE</a:t>
+            </a:r>
+            <a:endParaRPr lang="pt-BR" sz="2400" dirty="0">
               <a:latin typeface="Times New Roman" panose="02020603050405020304" pitchFamily="18" charset="0"/>
               <a:cs typeface="Times New Roman" panose="02020603050405020304" pitchFamily="18" charset="0"/>
             </a:endParaRPr>
           </a:p>
           <a:p>
-            <a:pPr algn="just"/>
-            <a:endParaRPr lang="pt-BR" dirty="0">
-              <a:latin typeface="Calibri" panose="020F0502020204030204" pitchFamily="34" charset="0"/>
+            <a:pPr marL="0" indent="0" algn="just">
+              <a:buNone/>
+            </a:pPr>
+            <a:endParaRPr lang="pt-BR" sz="2400" dirty="0">
+              <a:latin typeface="Times New Roman" panose="02020603050405020304" pitchFamily="18" charset="0"/>
+              <a:cs typeface="Times New Roman" panose="02020603050405020304" pitchFamily="18" charset="0"/>
             </a:endParaRPr>
           </a:p>
         </p:txBody>
@@ -22292,7 +22457,7 @@
     </p:spTree>
     <p:extLst>
       <p:ext uri="{BB962C8B-B14F-4D97-AF65-F5344CB8AC3E}">
-        <p14:creationId xmlns:p14="http://schemas.microsoft.com/office/powerpoint/2010/main" val="2470652989"/>
+        <p14:creationId xmlns:p14="http://schemas.microsoft.com/office/powerpoint/2010/main" val="2747596967"/>
       </p:ext>
     </p:extLst>
   </p:cSld>
@@ -22348,7 +22513,7 @@
                   <a:srgbClr val="0070C0"/>
                 </a:solidFill>
               </a:rPr>
-              <a:t>Referências</a:t>
+              <a:t>Dinâmica</a:t>
             </a:r>
             <a:r>
               <a:rPr lang="en-US" b="1" dirty="0">
@@ -22356,7 +22521,7 @@
                   <a:srgbClr val="0070C0"/>
                 </a:solidFill>
               </a:rPr>
-              <a:t> </a:t>
+              <a:t>/</a:t>
             </a:r>
             <a:r>
               <a:rPr lang="en-US" b="1" dirty="0" err="1">
@@ -22364,7 +22529,7 @@
                   <a:srgbClr val="0070C0"/>
                 </a:solidFill>
               </a:rPr>
-              <a:t>Bibliográficas</a:t>
+              <a:t>Atividades</a:t>
             </a:r>
             <a:endParaRPr lang="en-US" b="1" dirty="0">
               <a:solidFill>
@@ -22386,8 +22551,8 @@
         </p:nvSpPr>
         <p:spPr>
           <a:xfrm>
-            <a:off x="142865" y="1200151"/>
-            <a:ext cx="8865056" cy="3394472"/>
+            <a:off x="139472" y="1063230"/>
+            <a:ext cx="8865056" cy="3606305"/>
           </a:xfrm>
         </p:spPr>
         <p:txBody>
@@ -22396,50 +22561,91 @@
           </a:bodyPr>
           <a:lstStyle/>
           <a:p>
-            <a:pPr marL="0" indent="0" algn="just">
-              <a:buNone/>
-            </a:pPr>
-            <a:r>
-              <a:rPr lang="pt-BR" sz="2400" dirty="0">
-                <a:latin typeface="Times New Roman" panose="02020603050405020304" pitchFamily="18" charset="0"/>
-                <a:cs typeface="Times New Roman" panose="02020603050405020304" pitchFamily="18" charset="0"/>
-              </a:rPr>
-              <a:t>[1] </a:t>
-            </a:r>
-            <a:r>
-              <a:rPr lang="pt-BR" sz="2400" b="1" dirty="0">
-                <a:latin typeface="Times New Roman" panose="02020603050405020304" pitchFamily="18" charset="0"/>
-                <a:cs typeface="Times New Roman" panose="02020603050405020304" pitchFamily="18" charset="0"/>
-              </a:rPr>
-              <a:t>SILVA</a:t>
-            </a:r>
-            <a:r>
-              <a:rPr lang="pt-BR" sz="2400" dirty="0">
-                <a:latin typeface="Times New Roman" panose="02020603050405020304" pitchFamily="18" charset="0"/>
-                <a:cs typeface="Times New Roman" panose="02020603050405020304" pitchFamily="18" charset="0"/>
-              </a:rPr>
-              <a:t>, Mauricio Samy. HTML5: a linguagem de marcação que revolucionou a web. </a:t>
-            </a:r>
-            <a:r>
-              <a:rPr lang="pt-BR" sz="2400" dirty="0" err="1">
-                <a:latin typeface="Times New Roman" panose="02020603050405020304" pitchFamily="18" charset="0"/>
-                <a:cs typeface="Times New Roman" panose="02020603050405020304" pitchFamily="18" charset="0"/>
-              </a:rPr>
-              <a:t>Novatec</a:t>
-            </a:r>
-            <a:r>
-              <a:rPr lang="pt-BR" sz="2400" dirty="0">
-                <a:latin typeface="Times New Roman" panose="02020603050405020304" pitchFamily="18" charset="0"/>
-                <a:cs typeface="Times New Roman" panose="02020603050405020304" pitchFamily="18" charset="0"/>
-              </a:rPr>
-              <a:t> Editora, 2019.</a:t>
-            </a:r>
-          </a:p>
-          <a:p>
-            <a:pPr marL="0" indent="0" algn="just">
-              <a:buNone/>
-            </a:pPr>
-            <a:endParaRPr lang="pt-BR" sz="2400" dirty="0">
+            <a:pPr algn="just">
+              <a:buFontTx/>
+              <a:buChar char="-"/>
+            </a:pPr>
+            <a:r>
+              <a:rPr lang="pt-BR" dirty="0">
+                <a:latin typeface="Times New Roman" panose="02020603050405020304" pitchFamily="18" charset="0"/>
+                <a:cs typeface="Times New Roman" panose="02020603050405020304" pitchFamily="18" charset="0"/>
+              </a:rPr>
+              <a:t>Exercícios de Fixação </a:t>
+            </a:r>
+            <a:r>
+              <a:rPr lang="pt-BR" b="1" dirty="0">
+                <a:latin typeface="Times New Roman" panose="02020603050405020304" pitchFamily="18" charset="0"/>
+                <a:cs typeface="Times New Roman" panose="02020603050405020304" pitchFamily="18" charset="0"/>
+              </a:rPr>
+              <a:t>HTML</a:t>
+            </a:r>
+          </a:p>
+          <a:p>
+            <a:pPr marL="0" indent="0" algn="just">
+              <a:buNone/>
+            </a:pPr>
+            <a:r>
+              <a:rPr lang="pt-BR" dirty="0">
+                <a:latin typeface="Times New Roman" panose="02020603050405020304" pitchFamily="18" charset="0"/>
+                <a:cs typeface="Times New Roman" panose="02020603050405020304" pitchFamily="18" charset="0"/>
+              </a:rPr>
+              <a:t>	</a:t>
+            </a:r>
+            <a:r>
+              <a:rPr lang="pt-BR" b="1" dirty="0">
+                <a:solidFill>
+                  <a:srgbClr val="FF0000"/>
+                </a:solidFill>
+                <a:latin typeface="Times New Roman" panose="02020603050405020304" pitchFamily="18" charset="0"/>
+                <a:cs typeface="Times New Roman" panose="02020603050405020304" pitchFamily="18" charset="0"/>
+              </a:rPr>
+              <a:t>Desafios em Sala de Aula</a:t>
+            </a:r>
+            <a:r>
+              <a:rPr lang="pt-BR" dirty="0">
+                <a:latin typeface="Times New Roman" panose="02020603050405020304" pitchFamily="18" charset="0"/>
+                <a:cs typeface="Times New Roman" panose="02020603050405020304" pitchFamily="18" charset="0"/>
+              </a:rPr>
+              <a:t>.</a:t>
+            </a:r>
+          </a:p>
+          <a:p>
+            <a:pPr marL="0" indent="0" algn="just">
+              <a:buNone/>
+            </a:pPr>
+            <a:r>
+              <a:rPr lang="pt-BR" dirty="0">
+                <a:latin typeface="Times New Roman" panose="02020603050405020304" pitchFamily="18" charset="0"/>
+                <a:cs typeface="Times New Roman" panose="02020603050405020304" pitchFamily="18" charset="0"/>
+              </a:rPr>
+              <a:t>	</a:t>
+            </a:r>
+          </a:p>
+          <a:p>
+            <a:pPr marL="0" indent="0" algn="just">
+              <a:buNone/>
+            </a:pPr>
+            <a:r>
+              <a:rPr lang="es-ES" dirty="0">
+                <a:latin typeface="Times New Roman" panose="02020603050405020304" pitchFamily="18" charset="0"/>
+                <a:cs typeface="Times New Roman" panose="02020603050405020304" pitchFamily="18" charset="0"/>
+              </a:rPr>
+              <a:t>- Quiz HTML</a:t>
+            </a:r>
+          </a:p>
+          <a:p>
+            <a:pPr marL="0" indent="0" algn="just">
+              <a:buNone/>
+            </a:pPr>
+            <a:r>
+              <a:rPr lang="es-ES" dirty="0">
+                <a:latin typeface="Times New Roman" panose="02020603050405020304" pitchFamily="18" charset="0"/>
+                <a:cs typeface="Times New Roman" panose="02020603050405020304" pitchFamily="18" charset="0"/>
+                <a:hlinkClick r:id="rId3"/>
+              </a:rPr>
+              <a:t>https://docs.google.com/forms/d/1sIof5xEJ_sP-fUk_qgOKjhtV25D_a438OowjG30xL1o/prefill</a:t>
+            </a:r>
+            <a:endParaRPr lang="es-ES" dirty="0">
               <a:latin typeface="Times New Roman" panose="02020603050405020304" pitchFamily="18" charset="0"/>
               <a:cs typeface="Times New Roman" panose="02020603050405020304" pitchFamily="18" charset="0"/>
             </a:endParaRPr>
@@ -22448,22 +22654,7 @@
             <a:pPr marL="0" indent="0" algn="just">
               <a:buNone/>
             </a:pPr>
-            <a:r>
-              <a:rPr lang="pt-BR" sz="2400" dirty="0">
-                <a:latin typeface="Times New Roman" panose="02020603050405020304" pitchFamily="18" charset="0"/>
-                <a:cs typeface="Times New Roman" panose="02020603050405020304" pitchFamily="18" charset="0"/>
-              </a:rPr>
-              <a:t>[2] Site: </a:t>
-            </a:r>
-            <a:r>
-              <a:rPr lang="pt-BR" sz="2400" dirty="0">
-                <a:latin typeface="Times New Roman" panose="02020603050405020304" pitchFamily="18" charset="0"/>
-                <a:cs typeface="Times New Roman" panose="02020603050405020304" pitchFamily="18" charset="0"/>
-                <a:hlinkClick r:id="rId3"/>
-              </a:rPr>
-              <a:t>https://developer.mozilla.org/pt-BR/docs/Web/HTML</a:t>
-            </a:r>
-            <a:endParaRPr lang="pt-BR" sz="2400" dirty="0">
+            <a:endParaRPr lang="es-ES" dirty="0">
               <a:latin typeface="Times New Roman" panose="02020603050405020304" pitchFamily="18" charset="0"/>
               <a:cs typeface="Times New Roman" panose="02020603050405020304" pitchFamily="18" charset="0"/>
             </a:endParaRPr>
@@ -22472,33 +22663,22 @@
             <a:pPr marL="0" indent="0" algn="just">
               <a:buNone/>
             </a:pPr>
-            <a:endParaRPr lang="pt-BR" sz="2400" dirty="0">
+            <a:endParaRPr lang="pt-BR" dirty="0">
               <a:latin typeface="Times New Roman" panose="02020603050405020304" pitchFamily="18" charset="0"/>
               <a:cs typeface="Times New Roman" panose="02020603050405020304" pitchFamily="18" charset="0"/>
             </a:endParaRPr>
           </a:p>
           <a:p>
-            <a:pPr marL="0" indent="0" algn="just">
-              <a:buNone/>
-            </a:pPr>
-            <a:r>
-              <a:rPr lang="pt-BR" sz="2400" dirty="0">
-                <a:latin typeface="Times New Roman" panose="02020603050405020304" pitchFamily="18" charset="0"/>
-                <a:cs typeface="Times New Roman" panose="02020603050405020304" pitchFamily="18" charset="0"/>
-              </a:rPr>
-              <a:t>[3] Site: </a:t>
-            </a:r>
-            <a:r>
-              <a:rPr lang="pt-BR" sz="2400" dirty="0">
-                <a:latin typeface="Times New Roman" panose="02020603050405020304" pitchFamily="18" charset="0"/>
-                <a:cs typeface="Times New Roman" panose="02020603050405020304" pitchFamily="18" charset="0"/>
-                <a:hlinkClick r:id="rId4"/>
-              </a:rPr>
-              <a:t>https://www.w3schools.com/html/</a:t>
-            </a:r>
-            <a:endParaRPr lang="pt-BR" sz="2400" dirty="0">
+            <a:pPr algn="just"/>
+            <a:endParaRPr lang="pt-BR" dirty="0">
               <a:latin typeface="Times New Roman" panose="02020603050405020304" pitchFamily="18" charset="0"/>
               <a:cs typeface="Times New Roman" panose="02020603050405020304" pitchFamily="18" charset="0"/>
+            </a:endParaRPr>
+          </a:p>
+          <a:p>
+            <a:pPr algn="just"/>
+            <a:endParaRPr lang="pt-BR" dirty="0">
+              <a:latin typeface="Calibri" panose="020F0502020204030204" pitchFamily="34" charset="0"/>
             </a:endParaRPr>
           </a:p>
         </p:txBody>
@@ -22506,7 +22686,7 @@
     </p:spTree>
     <p:extLst>
       <p:ext uri="{BB962C8B-B14F-4D97-AF65-F5344CB8AC3E}">
-        <p14:creationId xmlns:p14="http://schemas.microsoft.com/office/powerpoint/2010/main" val="1115311843"/>
+        <p14:creationId xmlns:p14="http://schemas.microsoft.com/office/powerpoint/2010/main" val="2470652989"/>
       </p:ext>
     </p:extLst>
   </p:cSld>
@@ -22771,6 +22951,220 @@
 </file>
 
 <file path=ppt/slides/slide50.xml><?xml version="1.0" encoding="utf-8"?>
+<p:sld xmlns:a="http://schemas.openxmlformats.org/drawingml/2006/main" xmlns:r="http://schemas.openxmlformats.org/officeDocument/2006/relationships" xmlns:p="http://schemas.openxmlformats.org/presentationml/2006/main">
+  <p:cSld>
+    <p:spTree>
+      <p:nvGrpSpPr>
+        <p:cNvPr id="1" name=""/>
+        <p:cNvGrpSpPr/>
+        <p:nvPr/>
+      </p:nvGrpSpPr>
+      <p:grpSpPr>
+        <a:xfrm>
+          <a:off x="0" y="0"/>
+          <a:ext cx="0" cy="0"/>
+          <a:chOff x="0" y="0"/>
+          <a:chExt cx="0" cy="0"/>
+        </a:xfrm>
+      </p:grpSpPr>
+      <p:sp>
+        <p:nvSpPr>
+          <p:cNvPr id="6" name="Title 1"/>
+          <p:cNvSpPr>
+            <a:spLocks noGrp="1"/>
+          </p:cNvSpPr>
+          <p:nvPr>
+            <p:ph type="title"/>
+          </p:nvPr>
+        </p:nvSpPr>
+        <p:spPr>
+          <a:xfrm>
+            <a:off x="457200" y="205980"/>
+            <a:ext cx="8229600" cy="857251"/>
+          </a:xfrm>
+        </p:spPr>
+        <p:txBody>
+          <a:bodyPr>
+            <a:normAutofit/>
+          </a:bodyPr>
+          <a:lstStyle/>
+          <a:p>
+            <a:r>
+              <a:rPr lang="en-US" b="1" dirty="0" err="1">
+                <a:solidFill>
+                  <a:srgbClr val="0070C0"/>
+                </a:solidFill>
+              </a:rPr>
+              <a:t>Referências</a:t>
+            </a:r>
+            <a:r>
+              <a:rPr lang="en-US" b="1" dirty="0">
+                <a:solidFill>
+                  <a:srgbClr val="0070C0"/>
+                </a:solidFill>
+              </a:rPr>
+              <a:t> </a:t>
+            </a:r>
+            <a:r>
+              <a:rPr lang="en-US" b="1" dirty="0" err="1">
+                <a:solidFill>
+                  <a:srgbClr val="0070C0"/>
+                </a:solidFill>
+              </a:rPr>
+              <a:t>Bibliográficas</a:t>
+            </a:r>
+            <a:endParaRPr lang="en-US" b="1" dirty="0">
+              <a:solidFill>
+                <a:srgbClr val="0070C0"/>
+              </a:solidFill>
+            </a:endParaRPr>
+          </a:p>
+        </p:txBody>
+      </p:sp>
+      <p:sp>
+        <p:nvSpPr>
+          <p:cNvPr id="8" name="Text Placeholder 2"/>
+          <p:cNvSpPr>
+            <a:spLocks noGrp="1"/>
+          </p:cNvSpPr>
+          <p:nvPr>
+            <p:ph type="body" sz="half" idx="1"/>
+          </p:nvPr>
+        </p:nvSpPr>
+        <p:spPr>
+          <a:xfrm>
+            <a:off x="142865" y="1200151"/>
+            <a:ext cx="8865056" cy="3394472"/>
+          </a:xfrm>
+        </p:spPr>
+        <p:txBody>
+          <a:bodyPr>
+            <a:noAutofit/>
+          </a:bodyPr>
+          <a:lstStyle/>
+          <a:p>
+            <a:pPr marL="0" indent="0" algn="just">
+              <a:buNone/>
+            </a:pPr>
+            <a:r>
+              <a:rPr lang="pt-BR" sz="2400" dirty="0">
+                <a:latin typeface="Times New Roman" panose="02020603050405020304" pitchFamily="18" charset="0"/>
+                <a:cs typeface="Times New Roman" panose="02020603050405020304" pitchFamily="18" charset="0"/>
+              </a:rPr>
+              <a:t>[1] </a:t>
+            </a:r>
+            <a:r>
+              <a:rPr lang="pt-BR" sz="2400" b="1" dirty="0">
+                <a:latin typeface="Times New Roman" panose="02020603050405020304" pitchFamily="18" charset="0"/>
+                <a:cs typeface="Times New Roman" panose="02020603050405020304" pitchFamily="18" charset="0"/>
+              </a:rPr>
+              <a:t>SILVA</a:t>
+            </a:r>
+            <a:r>
+              <a:rPr lang="pt-BR" sz="2400" dirty="0">
+                <a:latin typeface="Times New Roman" panose="02020603050405020304" pitchFamily="18" charset="0"/>
+                <a:cs typeface="Times New Roman" panose="02020603050405020304" pitchFamily="18" charset="0"/>
+              </a:rPr>
+              <a:t>, Mauricio Samy. HTML5: a linguagem de marcação que revolucionou a web. </a:t>
+            </a:r>
+            <a:r>
+              <a:rPr lang="pt-BR" sz="2400" dirty="0" err="1">
+                <a:latin typeface="Times New Roman" panose="02020603050405020304" pitchFamily="18" charset="0"/>
+                <a:cs typeface="Times New Roman" panose="02020603050405020304" pitchFamily="18" charset="0"/>
+              </a:rPr>
+              <a:t>Novatec</a:t>
+            </a:r>
+            <a:r>
+              <a:rPr lang="pt-BR" sz="2400" dirty="0">
+                <a:latin typeface="Times New Roman" panose="02020603050405020304" pitchFamily="18" charset="0"/>
+                <a:cs typeface="Times New Roman" panose="02020603050405020304" pitchFamily="18" charset="0"/>
+              </a:rPr>
+              <a:t> Editora, 2019.</a:t>
+            </a:r>
+          </a:p>
+          <a:p>
+            <a:pPr marL="0" indent="0" algn="just">
+              <a:buNone/>
+            </a:pPr>
+            <a:endParaRPr lang="pt-BR" sz="2400" dirty="0">
+              <a:latin typeface="Times New Roman" panose="02020603050405020304" pitchFamily="18" charset="0"/>
+              <a:cs typeface="Times New Roman" panose="02020603050405020304" pitchFamily="18" charset="0"/>
+            </a:endParaRPr>
+          </a:p>
+          <a:p>
+            <a:pPr marL="0" indent="0" algn="just">
+              <a:buNone/>
+            </a:pPr>
+            <a:r>
+              <a:rPr lang="pt-BR" sz="2400" dirty="0">
+                <a:latin typeface="Times New Roman" panose="02020603050405020304" pitchFamily="18" charset="0"/>
+                <a:cs typeface="Times New Roman" panose="02020603050405020304" pitchFamily="18" charset="0"/>
+              </a:rPr>
+              <a:t>[2] Site: </a:t>
+            </a:r>
+            <a:r>
+              <a:rPr lang="pt-BR" sz="2400" dirty="0">
+                <a:latin typeface="Times New Roman" panose="02020603050405020304" pitchFamily="18" charset="0"/>
+                <a:cs typeface="Times New Roman" panose="02020603050405020304" pitchFamily="18" charset="0"/>
+                <a:hlinkClick r:id="rId3"/>
+              </a:rPr>
+              <a:t>https://developer.mozilla.org/pt-BR/docs/Web/HTML</a:t>
+            </a:r>
+            <a:endParaRPr lang="pt-BR" sz="2400" dirty="0">
+              <a:latin typeface="Times New Roman" panose="02020603050405020304" pitchFamily="18" charset="0"/>
+              <a:cs typeface="Times New Roman" panose="02020603050405020304" pitchFamily="18" charset="0"/>
+            </a:endParaRPr>
+          </a:p>
+          <a:p>
+            <a:pPr marL="0" indent="0" algn="just">
+              <a:buNone/>
+            </a:pPr>
+            <a:endParaRPr lang="pt-BR" sz="2400" dirty="0">
+              <a:latin typeface="Times New Roman" panose="02020603050405020304" pitchFamily="18" charset="0"/>
+              <a:cs typeface="Times New Roman" panose="02020603050405020304" pitchFamily="18" charset="0"/>
+            </a:endParaRPr>
+          </a:p>
+          <a:p>
+            <a:pPr marL="0" indent="0" algn="just">
+              <a:buNone/>
+            </a:pPr>
+            <a:r>
+              <a:rPr lang="pt-BR" sz="2400" dirty="0">
+                <a:latin typeface="Times New Roman" panose="02020603050405020304" pitchFamily="18" charset="0"/>
+                <a:cs typeface="Times New Roman" panose="02020603050405020304" pitchFamily="18" charset="0"/>
+              </a:rPr>
+              <a:t>[3] Site: </a:t>
+            </a:r>
+            <a:r>
+              <a:rPr lang="pt-BR" sz="2400" dirty="0">
+                <a:latin typeface="Times New Roman" panose="02020603050405020304" pitchFamily="18" charset="0"/>
+                <a:cs typeface="Times New Roman" panose="02020603050405020304" pitchFamily="18" charset="0"/>
+                <a:hlinkClick r:id="rId4"/>
+              </a:rPr>
+              <a:t>https://www.w3schools.com/html/</a:t>
+            </a:r>
+            <a:endParaRPr lang="pt-BR" sz="2400" dirty="0">
+              <a:latin typeface="Times New Roman" panose="02020603050405020304" pitchFamily="18" charset="0"/>
+              <a:cs typeface="Times New Roman" panose="02020603050405020304" pitchFamily="18" charset="0"/>
+            </a:endParaRPr>
+          </a:p>
+        </p:txBody>
+      </p:sp>
+    </p:spTree>
+    <p:extLst>
+      <p:ext uri="{BB962C8B-B14F-4D97-AF65-F5344CB8AC3E}">
+        <p14:creationId xmlns:p14="http://schemas.microsoft.com/office/powerpoint/2010/main" val="1115311843"/>
+      </p:ext>
+    </p:extLst>
+  </p:cSld>
+  <p:clrMapOvr>
+    <a:masterClrMapping/>
+  </p:clrMapOvr>
+  <p:transition spd="med"/>
+</p:sld>
+</file>
+
+<file path=ppt/slides/slide51.xml><?xml version="1.0" encoding="utf-8"?>
 <p:sld xmlns:a="http://schemas.openxmlformats.org/drawingml/2006/main" xmlns:r="http://schemas.openxmlformats.org/officeDocument/2006/relationships" xmlns:p="http://schemas.openxmlformats.org/presentationml/2006/main">
   <p:cSld>
     <p:spTree>

--- a/01 Classes/Aula 04 Desenvolvimento Web - HTML.pptx
+++ b/01 Classes/Aula 04 Desenvolvimento Web - HTML.pptx
@@ -5,7 +5,7 @@
     <p:sldMasterId id="2147483648" r:id="rId1"/>
   </p:sldMasterIdLst>
   <p:notesMasterIdLst>
-    <p:notesMasterId r:id="rId53"/>
+    <p:notesMasterId r:id="rId54"/>
   </p:notesMasterIdLst>
   <p:sldIdLst>
     <p:sldId id="256" r:id="rId2"/>
@@ -45,20 +45,21 @@
     <p:sldId id="430" r:id="rId36"/>
     <p:sldId id="431" r:id="rId37"/>
     <p:sldId id="440" r:id="rId38"/>
-    <p:sldId id="420" r:id="rId39"/>
-    <p:sldId id="433" r:id="rId40"/>
-    <p:sldId id="434" r:id="rId41"/>
-    <p:sldId id="432" r:id="rId42"/>
-    <p:sldId id="435" r:id="rId43"/>
-    <p:sldId id="437" r:id="rId44"/>
-    <p:sldId id="436" r:id="rId45"/>
-    <p:sldId id="438" r:id="rId46"/>
-    <p:sldId id="442" r:id="rId47"/>
-    <p:sldId id="333" r:id="rId48"/>
-    <p:sldId id="323" r:id="rId49"/>
-    <p:sldId id="334" r:id="rId50"/>
-    <p:sldId id="337" r:id="rId51"/>
-    <p:sldId id="309" r:id="rId52"/>
+    <p:sldId id="443" r:id="rId39"/>
+    <p:sldId id="420" r:id="rId40"/>
+    <p:sldId id="433" r:id="rId41"/>
+    <p:sldId id="434" r:id="rId42"/>
+    <p:sldId id="432" r:id="rId43"/>
+    <p:sldId id="435" r:id="rId44"/>
+    <p:sldId id="437" r:id="rId45"/>
+    <p:sldId id="436" r:id="rId46"/>
+    <p:sldId id="438" r:id="rId47"/>
+    <p:sldId id="442" r:id="rId48"/>
+    <p:sldId id="333" r:id="rId49"/>
+    <p:sldId id="323" r:id="rId50"/>
+    <p:sldId id="334" r:id="rId51"/>
+    <p:sldId id="337" r:id="rId52"/>
+    <p:sldId id="309" r:id="rId53"/>
   </p:sldIdLst>
   <p:sldSz cx="9144000" cy="5143500" type="screen16x9"/>
   <p:notesSz cx="6858000" cy="9144000"/>
@@ -2514,7 +2515,7 @@
     </p:spTree>
     <p:extLst>
       <p:ext uri="{BB962C8B-B14F-4D97-AF65-F5344CB8AC3E}">
-        <p14:creationId xmlns:p14="http://schemas.microsoft.com/office/powerpoint/2010/main" val="3020387705"/>
+        <p14:creationId xmlns:p14="http://schemas.microsoft.com/office/powerpoint/2010/main" val="3517594894"/>
       </p:ext>
     </p:extLst>
   </p:cSld>
@@ -2580,7 +2581,7 @@
     </p:spTree>
     <p:extLst>
       <p:ext uri="{BB962C8B-B14F-4D97-AF65-F5344CB8AC3E}">
-        <p14:creationId xmlns:p14="http://schemas.microsoft.com/office/powerpoint/2010/main" val="2790174229"/>
+        <p14:creationId xmlns:p14="http://schemas.microsoft.com/office/powerpoint/2010/main" val="3020387705"/>
       </p:ext>
     </p:extLst>
   </p:cSld>
@@ -2646,7 +2647,7 @@
     </p:spTree>
     <p:extLst>
       <p:ext uri="{BB962C8B-B14F-4D97-AF65-F5344CB8AC3E}">
-        <p14:creationId xmlns:p14="http://schemas.microsoft.com/office/powerpoint/2010/main" val="877463909"/>
+        <p14:creationId xmlns:p14="http://schemas.microsoft.com/office/powerpoint/2010/main" val="2790174229"/>
       </p:ext>
     </p:extLst>
   </p:cSld>
@@ -2712,7 +2713,7 @@
     </p:spTree>
     <p:extLst>
       <p:ext uri="{BB962C8B-B14F-4D97-AF65-F5344CB8AC3E}">
-        <p14:creationId xmlns:p14="http://schemas.microsoft.com/office/powerpoint/2010/main" val="337942635"/>
+        <p14:creationId xmlns:p14="http://schemas.microsoft.com/office/powerpoint/2010/main" val="877463909"/>
       </p:ext>
     </p:extLst>
   </p:cSld>
@@ -2844,7 +2845,7 @@
     </p:spTree>
     <p:extLst>
       <p:ext uri="{BB962C8B-B14F-4D97-AF65-F5344CB8AC3E}">
-        <p14:creationId xmlns:p14="http://schemas.microsoft.com/office/powerpoint/2010/main" val="903897157"/>
+        <p14:creationId xmlns:p14="http://schemas.microsoft.com/office/powerpoint/2010/main" val="337942635"/>
       </p:ext>
     </p:extLst>
   </p:cSld>
@@ -2910,7 +2911,7 @@
     </p:spTree>
     <p:extLst>
       <p:ext uri="{BB962C8B-B14F-4D97-AF65-F5344CB8AC3E}">
-        <p14:creationId xmlns:p14="http://schemas.microsoft.com/office/powerpoint/2010/main" val="3898428521"/>
+        <p14:creationId xmlns:p14="http://schemas.microsoft.com/office/powerpoint/2010/main" val="903897157"/>
       </p:ext>
     </p:extLst>
   </p:cSld>
@@ -2976,7 +2977,7 @@
     </p:spTree>
     <p:extLst>
       <p:ext uri="{BB962C8B-B14F-4D97-AF65-F5344CB8AC3E}">
-        <p14:creationId xmlns:p14="http://schemas.microsoft.com/office/powerpoint/2010/main" val="3851274847"/>
+        <p14:creationId xmlns:p14="http://schemas.microsoft.com/office/powerpoint/2010/main" val="3898428521"/>
       </p:ext>
     </p:extLst>
   </p:cSld>
@@ -3042,7 +3043,7 @@
     </p:spTree>
     <p:extLst>
       <p:ext uri="{BB962C8B-B14F-4D97-AF65-F5344CB8AC3E}">
-        <p14:creationId xmlns:p14="http://schemas.microsoft.com/office/powerpoint/2010/main" val="2372032793"/>
+        <p14:creationId xmlns:p14="http://schemas.microsoft.com/office/powerpoint/2010/main" val="3851274847"/>
       </p:ext>
     </p:extLst>
   </p:cSld>
@@ -3108,7 +3109,7 @@
     </p:spTree>
     <p:extLst>
       <p:ext uri="{BB962C8B-B14F-4D97-AF65-F5344CB8AC3E}">
-        <p14:creationId xmlns:p14="http://schemas.microsoft.com/office/powerpoint/2010/main" val="1438828921"/>
+        <p14:creationId xmlns:p14="http://schemas.microsoft.com/office/powerpoint/2010/main" val="2372032793"/>
       </p:ext>
     </p:extLst>
   </p:cSld>
@@ -3174,7 +3175,7 @@
     </p:spTree>
     <p:extLst>
       <p:ext uri="{BB962C8B-B14F-4D97-AF65-F5344CB8AC3E}">
-        <p14:creationId xmlns:p14="http://schemas.microsoft.com/office/powerpoint/2010/main" val="585304384"/>
+        <p14:creationId xmlns:p14="http://schemas.microsoft.com/office/powerpoint/2010/main" val="1438828921"/>
       </p:ext>
     </p:extLst>
   </p:cSld>
@@ -3240,7 +3241,7 @@
     </p:spTree>
     <p:extLst>
       <p:ext uri="{BB962C8B-B14F-4D97-AF65-F5344CB8AC3E}">
-        <p14:creationId xmlns:p14="http://schemas.microsoft.com/office/powerpoint/2010/main" val="2709569597"/>
+        <p14:creationId xmlns:p14="http://schemas.microsoft.com/office/powerpoint/2010/main" val="585304384"/>
       </p:ext>
     </p:extLst>
   </p:cSld>
@@ -3306,6 +3307,72 @@
     </p:spTree>
     <p:extLst>
       <p:ext uri="{BB962C8B-B14F-4D97-AF65-F5344CB8AC3E}">
+        <p14:creationId xmlns:p14="http://schemas.microsoft.com/office/powerpoint/2010/main" val="2709569597"/>
+      </p:ext>
+    </p:extLst>
+  </p:cSld>
+  <p:clrMapOvr>
+    <a:masterClrMapping/>
+  </p:clrMapOvr>
+</p:notes>
+</file>
+
+<file path=ppt/notesSlides/notesSlide48.xml><?xml version="1.0" encoding="utf-8"?>
+<p:notes xmlns:a="http://schemas.openxmlformats.org/drawingml/2006/main" xmlns:r="http://schemas.openxmlformats.org/officeDocument/2006/relationships" xmlns:p="http://schemas.openxmlformats.org/presentationml/2006/main">
+  <p:cSld>
+    <p:spTree>
+      <p:nvGrpSpPr>
+        <p:cNvPr id="1" name=""/>
+        <p:cNvGrpSpPr/>
+        <p:nvPr/>
+      </p:nvGrpSpPr>
+      <p:grpSpPr>
+        <a:xfrm>
+          <a:off x="0" y="0"/>
+          <a:ext cx="0" cy="0"/>
+          <a:chOff x="0" y="0"/>
+          <a:chExt cx="0" cy="0"/>
+        </a:xfrm>
+      </p:grpSpPr>
+      <p:sp>
+        <p:nvSpPr>
+          <p:cNvPr id="2" name="Espaço Reservado para Imagem de Slide 1"/>
+          <p:cNvSpPr>
+            <a:spLocks noGrp="1" noRot="1" noChangeAspect="1"/>
+          </p:cNvSpPr>
+          <p:nvPr>
+            <p:ph type="sldImg"/>
+          </p:nvPr>
+        </p:nvSpPr>
+        <p:spPr>
+          <a:xfrm>
+            <a:off x="381000" y="685800"/>
+            <a:ext cx="6096000" cy="3429000"/>
+          </a:xfrm>
+        </p:spPr>
+      </p:sp>
+      <p:sp>
+        <p:nvSpPr>
+          <p:cNvPr id="3" name="Espaço Reservado para Anotações 2"/>
+          <p:cNvSpPr>
+            <a:spLocks noGrp="1"/>
+          </p:cNvSpPr>
+          <p:nvPr>
+            <p:ph type="body" idx="1"/>
+          </p:nvPr>
+        </p:nvSpPr>
+        <p:spPr/>
+        <p:txBody>
+          <a:bodyPr/>
+          <a:lstStyle/>
+          <a:p>
+            <a:endParaRPr lang="pt-BR" dirty="0"/>
+          </a:p>
+        </p:txBody>
+      </p:sp>
+    </p:spTree>
+    <p:extLst>
+      <p:ext uri="{BB962C8B-B14F-4D97-AF65-F5344CB8AC3E}">
         <p14:creationId xmlns:p14="http://schemas.microsoft.com/office/powerpoint/2010/main" val="2296249050"/>
       </p:ext>
     </p:extLst>
@@ -3316,7 +3383,7 @@
 </p:notes>
 </file>
 
-<file path=ppt/notesSlides/notesSlide48.xml><?xml version="1.0" encoding="utf-8"?>
+<file path=ppt/notesSlides/notesSlide49.xml><?xml version="1.0" encoding="utf-8"?>
 <p:notes xmlns:a="http://schemas.openxmlformats.org/drawingml/2006/main" xmlns:r="http://schemas.openxmlformats.org/officeDocument/2006/relationships" xmlns:p="http://schemas.openxmlformats.org/presentationml/2006/main">
   <p:cSld>
     <p:spTree>
@@ -9252,7 +9319,21 @@
                 <a:latin typeface="Times New Roman" panose="02020603050405020304" pitchFamily="18" charset="0"/>
                 <a:cs typeface="Times New Roman" panose="02020603050405020304" pitchFamily="18" charset="0"/>
               </a:rPr>
-              <a:t>&gt; define uma tabela HTML.</a:t>
+              <a:t>&gt; define uma tabela HTML. Possui o atributo </a:t>
+            </a:r>
+            <a:r>
+              <a:rPr lang="pt-BR" sz="2000" dirty="0" err="1">
+                <a:latin typeface="Times New Roman" panose="02020603050405020304" pitchFamily="18" charset="0"/>
+                <a:cs typeface="Times New Roman" panose="02020603050405020304" pitchFamily="18" charset="0"/>
+              </a:rPr>
+              <a:t>border</a:t>
+            </a:r>
+            <a:r>
+              <a:rPr lang="pt-BR" sz="2000" dirty="0">
+                <a:latin typeface="Times New Roman" panose="02020603050405020304" pitchFamily="18" charset="0"/>
+                <a:cs typeface="Times New Roman" panose="02020603050405020304" pitchFamily="18" charset="0"/>
+              </a:rPr>
+              <a:t>.</a:t>
             </a:r>
           </a:p>
           <a:p>
@@ -9675,7 +9756,7 @@
         <p:spPr>
           <a:xfrm>
             <a:off x="756639" y="1697938"/>
-            <a:ext cx="2963592" cy="3416316"/>
+            <a:ext cx="3138956" cy="3416316"/>
           </a:xfrm>
           <a:prstGeom prst="rect">
             <a:avLst/>
@@ -9722,12 +9803,40 @@
               <a:t>table</a:t>
             </a:r>
             <a:r>
-              <a:rPr lang="pt-BR" sz="2400" dirty="0">
+              <a:rPr lang="pt-BR" sz="2400" b="1" dirty="0">
+                <a:latin typeface="Times New Roman" panose="02020603050405020304" pitchFamily="18" charset="0"/>
+                <a:cs typeface="Times New Roman" panose="02020603050405020304" pitchFamily="18" charset="0"/>
+              </a:rPr>
+              <a:t> </a:t>
+            </a:r>
+            <a:r>
+              <a:rPr lang="pt-BR" sz="2400" b="1" dirty="0" err="1">
+                <a:solidFill>
+                  <a:srgbClr val="FF0000"/>
+                </a:solidFill>
+                <a:latin typeface="Times New Roman" panose="02020603050405020304" pitchFamily="18" charset="0"/>
+                <a:cs typeface="Times New Roman" panose="02020603050405020304" pitchFamily="18" charset="0"/>
+              </a:rPr>
+              <a:t>border</a:t>
+            </a:r>
+            <a:r>
+              <a:rPr lang="pt-BR" sz="2400" b="1">
+                <a:latin typeface="Times New Roman" panose="02020603050405020304" pitchFamily="18" charset="0"/>
+                <a:cs typeface="Times New Roman" panose="02020603050405020304" pitchFamily="18" charset="0"/>
+              </a:rPr>
+              <a:t>=“1”</a:t>
+            </a:r>
+            <a:r>
+              <a:rPr lang="pt-BR" sz="2400">
                 <a:latin typeface="Times New Roman" panose="02020603050405020304" pitchFamily="18" charset="0"/>
                 <a:cs typeface="Times New Roman" panose="02020603050405020304" pitchFamily="18" charset="0"/>
               </a:rPr>
               <a:t>&gt;</a:t>
             </a:r>
+            <a:endParaRPr lang="pt-BR" sz="2400" dirty="0">
+              <a:latin typeface="Times New Roman" panose="02020603050405020304" pitchFamily="18" charset="0"/>
+              <a:cs typeface="Times New Roman" panose="02020603050405020304" pitchFamily="18" charset="0"/>
+            </a:endParaRPr>
           </a:p>
           <a:p>
             <a:pPr marL="0" indent="0" algn="just">
@@ -16890,7 +16999,7 @@
                   <a:srgbClr val="0070C0"/>
                 </a:solidFill>
               </a:rPr>
-              <a:t>HTML – Form</a:t>
+              <a:t>HTML – sup e sub</a:t>
             </a:r>
           </a:p>
         </p:txBody>
@@ -16907,8 +17016,8 @@
         </p:nvSpPr>
         <p:spPr>
           <a:xfrm>
-            <a:off x="142865" y="1024786"/>
-            <a:ext cx="8865056" cy="3900208"/>
+            <a:off x="130339" y="974681"/>
+            <a:ext cx="8865056" cy="4010677"/>
           </a:xfrm>
         </p:spPr>
         <p:txBody>
@@ -16921,84 +17030,74 @@
               <a:buNone/>
             </a:pPr>
             <a:r>
-              <a:rPr lang="pt-BR" dirty="0">
-                <a:solidFill>
-                  <a:schemeClr val="tx1"/>
-                </a:solidFill>
-                <a:latin typeface="Times New Roman" panose="02020603050405020304" pitchFamily="18" charset="0"/>
-                <a:cs typeface="Times New Roman" panose="02020603050405020304" pitchFamily="18" charset="0"/>
-              </a:rPr>
-              <a:t>O elemento HTML &lt;</a:t>
-            </a:r>
-            <a:r>
-              <a:rPr lang="pt-BR" b="1" dirty="0" err="1">
-                <a:solidFill>
-                  <a:schemeClr val="tx1"/>
-                </a:solidFill>
-                <a:latin typeface="Times New Roman" panose="02020603050405020304" pitchFamily="18" charset="0"/>
-                <a:cs typeface="Times New Roman" panose="02020603050405020304" pitchFamily="18" charset="0"/>
-              </a:rPr>
-              <a:t>form</a:t>
-            </a:r>
-            <a:r>
-              <a:rPr lang="pt-BR" dirty="0">
-                <a:solidFill>
-                  <a:schemeClr val="tx1"/>
-                </a:solidFill>
-                <a:latin typeface="Times New Roman" panose="02020603050405020304" pitchFamily="18" charset="0"/>
-                <a:cs typeface="Times New Roman" panose="02020603050405020304" pitchFamily="18" charset="0"/>
-              </a:rPr>
-              <a:t>&gt; representa uma seção de um documento que </a:t>
-            </a:r>
-            <a:r>
-              <a:rPr lang="pt-BR" b="1" dirty="0">
-                <a:solidFill>
-                  <a:schemeClr val="tx1"/>
-                </a:solidFill>
-                <a:latin typeface="Times New Roman" panose="02020603050405020304" pitchFamily="18" charset="0"/>
-                <a:cs typeface="Times New Roman" panose="02020603050405020304" pitchFamily="18" charset="0"/>
-              </a:rPr>
-              <a:t>contém controles interativos</a:t>
-            </a:r>
-            <a:r>
-              <a:rPr lang="pt-BR" dirty="0">
-                <a:solidFill>
-                  <a:schemeClr val="tx1"/>
-                </a:solidFill>
-                <a:latin typeface="Times New Roman" panose="02020603050405020304" pitchFamily="18" charset="0"/>
-                <a:cs typeface="Times New Roman" panose="02020603050405020304" pitchFamily="18" charset="0"/>
-              </a:rPr>
-              <a:t> que </a:t>
-            </a:r>
-            <a:r>
-              <a:rPr lang="pt-BR" b="1" dirty="0">
-                <a:solidFill>
-                  <a:srgbClr val="FF0000"/>
-                </a:solidFill>
-                <a:latin typeface="Times New Roman" panose="02020603050405020304" pitchFamily="18" charset="0"/>
-                <a:cs typeface="Times New Roman" panose="02020603050405020304" pitchFamily="18" charset="0"/>
-              </a:rPr>
-              <a:t>permitem ao usuário submeter informação a um determinado servidor web</a:t>
-            </a:r>
-            <a:r>
-              <a:rPr lang="pt-BR" dirty="0">
-                <a:solidFill>
-                  <a:schemeClr val="tx1"/>
-                </a:solidFill>
-                <a:latin typeface="Times New Roman" panose="02020603050405020304" pitchFamily="18" charset="0"/>
-                <a:cs typeface="Times New Roman" panose="02020603050405020304" pitchFamily="18" charset="0"/>
-              </a:rPr>
-              <a:t>.</a:t>
-            </a:r>
-          </a:p>
-          <a:p>
-            <a:pPr marL="0" indent="0" algn="just">
-              <a:buNone/>
-            </a:pPr>
-            <a:endParaRPr lang="pt-BR" dirty="0">
-              <a:solidFill>
-                <a:schemeClr val="tx1"/>
-              </a:solidFill>
+              <a:rPr lang="pt-BR" sz="2400" dirty="0">
+                <a:latin typeface="Times New Roman" panose="02020603050405020304" pitchFamily="18" charset="0"/>
+                <a:cs typeface="Times New Roman" panose="02020603050405020304" pitchFamily="18" charset="0"/>
+              </a:rPr>
+              <a:t>A </a:t>
+            </a:r>
+            <a:r>
+              <a:rPr lang="pt-BR" sz="2400" dirty="0" err="1">
+                <a:latin typeface="Times New Roman" panose="02020603050405020304" pitchFamily="18" charset="0"/>
+                <a:cs typeface="Times New Roman" panose="02020603050405020304" pitchFamily="18" charset="0"/>
+              </a:rPr>
+              <a:t>tag</a:t>
+            </a:r>
+            <a:r>
+              <a:rPr lang="pt-BR" sz="2400" dirty="0">
+                <a:latin typeface="Times New Roman" panose="02020603050405020304" pitchFamily="18" charset="0"/>
+                <a:cs typeface="Times New Roman" panose="02020603050405020304" pitchFamily="18" charset="0"/>
+              </a:rPr>
+              <a:t> &lt;</a:t>
+            </a:r>
+            <a:r>
+              <a:rPr lang="pt-BR" sz="2400" b="1" dirty="0" err="1">
+                <a:latin typeface="Times New Roman" panose="02020603050405020304" pitchFamily="18" charset="0"/>
+                <a:cs typeface="Times New Roman" panose="02020603050405020304" pitchFamily="18" charset="0"/>
+              </a:rPr>
+              <a:t>sup</a:t>
+            </a:r>
+            <a:r>
+              <a:rPr lang="pt-BR" sz="2400" dirty="0">
+                <a:latin typeface="Times New Roman" panose="02020603050405020304" pitchFamily="18" charset="0"/>
+                <a:cs typeface="Times New Roman" panose="02020603050405020304" pitchFamily="18" charset="0"/>
+              </a:rPr>
+              <a:t>&gt; coloca o texto sobrescrito e a </a:t>
+            </a:r>
+            <a:r>
+              <a:rPr lang="pt-BR" sz="2400" dirty="0" err="1">
+                <a:latin typeface="Times New Roman" panose="02020603050405020304" pitchFamily="18" charset="0"/>
+                <a:cs typeface="Times New Roman" panose="02020603050405020304" pitchFamily="18" charset="0"/>
+              </a:rPr>
+              <a:t>tag</a:t>
+            </a:r>
+            <a:r>
+              <a:rPr lang="pt-BR" sz="2400" dirty="0">
+                <a:latin typeface="Times New Roman" panose="02020603050405020304" pitchFamily="18" charset="0"/>
+                <a:cs typeface="Times New Roman" panose="02020603050405020304" pitchFamily="18" charset="0"/>
+              </a:rPr>
+              <a:t> &lt;</a:t>
+            </a:r>
+            <a:r>
+              <a:rPr lang="pt-BR" sz="2400" b="1" dirty="0">
+                <a:latin typeface="Times New Roman" panose="02020603050405020304" pitchFamily="18" charset="0"/>
+                <a:cs typeface="Times New Roman" panose="02020603050405020304" pitchFamily="18" charset="0"/>
+              </a:rPr>
+              <a:t>sub</a:t>
+            </a:r>
+            <a:r>
+              <a:rPr lang="pt-BR" sz="2400" dirty="0">
+                <a:latin typeface="Times New Roman" panose="02020603050405020304" pitchFamily="18" charset="0"/>
+                <a:cs typeface="Times New Roman" panose="02020603050405020304" pitchFamily="18" charset="0"/>
+              </a:rPr>
+              <a:t>&gt; texto subscrito.</a:t>
+            </a:r>
+          </a:p>
+          <a:p>
+            <a:pPr marL="0" indent="0" algn="just">
+              <a:buNone/>
+            </a:pPr>
+            <a:endParaRPr lang="pt-BR" sz="2400" dirty="0">
               <a:latin typeface="Times New Roman" panose="02020603050405020304" pitchFamily="18" charset="0"/>
               <a:cs typeface="Times New Roman" panose="02020603050405020304" pitchFamily="18" charset="0"/>
             </a:endParaRPr>
@@ -17008,84 +17107,96 @@
               <a:buNone/>
             </a:pPr>
             <a:r>
-              <a:rPr lang="pt-BR" dirty="0">
-                <a:solidFill>
-                  <a:schemeClr val="tx1"/>
-                </a:solidFill>
-                <a:latin typeface="Times New Roman" panose="02020603050405020304" pitchFamily="18" charset="0"/>
-                <a:cs typeface="Times New Roman" panose="02020603050405020304" pitchFamily="18" charset="0"/>
-              </a:rPr>
-              <a:t>É possível utilizar as </a:t>
-            </a:r>
-            <a:r>
-              <a:rPr lang="pt-BR" b="1" dirty="0" err="1">
-                <a:solidFill>
-                  <a:srgbClr val="FF0000"/>
-                </a:solidFill>
-                <a:latin typeface="Times New Roman" panose="02020603050405020304" pitchFamily="18" charset="0"/>
-                <a:cs typeface="Times New Roman" panose="02020603050405020304" pitchFamily="18" charset="0"/>
-              </a:rPr>
-              <a:t>pseudo-classes</a:t>
-            </a:r>
-            <a:r>
-              <a:rPr lang="pt-BR" b="1" dirty="0">
-                <a:solidFill>
-                  <a:srgbClr val="FF0000"/>
-                </a:solidFill>
-                <a:latin typeface="Times New Roman" panose="02020603050405020304" pitchFamily="18" charset="0"/>
-                <a:cs typeface="Times New Roman" panose="02020603050405020304" pitchFamily="18" charset="0"/>
-              </a:rPr>
-              <a:t> de CSS </a:t>
-            </a:r>
-            <a:r>
-              <a:rPr lang="pt-BR" dirty="0">
-                <a:solidFill>
-                  <a:schemeClr val="tx1"/>
-                </a:solidFill>
-                <a:latin typeface="Times New Roman" panose="02020603050405020304" pitchFamily="18" charset="0"/>
-                <a:cs typeface="Times New Roman" panose="02020603050405020304" pitchFamily="18" charset="0"/>
-              </a:rPr>
-              <a:t>:</a:t>
-            </a:r>
-            <a:r>
-              <a:rPr lang="pt-BR" dirty="0" err="1">
-                <a:solidFill>
-                  <a:schemeClr val="tx1"/>
-                </a:solidFill>
-                <a:latin typeface="Times New Roman" panose="02020603050405020304" pitchFamily="18" charset="0"/>
-                <a:cs typeface="Times New Roman" panose="02020603050405020304" pitchFamily="18" charset="0"/>
-              </a:rPr>
-              <a:t>valid</a:t>
-            </a:r>
-            <a:r>
-              <a:rPr lang="pt-BR" dirty="0">
-                <a:solidFill>
-                  <a:schemeClr val="tx1"/>
-                </a:solidFill>
-                <a:latin typeface="Times New Roman" panose="02020603050405020304" pitchFamily="18" charset="0"/>
-                <a:cs typeface="Times New Roman" panose="02020603050405020304" pitchFamily="18" charset="0"/>
-              </a:rPr>
-              <a:t> e:invalid para aplicar estilo a um elemento &lt;</a:t>
-            </a:r>
-            <a:r>
-              <a:rPr lang="pt-BR" dirty="0" err="1">
-                <a:solidFill>
-                  <a:schemeClr val="tx1"/>
-                </a:solidFill>
-                <a:latin typeface="Times New Roman" panose="02020603050405020304" pitchFamily="18" charset="0"/>
-                <a:cs typeface="Times New Roman" panose="02020603050405020304" pitchFamily="18" charset="0"/>
-              </a:rPr>
-              <a:t>form</a:t>
-            </a:r>
-            <a:r>
-              <a:rPr lang="pt-BR" dirty="0">
-                <a:solidFill>
-                  <a:schemeClr val="tx1"/>
-                </a:solidFill>
-                <a:latin typeface="Times New Roman" panose="02020603050405020304" pitchFamily="18" charset="0"/>
-                <a:cs typeface="Times New Roman" panose="02020603050405020304" pitchFamily="18" charset="0"/>
-              </a:rPr>
-              <a:t>&gt;.</a:t>
+              <a:rPr lang="pt-BR" sz="2400" b="1" dirty="0">
+                <a:latin typeface="Times New Roman" panose="02020603050405020304" pitchFamily="18" charset="0"/>
+                <a:cs typeface="Times New Roman" panose="02020603050405020304" pitchFamily="18" charset="0"/>
+              </a:rPr>
+              <a:t>Exemplo:</a:t>
+            </a:r>
+          </a:p>
+          <a:p>
+            <a:pPr marL="0" indent="0" algn="just">
+              <a:buNone/>
+            </a:pPr>
+            <a:r>
+              <a:rPr lang="pt-BR" sz="2400" dirty="0">
+                <a:latin typeface="Times New Roman" panose="02020603050405020304" pitchFamily="18" charset="0"/>
+                <a:cs typeface="Times New Roman" panose="02020603050405020304" pitchFamily="18" charset="0"/>
+              </a:rPr>
+              <a:t>A &lt;</a:t>
+            </a:r>
+            <a:r>
+              <a:rPr lang="pt-BR" sz="2400" b="1" dirty="0" err="1">
+                <a:latin typeface="Times New Roman" panose="02020603050405020304" pitchFamily="18" charset="0"/>
+                <a:cs typeface="Times New Roman" panose="02020603050405020304" pitchFamily="18" charset="0"/>
+              </a:rPr>
+              <a:t>sup</a:t>
+            </a:r>
+            <a:r>
+              <a:rPr lang="pt-BR" sz="2400" dirty="0">
+                <a:latin typeface="Times New Roman" panose="02020603050405020304" pitchFamily="18" charset="0"/>
+                <a:cs typeface="Times New Roman" panose="02020603050405020304" pitchFamily="18" charset="0"/>
+              </a:rPr>
+              <a:t>&gt;</a:t>
+            </a:r>
+            <a:r>
+              <a:rPr lang="pt-BR" sz="2400" b="1" dirty="0">
+                <a:solidFill>
+                  <a:srgbClr val="0070C0"/>
+                </a:solidFill>
+                <a:latin typeface="Times New Roman" panose="02020603050405020304" pitchFamily="18" charset="0"/>
+                <a:cs typeface="Times New Roman" panose="02020603050405020304" pitchFamily="18" charset="0"/>
+              </a:rPr>
+              <a:t>BNCC</a:t>
+            </a:r>
+            <a:r>
+              <a:rPr lang="pt-BR" sz="2400" dirty="0">
+                <a:latin typeface="Times New Roman" panose="02020603050405020304" pitchFamily="18" charset="0"/>
+                <a:cs typeface="Times New Roman" panose="02020603050405020304" pitchFamily="18" charset="0"/>
+              </a:rPr>
+              <a:t>&lt;/</a:t>
+            </a:r>
+            <a:r>
+              <a:rPr lang="pt-BR" sz="2400" b="1" dirty="0" err="1">
+                <a:latin typeface="Times New Roman" panose="02020603050405020304" pitchFamily="18" charset="0"/>
+                <a:cs typeface="Times New Roman" panose="02020603050405020304" pitchFamily="18" charset="0"/>
+              </a:rPr>
+              <a:t>sup</a:t>
+            </a:r>
+            <a:r>
+              <a:rPr lang="pt-BR" sz="2400" dirty="0">
+                <a:latin typeface="Times New Roman" panose="02020603050405020304" pitchFamily="18" charset="0"/>
+                <a:cs typeface="Times New Roman" panose="02020603050405020304" pitchFamily="18" charset="0"/>
+              </a:rPr>
+              <a:t>&gt; é um documento de caráter normativo que define o conjunto &lt;</a:t>
+            </a:r>
+            <a:r>
+              <a:rPr lang="pt-BR" sz="2400" b="1" dirty="0">
+                <a:latin typeface="Times New Roman" panose="02020603050405020304" pitchFamily="18" charset="0"/>
+                <a:cs typeface="Times New Roman" panose="02020603050405020304" pitchFamily="18" charset="0"/>
+              </a:rPr>
+              <a:t>sub</a:t>
+            </a:r>
+            <a:r>
+              <a:rPr lang="pt-BR" sz="2400" dirty="0">
+                <a:latin typeface="Times New Roman" panose="02020603050405020304" pitchFamily="18" charset="0"/>
+                <a:cs typeface="Times New Roman" panose="02020603050405020304" pitchFamily="18" charset="0"/>
+              </a:rPr>
+              <a:t>&gt;orgânico e progressivo&lt;/</a:t>
+            </a:r>
+            <a:r>
+              <a:rPr lang="pt-BR" sz="2400" b="1" dirty="0">
+                <a:latin typeface="Times New Roman" panose="02020603050405020304" pitchFamily="18" charset="0"/>
+                <a:cs typeface="Times New Roman" panose="02020603050405020304" pitchFamily="18" charset="0"/>
+              </a:rPr>
+              <a:t>sub</a:t>
+            </a:r>
+            <a:r>
+              <a:rPr lang="pt-BR" sz="2400" dirty="0">
+                <a:latin typeface="Times New Roman" panose="02020603050405020304" pitchFamily="18" charset="0"/>
+                <a:cs typeface="Times New Roman" panose="02020603050405020304" pitchFamily="18" charset="0"/>
+              </a:rPr>
+              <a:t>&gt; de aprendizagens essenciais que todos os alunos devem desenvolver ao longo das etapas e modalidades da Educação Básica.</a:t>
             </a:r>
           </a:p>
         </p:txBody>
@@ -17093,7 +17204,7 @@
     </p:spTree>
     <p:extLst>
       <p:ext uri="{BB962C8B-B14F-4D97-AF65-F5344CB8AC3E}">
-        <p14:creationId xmlns:p14="http://schemas.microsoft.com/office/powerpoint/2010/main" val="3562100300"/>
+        <p14:creationId xmlns:p14="http://schemas.microsoft.com/office/powerpoint/2010/main" val="2672873204"/>
       </p:ext>
     </p:extLst>
   </p:cSld>
@@ -17187,7 +17298,7 @@
                 <a:latin typeface="Times New Roman" panose="02020603050405020304" pitchFamily="18" charset="0"/>
                 <a:cs typeface="Times New Roman" panose="02020603050405020304" pitchFamily="18" charset="0"/>
               </a:rPr>
-              <a:t>A &lt;</a:t>
+              <a:t>O elemento HTML &lt;</a:t>
             </a:r>
             <a:r>
               <a:rPr lang="pt-BR" b="1" dirty="0" err="1">
@@ -17207,17 +17318,17 @@
                 <a:latin typeface="Times New Roman" panose="02020603050405020304" pitchFamily="18" charset="0"/>
                 <a:cs typeface="Times New Roman" panose="02020603050405020304" pitchFamily="18" charset="0"/>
               </a:rPr>
-              <a:t>&gt; </a:t>
-            </a:r>
-            <a:r>
-              <a:rPr lang="pt-BR" dirty="0" err="1">
-                <a:solidFill>
-                  <a:schemeClr val="tx1"/>
-                </a:solidFill>
-                <a:latin typeface="Times New Roman" panose="02020603050405020304" pitchFamily="18" charset="0"/>
-                <a:cs typeface="Times New Roman" panose="02020603050405020304" pitchFamily="18" charset="0"/>
-              </a:rPr>
-              <a:t>tag</a:t>
+              <a:t>&gt; representa uma seção de um documento que </a:t>
+            </a:r>
+            <a:r>
+              <a:rPr lang="pt-BR" b="1" dirty="0">
+                <a:solidFill>
+                  <a:schemeClr val="tx1"/>
+                </a:solidFill>
+                <a:latin typeface="Times New Roman" panose="02020603050405020304" pitchFamily="18" charset="0"/>
+                <a:cs typeface="Times New Roman" panose="02020603050405020304" pitchFamily="18" charset="0"/>
+              </a:rPr>
+              <a:t>contém controles interativos</a:t>
             </a:r>
             <a:r>
               <a:rPr lang="pt-BR" dirty="0">
@@ -17227,7 +17338,7 @@
                 <a:latin typeface="Times New Roman" panose="02020603050405020304" pitchFamily="18" charset="0"/>
                 <a:cs typeface="Times New Roman" panose="02020603050405020304" pitchFamily="18" charset="0"/>
               </a:rPr>
-              <a:t> é usada para criar um </a:t>
+              <a:t> que </a:t>
             </a:r>
             <a:r>
               <a:rPr lang="pt-BR" b="1" dirty="0">
@@ -17237,27 +17348,7 @@
                 <a:latin typeface="Times New Roman" panose="02020603050405020304" pitchFamily="18" charset="0"/>
                 <a:cs typeface="Times New Roman" panose="02020603050405020304" pitchFamily="18" charset="0"/>
               </a:rPr>
-              <a:t>formulário HTML </a:t>
-            </a:r>
-            <a:r>
-              <a:rPr lang="pt-BR" dirty="0">
-                <a:solidFill>
-                  <a:schemeClr val="tx1"/>
-                </a:solidFill>
-                <a:latin typeface="Times New Roman" panose="02020603050405020304" pitchFamily="18" charset="0"/>
-                <a:cs typeface="Times New Roman" panose="02020603050405020304" pitchFamily="18" charset="0"/>
-              </a:rPr>
-              <a:t>para </a:t>
-            </a:r>
-            <a:r>
-              <a:rPr lang="pt-BR" b="1" dirty="0">
-                <a:solidFill>
-                  <a:schemeClr val="tx1"/>
-                </a:solidFill>
-                <a:latin typeface="Times New Roman" panose="02020603050405020304" pitchFamily="18" charset="0"/>
-                <a:cs typeface="Times New Roman" panose="02020603050405020304" pitchFamily="18" charset="0"/>
-              </a:rPr>
-              <a:t>entrada do usuário</a:t>
+              <a:t>permitem ao usuário submeter informação a um determinado servidor web</a:t>
             </a:r>
             <a:r>
               <a:rPr lang="pt-BR" dirty="0">
@@ -17294,11 +17385,61 @@
                 <a:latin typeface="Times New Roman" panose="02020603050405020304" pitchFamily="18" charset="0"/>
                 <a:cs typeface="Times New Roman" panose="02020603050405020304" pitchFamily="18" charset="0"/>
               </a:rPr>
-              <a:t>O &lt;</a:t>
+              <a:t>É possível utilizar as </a:t>
             </a:r>
             <a:r>
               <a:rPr lang="pt-BR" b="1" dirty="0" err="1">
                 <a:solidFill>
+                  <a:srgbClr val="FF0000"/>
+                </a:solidFill>
+                <a:latin typeface="Times New Roman" panose="02020603050405020304" pitchFamily="18" charset="0"/>
+                <a:cs typeface="Times New Roman" panose="02020603050405020304" pitchFamily="18" charset="0"/>
+              </a:rPr>
+              <a:t>pseudo-classes</a:t>
+            </a:r>
+            <a:r>
+              <a:rPr lang="pt-BR" b="1" dirty="0">
+                <a:solidFill>
+                  <a:srgbClr val="FF0000"/>
+                </a:solidFill>
+                <a:latin typeface="Times New Roman" panose="02020603050405020304" pitchFamily="18" charset="0"/>
+                <a:cs typeface="Times New Roman" panose="02020603050405020304" pitchFamily="18" charset="0"/>
+              </a:rPr>
+              <a:t> de CSS </a:t>
+            </a:r>
+            <a:r>
+              <a:rPr lang="pt-BR" dirty="0">
+                <a:solidFill>
+                  <a:schemeClr val="tx1"/>
+                </a:solidFill>
+                <a:latin typeface="Times New Roman" panose="02020603050405020304" pitchFamily="18" charset="0"/>
+                <a:cs typeface="Times New Roman" panose="02020603050405020304" pitchFamily="18" charset="0"/>
+              </a:rPr>
+              <a:t>:</a:t>
+            </a:r>
+            <a:r>
+              <a:rPr lang="pt-BR" dirty="0" err="1">
+                <a:solidFill>
+                  <a:schemeClr val="tx1"/>
+                </a:solidFill>
+                <a:latin typeface="Times New Roman" panose="02020603050405020304" pitchFamily="18" charset="0"/>
+                <a:cs typeface="Times New Roman" panose="02020603050405020304" pitchFamily="18" charset="0"/>
+              </a:rPr>
+              <a:t>valid</a:t>
+            </a:r>
+            <a:r>
+              <a:rPr lang="pt-BR" dirty="0">
+                <a:solidFill>
+                  <a:schemeClr val="tx1"/>
+                </a:solidFill>
+                <a:latin typeface="Times New Roman" panose="02020603050405020304" pitchFamily="18" charset="0"/>
+                <a:cs typeface="Times New Roman" panose="02020603050405020304" pitchFamily="18" charset="0"/>
+              </a:rPr>
+              <a:t> e:invalid para aplicar estilo a um elemento &lt;</a:t>
+            </a:r>
+            <a:r>
+              <a:rPr lang="pt-BR" dirty="0" err="1">
+                <a:solidFill>
                   <a:schemeClr val="tx1"/>
                 </a:solidFill>
                 <a:latin typeface="Times New Roman" panose="02020603050405020304" pitchFamily="18" charset="0"/>
@@ -17314,244 +17455,15 @@
                 <a:latin typeface="Times New Roman" panose="02020603050405020304" pitchFamily="18" charset="0"/>
                 <a:cs typeface="Times New Roman" panose="02020603050405020304" pitchFamily="18" charset="0"/>
               </a:rPr>
-              <a:t>&gt; elemento pode conter um ou mais dos seguintes elementos de formulário:</a:t>
-            </a:r>
-          </a:p>
-          <a:p>
-            <a:pPr marL="0" indent="0" algn="just">
-              <a:buNone/>
-            </a:pPr>
-            <a:endParaRPr lang="pt-BR" dirty="0">
-              <a:solidFill>
-                <a:schemeClr val="tx1"/>
-              </a:solidFill>
-              <a:latin typeface="Times New Roman" panose="02020603050405020304" pitchFamily="18" charset="0"/>
-              <a:cs typeface="Times New Roman" panose="02020603050405020304" pitchFamily="18" charset="0"/>
-            </a:endParaRPr>
-          </a:p>
-          <a:p>
-            <a:pPr marL="0" indent="0" algn="just">
-              <a:buNone/>
-            </a:pPr>
-            <a:r>
-              <a:rPr lang="en-US" dirty="0">
-                <a:solidFill>
-                  <a:schemeClr val="tx1"/>
-                </a:solidFill>
-                <a:latin typeface="Times New Roman" panose="02020603050405020304" pitchFamily="18" charset="0"/>
-                <a:cs typeface="Times New Roman" panose="02020603050405020304" pitchFamily="18" charset="0"/>
-              </a:rPr>
-              <a:t>&lt;</a:t>
-            </a:r>
-            <a:r>
-              <a:rPr lang="en-US" b="1" dirty="0">
-                <a:solidFill>
-                  <a:schemeClr val="tx1"/>
-                </a:solidFill>
-                <a:latin typeface="Times New Roman" panose="02020603050405020304" pitchFamily="18" charset="0"/>
-                <a:cs typeface="Times New Roman" panose="02020603050405020304" pitchFamily="18" charset="0"/>
-              </a:rPr>
-              <a:t>input</a:t>
-            </a:r>
-            <a:r>
-              <a:rPr lang="en-US" dirty="0">
-                <a:solidFill>
-                  <a:schemeClr val="tx1"/>
-                </a:solidFill>
-                <a:latin typeface="Times New Roman" panose="02020603050405020304" pitchFamily="18" charset="0"/>
-                <a:cs typeface="Times New Roman" panose="02020603050405020304" pitchFamily="18" charset="0"/>
-              </a:rPr>
-              <a:t>&gt; ; &lt;</a:t>
-            </a:r>
-            <a:r>
-              <a:rPr lang="en-US" b="1" dirty="0" err="1">
-                <a:solidFill>
-                  <a:schemeClr val="tx1"/>
-                </a:solidFill>
-                <a:latin typeface="Times New Roman" panose="02020603050405020304" pitchFamily="18" charset="0"/>
-                <a:cs typeface="Times New Roman" panose="02020603050405020304" pitchFamily="18" charset="0"/>
-              </a:rPr>
-              <a:t>textarea</a:t>
-            </a:r>
-            <a:r>
-              <a:rPr lang="en-US" dirty="0">
-                <a:solidFill>
-                  <a:schemeClr val="tx1"/>
-                </a:solidFill>
-                <a:latin typeface="Times New Roman" panose="02020603050405020304" pitchFamily="18" charset="0"/>
-                <a:cs typeface="Times New Roman" panose="02020603050405020304" pitchFamily="18" charset="0"/>
-              </a:rPr>
-              <a:t>&gt;; &lt;</a:t>
-            </a:r>
-            <a:r>
-              <a:rPr lang="en-US" b="1" dirty="0">
-                <a:solidFill>
-                  <a:schemeClr val="tx1"/>
-                </a:solidFill>
-                <a:latin typeface="Times New Roman" panose="02020603050405020304" pitchFamily="18" charset="0"/>
-                <a:cs typeface="Times New Roman" panose="02020603050405020304" pitchFamily="18" charset="0"/>
-              </a:rPr>
-              <a:t>button</a:t>
-            </a:r>
-            <a:r>
-              <a:rPr lang="en-US" dirty="0">
-                <a:solidFill>
-                  <a:schemeClr val="tx1"/>
-                </a:solidFill>
-                <a:latin typeface="Times New Roman" panose="02020603050405020304" pitchFamily="18" charset="0"/>
-                <a:cs typeface="Times New Roman" panose="02020603050405020304" pitchFamily="18" charset="0"/>
-              </a:rPr>
-              <a:t>&gt;; &lt;</a:t>
-            </a:r>
-            <a:r>
-              <a:rPr lang="en-US" b="1" dirty="0">
-                <a:solidFill>
-                  <a:schemeClr val="tx1"/>
-                </a:solidFill>
-                <a:latin typeface="Times New Roman" panose="02020603050405020304" pitchFamily="18" charset="0"/>
-                <a:cs typeface="Times New Roman" panose="02020603050405020304" pitchFamily="18" charset="0"/>
-              </a:rPr>
-              <a:t>select</a:t>
-            </a:r>
-            <a:r>
-              <a:rPr lang="en-US" dirty="0">
-                <a:solidFill>
-                  <a:schemeClr val="tx1"/>
-                </a:solidFill>
-                <a:latin typeface="Times New Roman" panose="02020603050405020304" pitchFamily="18" charset="0"/>
-                <a:cs typeface="Times New Roman" panose="02020603050405020304" pitchFamily="18" charset="0"/>
-              </a:rPr>
-              <a:t>&gt;; &lt;</a:t>
-            </a:r>
-            <a:r>
-              <a:rPr lang="en-US" b="1" dirty="0">
-                <a:solidFill>
-                  <a:schemeClr val="tx1"/>
-                </a:solidFill>
-                <a:latin typeface="Times New Roman" panose="02020603050405020304" pitchFamily="18" charset="0"/>
-                <a:cs typeface="Times New Roman" panose="02020603050405020304" pitchFamily="18" charset="0"/>
-              </a:rPr>
-              <a:t>option</a:t>
-            </a:r>
-            <a:r>
-              <a:rPr lang="en-US" dirty="0">
-                <a:solidFill>
-                  <a:schemeClr val="tx1"/>
-                </a:solidFill>
-                <a:latin typeface="Times New Roman" panose="02020603050405020304" pitchFamily="18" charset="0"/>
-                <a:cs typeface="Times New Roman" panose="02020603050405020304" pitchFamily="18" charset="0"/>
-              </a:rPr>
-              <a:t>&gt;; </a:t>
-            </a:r>
-          </a:p>
-          <a:p>
-            <a:pPr marL="0" indent="0" algn="just">
-              <a:buNone/>
-            </a:pPr>
-            <a:r>
-              <a:rPr lang="en-US" dirty="0">
-                <a:solidFill>
-                  <a:schemeClr val="tx1"/>
-                </a:solidFill>
-                <a:latin typeface="Times New Roman" panose="02020603050405020304" pitchFamily="18" charset="0"/>
-                <a:cs typeface="Times New Roman" panose="02020603050405020304" pitchFamily="18" charset="0"/>
-              </a:rPr>
-              <a:t>&lt;</a:t>
-            </a:r>
-            <a:r>
-              <a:rPr lang="en-US" b="1" dirty="0" err="1">
-                <a:solidFill>
-                  <a:schemeClr val="tx1"/>
-                </a:solidFill>
-                <a:latin typeface="Times New Roman" panose="02020603050405020304" pitchFamily="18" charset="0"/>
-                <a:cs typeface="Times New Roman" panose="02020603050405020304" pitchFamily="18" charset="0"/>
-              </a:rPr>
-              <a:t>optgroup</a:t>
-            </a:r>
-            <a:r>
-              <a:rPr lang="en-US" dirty="0">
-                <a:solidFill>
-                  <a:schemeClr val="tx1"/>
-                </a:solidFill>
-                <a:latin typeface="Times New Roman" panose="02020603050405020304" pitchFamily="18" charset="0"/>
-                <a:cs typeface="Times New Roman" panose="02020603050405020304" pitchFamily="18" charset="0"/>
-              </a:rPr>
-              <a:t>&gt;; &lt;</a:t>
-            </a:r>
-            <a:r>
-              <a:rPr lang="en-US" b="1" dirty="0" err="1">
-                <a:solidFill>
-                  <a:schemeClr val="tx1"/>
-                </a:solidFill>
-                <a:latin typeface="Times New Roman" panose="02020603050405020304" pitchFamily="18" charset="0"/>
-                <a:cs typeface="Times New Roman" panose="02020603050405020304" pitchFamily="18" charset="0"/>
-              </a:rPr>
-              <a:t>fieldset</a:t>
-            </a:r>
-            <a:r>
-              <a:rPr lang="en-US" dirty="0">
-                <a:solidFill>
-                  <a:schemeClr val="tx1"/>
-                </a:solidFill>
-                <a:latin typeface="Times New Roman" panose="02020603050405020304" pitchFamily="18" charset="0"/>
-                <a:cs typeface="Times New Roman" panose="02020603050405020304" pitchFamily="18" charset="0"/>
-              </a:rPr>
-              <a:t>&gt;; &lt;</a:t>
-            </a:r>
-            <a:r>
-              <a:rPr lang="en-US" b="1" dirty="0">
-                <a:solidFill>
-                  <a:schemeClr val="tx1"/>
-                </a:solidFill>
-                <a:latin typeface="Times New Roman" panose="02020603050405020304" pitchFamily="18" charset="0"/>
-                <a:cs typeface="Times New Roman" panose="02020603050405020304" pitchFamily="18" charset="0"/>
-              </a:rPr>
-              <a:t>label</a:t>
-            </a:r>
-            <a:r>
-              <a:rPr lang="en-US" dirty="0">
-                <a:solidFill>
-                  <a:schemeClr val="tx1"/>
-                </a:solidFill>
-                <a:latin typeface="Times New Roman" panose="02020603050405020304" pitchFamily="18" charset="0"/>
-                <a:cs typeface="Times New Roman" panose="02020603050405020304" pitchFamily="18" charset="0"/>
-              </a:rPr>
-              <a:t>&gt;; &lt;</a:t>
-            </a:r>
-            <a:r>
-              <a:rPr lang="en-US" b="1" dirty="0">
-                <a:solidFill>
-                  <a:schemeClr val="tx1"/>
-                </a:solidFill>
-                <a:latin typeface="Times New Roman" panose="02020603050405020304" pitchFamily="18" charset="0"/>
-                <a:cs typeface="Times New Roman" panose="02020603050405020304" pitchFamily="18" charset="0"/>
-              </a:rPr>
-              <a:t>output</a:t>
-            </a:r>
-            <a:r>
-              <a:rPr lang="en-US" dirty="0">
-                <a:solidFill>
-                  <a:schemeClr val="tx1"/>
-                </a:solidFill>
-                <a:latin typeface="Times New Roman" panose="02020603050405020304" pitchFamily="18" charset="0"/>
-                <a:cs typeface="Times New Roman" panose="02020603050405020304" pitchFamily="18" charset="0"/>
-              </a:rPr>
               <a:t>&gt;.</a:t>
             </a:r>
-            <a:endParaRPr lang="pt-BR" dirty="0">
-              <a:solidFill>
-                <a:schemeClr val="tx1"/>
-              </a:solidFill>
-              <a:latin typeface="Times New Roman" panose="02020603050405020304" pitchFamily="18" charset="0"/>
-              <a:cs typeface="Times New Roman" panose="02020603050405020304" pitchFamily="18" charset="0"/>
-            </a:endParaRPr>
           </a:p>
         </p:txBody>
       </p:sp>
     </p:spTree>
     <p:extLst>
       <p:ext uri="{BB962C8B-B14F-4D97-AF65-F5344CB8AC3E}">
-        <p14:creationId xmlns:p14="http://schemas.microsoft.com/office/powerpoint/2010/main" val="2488638060"/>
+        <p14:creationId xmlns:p14="http://schemas.microsoft.com/office/powerpoint/2010/main" val="3562100300"/>
       </p:ext>
     </p:extLst>
   </p:cSld>
@@ -18011,17 +17923,57 @@
                 <a:latin typeface="Times New Roman" panose="02020603050405020304" pitchFamily="18" charset="0"/>
                 <a:cs typeface="Times New Roman" panose="02020603050405020304" pitchFamily="18" charset="0"/>
               </a:rPr>
-              <a:t>Alguns </a:t>
+              <a:t>A &lt;</a:t>
+            </a:r>
+            <a:r>
+              <a:rPr lang="pt-BR" b="1" dirty="0" err="1">
+                <a:solidFill>
+                  <a:schemeClr val="tx1"/>
+                </a:solidFill>
+                <a:latin typeface="Times New Roman" panose="02020603050405020304" pitchFamily="18" charset="0"/>
+                <a:cs typeface="Times New Roman" panose="02020603050405020304" pitchFamily="18" charset="0"/>
+              </a:rPr>
+              <a:t>form</a:t>
+            </a:r>
+            <a:r>
+              <a:rPr lang="pt-BR" dirty="0">
+                <a:solidFill>
+                  <a:schemeClr val="tx1"/>
+                </a:solidFill>
+                <a:latin typeface="Times New Roman" panose="02020603050405020304" pitchFamily="18" charset="0"/>
+                <a:cs typeface="Times New Roman" panose="02020603050405020304" pitchFamily="18" charset="0"/>
+              </a:rPr>
+              <a:t>&gt; </a:t>
+            </a:r>
+            <a:r>
+              <a:rPr lang="pt-BR" dirty="0" err="1">
+                <a:solidFill>
+                  <a:schemeClr val="tx1"/>
+                </a:solidFill>
+                <a:latin typeface="Times New Roman" panose="02020603050405020304" pitchFamily="18" charset="0"/>
+                <a:cs typeface="Times New Roman" panose="02020603050405020304" pitchFamily="18" charset="0"/>
+              </a:rPr>
+              <a:t>tag</a:t>
+            </a:r>
+            <a:r>
+              <a:rPr lang="pt-BR" dirty="0">
+                <a:solidFill>
+                  <a:schemeClr val="tx1"/>
+                </a:solidFill>
+                <a:latin typeface="Times New Roman" panose="02020603050405020304" pitchFamily="18" charset="0"/>
+                <a:cs typeface="Times New Roman" panose="02020603050405020304" pitchFamily="18" charset="0"/>
+              </a:rPr>
+              <a:t> é usada para criar um </a:t>
             </a:r>
             <a:r>
               <a:rPr lang="pt-BR" b="1" dirty="0">
                 <a:solidFill>
-                  <a:schemeClr val="tx1"/>
-                </a:solidFill>
-                <a:latin typeface="Times New Roman" panose="02020603050405020304" pitchFamily="18" charset="0"/>
-                <a:cs typeface="Times New Roman" panose="02020603050405020304" pitchFamily="18" charset="0"/>
-              </a:rPr>
-              <a:t>atributos</a:t>
+                  <a:srgbClr val="FF0000"/>
+                </a:solidFill>
+                <a:latin typeface="Times New Roman" panose="02020603050405020304" pitchFamily="18" charset="0"/>
+                <a:cs typeface="Times New Roman" panose="02020603050405020304" pitchFamily="18" charset="0"/>
+              </a:rPr>
+              <a:t>formulário HTML </a:t>
             </a:r>
             <a:r>
               <a:rPr lang="pt-BR" dirty="0">
@@ -18031,7 +17983,27 @@
                 <a:latin typeface="Times New Roman" panose="02020603050405020304" pitchFamily="18" charset="0"/>
                 <a:cs typeface="Times New Roman" panose="02020603050405020304" pitchFamily="18" charset="0"/>
               </a:rPr>
-              <a:t>:</a:t>
+              <a:t>para </a:t>
+            </a:r>
+            <a:r>
+              <a:rPr lang="pt-BR" b="1" dirty="0">
+                <a:solidFill>
+                  <a:schemeClr val="tx1"/>
+                </a:solidFill>
+                <a:latin typeface="Times New Roman" panose="02020603050405020304" pitchFamily="18" charset="0"/>
+                <a:cs typeface="Times New Roman" panose="02020603050405020304" pitchFamily="18" charset="0"/>
+              </a:rPr>
+              <a:t>entrada do usuário</a:t>
+            </a:r>
+            <a:r>
+              <a:rPr lang="pt-BR" dirty="0">
+                <a:solidFill>
+                  <a:schemeClr val="tx1"/>
+                </a:solidFill>
+                <a:latin typeface="Times New Roman" panose="02020603050405020304" pitchFamily="18" charset="0"/>
+                <a:cs typeface="Times New Roman" panose="02020603050405020304" pitchFamily="18" charset="0"/>
+              </a:rPr>
+              <a:t>.</a:t>
             </a:r>
           </a:p>
           <a:p>
@@ -18058,7 +18030,7 @@
                 <a:latin typeface="Times New Roman" panose="02020603050405020304" pitchFamily="18" charset="0"/>
                 <a:cs typeface="Times New Roman" panose="02020603050405020304" pitchFamily="18" charset="0"/>
               </a:rPr>
-              <a:t>	</a:t>
+              <a:t>O &lt;</a:t>
             </a:r>
             <a:r>
               <a:rPr lang="pt-BR" b="1" dirty="0" err="1">
@@ -18068,77 +18040,17 @@
                 <a:latin typeface="Times New Roman" panose="02020603050405020304" pitchFamily="18" charset="0"/>
                 <a:cs typeface="Times New Roman" panose="02020603050405020304" pitchFamily="18" charset="0"/>
               </a:rPr>
-              <a:t>action</a:t>
-            </a:r>
-            <a:r>
-              <a:rPr lang="pt-BR" b="1" dirty="0">
-                <a:solidFill>
-                  <a:schemeClr val="tx1"/>
-                </a:solidFill>
-                <a:latin typeface="Times New Roman" panose="02020603050405020304" pitchFamily="18" charset="0"/>
-                <a:cs typeface="Times New Roman" panose="02020603050405020304" pitchFamily="18" charset="0"/>
-              </a:rPr>
-              <a:t>, </a:t>
-            </a:r>
-            <a:r>
-              <a:rPr lang="pt-BR" b="1" dirty="0" err="1">
-                <a:solidFill>
-                  <a:schemeClr val="tx1"/>
-                </a:solidFill>
-                <a:latin typeface="Times New Roman" panose="02020603050405020304" pitchFamily="18" charset="0"/>
-                <a:cs typeface="Times New Roman" panose="02020603050405020304" pitchFamily="18" charset="0"/>
-              </a:rPr>
-              <a:t>method</a:t>
-            </a:r>
-            <a:r>
-              <a:rPr lang="pt-BR" b="1" dirty="0">
-                <a:solidFill>
-                  <a:schemeClr val="tx1"/>
-                </a:solidFill>
-                <a:latin typeface="Times New Roman" panose="02020603050405020304" pitchFamily="18" charset="0"/>
-                <a:cs typeface="Times New Roman" panose="02020603050405020304" pitchFamily="18" charset="0"/>
-              </a:rPr>
-              <a:t>, </a:t>
-            </a:r>
-            <a:r>
-              <a:rPr lang="pt-BR" b="1" dirty="0" err="1">
-                <a:solidFill>
-                  <a:schemeClr val="tx1"/>
-                </a:solidFill>
-                <a:latin typeface="Times New Roman" panose="02020603050405020304" pitchFamily="18" charset="0"/>
-                <a:cs typeface="Times New Roman" panose="02020603050405020304" pitchFamily="18" charset="0"/>
-              </a:rPr>
-              <a:t>name</a:t>
-            </a:r>
-            <a:r>
-              <a:rPr lang="pt-BR" b="1" dirty="0">
-                <a:solidFill>
-                  <a:schemeClr val="tx1"/>
-                </a:solidFill>
-                <a:latin typeface="Times New Roman" panose="02020603050405020304" pitchFamily="18" charset="0"/>
-                <a:cs typeface="Times New Roman" panose="02020603050405020304" pitchFamily="18" charset="0"/>
-              </a:rPr>
-              <a:t>, target, </a:t>
-            </a:r>
-            <a:r>
-              <a:rPr lang="pt-BR" b="1" dirty="0" err="1">
-                <a:solidFill>
-                  <a:schemeClr val="tx1"/>
-                </a:solidFill>
-                <a:latin typeface="Times New Roman" panose="02020603050405020304" pitchFamily="18" charset="0"/>
-                <a:cs typeface="Times New Roman" panose="02020603050405020304" pitchFamily="18" charset="0"/>
-              </a:rPr>
-              <a:t>etc</a:t>
-            </a:r>
-            <a:r>
-              <a:rPr lang="pt-BR" b="1" dirty="0">
-                <a:solidFill>
-                  <a:schemeClr val="tx1"/>
-                </a:solidFill>
-                <a:latin typeface="Times New Roman" panose="02020603050405020304" pitchFamily="18" charset="0"/>
-                <a:cs typeface="Times New Roman" panose="02020603050405020304" pitchFamily="18" charset="0"/>
-              </a:rPr>
-              <a:t> </a:t>
+              <a:t>form</a:t>
+            </a:r>
+            <a:r>
+              <a:rPr lang="pt-BR" dirty="0">
+                <a:solidFill>
+                  <a:schemeClr val="tx1"/>
+                </a:solidFill>
+                <a:latin typeface="Times New Roman" panose="02020603050405020304" pitchFamily="18" charset="0"/>
+                <a:cs typeface="Times New Roman" panose="02020603050405020304" pitchFamily="18" charset="0"/>
+              </a:rPr>
+              <a:t>&gt; elemento pode conter um ou mais dos seguintes elementos de formulário:</a:t>
             </a:r>
           </a:p>
           <a:p>
@@ -18157,6 +18069,211 @@
             <a:pPr marL="0" indent="0" algn="just">
               <a:buNone/>
             </a:pPr>
+            <a:r>
+              <a:rPr lang="en-US" dirty="0">
+                <a:solidFill>
+                  <a:schemeClr val="tx1"/>
+                </a:solidFill>
+                <a:latin typeface="Times New Roman" panose="02020603050405020304" pitchFamily="18" charset="0"/>
+                <a:cs typeface="Times New Roman" panose="02020603050405020304" pitchFamily="18" charset="0"/>
+              </a:rPr>
+              <a:t>&lt;</a:t>
+            </a:r>
+            <a:r>
+              <a:rPr lang="en-US" b="1" dirty="0">
+                <a:solidFill>
+                  <a:schemeClr val="tx1"/>
+                </a:solidFill>
+                <a:latin typeface="Times New Roman" panose="02020603050405020304" pitchFamily="18" charset="0"/>
+                <a:cs typeface="Times New Roman" panose="02020603050405020304" pitchFamily="18" charset="0"/>
+              </a:rPr>
+              <a:t>input</a:t>
+            </a:r>
+            <a:r>
+              <a:rPr lang="en-US" dirty="0">
+                <a:solidFill>
+                  <a:schemeClr val="tx1"/>
+                </a:solidFill>
+                <a:latin typeface="Times New Roman" panose="02020603050405020304" pitchFamily="18" charset="0"/>
+                <a:cs typeface="Times New Roman" panose="02020603050405020304" pitchFamily="18" charset="0"/>
+              </a:rPr>
+              <a:t>&gt; ; &lt;</a:t>
+            </a:r>
+            <a:r>
+              <a:rPr lang="en-US" b="1" dirty="0" err="1">
+                <a:solidFill>
+                  <a:schemeClr val="tx1"/>
+                </a:solidFill>
+                <a:latin typeface="Times New Roman" panose="02020603050405020304" pitchFamily="18" charset="0"/>
+                <a:cs typeface="Times New Roman" panose="02020603050405020304" pitchFamily="18" charset="0"/>
+              </a:rPr>
+              <a:t>textarea</a:t>
+            </a:r>
+            <a:r>
+              <a:rPr lang="en-US" dirty="0">
+                <a:solidFill>
+                  <a:schemeClr val="tx1"/>
+                </a:solidFill>
+                <a:latin typeface="Times New Roman" panose="02020603050405020304" pitchFamily="18" charset="0"/>
+                <a:cs typeface="Times New Roman" panose="02020603050405020304" pitchFamily="18" charset="0"/>
+              </a:rPr>
+              <a:t>&gt;; &lt;</a:t>
+            </a:r>
+            <a:r>
+              <a:rPr lang="en-US" b="1" dirty="0">
+                <a:solidFill>
+                  <a:schemeClr val="tx1"/>
+                </a:solidFill>
+                <a:latin typeface="Times New Roman" panose="02020603050405020304" pitchFamily="18" charset="0"/>
+                <a:cs typeface="Times New Roman" panose="02020603050405020304" pitchFamily="18" charset="0"/>
+              </a:rPr>
+              <a:t>button</a:t>
+            </a:r>
+            <a:r>
+              <a:rPr lang="en-US" dirty="0">
+                <a:solidFill>
+                  <a:schemeClr val="tx1"/>
+                </a:solidFill>
+                <a:latin typeface="Times New Roman" panose="02020603050405020304" pitchFamily="18" charset="0"/>
+                <a:cs typeface="Times New Roman" panose="02020603050405020304" pitchFamily="18" charset="0"/>
+              </a:rPr>
+              <a:t>&gt;; &lt;</a:t>
+            </a:r>
+            <a:r>
+              <a:rPr lang="en-US" b="1" dirty="0">
+                <a:solidFill>
+                  <a:schemeClr val="tx1"/>
+                </a:solidFill>
+                <a:latin typeface="Times New Roman" panose="02020603050405020304" pitchFamily="18" charset="0"/>
+                <a:cs typeface="Times New Roman" panose="02020603050405020304" pitchFamily="18" charset="0"/>
+              </a:rPr>
+              <a:t>select</a:t>
+            </a:r>
+            <a:r>
+              <a:rPr lang="en-US" dirty="0">
+                <a:solidFill>
+                  <a:schemeClr val="tx1"/>
+                </a:solidFill>
+                <a:latin typeface="Times New Roman" panose="02020603050405020304" pitchFamily="18" charset="0"/>
+                <a:cs typeface="Times New Roman" panose="02020603050405020304" pitchFamily="18" charset="0"/>
+              </a:rPr>
+              <a:t>&gt;; &lt;</a:t>
+            </a:r>
+            <a:r>
+              <a:rPr lang="en-US" b="1" dirty="0">
+                <a:solidFill>
+                  <a:schemeClr val="tx1"/>
+                </a:solidFill>
+                <a:latin typeface="Times New Roman" panose="02020603050405020304" pitchFamily="18" charset="0"/>
+                <a:cs typeface="Times New Roman" panose="02020603050405020304" pitchFamily="18" charset="0"/>
+              </a:rPr>
+              <a:t>option</a:t>
+            </a:r>
+            <a:r>
+              <a:rPr lang="en-US" dirty="0">
+                <a:solidFill>
+                  <a:schemeClr val="tx1"/>
+                </a:solidFill>
+                <a:latin typeface="Times New Roman" panose="02020603050405020304" pitchFamily="18" charset="0"/>
+                <a:cs typeface="Times New Roman" panose="02020603050405020304" pitchFamily="18" charset="0"/>
+              </a:rPr>
+              <a:t>&gt;; </a:t>
+            </a:r>
+          </a:p>
+          <a:p>
+            <a:pPr marL="0" indent="0" algn="just">
+              <a:buNone/>
+            </a:pPr>
+            <a:r>
+              <a:rPr lang="en-US" dirty="0">
+                <a:solidFill>
+                  <a:schemeClr val="tx1"/>
+                </a:solidFill>
+                <a:latin typeface="Times New Roman" panose="02020603050405020304" pitchFamily="18" charset="0"/>
+                <a:cs typeface="Times New Roman" panose="02020603050405020304" pitchFamily="18" charset="0"/>
+              </a:rPr>
+              <a:t>&lt;</a:t>
+            </a:r>
+            <a:r>
+              <a:rPr lang="en-US" b="1" dirty="0" err="1">
+                <a:solidFill>
+                  <a:schemeClr val="tx1"/>
+                </a:solidFill>
+                <a:latin typeface="Times New Roman" panose="02020603050405020304" pitchFamily="18" charset="0"/>
+                <a:cs typeface="Times New Roman" panose="02020603050405020304" pitchFamily="18" charset="0"/>
+              </a:rPr>
+              <a:t>optgroup</a:t>
+            </a:r>
+            <a:r>
+              <a:rPr lang="en-US" dirty="0">
+                <a:solidFill>
+                  <a:schemeClr val="tx1"/>
+                </a:solidFill>
+                <a:latin typeface="Times New Roman" panose="02020603050405020304" pitchFamily="18" charset="0"/>
+                <a:cs typeface="Times New Roman" panose="02020603050405020304" pitchFamily="18" charset="0"/>
+              </a:rPr>
+              <a:t>&gt;; &lt;</a:t>
+            </a:r>
+            <a:r>
+              <a:rPr lang="en-US" b="1" dirty="0" err="1">
+                <a:solidFill>
+                  <a:schemeClr val="tx1"/>
+                </a:solidFill>
+                <a:latin typeface="Times New Roman" panose="02020603050405020304" pitchFamily="18" charset="0"/>
+                <a:cs typeface="Times New Roman" panose="02020603050405020304" pitchFamily="18" charset="0"/>
+              </a:rPr>
+              <a:t>fieldset</a:t>
+            </a:r>
+            <a:r>
+              <a:rPr lang="en-US" dirty="0">
+                <a:solidFill>
+                  <a:schemeClr val="tx1"/>
+                </a:solidFill>
+                <a:latin typeface="Times New Roman" panose="02020603050405020304" pitchFamily="18" charset="0"/>
+                <a:cs typeface="Times New Roman" panose="02020603050405020304" pitchFamily="18" charset="0"/>
+              </a:rPr>
+              <a:t>&gt;; &lt;</a:t>
+            </a:r>
+            <a:r>
+              <a:rPr lang="en-US" b="1" dirty="0">
+                <a:solidFill>
+                  <a:schemeClr val="tx1"/>
+                </a:solidFill>
+                <a:latin typeface="Times New Roman" panose="02020603050405020304" pitchFamily="18" charset="0"/>
+                <a:cs typeface="Times New Roman" panose="02020603050405020304" pitchFamily="18" charset="0"/>
+              </a:rPr>
+              <a:t>label</a:t>
+            </a:r>
+            <a:r>
+              <a:rPr lang="en-US" dirty="0">
+                <a:solidFill>
+                  <a:schemeClr val="tx1"/>
+                </a:solidFill>
+                <a:latin typeface="Times New Roman" panose="02020603050405020304" pitchFamily="18" charset="0"/>
+                <a:cs typeface="Times New Roman" panose="02020603050405020304" pitchFamily="18" charset="0"/>
+              </a:rPr>
+              <a:t>&gt;; &lt;</a:t>
+            </a:r>
+            <a:r>
+              <a:rPr lang="en-US" b="1" dirty="0">
+                <a:solidFill>
+                  <a:schemeClr val="tx1"/>
+                </a:solidFill>
+                <a:latin typeface="Times New Roman" panose="02020603050405020304" pitchFamily="18" charset="0"/>
+                <a:cs typeface="Times New Roman" panose="02020603050405020304" pitchFamily="18" charset="0"/>
+              </a:rPr>
+              <a:t>output</a:t>
+            </a:r>
+            <a:r>
+              <a:rPr lang="en-US" dirty="0">
+                <a:solidFill>
+                  <a:schemeClr val="tx1"/>
+                </a:solidFill>
+                <a:latin typeface="Times New Roman" panose="02020603050405020304" pitchFamily="18" charset="0"/>
+                <a:cs typeface="Times New Roman" panose="02020603050405020304" pitchFamily="18" charset="0"/>
+              </a:rPr>
+              <a:t>&gt;.</a:t>
+            </a:r>
             <a:endParaRPr lang="pt-BR" dirty="0">
               <a:solidFill>
                 <a:schemeClr val="tx1"/>
@@ -18170,7 +18287,7 @@
     </p:spTree>
     <p:extLst>
       <p:ext uri="{BB962C8B-B14F-4D97-AF65-F5344CB8AC3E}">
-        <p14:creationId xmlns:p14="http://schemas.microsoft.com/office/powerpoint/2010/main" val="2679977288"/>
+        <p14:creationId xmlns:p14="http://schemas.microsoft.com/office/powerpoint/2010/main" val="2488638060"/>
       </p:ext>
     </p:extLst>
   </p:cSld>
@@ -18257,17 +18374,27 @@
               <a:buNone/>
             </a:pPr>
             <a:r>
-              <a:rPr lang="pt-BR" sz="2000" b="1" dirty="0">
-                <a:solidFill>
-                  <a:schemeClr val="tx1"/>
-                </a:solidFill>
-                <a:latin typeface="Times New Roman" panose="02020603050405020304" pitchFamily="18" charset="0"/>
-                <a:cs typeface="Times New Roman" panose="02020603050405020304" pitchFamily="18" charset="0"/>
-              </a:rPr>
-              <a:t>Exemplo1</a:t>
-            </a:r>
-            <a:r>
-              <a:rPr lang="pt-BR" sz="2000" dirty="0">
+              <a:rPr lang="pt-BR" dirty="0">
+                <a:solidFill>
+                  <a:schemeClr val="tx1"/>
+                </a:solidFill>
+                <a:latin typeface="Times New Roman" panose="02020603050405020304" pitchFamily="18" charset="0"/>
+                <a:cs typeface="Times New Roman" panose="02020603050405020304" pitchFamily="18" charset="0"/>
+              </a:rPr>
+              <a:t>Alguns </a:t>
+            </a:r>
+            <a:r>
+              <a:rPr lang="pt-BR" b="1" dirty="0">
+                <a:solidFill>
+                  <a:schemeClr val="tx1"/>
+                </a:solidFill>
+                <a:latin typeface="Times New Roman" panose="02020603050405020304" pitchFamily="18" charset="0"/>
+                <a:cs typeface="Times New Roman" panose="02020603050405020304" pitchFamily="18" charset="0"/>
+              </a:rPr>
+              <a:t>atributos</a:t>
+            </a:r>
+            <a:r>
+              <a:rPr lang="pt-BR" dirty="0">
                 <a:solidFill>
                   <a:schemeClr val="tx1"/>
                 </a:solidFill>
@@ -18281,7 +18408,7 @@
             <a:pPr marL="0" indent="0" algn="just">
               <a:buNone/>
             </a:pPr>
-            <a:endParaRPr lang="pt-BR" sz="2000" dirty="0">
+            <a:endParaRPr lang="pt-BR" dirty="0">
               <a:solidFill>
                 <a:schemeClr val="tx1"/>
               </a:solidFill>
@@ -18294,27 +18421,87 @@
               <a:buNone/>
             </a:pPr>
             <a:r>
-              <a:rPr lang="pt-BR" sz="1800" dirty="0">
-                <a:solidFill>
-                  <a:schemeClr val="tx1"/>
-                </a:solidFill>
-                <a:latin typeface="Times New Roman" panose="02020603050405020304" pitchFamily="18" charset="0"/>
-                <a:cs typeface="Times New Roman" panose="02020603050405020304" pitchFamily="18" charset="0"/>
-              </a:rPr>
-              <a:t>  &lt;</a:t>
-            </a:r>
-            <a:r>
-              <a:rPr lang="pt-BR" sz="1800" b="1" dirty="0" err="1">
-                <a:solidFill>
-                  <a:schemeClr val="tx1"/>
-                </a:solidFill>
-                <a:latin typeface="Times New Roman" panose="02020603050405020304" pitchFamily="18" charset="0"/>
-                <a:cs typeface="Times New Roman" panose="02020603050405020304" pitchFamily="18" charset="0"/>
-              </a:rPr>
-              <a:t>form</a:t>
-            </a:r>
-            <a:r>
-              <a:rPr lang="pt-BR" sz="1800" dirty="0">
+              <a:rPr lang="pt-BR" dirty="0">
+                <a:solidFill>
+                  <a:schemeClr val="tx1"/>
+                </a:solidFill>
+                <a:latin typeface="Times New Roman" panose="02020603050405020304" pitchFamily="18" charset="0"/>
+                <a:cs typeface="Times New Roman" panose="02020603050405020304" pitchFamily="18" charset="0"/>
+              </a:rPr>
+              <a:t>	</a:t>
+            </a:r>
+            <a:r>
+              <a:rPr lang="pt-BR" b="1" dirty="0" err="1">
+                <a:solidFill>
+                  <a:schemeClr val="tx1"/>
+                </a:solidFill>
+                <a:latin typeface="Times New Roman" panose="02020603050405020304" pitchFamily="18" charset="0"/>
+                <a:cs typeface="Times New Roman" panose="02020603050405020304" pitchFamily="18" charset="0"/>
+              </a:rPr>
+              <a:t>action</a:t>
+            </a:r>
+            <a:r>
+              <a:rPr lang="pt-BR" b="1" dirty="0">
+                <a:solidFill>
+                  <a:schemeClr val="tx1"/>
+                </a:solidFill>
+                <a:latin typeface="Times New Roman" panose="02020603050405020304" pitchFamily="18" charset="0"/>
+                <a:cs typeface="Times New Roman" panose="02020603050405020304" pitchFamily="18" charset="0"/>
+              </a:rPr>
+              <a:t>, </a:t>
+            </a:r>
+            <a:r>
+              <a:rPr lang="pt-BR" b="1" dirty="0" err="1">
+                <a:solidFill>
+                  <a:schemeClr val="tx1"/>
+                </a:solidFill>
+                <a:latin typeface="Times New Roman" panose="02020603050405020304" pitchFamily="18" charset="0"/>
+                <a:cs typeface="Times New Roman" panose="02020603050405020304" pitchFamily="18" charset="0"/>
+              </a:rPr>
+              <a:t>method</a:t>
+            </a:r>
+            <a:r>
+              <a:rPr lang="pt-BR" b="1" dirty="0">
+                <a:solidFill>
+                  <a:schemeClr val="tx1"/>
+                </a:solidFill>
+                <a:latin typeface="Times New Roman" panose="02020603050405020304" pitchFamily="18" charset="0"/>
+                <a:cs typeface="Times New Roman" panose="02020603050405020304" pitchFamily="18" charset="0"/>
+              </a:rPr>
+              <a:t>, </a:t>
+            </a:r>
+            <a:r>
+              <a:rPr lang="pt-BR" b="1" dirty="0" err="1">
+                <a:solidFill>
+                  <a:schemeClr val="tx1"/>
+                </a:solidFill>
+                <a:latin typeface="Times New Roman" panose="02020603050405020304" pitchFamily="18" charset="0"/>
+                <a:cs typeface="Times New Roman" panose="02020603050405020304" pitchFamily="18" charset="0"/>
+              </a:rPr>
+              <a:t>name</a:t>
+            </a:r>
+            <a:r>
+              <a:rPr lang="pt-BR" b="1" dirty="0">
+                <a:solidFill>
+                  <a:schemeClr val="tx1"/>
+                </a:solidFill>
+                <a:latin typeface="Times New Roman" panose="02020603050405020304" pitchFamily="18" charset="0"/>
+                <a:cs typeface="Times New Roman" panose="02020603050405020304" pitchFamily="18" charset="0"/>
+              </a:rPr>
+              <a:t>, target, </a:t>
+            </a:r>
+            <a:r>
+              <a:rPr lang="pt-BR" b="1" dirty="0" err="1">
+                <a:solidFill>
+                  <a:schemeClr val="tx1"/>
+                </a:solidFill>
+                <a:latin typeface="Times New Roman" panose="02020603050405020304" pitchFamily="18" charset="0"/>
+                <a:cs typeface="Times New Roman" panose="02020603050405020304" pitchFamily="18" charset="0"/>
+              </a:rPr>
+              <a:t>etc</a:t>
+            </a:r>
+            <a:r>
+              <a:rPr lang="pt-BR" b="1" dirty="0">
                 <a:solidFill>
                   <a:schemeClr val="tx1"/>
                 </a:solidFill>
@@ -18323,883 +18510,37 @@
               </a:rPr>
               <a:t> </a:t>
             </a:r>
-            <a:r>
-              <a:rPr lang="pt-BR" sz="1800" b="1" dirty="0" err="1">
-                <a:solidFill>
-                  <a:srgbClr val="FF0000"/>
-                </a:solidFill>
-                <a:latin typeface="Times New Roman" panose="02020603050405020304" pitchFamily="18" charset="0"/>
-                <a:cs typeface="Times New Roman" panose="02020603050405020304" pitchFamily="18" charset="0"/>
-              </a:rPr>
-              <a:t>action</a:t>
-            </a:r>
-            <a:r>
-              <a:rPr lang="pt-BR" sz="1800" dirty="0">
-                <a:solidFill>
-                  <a:schemeClr val="tx1"/>
-                </a:solidFill>
-                <a:latin typeface="Times New Roman" panose="02020603050405020304" pitchFamily="18" charset="0"/>
-                <a:cs typeface="Times New Roman" panose="02020603050405020304" pitchFamily="18" charset="0"/>
-              </a:rPr>
-              <a:t>="/</a:t>
-            </a:r>
-            <a:r>
-              <a:rPr lang="pt-BR" sz="1800" dirty="0" err="1">
-                <a:solidFill>
-                  <a:schemeClr val="tx1"/>
-                </a:solidFill>
-                <a:latin typeface="Times New Roman" panose="02020603050405020304" pitchFamily="18" charset="0"/>
-                <a:cs typeface="Times New Roman" panose="02020603050405020304" pitchFamily="18" charset="0"/>
-              </a:rPr>
-              <a:t>action_page.php</a:t>
-            </a:r>
-            <a:r>
-              <a:rPr lang="pt-BR" sz="1800" dirty="0">
-                <a:solidFill>
-                  <a:schemeClr val="tx1"/>
-                </a:solidFill>
-                <a:latin typeface="Times New Roman" panose="02020603050405020304" pitchFamily="18" charset="0"/>
-                <a:cs typeface="Times New Roman" panose="02020603050405020304" pitchFamily="18" charset="0"/>
-              </a:rPr>
-              <a:t>" </a:t>
-            </a:r>
-            <a:r>
-              <a:rPr lang="pt-BR" sz="1800" b="1" dirty="0" err="1">
-                <a:solidFill>
-                  <a:srgbClr val="FF0000"/>
-                </a:solidFill>
-                <a:latin typeface="Times New Roman" panose="02020603050405020304" pitchFamily="18" charset="0"/>
-                <a:cs typeface="Times New Roman" panose="02020603050405020304" pitchFamily="18" charset="0"/>
-              </a:rPr>
-              <a:t>method</a:t>
-            </a:r>
-            <a:r>
-              <a:rPr lang="pt-BR" sz="1800" dirty="0">
-                <a:solidFill>
-                  <a:schemeClr val="tx1"/>
-                </a:solidFill>
-                <a:latin typeface="Times New Roman" panose="02020603050405020304" pitchFamily="18" charset="0"/>
-                <a:cs typeface="Times New Roman" panose="02020603050405020304" pitchFamily="18" charset="0"/>
-              </a:rPr>
-              <a:t>="</a:t>
-            </a:r>
-            <a:r>
-              <a:rPr lang="pt-BR" sz="1800" dirty="0" err="1">
-                <a:solidFill>
-                  <a:schemeClr val="tx1"/>
-                </a:solidFill>
-                <a:latin typeface="Times New Roman" panose="02020603050405020304" pitchFamily="18" charset="0"/>
-                <a:cs typeface="Times New Roman" panose="02020603050405020304" pitchFamily="18" charset="0"/>
-              </a:rPr>
-              <a:t>get</a:t>
-            </a:r>
-            <a:r>
-              <a:rPr lang="pt-BR" sz="1800" dirty="0">
-                <a:solidFill>
-                  <a:schemeClr val="tx1"/>
-                </a:solidFill>
-                <a:latin typeface="Times New Roman" panose="02020603050405020304" pitchFamily="18" charset="0"/>
-                <a:cs typeface="Times New Roman" panose="02020603050405020304" pitchFamily="18" charset="0"/>
-              </a:rPr>
-              <a:t>"&gt;</a:t>
-            </a:r>
-          </a:p>
-          <a:p>
-            <a:pPr marL="447675" lvl="1" indent="0" algn="just">
-              <a:buNone/>
-            </a:pPr>
-            <a:r>
-              <a:rPr lang="pt-BR" sz="1800" dirty="0">
-                <a:solidFill>
-                  <a:schemeClr val="tx1"/>
-                </a:solidFill>
-                <a:latin typeface="Times New Roman" panose="02020603050405020304" pitchFamily="18" charset="0"/>
-                <a:cs typeface="Times New Roman" panose="02020603050405020304" pitchFamily="18" charset="0"/>
-              </a:rPr>
-              <a:t>  &lt;</a:t>
-            </a:r>
-            <a:r>
-              <a:rPr lang="pt-BR" sz="1800" b="1" dirty="0">
-                <a:solidFill>
-                  <a:schemeClr val="tx1"/>
-                </a:solidFill>
-                <a:latin typeface="Times New Roman" panose="02020603050405020304" pitchFamily="18" charset="0"/>
-                <a:cs typeface="Times New Roman" panose="02020603050405020304" pitchFamily="18" charset="0"/>
-              </a:rPr>
-              <a:t>input</a:t>
-            </a:r>
-            <a:r>
-              <a:rPr lang="pt-BR" sz="1800" dirty="0">
-                <a:solidFill>
-                  <a:schemeClr val="tx1"/>
-                </a:solidFill>
-                <a:latin typeface="Times New Roman" panose="02020603050405020304" pitchFamily="18" charset="0"/>
-                <a:cs typeface="Times New Roman" panose="02020603050405020304" pitchFamily="18" charset="0"/>
-              </a:rPr>
-              <a:t> </a:t>
-            </a:r>
-            <a:r>
-              <a:rPr lang="pt-BR" sz="1800" b="1" dirty="0" err="1">
-                <a:solidFill>
-                  <a:srgbClr val="FF0000"/>
-                </a:solidFill>
-                <a:latin typeface="Times New Roman" panose="02020603050405020304" pitchFamily="18" charset="0"/>
-                <a:cs typeface="Times New Roman" panose="02020603050405020304" pitchFamily="18" charset="0"/>
-              </a:rPr>
-              <a:t>type</a:t>
-            </a:r>
-            <a:r>
-              <a:rPr lang="pt-BR" sz="1800" dirty="0">
-                <a:solidFill>
-                  <a:schemeClr val="tx1"/>
-                </a:solidFill>
-                <a:latin typeface="Times New Roman" panose="02020603050405020304" pitchFamily="18" charset="0"/>
-                <a:cs typeface="Times New Roman" panose="02020603050405020304" pitchFamily="18" charset="0"/>
-              </a:rPr>
-              <a:t>="</a:t>
-            </a:r>
-            <a:r>
-              <a:rPr lang="pt-BR" sz="1800" dirty="0" err="1">
-                <a:solidFill>
-                  <a:schemeClr val="tx1"/>
-                </a:solidFill>
-                <a:latin typeface="Times New Roman" panose="02020603050405020304" pitchFamily="18" charset="0"/>
-                <a:cs typeface="Times New Roman" panose="02020603050405020304" pitchFamily="18" charset="0"/>
-              </a:rPr>
-              <a:t>checkbox</a:t>
-            </a:r>
-            <a:r>
-              <a:rPr lang="pt-BR" sz="1800" dirty="0">
-                <a:solidFill>
-                  <a:schemeClr val="tx1"/>
-                </a:solidFill>
-                <a:latin typeface="Times New Roman" panose="02020603050405020304" pitchFamily="18" charset="0"/>
-                <a:cs typeface="Times New Roman" panose="02020603050405020304" pitchFamily="18" charset="0"/>
-              </a:rPr>
-              <a:t>" </a:t>
-            </a:r>
-            <a:r>
-              <a:rPr lang="pt-BR" sz="1800" dirty="0" err="1">
-                <a:solidFill>
-                  <a:schemeClr val="tx1"/>
-                </a:solidFill>
-                <a:latin typeface="Times New Roman" panose="02020603050405020304" pitchFamily="18" charset="0"/>
-                <a:cs typeface="Times New Roman" panose="02020603050405020304" pitchFamily="18" charset="0"/>
-              </a:rPr>
-              <a:t>name</a:t>
-            </a:r>
-            <a:r>
-              <a:rPr lang="pt-BR" sz="1800" dirty="0">
-                <a:solidFill>
-                  <a:schemeClr val="tx1"/>
-                </a:solidFill>
-                <a:latin typeface="Times New Roman" panose="02020603050405020304" pitchFamily="18" charset="0"/>
-                <a:cs typeface="Times New Roman" panose="02020603050405020304" pitchFamily="18" charset="0"/>
-              </a:rPr>
-              <a:t>=“veiculo1" </a:t>
-            </a:r>
-            <a:r>
-              <a:rPr lang="pt-BR" sz="1800" b="1" dirty="0" err="1">
-                <a:solidFill>
-                  <a:srgbClr val="FF0000"/>
-                </a:solidFill>
-                <a:latin typeface="Times New Roman" panose="02020603050405020304" pitchFamily="18" charset="0"/>
-                <a:cs typeface="Times New Roman" panose="02020603050405020304" pitchFamily="18" charset="0"/>
-              </a:rPr>
-              <a:t>value</a:t>
-            </a:r>
-            <a:r>
-              <a:rPr lang="pt-BR" sz="1800" dirty="0">
-                <a:solidFill>
-                  <a:schemeClr val="tx1"/>
-                </a:solidFill>
-                <a:latin typeface="Times New Roman" panose="02020603050405020304" pitchFamily="18" charset="0"/>
-                <a:cs typeface="Times New Roman" panose="02020603050405020304" pitchFamily="18" charset="0"/>
-              </a:rPr>
-              <a:t>=“Bicicleta"&gt;</a:t>
-            </a:r>
-          </a:p>
-          <a:p>
-            <a:pPr marL="447675" lvl="1" indent="0" algn="just">
-              <a:buNone/>
-            </a:pPr>
-            <a:r>
-              <a:rPr lang="pt-BR" sz="1800" dirty="0">
-                <a:solidFill>
-                  <a:schemeClr val="tx1"/>
-                </a:solidFill>
-                <a:latin typeface="Times New Roman" panose="02020603050405020304" pitchFamily="18" charset="0"/>
-                <a:cs typeface="Times New Roman" panose="02020603050405020304" pitchFamily="18" charset="0"/>
-              </a:rPr>
-              <a:t>  &lt;</a:t>
-            </a:r>
-            <a:r>
-              <a:rPr lang="pt-BR" sz="1800" b="1" dirty="0" err="1">
-                <a:solidFill>
-                  <a:schemeClr val="tx1"/>
-                </a:solidFill>
-                <a:latin typeface="Times New Roman" panose="02020603050405020304" pitchFamily="18" charset="0"/>
-                <a:cs typeface="Times New Roman" panose="02020603050405020304" pitchFamily="18" charset="0"/>
-              </a:rPr>
-              <a:t>label</a:t>
-            </a:r>
-            <a:r>
-              <a:rPr lang="pt-BR" sz="1800" dirty="0">
-                <a:solidFill>
-                  <a:schemeClr val="tx1"/>
-                </a:solidFill>
-                <a:latin typeface="Times New Roman" panose="02020603050405020304" pitchFamily="18" charset="0"/>
-                <a:cs typeface="Times New Roman" panose="02020603050405020304" pitchFamily="18" charset="0"/>
-              </a:rPr>
-              <a:t> </a:t>
-            </a:r>
-            <a:r>
-              <a:rPr lang="pt-BR" sz="1800" b="1" dirty="0">
-                <a:solidFill>
-                  <a:srgbClr val="FF0000"/>
-                </a:solidFill>
-                <a:latin typeface="Times New Roman" panose="02020603050405020304" pitchFamily="18" charset="0"/>
-                <a:cs typeface="Times New Roman" panose="02020603050405020304" pitchFamily="18" charset="0"/>
-              </a:rPr>
-              <a:t>for</a:t>
-            </a:r>
-            <a:r>
-              <a:rPr lang="pt-BR" sz="1800" dirty="0">
-                <a:solidFill>
-                  <a:schemeClr val="tx1"/>
-                </a:solidFill>
-                <a:latin typeface="Times New Roman" panose="02020603050405020304" pitchFamily="18" charset="0"/>
-                <a:cs typeface="Times New Roman" panose="02020603050405020304" pitchFamily="18" charset="0"/>
-              </a:rPr>
-              <a:t>="vehicle1"&gt; Eu tenho uma bicicleta&lt;/</a:t>
-            </a:r>
-            <a:r>
-              <a:rPr lang="pt-BR" sz="1800" dirty="0" err="1">
-                <a:solidFill>
-                  <a:schemeClr val="tx1"/>
-                </a:solidFill>
-                <a:latin typeface="Times New Roman" panose="02020603050405020304" pitchFamily="18" charset="0"/>
-                <a:cs typeface="Times New Roman" panose="02020603050405020304" pitchFamily="18" charset="0"/>
-              </a:rPr>
-              <a:t>label</a:t>
-            </a:r>
-            <a:r>
-              <a:rPr lang="pt-BR" sz="1800" dirty="0">
-                <a:solidFill>
-                  <a:schemeClr val="tx1"/>
-                </a:solidFill>
-                <a:latin typeface="Times New Roman" panose="02020603050405020304" pitchFamily="18" charset="0"/>
-                <a:cs typeface="Times New Roman" panose="02020603050405020304" pitchFamily="18" charset="0"/>
-              </a:rPr>
-              <a:t>&gt;&lt;</a:t>
-            </a:r>
-            <a:r>
-              <a:rPr lang="pt-BR" sz="1800" dirty="0" err="1">
-                <a:solidFill>
-                  <a:schemeClr val="tx1"/>
-                </a:solidFill>
-                <a:latin typeface="Times New Roman" panose="02020603050405020304" pitchFamily="18" charset="0"/>
-                <a:cs typeface="Times New Roman" panose="02020603050405020304" pitchFamily="18" charset="0"/>
-              </a:rPr>
-              <a:t>br</a:t>
-            </a:r>
-            <a:r>
-              <a:rPr lang="pt-BR" sz="1800" dirty="0">
-                <a:solidFill>
-                  <a:schemeClr val="tx1"/>
-                </a:solidFill>
-                <a:latin typeface="Times New Roman" panose="02020603050405020304" pitchFamily="18" charset="0"/>
-                <a:cs typeface="Times New Roman" panose="02020603050405020304" pitchFamily="18" charset="0"/>
-              </a:rPr>
-              <a:t>&gt;</a:t>
-            </a:r>
-          </a:p>
-          <a:p>
-            <a:pPr marL="447675" lvl="1" indent="0" algn="just">
-              <a:buNone/>
-            </a:pPr>
-            <a:r>
-              <a:rPr lang="pt-BR" sz="1800" dirty="0">
-                <a:solidFill>
-                  <a:schemeClr val="tx1"/>
-                </a:solidFill>
-                <a:latin typeface="Times New Roman" panose="02020603050405020304" pitchFamily="18" charset="0"/>
-                <a:cs typeface="Times New Roman" panose="02020603050405020304" pitchFamily="18" charset="0"/>
-              </a:rPr>
-              <a:t>  &lt;</a:t>
-            </a:r>
-            <a:r>
-              <a:rPr lang="pt-BR" sz="1800" b="1" dirty="0">
-                <a:solidFill>
-                  <a:schemeClr val="tx1"/>
-                </a:solidFill>
-                <a:latin typeface="Times New Roman" panose="02020603050405020304" pitchFamily="18" charset="0"/>
-                <a:cs typeface="Times New Roman" panose="02020603050405020304" pitchFamily="18" charset="0"/>
-              </a:rPr>
-              <a:t>input</a:t>
-            </a:r>
-            <a:r>
-              <a:rPr lang="pt-BR" sz="1800" dirty="0">
-                <a:solidFill>
-                  <a:schemeClr val="tx1"/>
-                </a:solidFill>
-                <a:latin typeface="Times New Roman" panose="02020603050405020304" pitchFamily="18" charset="0"/>
-                <a:cs typeface="Times New Roman" panose="02020603050405020304" pitchFamily="18" charset="0"/>
-              </a:rPr>
-              <a:t> </a:t>
-            </a:r>
-            <a:r>
-              <a:rPr lang="pt-BR" sz="1800" b="1" dirty="0" err="1">
-                <a:solidFill>
-                  <a:srgbClr val="FF0000"/>
-                </a:solidFill>
-                <a:latin typeface="Times New Roman" panose="02020603050405020304" pitchFamily="18" charset="0"/>
-                <a:cs typeface="Times New Roman" panose="02020603050405020304" pitchFamily="18" charset="0"/>
-              </a:rPr>
-              <a:t>type</a:t>
-            </a:r>
-            <a:r>
-              <a:rPr lang="pt-BR" sz="1800" dirty="0">
-                <a:solidFill>
-                  <a:schemeClr val="tx1"/>
-                </a:solidFill>
-                <a:latin typeface="Times New Roman" panose="02020603050405020304" pitchFamily="18" charset="0"/>
-                <a:cs typeface="Times New Roman" panose="02020603050405020304" pitchFamily="18" charset="0"/>
-              </a:rPr>
-              <a:t>="</a:t>
-            </a:r>
-            <a:r>
-              <a:rPr lang="pt-BR" sz="1800" dirty="0" err="1">
-                <a:solidFill>
-                  <a:schemeClr val="tx1"/>
-                </a:solidFill>
-                <a:latin typeface="Times New Roman" panose="02020603050405020304" pitchFamily="18" charset="0"/>
-                <a:cs typeface="Times New Roman" panose="02020603050405020304" pitchFamily="18" charset="0"/>
-              </a:rPr>
-              <a:t>checkbox</a:t>
-            </a:r>
-            <a:r>
-              <a:rPr lang="pt-BR" sz="1800" dirty="0">
-                <a:solidFill>
-                  <a:schemeClr val="tx1"/>
-                </a:solidFill>
-                <a:latin typeface="Times New Roman" panose="02020603050405020304" pitchFamily="18" charset="0"/>
-                <a:cs typeface="Times New Roman" panose="02020603050405020304" pitchFamily="18" charset="0"/>
-              </a:rPr>
-              <a:t>" </a:t>
-            </a:r>
-            <a:r>
-              <a:rPr lang="pt-BR" sz="1800" dirty="0" err="1">
-                <a:solidFill>
-                  <a:schemeClr val="tx1"/>
-                </a:solidFill>
-                <a:latin typeface="Times New Roman" panose="02020603050405020304" pitchFamily="18" charset="0"/>
-                <a:cs typeface="Times New Roman" panose="02020603050405020304" pitchFamily="18" charset="0"/>
-              </a:rPr>
-              <a:t>name</a:t>
-            </a:r>
-            <a:r>
-              <a:rPr lang="pt-BR" sz="1800" dirty="0">
-                <a:solidFill>
-                  <a:schemeClr val="tx1"/>
-                </a:solidFill>
-                <a:latin typeface="Times New Roman" panose="02020603050405020304" pitchFamily="18" charset="0"/>
-                <a:cs typeface="Times New Roman" panose="02020603050405020304" pitchFamily="18" charset="0"/>
-              </a:rPr>
-              <a:t>=" veiculo2" </a:t>
-            </a:r>
-            <a:r>
-              <a:rPr lang="pt-BR" sz="1800" b="1" dirty="0" err="1">
-                <a:solidFill>
-                  <a:srgbClr val="FF0000"/>
-                </a:solidFill>
-                <a:latin typeface="Times New Roman" panose="02020603050405020304" pitchFamily="18" charset="0"/>
-                <a:cs typeface="Times New Roman" panose="02020603050405020304" pitchFamily="18" charset="0"/>
-              </a:rPr>
-              <a:t>value</a:t>
-            </a:r>
-            <a:r>
-              <a:rPr lang="pt-BR" sz="1800" dirty="0">
-                <a:solidFill>
-                  <a:schemeClr val="tx1"/>
-                </a:solidFill>
-                <a:latin typeface="Times New Roman" panose="02020603050405020304" pitchFamily="18" charset="0"/>
-                <a:cs typeface="Times New Roman" panose="02020603050405020304" pitchFamily="18" charset="0"/>
-              </a:rPr>
-              <a:t>=“Carro"&gt;</a:t>
-            </a:r>
-          </a:p>
-          <a:p>
-            <a:pPr marL="447675" lvl="1" indent="0" algn="just">
-              <a:buNone/>
-            </a:pPr>
-            <a:r>
-              <a:rPr lang="pt-BR" sz="1800" dirty="0">
-                <a:solidFill>
-                  <a:schemeClr val="tx1"/>
-                </a:solidFill>
-                <a:latin typeface="Times New Roman" panose="02020603050405020304" pitchFamily="18" charset="0"/>
-                <a:cs typeface="Times New Roman" panose="02020603050405020304" pitchFamily="18" charset="0"/>
-              </a:rPr>
-              <a:t>  &lt;</a:t>
-            </a:r>
-            <a:r>
-              <a:rPr lang="pt-BR" sz="1800" b="1" dirty="0" err="1">
-                <a:solidFill>
-                  <a:schemeClr val="tx1"/>
-                </a:solidFill>
-                <a:latin typeface="Times New Roman" panose="02020603050405020304" pitchFamily="18" charset="0"/>
-                <a:cs typeface="Times New Roman" panose="02020603050405020304" pitchFamily="18" charset="0"/>
-              </a:rPr>
-              <a:t>label</a:t>
-            </a:r>
-            <a:r>
-              <a:rPr lang="pt-BR" sz="1800" dirty="0">
-                <a:solidFill>
-                  <a:schemeClr val="tx1"/>
-                </a:solidFill>
-                <a:latin typeface="Times New Roman" panose="02020603050405020304" pitchFamily="18" charset="0"/>
-                <a:cs typeface="Times New Roman" panose="02020603050405020304" pitchFamily="18" charset="0"/>
-              </a:rPr>
-              <a:t> </a:t>
-            </a:r>
-            <a:r>
-              <a:rPr lang="pt-BR" sz="1800" b="1" dirty="0">
-                <a:solidFill>
-                  <a:srgbClr val="FF0000"/>
-                </a:solidFill>
-                <a:latin typeface="Times New Roman" panose="02020603050405020304" pitchFamily="18" charset="0"/>
-                <a:cs typeface="Times New Roman" panose="02020603050405020304" pitchFamily="18" charset="0"/>
-              </a:rPr>
-              <a:t>for</a:t>
-            </a:r>
-            <a:r>
-              <a:rPr lang="pt-BR" sz="1800" dirty="0">
-                <a:solidFill>
-                  <a:schemeClr val="tx1"/>
-                </a:solidFill>
-                <a:latin typeface="Times New Roman" panose="02020603050405020304" pitchFamily="18" charset="0"/>
-                <a:cs typeface="Times New Roman" panose="02020603050405020304" pitchFamily="18" charset="0"/>
-              </a:rPr>
-              <a:t>="vehicle2"&gt; Eu tenho um carro&lt;/</a:t>
-            </a:r>
-            <a:r>
-              <a:rPr lang="pt-BR" sz="1800" dirty="0" err="1">
-                <a:solidFill>
-                  <a:schemeClr val="tx1"/>
-                </a:solidFill>
-                <a:latin typeface="Times New Roman" panose="02020603050405020304" pitchFamily="18" charset="0"/>
-                <a:cs typeface="Times New Roman" panose="02020603050405020304" pitchFamily="18" charset="0"/>
-              </a:rPr>
-              <a:t>label</a:t>
-            </a:r>
-            <a:r>
-              <a:rPr lang="pt-BR" sz="1800" dirty="0">
-                <a:solidFill>
-                  <a:schemeClr val="tx1"/>
-                </a:solidFill>
-                <a:latin typeface="Times New Roman" panose="02020603050405020304" pitchFamily="18" charset="0"/>
-                <a:cs typeface="Times New Roman" panose="02020603050405020304" pitchFamily="18" charset="0"/>
-              </a:rPr>
-              <a:t>&gt;&lt;</a:t>
-            </a:r>
-            <a:r>
-              <a:rPr lang="pt-BR" sz="1800" dirty="0" err="1">
-                <a:solidFill>
-                  <a:schemeClr val="tx1"/>
-                </a:solidFill>
-                <a:latin typeface="Times New Roman" panose="02020603050405020304" pitchFamily="18" charset="0"/>
-                <a:cs typeface="Times New Roman" panose="02020603050405020304" pitchFamily="18" charset="0"/>
-              </a:rPr>
-              <a:t>br</a:t>
-            </a:r>
-            <a:r>
-              <a:rPr lang="pt-BR" sz="1800" dirty="0">
-                <a:solidFill>
-                  <a:schemeClr val="tx1"/>
-                </a:solidFill>
-                <a:latin typeface="Times New Roman" panose="02020603050405020304" pitchFamily="18" charset="0"/>
-                <a:cs typeface="Times New Roman" panose="02020603050405020304" pitchFamily="18" charset="0"/>
-              </a:rPr>
-              <a:t>&gt;</a:t>
-            </a:r>
-          </a:p>
-          <a:p>
-            <a:pPr marL="447675" lvl="1" indent="0" algn="just">
-              <a:buNone/>
-            </a:pPr>
-            <a:r>
-              <a:rPr lang="pt-BR" sz="1800" dirty="0">
-                <a:solidFill>
-                  <a:schemeClr val="tx1"/>
-                </a:solidFill>
-                <a:latin typeface="Times New Roman" panose="02020603050405020304" pitchFamily="18" charset="0"/>
-                <a:cs typeface="Times New Roman" panose="02020603050405020304" pitchFamily="18" charset="0"/>
-              </a:rPr>
-              <a:t>  &lt;</a:t>
-            </a:r>
-            <a:r>
-              <a:rPr lang="pt-BR" sz="1800" b="1" dirty="0">
-                <a:solidFill>
-                  <a:schemeClr val="tx1"/>
-                </a:solidFill>
-                <a:latin typeface="Times New Roman" panose="02020603050405020304" pitchFamily="18" charset="0"/>
-                <a:cs typeface="Times New Roman" panose="02020603050405020304" pitchFamily="18" charset="0"/>
-              </a:rPr>
-              <a:t>input</a:t>
-            </a:r>
-            <a:r>
-              <a:rPr lang="pt-BR" sz="1800" dirty="0">
-                <a:solidFill>
-                  <a:schemeClr val="tx1"/>
-                </a:solidFill>
-                <a:latin typeface="Times New Roman" panose="02020603050405020304" pitchFamily="18" charset="0"/>
-                <a:cs typeface="Times New Roman" panose="02020603050405020304" pitchFamily="18" charset="0"/>
-              </a:rPr>
-              <a:t> </a:t>
-            </a:r>
-            <a:r>
-              <a:rPr lang="pt-BR" sz="1800" b="1" dirty="0" err="1">
-                <a:solidFill>
-                  <a:srgbClr val="FF0000"/>
-                </a:solidFill>
-                <a:latin typeface="Times New Roman" panose="02020603050405020304" pitchFamily="18" charset="0"/>
-                <a:cs typeface="Times New Roman" panose="02020603050405020304" pitchFamily="18" charset="0"/>
-              </a:rPr>
-              <a:t>type</a:t>
-            </a:r>
-            <a:r>
-              <a:rPr lang="pt-BR" sz="1800" dirty="0">
-                <a:solidFill>
-                  <a:schemeClr val="tx1"/>
-                </a:solidFill>
-                <a:latin typeface="Times New Roman" panose="02020603050405020304" pitchFamily="18" charset="0"/>
-                <a:cs typeface="Times New Roman" panose="02020603050405020304" pitchFamily="18" charset="0"/>
-              </a:rPr>
-              <a:t>="</a:t>
-            </a:r>
-            <a:r>
-              <a:rPr lang="pt-BR" sz="1800" dirty="0" err="1">
-                <a:solidFill>
-                  <a:schemeClr val="tx1"/>
-                </a:solidFill>
-                <a:latin typeface="Times New Roman" panose="02020603050405020304" pitchFamily="18" charset="0"/>
-                <a:cs typeface="Times New Roman" panose="02020603050405020304" pitchFamily="18" charset="0"/>
-              </a:rPr>
-              <a:t>checkbox</a:t>
-            </a:r>
-            <a:r>
-              <a:rPr lang="pt-BR" sz="1800" dirty="0">
-                <a:solidFill>
-                  <a:schemeClr val="tx1"/>
-                </a:solidFill>
-                <a:latin typeface="Times New Roman" panose="02020603050405020304" pitchFamily="18" charset="0"/>
-                <a:cs typeface="Times New Roman" panose="02020603050405020304" pitchFamily="18" charset="0"/>
-              </a:rPr>
-              <a:t>" </a:t>
-            </a:r>
-            <a:r>
-              <a:rPr lang="pt-BR" sz="1800" dirty="0" err="1">
-                <a:solidFill>
-                  <a:schemeClr val="tx1"/>
-                </a:solidFill>
-                <a:latin typeface="Times New Roman" panose="02020603050405020304" pitchFamily="18" charset="0"/>
-                <a:cs typeface="Times New Roman" panose="02020603050405020304" pitchFamily="18" charset="0"/>
-              </a:rPr>
-              <a:t>name</a:t>
-            </a:r>
-            <a:r>
-              <a:rPr lang="pt-BR" sz="1800" dirty="0">
-                <a:solidFill>
-                  <a:schemeClr val="tx1"/>
-                </a:solidFill>
-                <a:latin typeface="Times New Roman" panose="02020603050405020304" pitchFamily="18" charset="0"/>
-                <a:cs typeface="Times New Roman" panose="02020603050405020304" pitchFamily="18" charset="0"/>
-              </a:rPr>
-              <a:t>=" veiculo3" </a:t>
-            </a:r>
-            <a:r>
-              <a:rPr lang="pt-BR" sz="1800" b="1" dirty="0" err="1">
-                <a:solidFill>
-                  <a:srgbClr val="FF0000"/>
-                </a:solidFill>
-                <a:latin typeface="Times New Roman" panose="02020603050405020304" pitchFamily="18" charset="0"/>
-                <a:cs typeface="Times New Roman" panose="02020603050405020304" pitchFamily="18" charset="0"/>
-              </a:rPr>
-              <a:t>value</a:t>
-            </a:r>
-            <a:r>
-              <a:rPr lang="pt-BR" sz="1800" dirty="0">
-                <a:solidFill>
-                  <a:schemeClr val="tx1"/>
-                </a:solidFill>
-                <a:latin typeface="Times New Roman" panose="02020603050405020304" pitchFamily="18" charset="0"/>
-                <a:cs typeface="Times New Roman" panose="02020603050405020304" pitchFamily="18" charset="0"/>
-              </a:rPr>
-              <a:t>=“Barco" </a:t>
-            </a:r>
-            <a:r>
-              <a:rPr lang="pt-BR" sz="1800" dirty="0" err="1">
-                <a:solidFill>
-                  <a:schemeClr val="tx1"/>
-                </a:solidFill>
-                <a:latin typeface="Times New Roman" panose="02020603050405020304" pitchFamily="18" charset="0"/>
-                <a:cs typeface="Times New Roman" panose="02020603050405020304" pitchFamily="18" charset="0"/>
-              </a:rPr>
-              <a:t>checked</a:t>
-            </a:r>
-            <a:r>
-              <a:rPr lang="pt-BR" sz="1800" dirty="0">
-                <a:solidFill>
-                  <a:schemeClr val="tx1"/>
-                </a:solidFill>
-                <a:latin typeface="Times New Roman" panose="02020603050405020304" pitchFamily="18" charset="0"/>
-                <a:cs typeface="Times New Roman" panose="02020603050405020304" pitchFamily="18" charset="0"/>
-              </a:rPr>
-              <a:t>&gt;</a:t>
-            </a:r>
-          </a:p>
-          <a:p>
-            <a:pPr marL="447675" lvl="1" indent="0" algn="just">
-              <a:buNone/>
-            </a:pPr>
-            <a:r>
-              <a:rPr lang="pt-BR" sz="1800" dirty="0">
-                <a:solidFill>
-                  <a:schemeClr val="tx1"/>
-                </a:solidFill>
-                <a:latin typeface="Times New Roman" panose="02020603050405020304" pitchFamily="18" charset="0"/>
-                <a:cs typeface="Times New Roman" panose="02020603050405020304" pitchFamily="18" charset="0"/>
-              </a:rPr>
-              <a:t>  &lt;</a:t>
-            </a:r>
-            <a:r>
-              <a:rPr lang="pt-BR" sz="1800" b="1" dirty="0" err="1">
-                <a:solidFill>
-                  <a:schemeClr val="tx1"/>
-                </a:solidFill>
-                <a:latin typeface="Times New Roman" panose="02020603050405020304" pitchFamily="18" charset="0"/>
-                <a:cs typeface="Times New Roman" panose="02020603050405020304" pitchFamily="18" charset="0"/>
-              </a:rPr>
-              <a:t>label</a:t>
-            </a:r>
-            <a:r>
-              <a:rPr lang="pt-BR" sz="1800" dirty="0">
-                <a:solidFill>
-                  <a:schemeClr val="tx1"/>
-                </a:solidFill>
-                <a:latin typeface="Times New Roman" panose="02020603050405020304" pitchFamily="18" charset="0"/>
-                <a:cs typeface="Times New Roman" panose="02020603050405020304" pitchFamily="18" charset="0"/>
-              </a:rPr>
-              <a:t> </a:t>
-            </a:r>
-            <a:r>
-              <a:rPr lang="pt-BR" sz="1800" b="1" dirty="0">
-                <a:solidFill>
-                  <a:srgbClr val="FF0000"/>
-                </a:solidFill>
-                <a:latin typeface="Times New Roman" panose="02020603050405020304" pitchFamily="18" charset="0"/>
-                <a:cs typeface="Times New Roman" panose="02020603050405020304" pitchFamily="18" charset="0"/>
-              </a:rPr>
-              <a:t>for</a:t>
-            </a:r>
-            <a:r>
-              <a:rPr lang="pt-BR" sz="1800" dirty="0">
-                <a:solidFill>
-                  <a:schemeClr val="tx1"/>
-                </a:solidFill>
-                <a:latin typeface="Times New Roman" panose="02020603050405020304" pitchFamily="18" charset="0"/>
-                <a:cs typeface="Times New Roman" panose="02020603050405020304" pitchFamily="18" charset="0"/>
-              </a:rPr>
-              <a:t>="vehicle3"&gt; Eu tenho um barco&lt;/</a:t>
-            </a:r>
-            <a:r>
-              <a:rPr lang="pt-BR" sz="1800" dirty="0" err="1">
-                <a:solidFill>
-                  <a:schemeClr val="tx1"/>
-                </a:solidFill>
-                <a:latin typeface="Times New Roman" panose="02020603050405020304" pitchFamily="18" charset="0"/>
-                <a:cs typeface="Times New Roman" panose="02020603050405020304" pitchFamily="18" charset="0"/>
-              </a:rPr>
-              <a:t>label</a:t>
-            </a:r>
-            <a:r>
-              <a:rPr lang="pt-BR" sz="1800" dirty="0">
-                <a:solidFill>
-                  <a:schemeClr val="tx1"/>
-                </a:solidFill>
-                <a:latin typeface="Times New Roman" panose="02020603050405020304" pitchFamily="18" charset="0"/>
-                <a:cs typeface="Times New Roman" panose="02020603050405020304" pitchFamily="18" charset="0"/>
-              </a:rPr>
-              <a:t>&gt;&lt;</a:t>
-            </a:r>
-            <a:r>
-              <a:rPr lang="pt-BR" sz="1800" dirty="0" err="1">
-                <a:solidFill>
-                  <a:schemeClr val="tx1"/>
-                </a:solidFill>
-                <a:latin typeface="Times New Roman" panose="02020603050405020304" pitchFamily="18" charset="0"/>
-                <a:cs typeface="Times New Roman" panose="02020603050405020304" pitchFamily="18" charset="0"/>
-              </a:rPr>
-              <a:t>br</a:t>
-            </a:r>
-            <a:r>
-              <a:rPr lang="pt-BR" sz="1800" dirty="0">
-                <a:solidFill>
-                  <a:schemeClr val="tx1"/>
-                </a:solidFill>
-                <a:latin typeface="Times New Roman" panose="02020603050405020304" pitchFamily="18" charset="0"/>
-                <a:cs typeface="Times New Roman" panose="02020603050405020304" pitchFamily="18" charset="0"/>
-              </a:rPr>
-              <a:t>&gt;&lt;</a:t>
-            </a:r>
-            <a:r>
-              <a:rPr lang="pt-BR" sz="1800" dirty="0" err="1">
-                <a:solidFill>
-                  <a:schemeClr val="tx1"/>
-                </a:solidFill>
-                <a:latin typeface="Times New Roman" panose="02020603050405020304" pitchFamily="18" charset="0"/>
-                <a:cs typeface="Times New Roman" panose="02020603050405020304" pitchFamily="18" charset="0"/>
-              </a:rPr>
-              <a:t>br</a:t>
-            </a:r>
-            <a:r>
-              <a:rPr lang="pt-BR" sz="1800" dirty="0">
-                <a:solidFill>
-                  <a:schemeClr val="tx1"/>
-                </a:solidFill>
-                <a:latin typeface="Times New Roman" panose="02020603050405020304" pitchFamily="18" charset="0"/>
-                <a:cs typeface="Times New Roman" panose="02020603050405020304" pitchFamily="18" charset="0"/>
-              </a:rPr>
-              <a:t>&gt;</a:t>
-            </a:r>
-          </a:p>
-          <a:p>
-            <a:pPr marL="447675" lvl="1" indent="0" algn="just">
-              <a:buNone/>
-            </a:pPr>
-            <a:r>
-              <a:rPr lang="pt-BR" sz="1800" dirty="0">
-                <a:solidFill>
-                  <a:schemeClr val="tx1"/>
-                </a:solidFill>
-                <a:latin typeface="Times New Roman" panose="02020603050405020304" pitchFamily="18" charset="0"/>
-                <a:cs typeface="Times New Roman" panose="02020603050405020304" pitchFamily="18" charset="0"/>
-              </a:rPr>
-              <a:t>  </a:t>
-            </a:r>
-            <a:r>
-              <a:rPr lang="en-US" sz="1800" dirty="0">
-                <a:solidFill>
-                  <a:schemeClr val="tx1"/>
-                </a:solidFill>
-                <a:latin typeface="Times New Roman" panose="02020603050405020304" pitchFamily="18" charset="0"/>
-                <a:cs typeface="Times New Roman" panose="02020603050405020304" pitchFamily="18" charset="0"/>
-              </a:rPr>
-              <a:t>&lt;</a:t>
-            </a:r>
-            <a:r>
-              <a:rPr lang="en-US" sz="1800" b="1" dirty="0">
-                <a:solidFill>
-                  <a:schemeClr val="tx1"/>
-                </a:solidFill>
-                <a:latin typeface="Times New Roman" panose="02020603050405020304" pitchFamily="18" charset="0"/>
-                <a:cs typeface="Times New Roman" panose="02020603050405020304" pitchFamily="18" charset="0"/>
-              </a:rPr>
-              <a:t>input</a:t>
-            </a:r>
-            <a:r>
-              <a:rPr lang="en-US" sz="1800" dirty="0">
-                <a:solidFill>
-                  <a:schemeClr val="tx1"/>
-                </a:solidFill>
-                <a:latin typeface="Times New Roman" panose="02020603050405020304" pitchFamily="18" charset="0"/>
-                <a:cs typeface="Times New Roman" panose="02020603050405020304" pitchFamily="18" charset="0"/>
-              </a:rPr>
-              <a:t> </a:t>
-            </a:r>
-            <a:r>
-              <a:rPr lang="en-US" sz="1800" b="1" dirty="0">
-                <a:solidFill>
-                  <a:srgbClr val="FF0000"/>
-                </a:solidFill>
-                <a:latin typeface="Times New Roman" panose="02020603050405020304" pitchFamily="18" charset="0"/>
-                <a:cs typeface="Times New Roman" panose="02020603050405020304" pitchFamily="18" charset="0"/>
-              </a:rPr>
-              <a:t>type</a:t>
-            </a:r>
-            <a:r>
-              <a:rPr lang="en-US" sz="1800" dirty="0">
-                <a:solidFill>
-                  <a:schemeClr val="tx1"/>
-                </a:solidFill>
-                <a:latin typeface="Times New Roman" panose="02020603050405020304" pitchFamily="18" charset="0"/>
-                <a:cs typeface="Times New Roman" panose="02020603050405020304" pitchFamily="18" charset="0"/>
-              </a:rPr>
-              <a:t>="submit" </a:t>
-            </a:r>
-            <a:r>
-              <a:rPr lang="en-US" sz="1800" b="1" dirty="0">
-                <a:solidFill>
-                  <a:srgbClr val="FF0000"/>
-                </a:solidFill>
-                <a:latin typeface="Times New Roman" panose="02020603050405020304" pitchFamily="18" charset="0"/>
-                <a:cs typeface="Times New Roman" panose="02020603050405020304" pitchFamily="18" charset="0"/>
-              </a:rPr>
-              <a:t>value</a:t>
-            </a:r>
-            <a:r>
-              <a:rPr lang="en-US" sz="1800" dirty="0">
-                <a:solidFill>
-                  <a:schemeClr val="tx1"/>
-                </a:solidFill>
-                <a:latin typeface="Times New Roman" panose="02020603050405020304" pitchFamily="18" charset="0"/>
-                <a:cs typeface="Times New Roman" panose="02020603050405020304" pitchFamily="18" charset="0"/>
-              </a:rPr>
-              <a:t>="Submit"&gt;</a:t>
-            </a:r>
-          </a:p>
-          <a:p>
-            <a:pPr marL="0" indent="0" algn="just">
-              <a:buNone/>
-            </a:pPr>
-            <a:r>
-              <a:rPr lang="pt-BR" sz="1800" dirty="0">
-                <a:solidFill>
-                  <a:schemeClr val="tx1"/>
-                </a:solidFill>
-                <a:latin typeface="Times New Roman" panose="02020603050405020304" pitchFamily="18" charset="0"/>
-                <a:cs typeface="Times New Roman" panose="02020603050405020304" pitchFamily="18" charset="0"/>
-              </a:rPr>
-              <a:t>&lt;/</a:t>
-            </a:r>
-            <a:r>
-              <a:rPr lang="pt-BR" sz="1800" dirty="0" err="1">
-                <a:solidFill>
-                  <a:schemeClr val="tx1"/>
-                </a:solidFill>
-                <a:latin typeface="Times New Roman" panose="02020603050405020304" pitchFamily="18" charset="0"/>
-                <a:cs typeface="Times New Roman" panose="02020603050405020304" pitchFamily="18" charset="0"/>
-              </a:rPr>
-              <a:t>form</a:t>
-            </a:r>
-            <a:r>
-              <a:rPr lang="pt-BR" sz="1800" dirty="0">
-                <a:solidFill>
-                  <a:schemeClr val="tx1"/>
-                </a:solidFill>
-                <a:latin typeface="Times New Roman" panose="02020603050405020304" pitchFamily="18" charset="0"/>
-                <a:cs typeface="Times New Roman" panose="02020603050405020304" pitchFamily="18" charset="0"/>
-              </a:rPr>
-              <a:t>&gt;</a:t>
-            </a:r>
+          </a:p>
+          <a:p>
+            <a:pPr marL="0" indent="0" algn="just">
+              <a:buNone/>
+            </a:pPr>
+            <a:endParaRPr lang="pt-BR" dirty="0">
+              <a:solidFill>
+                <a:schemeClr val="tx1"/>
+              </a:solidFill>
+              <a:latin typeface="Times New Roman" panose="02020603050405020304" pitchFamily="18" charset="0"/>
+              <a:cs typeface="Times New Roman" panose="02020603050405020304" pitchFamily="18" charset="0"/>
+            </a:endParaRPr>
+          </a:p>
+          <a:p>
+            <a:pPr marL="0" indent="0" algn="just">
+              <a:buNone/>
+            </a:pPr>
+            <a:endParaRPr lang="pt-BR" dirty="0">
+              <a:solidFill>
+                <a:schemeClr val="tx1"/>
+              </a:solidFill>
+              <a:latin typeface="Times New Roman" panose="02020603050405020304" pitchFamily="18" charset="0"/>
+              <a:cs typeface="Times New Roman" panose="02020603050405020304" pitchFamily="18" charset="0"/>
+            </a:endParaRPr>
           </a:p>
         </p:txBody>
       </p:sp>
     </p:spTree>
     <p:extLst>
       <p:ext uri="{BB962C8B-B14F-4D97-AF65-F5344CB8AC3E}">
-        <p14:creationId xmlns:p14="http://schemas.microsoft.com/office/powerpoint/2010/main" val="3264889888"/>
+        <p14:creationId xmlns:p14="http://schemas.microsoft.com/office/powerpoint/2010/main" val="2679977288"/>
       </p:ext>
     </p:extLst>
   </p:cSld>
@@ -19293,7 +18634,7 @@
                 <a:latin typeface="Times New Roman" panose="02020603050405020304" pitchFamily="18" charset="0"/>
                 <a:cs typeface="Times New Roman" panose="02020603050405020304" pitchFamily="18" charset="0"/>
               </a:rPr>
-              <a:t>Exemplo2</a:t>
+              <a:t>Exemplo1</a:t>
             </a:r>
             <a:r>
               <a:rPr lang="pt-BR" sz="2000" dirty="0">
@@ -20228,7 +19569,7 @@
     </p:spTree>
     <p:extLst>
       <p:ext uri="{BB962C8B-B14F-4D97-AF65-F5344CB8AC3E}">
-        <p14:creationId xmlns:p14="http://schemas.microsoft.com/office/powerpoint/2010/main" val="943449933"/>
+        <p14:creationId xmlns:p14="http://schemas.microsoft.com/office/powerpoint/2010/main" val="3264889888"/>
       </p:ext>
     </p:extLst>
   </p:cSld>
@@ -20352,17 +19693,17 @@
               <a:buNone/>
             </a:pPr>
             <a:r>
-              <a:rPr lang="pt-BR" sz="2000" dirty="0">
-                <a:solidFill>
-                  <a:schemeClr val="tx1"/>
-                </a:solidFill>
-                <a:latin typeface="Times New Roman" panose="02020603050405020304" pitchFamily="18" charset="0"/>
-                <a:cs typeface="Times New Roman" panose="02020603050405020304" pitchFamily="18" charset="0"/>
-              </a:rPr>
-              <a:t> &lt;</a:t>
-            </a:r>
-            <a:r>
-              <a:rPr lang="pt-BR" sz="2000" b="1" dirty="0" err="1">
+              <a:rPr lang="pt-BR" sz="1800" dirty="0">
+                <a:solidFill>
+                  <a:schemeClr val="tx1"/>
+                </a:solidFill>
+                <a:latin typeface="Times New Roman" panose="02020603050405020304" pitchFamily="18" charset="0"/>
+                <a:cs typeface="Times New Roman" panose="02020603050405020304" pitchFamily="18" charset="0"/>
+              </a:rPr>
+              <a:t>  &lt;</a:t>
+            </a:r>
+            <a:r>
+              <a:rPr lang="pt-BR" sz="1800" b="1" dirty="0" err="1">
                 <a:solidFill>
                   <a:schemeClr val="tx1"/>
                 </a:solidFill>
@@ -20372,7 +19713,7 @@
               <a:t>form</a:t>
             </a:r>
             <a:r>
-              <a:rPr lang="pt-BR" sz="2000" dirty="0">
+              <a:rPr lang="pt-BR" sz="1800" dirty="0">
                 <a:solidFill>
                   <a:schemeClr val="tx1"/>
                 </a:solidFill>
@@ -20382,9 +19723,9 @@
               <a:t> </a:t>
             </a:r>
             <a:r>
-              <a:rPr lang="pt-BR" sz="2000" dirty="0" err="1">
-                <a:solidFill>
-                  <a:schemeClr val="tx1"/>
+              <a:rPr lang="pt-BR" sz="1800" b="1" dirty="0" err="1">
+                <a:solidFill>
+                  <a:srgbClr val="FF0000"/>
                 </a:solidFill>
                 <a:latin typeface="Times New Roman" panose="02020603050405020304" pitchFamily="18" charset="0"/>
                 <a:cs typeface="Times New Roman" panose="02020603050405020304" pitchFamily="18" charset="0"/>
@@ -20392,7 +19733,47 @@
               <a:t>action</a:t>
             </a:r>
             <a:r>
-              <a:rPr lang="pt-BR" sz="2000" dirty="0">
+              <a:rPr lang="pt-BR" sz="1800" dirty="0">
+                <a:solidFill>
+                  <a:schemeClr val="tx1"/>
+                </a:solidFill>
+                <a:latin typeface="Times New Roman" panose="02020603050405020304" pitchFamily="18" charset="0"/>
+                <a:cs typeface="Times New Roman" panose="02020603050405020304" pitchFamily="18" charset="0"/>
+              </a:rPr>
+              <a:t>="/</a:t>
+            </a:r>
+            <a:r>
+              <a:rPr lang="pt-BR" sz="1800" dirty="0" err="1">
+                <a:solidFill>
+                  <a:schemeClr val="tx1"/>
+                </a:solidFill>
+                <a:latin typeface="Times New Roman" panose="02020603050405020304" pitchFamily="18" charset="0"/>
+                <a:cs typeface="Times New Roman" panose="02020603050405020304" pitchFamily="18" charset="0"/>
+              </a:rPr>
+              <a:t>action_page.php</a:t>
+            </a:r>
+            <a:r>
+              <a:rPr lang="pt-BR" sz="1800" dirty="0">
+                <a:solidFill>
+                  <a:schemeClr val="tx1"/>
+                </a:solidFill>
+                <a:latin typeface="Times New Roman" panose="02020603050405020304" pitchFamily="18" charset="0"/>
+                <a:cs typeface="Times New Roman" panose="02020603050405020304" pitchFamily="18" charset="0"/>
+              </a:rPr>
+              <a:t>" </a:t>
+            </a:r>
+            <a:r>
+              <a:rPr lang="pt-BR" sz="1800" b="1" dirty="0" err="1">
+                <a:solidFill>
+                  <a:srgbClr val="FF0000"/>
+                </a:solidFill>
+                <a:latin typeface="Times New Roman" panose="02020603050405020304" pitchFamily="18" charset="0"/>
+                <a:cs typeface="Times New Roman" panose="02020603050405020304" pitchFamily="18" charset="0"/>
+              </a:rPr>
+              <a:t>method</a:t>
+            </a:r>
+            <a:r>
+              <a:rPr lang="pt-BR" sz="1800" dirty="0">
                 <a:solidFill>
                   <a:schemeClr val="tx1"/>
                 </a:solidFill>
@@ -20402,17 +19783,92 @@
               <a:t>="</a:t>
             </a:r>
             <a:r>
-              <a:rPr lang="pt-BR" sz="2000" dirty="0" err="1">
-                <a:solidFill>
-                  <a:schemeClr val="tx1"/>
-                </a:solidFill>
-                <a:latin typeface="Times New Roman" panose="02020603050405020304" pitchFamily="18" charset="0"/>
-                <a:cs typeface="Times New Roman" panose="02020603050405020304" pitchFamily="18" charset="0"/>
-              </a:rPr>
-              <a:t>FCadAluno.php</a:t>
-            </a:r>
-            <a:r>
-              <a:rPr lang="pt-BR" sz="2000" dirty="0">
+              <a:rPr lang="pt-BR" sz="1800" dirty="0" err="1">
+                <a:solidFill>
+                  <a:schemeClr val="tx1"/>
+                </a:solidFill>
+                <a:latin typeface="Times New Roman" panose="02020603050405020304" pitchFamily="18" charset="0"/>
+                <a:cs typeface="Times New Roman" panose="02020603050405020304" pitchFamily="18" charset="0"/>
+              </a:rPr>
+              <a:t>get</a:t>
+            </a:r>
+            <a:r>
+              <a:rPr lang="pt-BR" sz="1800" dirty="0">
+                <a:solidFill>
+                  <a:schemeClr val="tx1"/>
+                </a:solidFill>
+                <a:latin typeface="Times New Roman" panose="02020603050405020304" pitchFamily="18" charset="0"/>
+                <a:cs typeface="Times New Roman" panose="02020603050405020304" pitchFamily="18" charset="0"/>
+              </a:rPr>
+              <a:t>"&gt;</a:t>
+            </a:r>
+          </a:p>
+          <a:p>
+            <a:pPr marL="447675" lvl="1" indent="0" algn="just">
+              <a:buNone/>
+            </a:pPr>
+            <a:r>
+              <a:rPr lang="pt-BR" sz="1800" dirty="0">
+                <a:solidFill>
+                  <a:schemeClr val="tx1"/>
+                </a:solidFill>
+                <a:latin typeface="Times New Roman" panose="02020603050405020304" pitchFamily="18" charset="0"/>
+                <a:cs typeface="Times New Roman" panose="02020603050405020304" pitchFamily="18" charset="0"/>
+              </a:rPr>
+              <a:t>  &lt;</a:t>
+            </a:r>
+            <a:r>
+              <a:rPr lang="pt-BR" sz="1800" b="1" dirty="0">
+                <a:solidFill>
+                  <a:schemeClr val="tx1"/>
+                </a:solidFill>
+                <a:latin typeface="Times New Roman" panose="02020603050405020304" pitchFamily="18" charset="0"/>
+                <a:cs typeface="Times New Roman" panose="02020603050405020304" pitchFamily="18" charset="0"/>
+              </a:rPr>
+              <a:t>input</a:t>
+            </a:r>
+            <a:r>
+              <a:rPr lang="pt-BR" sz="1800" dirty="0">
+                <a:solidFill>
+                  <a:schemeClr val="tx1"/>
+                </a:solidFill>
+                <a:latin typeface="Times New Roman" panose="02020603050405020304" pitchFamily="18" charset="0"/>
+                <a:cs typeface="Times New Roman" panose="02020603050405020304" pitchFamily="18" charset="0"/>
+              </a:rPr>
+              <a:t> </a:t>
+            </a:r>
+            <a:r>
+              <a:rPr lang="pt-BR" sz="1800" b="1" dirty="0" err="1">
+                <a:solidFill>
+                  <a:srgbClr val="FF0000"/>
+                </a:solidFill>
+                <a:latin typeface="Times New Roman" panose="02020603050405020304" pitchFamily="18" charset="0"/>
+                <a:cs typeface="Times New Roman" panose="02020603050405020304" pitchFamily="18" charset="0"/>
+              </a:rPr>
+              <a:t>type</a:t>
+            </a:r>
+            <a:r>
+              <a:rPr lang="pt-BR" sz="1800" dirty="0">
+                <a:solidFill>
+                  <a:schemeClr val="tx1"/>
+                </a:solidFill>
+                <a:latin typeface="Times New Roman" panose="02020603050405020304" pitchFamily="18" charset="0"/>
+                <a:cs typeface="Times New Roman" panose="02020603050405020304" pitchFamily="18" charset="0"/>
+              </a:rPr>
+              <a:t>="</a:t>
+            </a:r>
+            <a:r>
+              <a:rPr lang="pt-BR" sz="1800" dirty="0" err="1">
+                <a:solidFill>
+                  <a:schemeClr val="tx1"/>
+                </a:solidFill>
+                <a:latin typeface="Times New Roman" panose="02020603050405020304" pitchFamily="18" charset="0"/>
+                <a:cs typeface="Times New Roman" panose="02020603050405020304" pitchFamily="18" charset="0"/>
+              </a:rPr>
+              <a:t>checkbox</a:t>
+            </a:r>
+            <a:r>
+              <a:rPr lang="pt-BR" sz="1800" dirty="0">
                 <a:solidFill>
                   <a:schemeClr val="tx1"/>
                 </a:solidFill>
@@ -20422,17 +19878,187 @@
               <a:t>" </a:t>
             </a:r>
             <a:r>
-              <a:rPr lang="pt-BR" sz="2000" dirty="0" err="1">
-                <a:solidFill>
-                  <a:schemeClr val="tx1"/>
-                </a:solidFill>
-                <a:latin typeface="Times New Roman" panose="02020603050405020304" pitchFamily="18" charset="0"/>
-                <a:cs typeface="Times New Roman" panose="02020603050405020304" pitchFamily="18" charset="0"/>
-              </a:rPr>
-              <a:t>method</a:t>
-            </a:r>
-            <a:r>
-              <a:rPr lang="pt-BR" sz="2000" dirty="0">
+              <a:rPr lang="pt-BR" sz="1800" dirty="0" err="1">
+                <a:solidFill>
+                  <a:schemeClr val="tx1"/>
+                </a:solidFill>
+                <a:latin typeface="Times New Roman" panose="02020603050405020304" pitchFamily="18" charset="0"/>
+                <a:cs typeface="Times New Roman" panose="02020603050405020304" pitchFamily="18" charset="0"/>
+              </a:rPr>
+              <a:t>name</a:t>
+            </a:r>
+            <a:r>
+              <a:rPr lang="pt-BR" sz="1800" dirty="0">
+                <a:solidFill>
+                  <a:schemeClr val="tx1"/>
+                </a:solidFill>
+                <a:latin typeface="Times New Roman" panose="02020603050405020304" pitchFamily="18" charset="0"/>
+                <a:cs typeface="Times New Roman" panose="02020603050405020304" pitchFamily="18" charset="0"/>
+              </a:rPr>
+              <a:t>=“veiculo1" </a:t>
+            </a:r>
+            <a:r>
+              <a:rPr lang="pt-BR" sz="1800" b="1" dirty="0" err="1">
+                <a:solidFill>
+                  <a:srgbClr val="FF0000"/>
+                </a:solidFill>
+                <a:latin typeface="Times New Roman" panose="02020603050405020304" pitchFamily="18" charset="0"/>
+                <a:cs typeface="Times New Roman" panose="02020603050405020304" pitchFamily="18" charset="0"/>
+              </a:rPr>
+              <a:t>value</a:t>
+            </a:r>
+            <a:r>
+              <a:rPr lang="pt-BR" sz="1800" dirty="0">
+                <a:solidFill>
+                  <a:schemeClr val="tx1"/>
+                </a:solidFill>
+                <a:latin typeface="Times New Roman" panose="02020603050405020304" pitchFamily="18" charset="0"/>
+                <a:cs typeface="Times New Roman" panose="02020603050405020304" pitchFamily="18" charset="0"/>
+              </a:rPr>
+              <a:t>=“Bicicleta"&gt;</a:t>
+            </a:r>
+          </a:p>
+          <a:p>
+            <a:pPr marL="447675" lvl="1" indent="0" algn="just">
+              <a:buNone/>
+            </a:pPr>
+            <a:r>
+              <a:rPr lang="pt-BR" sz="1800" dirty="0">
+                <a:solidFill>
+                  <a:schemeClr val="tx1"/>
+                </a:solidFill>
+                <a:latin typeface="Times New Roman" panose="02020603050405020304" pitchFamily="18" charset="0"/>
+                <a:cs typeface="Times New Roman" panose="02020603050405020304" pitchFamily="18" charset="0"/>
+              </a:rPr>
+              <a:t>  &lt;</a:t>
+            </a:r>
+            <a:r>
+              <a:rPr lang="pt-BR" sz="1800" b="1" dirty="0" err="1">
+                <a:solidFill>
+                  <a:schemeClr val="tx1"/>
+                </a:solidFill>
+                <a:latin typeface="Times New Roman" panose="02020603050405020304" pitchFamily="18" charset="0"/>
+                <a:cs typeface="Times New Roman" panose="02020603050405020304" pitchFamily="18" charset="0"/>
+              </a:rPr>
+              <a:t>label</a:t>
+            </a:r>
+            <a:r>
+              <a:rPr lang="pt-BR" sz="1800" dirty="0">
+                <a:solidFill>
+                  <a:schemeClr val="tx1"/>
+                </a:solidFill>
+                <a:latin typeface="Times New Roman" panose="02020603050405020304" pitchFamily="18" charset="0"/>
+                <a:cs typeface="Times New Roman" panose="02020603050405020304" pitchFamily="18" charset="0"/>
+              </a:rPr>
+              <a:t> </a:t>
+            </a:r>
+            <a:r>
+              <a:rPr lang="pt-BR" sz="1800" b="1" dirty="0">
+                <a:solidFill>
+                  <a:srgbClr val="FF0000"/>
+                </a:solidFill>
+                <a:latin typeface="Times New Roman" panose="02020603050405020304" pitchFamily="18" charset="0"/>
+                <a:cs typeface="Times New Roman" panose="02020603050405020304" pitchFamily="18" charset="0"/>
+              </a:rPr>
+              <a:t>for</a:t>
+            </a:r>
+            <a:r>
+              <a:rPr lang="pt-BR" sz="1800" dirty="0">
+                <a:solidFill>
+                  <a:schemeClr val="tx1"/>
+                </a:solidFill>
+                <a:latin typeface="Times New Roman" panose="02020603050405020304" pitchFamily="18" charset="0"/>
+                <a:cs typeface="Times New Roman" panose="02020603050405020304" pitchFamily="18" charset="0"/>
+              </a:rPr>
+              <a:t>="vehicle1"&gt; Eu tenho uma bicicleta&lt;/</a:t>
+            </a:r>
+            <a:r>
+              <a:rPr lang="pt-BR" sz="1800" dirty="0" err="1">
+                <a:solidFill>
+                  <a:schemeClr val="tx1"/>
+                </a:solidFill>
+                <a:latin typeface="Times New Roman" panose="02020603050405020304" pitchFamily="18" charset="0"/>
+                <a:cs typeface="Times New Roman" panose="02020603050405020304" pitchFamily="18" charset="0"/>
+              </a:rPr>
+              <a:t>label</a:t>
+            </a:r>
+            <a:r>
+              <a:rPr lang="pt-BR" sz="1800" dirty="0">
+                <a:solidFill>
+                  <a:schemeClr val="tx1"/>
+                </a:solidFill>
+                <a:latin typeface="Times New Roman" panose="02020603050405020304" pitchFamily="18" charset="0"/>
+                <a:cs typeface="Times New Roman" panose="02020603050405020304" pitchFamily="18" charset="0"/>
+              </a:rPr>
+              <a:t>&gt;&lt;</a:t>
+            </a:r>
+            <a:r>
+              <a:rPr lang="pt-BR" sz="1800" dirty="0" err="1">
+                <a:solidFill>
+                  <a:schemeClr val="tx1"/>
+                </a:solidFill>
+                <a:latin typeface="Times New Roman" panose="02020603050405020304" pitchFamily="18" charset="0"/>
+                <a:cs typeface="Times New Roman" panose="02020603050405020304" pitchFamily="18" charset="0"/>
+              </a:rPr>
+              <a:t>br</a:t>
+            </a:r>
+            <a:r>
+              <a:rPr lang="pt-BR" sz="1800" dirty="0">
+                <a:solidFill>
+                  <a:schemeClr val="tx1"/>
+                </a:solidFill>
+                <a:latin typeface="Times New Roman" panose="02020603050405020304" pitchFamily="18" charset="0"/>
+                <a:cs typeface="Times New Roman" panose="02020603050405020304" pitchFamily="18" charset="0"/>
+              </a:rPr>
+              <a:t>&gt;</a:t>
+            </a:r>
+          </a:p>
+          <a:p>
+            <a:pPr marL="447675" lvl="1" indent="0" algn="just">
+              <a:buNone/>
+            </a:pPr>
+            <a:r>
+              <a:rPr lang="pt-BR" sz="1800" dirty="0">
+                <a:solidFill>
+                  <a:schemeClr val="tx1"/>
+                </a:solidFill>
+                <a:latin typeface="Times New Roman" panose="02020603050405020304" pitchFamily="18" charset="0"/>
+                <a:cs typeface="Times New Roman" panose="02020603050405020304" pitchFamily="18" charset="0"/>
+              </a:rPr>
+              <a:t>  &lt;</a:t>
+            </a:r>
+            <a:r>
+              <a:rPr lang="pt-BR" sz="1800" b="1" dirty="0">
+                <a:solidFill>
+                  <a:schemeClr val="tx1"/>
+                </a:solidFill>
+                <a:latin typeface="Times New Roman" panose="02020603050405020304" pitchFamily="18" charset="0"/>
+                <a:cs typeface="Times New Roman" panose="02020603050405020304" pitchFamily="18" charset="0"/>
+              </a:rPr>
+              <a:t>input</a:t>
+            </a:r>
+            <a:r>
+              <a:rPr lang="pt-BR" sz="1800" dirty="0">
+                <a:solidFill>
+                  <a:schemeClr val="tx1"/>
+                </a:solidFill>
+                <a:latin typeface="Times New Roman" panose="02020603050405020304" pitchFamily="18" charset="0"/>
+                <a:cs typeface="Times New Roman" panose="02020603050405020304" pitchFamily="18" charset="0"/>
+              </a:rPr>
+              <a:t> </a:t>
+            </a:r>
+            <a:r>
+              <a:rPr lang="pt-BR" sz="1800" b="1" dirty="0" err="1">
+                <a:solidFill>
+                  <a:srgbClr val="FF0000"/>
+                </a:solidFill>
+                <a:latin typeface="Times New Roman" panose="02020603050405020304" pitchFamily="18" charset="0"/>
+                <a:cs typeface="Times New Roman" panose="02020603050405020304" pitchFamily="18" charset="0"/>
+              </a:rPr>
+              <a:t>type</a:t>
+            </a:r>
+            <a:r>
+              <a:rPr lang="pt-BR" sz="1800" dirty="0">
                 <a:solidFill>
                   <a:schemeClr val="tx1"/>
                 </a:solidFill>
@@ -20442,52 +20068,152 @@
               <a:t>="</a:t>
             </a:r>
             <a:r>
-              <a:rPr lang="pt-BR" sz="2000" dirty="0" err="1">
-                <a:solidFill>
-                  <a:schemeClr val="tx1"/>
-                </a:solidFill>
-                <a:latin typeface="Times New Roman" panose="02020603050405020304" pitchFamily="18" charset="0"/>
-                <a:cs typeface="Times New Roman" panose="02020603050405020304" pitchFamily="18" charset="0"/>
-              </a:rPr>
-              <a:t>get</a:t>
-            </a:r>
-            <a:r>
-              <a:rPr lang="pt-BR" sz="2000" dirty="0">
-                <a:solidFill>
-                  <a:schemeClr val="tx1"/>
-                </a:solidFill>
-                <a:latin typeface="Times New Roman" panose="02020603050405020304" pitchFamily="18" charset="0"/>
-                <a:cs typeface="Times New Roman" panose="02020603050405020304" pitchFamily="18" charset="0"/>
-              </a:rPr>
-              <a:t>"&gt;</a:t>
-            </a:r>
-          </a:p>
-          <a:p>
-            <a:pPr marL="0" indent="0" algn="just">
-              <a:buNone/>
-            </a:pPr>
-            <a:r>
-              <a:rPr lang="pt-BR" sz="2000" dirty="0">
-                <a:solidFill>
-                  <a:schemeClr val="tx1"/>
-                </a:solidFill>
-                <a:latin typeface="Times New Roman" panose="02020603050405020304" pitchFamily="18" charset="0"/>
-                <a:cs typeface="Times New Roman" panose="02020603050405020304" pitchFamily="18" charset="0"/>
-              </a:rPr>
-              <a:t>      &lt;</a:t>
-            </a:r>
-            <a:r>
-              <a:rPr lang="pt-BR" sz="2000" b="1" dirty="0" err="1">
-                <a:solidFill>
-                  <a:schemeClr val="tx1"/>
-                </a:solidFill>
-                <a:latin typeface="Times New Roman" panose="02020603050405020304" pitchFamily="18" charset="0"/>
-                <a:cs typeface="Times New Roman" panose="02020603050405020304" pitchFamily="18" charset="0"/>
-              </a:rPr>
-              <a:t>div</a:t>
-            </a:r>
-            <a:r>
-              <a:rPr lang="pt-BR" sz="2000" dirty="0">
+              <a:rPr lang="pt-BR" sz="1800" dirty="0" err="1">
+                <a:solidFill>
+                  <a:schemeClr val="tx1"/>
+                </a:solidFill>
+                <a:latin typeface="Times New Roman" panose="02020603050405020304" pitchFamily="18" charset="0"/>
+                <a:cs typeface="Times New Roman" panose="02020603050405020304" pitchFamily="18" charset="0"/>
+              </a:rPr>
+              <a:t>checkbox</a:t>
+            </a:r>
+            <a:r>
+              <a:rPr lang="pt-BR" sz="1800" dirty="0">
+                <a:solidFill>
+                  <a:schemeClr val="tx1"/>
+                </a:solidFill>
+                <a:latin typeface="Times New Roman" panose="02020603050405020304" pitchFamily="18" charset="0"/>
+                <a:cs typeface="Times New Roman" panose="02020603050405020304" pitchFamily="18" charset="0"/>
+              </a:rPr>
+              <a:t>" </a:t>
+            </a:r>
+            <a:r>
+              <a:rPr lang="pt-BR" sz="1800" dirty="0" err="1">
+                <a:solidFill>
+                  <a:schemeClr val="tx1"/>
+                </a:solidFill>
+                <a:latin typeface="Times New Roman" panose="02020603050405020304" pitchFamily="18" charset="0"/>
+                <a:cs typeface="Times New Roman" panose="02020603050405020304" pitchFamily="18" charset="0"/>
+              </a:rPr>
+              <a:t>name</a:t>
+            </a:r>
+            <a:r>
+              <a:rPr lang="pt-BR" sz="1800" dirty="0">
+                <a:solidFill>
+                  <a:schemeClr val="tx1"/>
+                </a:solidFill>
+                <a:latin typeface="Times New Roman" panose="02020603050405020304" pitchFamily="18" charset="0"/>
+                <a:cs typeface="Times New Roman" panose="02020603050405020304" pitchFamily="18" charset="0"/>
+              </a:rPr>
+              <a:t>=" veiculo2" </a:t>
+            </a:r>
+            <a:r>
+              <a:rPr lang="pt-BR" sz="1800" b="1" dirty="0" err="1">
+                <a:solidFill>
+                  <a:srgbClr val="FF0000"/>
+                </a:solidFill>
+                <a:latin typeface="Times New Roman" panose="02020603050405020304" pitchFamily="18" charset="0"/>
+                <a:cs typeface="Times New Roman" panose="02020603050405020304" pitchFamily="18" charset="0"/>
+              </a:rPr>
+              <a:t>value</a:t>
+            </a:r>
+            <a:r>
+              <a:rPr lang="pt-BR" sz="1800" dirty="0">
+                <a:solidFill>
+                  <a:schemeClr val="tx1"/>
+                </a:solidFill>
+                <a:latin typeface="Times New Roman" panose="02020603050405020304" pitchFamily="18" charset="0"/>
+                <a:cs typeface="Times New Roman" panose="02020603050405020304" pitchFamily="18" charset="0"/>
+              </a:rPr>
+              <a:t>=“Carro"&gt;</a:t>
+            </a:r>
+          </a:p>
+          <a:p>
+            <a:pPr marL="447675" lvl="1" indent="0" algn="just">
+              <a:buNone/>
+            </a:pPr>
+            <a:r>
+              <a:rPr lang="pt-BR" sz="1800" dirty="0">
+                <a:solidFill>
+                  <a:schemeClr val="tx1"/>
+                </a:solidFill>
+                <a:latin typeface="Times New Roman" panose="02020603050405020304" pitchFamily="18" charset="0"/>
+                <a:cs typeface="Times New Roman" panose="02020603050405020304" pitchFamily="18" charset="0"/>
+              </a:rPr>
+              <a:t>  &lt;</a:t>
+            </a:r>
+            <a:r>
+              <a:rPr lang="pt-BR" sz="1800" b="1" dirty="0" err="1">
+                <a:solidFill>
+                  <a:schemeClr val="tx1"/>
+                </a:solidFill>
+                <a:latin typeface="Times New Roman" panose="02020603050405020304" pitchFamily="18" charset="0"/>
+                <a:cs typeface="Times New Roman" panose="02020603050405020304" pitchFamily="18" charset="0"/>
+              </a:rPr>
+              <a:t>label</a:t>
+            </a:r>
+            <a:r>
+              <a:rPr lang="pt-BR" sz="1800" dirty="0">
+                <a:solidFill>
+                  <a:schemeClr val="tx1"/>
+                </a:solidFill>
+                <a:latin typeface="Times New Roman" panose="02020603050405020304" pitchFamily="18" charset="0"/>
+                <a:cs typeface="Times New Roman" panose="02020603050405020304" pitchFamily="18" charset="0"/>
+              </a:rPr>
+              <a:t> </a:t>
+            </a:r>
+            <a:r>
+              <a:rPr lang="pt-BR" sz="1800" b="1" dirty="0">
+                <a:solidFill>
+                  <a:srgbClr val="FF0000"/>
+                </a:solidFill>
+                <a:latin typeface="Times New Roman" panose="02020603050405020304" pitchFamily="18" charset="0"/>
+                <a:cs typeface="Times New Roman" panose="02020603050405020304" pitchFamily="18" charset="0"/>
+              </a:rPr>
+              <a:t>for</a:t>
+            </a:r>
+            <a:r>
+              <a:rPr lang="pt-BR" sz="1800" dirty="0">
+                <a:solidFill>
+                  <a:schemeClr val="tx1"/>
+                </a:solidFill>
+                <a:latin typeface="Times New Roman" panose="02020603050405020304" pitchFamily="18" charset="0"/>
+                <a:cs typeface="Times New Roman" panose="02020603050405020304" pitchFamily="18" charset="0"/>
+              </a:rPr>
+              <a:t>="vehicle2"&gt; Eu tenho um carro&lt;/</a:t>
+            </a:r>
+            <a:r>
+              <a:rPr lang="pt-BR" sz="1800" dirty="0" err="1">
+                <a:solidFill>
+                  <a:schemeClr val="tx1"/>
+                </a:solidFill>
+                <a:latin typeface="Times New Roman" panose="02020603050405020304" pitchFamily="18" charset="0"/>
+                <a:cs typeface="Times New Roman" panose="02020603050405020304" pitchFamily="18" charset="0"/>
+              </a:rPr>
+              <a:t>label</a:t>
+            </a:r>
+            <a:r>
+              <a:rPr lang="pt-BR" sz="1800" dirty="0">
+                <a:solidFill>
+                  <a:schemeClr val="tx1"/>
+                </a:solidFill>
+                <a:latin typeface="Times New Roman" panose="02020603050405020304" pitchFamily="18" charset="0"/>
+                <a:cs typeface="Times New Roman" panose="02020603050405020304" pitchFamily="18" charset="0"/>
+              </a:rPr>
+              <a:t>&gt;&lt;</a:t>
+            </a:r>
+            <a:r>
+              <a:rPr lang="pt-BR" sz="1800" dirty="0" err="1">
+                <a:solidFill>
+                  <a:schemeClr val="tx1"/>
+                </a:solidFill>
+                <a:latin typeface="Times New Roman" panose="02020603050405020304" pitchFamily="18" charset="0"/>
+                <a:cs typeface="Times New Roman" panose="02020603050405020304" pitchFamily="18" charset="0"/>
+              </a:rPr>
+              <a:t>br</a:t>
+            </a:r>
+            <a:r>
+              <a:rPr lang="pt-BR" sz="1800" dirty="0">
                 <a:solidFill>
                   <a:schemeClr val="tx1"/>
                 </a:solidFill>
@@ -20498,21 +20224,156 @@
             </a:r>
           </a:p>
           <a:p>
-            <a:pPr marL="0" indent="0" algn="just">
-              <a:buNone/>
-            </a:pPr>
-            <a:r>
-              <a:rPr lang="pt-BR" sz="2000" dirty="0">
-                <a:solidFill>
-                  <a:schemeClr val="tx1"/>
-                </a:solidFill>
-                <a:latin typeface="Times New Roman" panose="02020603050405020304" pitchFamily="18" charset="0"/>
-                <a:cs typeface="Times New Roman" panose="02020603050405020304" pitchFamily="18" charset="0"/>
-              </a:rPr>
-              <a:t>        	&lt;</a:t>
-            </a:r>
-            <a:r>
-              <a:rPr lang="pt-BR" sz="2000" b="1" dirty="0" err="1">
+            <a:pPr marL="447675" lvl="1" indent="0" algn="just">
+              <a:buNone/>
+            </a:pPr>
+            <a:r>
+              <a:rPr lang="pt-BR" sz="1800" dirty="0">
+                <a:solidFill>
+                  <a:schemeClr val="tx1"/>
+                </a:solidFill>
+                <a:latin typeface="Times New Roman" panose="02020603050405020304" pitchFamily="18" charset="0"/>
+                <a:cs typeface="Times New Roman" panose="02020603050405020304" pitchFamily="18" charset="0"/>
+              </a:rPr>
+              <a:t>  &lt;</a:t>
+            </a:r>
+            <a:r>
+              <a:rPr lang="pt-BR" sz="1800" b="1" dirty="0">
+                <a:solidFill>
+                  <a:schemeClr val="tx1"/>
+                </a:solidFill>
+                <a:latin typeface="Times New Roman" panose="02020603050405020304" pitchFamily="18" charset="0"/>
+                <a:cs typeface="Times New Roman" panose="02020603050405020304" pitchFamily="18" charset="0"/>
+              </a:rPr>
+              <a:t>input</a:t>
+            </a:r>
+            <a:r>
+              <a:rPr lang="pt-BR" sz="1800" dirty="0">
+                <a:solidFill>
+                  <a:schemeClr val="tx1"/>
+                </a:solidFill>
+                <a:latin typeface="Times New Roman" panose="02020603050405020304" pitchFamily="18" charset="0"/>
+                <a:cs typeface="Times New Roman" panose="02020603050405020304" pitchFamily="18" charset="0"/>
+              </a:rPr>
+              <a:t> </a:t>
+            </a:r>
+            <a:r>
+              <a:rPr lang="pt-BR" sz="1800" b="1" dirty="0" err="1">
+                <a:solidFill>
+                  <a:srgbClr val="FF0000"/>
+                </a:solidFill>
+                <a:latin typeface="Times New Roman" panose="02020603050405020304" pitchFamily="18" charset="0"/>
+                <a:cs typeface="Times New Roman" panose="02020603050405020304" pitchFamily="18" charset="0"/>
+              </a:rPr>
+              <a:t>type</a:t>
+            </a:r>
+            <a:r>
+              <a:rPr lang="pt-BR" sz="1800" dirty="0">
+                <a:solidFill>
+                  <a:schemeClr val="tx1"/>
+                </a:solidFill>
+                <a:latin typeface="Times New Roman" panose="02020603050405020304" pitchFamily="18" charset="0"/>
+                <a:cs typeface="Times New Roman" panose="02020603050405020304" pitchFamily="18" charset="0"/>
+              </a:rPr>
+              <a:t>="</a:t>
+            </a:r>
+            <a:r>
+              <a:rPr lang="pt-BR" sz="1800" dirty="0" err="1">
+                <a:solidFill>
+                  <a:schemeClr val="tx1"/>
+                </a:solidFill>
+                <a:latin typeface="Times New Roman" panose="02020603050405020304" pitchFamily="18" charset="0"/>
+                <a:cs typeface="Times New Roman" panose="02020603050405020304" pitchFamily="18" charset="0"/>
+              </a:rPr>
+              <a:t>checkbox</a:t>
+            </a:r>
+            <a:r>
+              <a:rPr lang="pt-BR" sz="1800" dirty="0">
+                <a:solidFill>
+                  <a:schemeClr val="tx1"/>
+                </a:solidFill>
+                <a:latin typeface="Times New Roman" panose="02020603050405020304" pitchFamily="18" charset="0"/>
+                <a:cs typeface="Times New Roman" panose="02020603050405020304" pitchFamily="18" charset="0"/>
+              </a:rPr>
+              <a:t>" </a:t>
+            </a:r>
+            <a:r>
+              <a:rPr lang="pt-BR" sz="1800" dirty="0" err="1">
+                <a:solidFill>
+                  <a:schemeClr val="tx1"/>
+                </a:solidFill>
+                <a:latin typeface="Times New Roman" panose="02020603050405020304" pitchFamily="18" charset="0"/>
+                <a:cs typeface="Times New Roman" panose="02020603050405020304" pitchFamily="18" charset="0"/>
+              </a:rPr>
+              <a:t>name</a:t>
+            </a:r>
+            <a:r>
+              <a:rPr lang="pt-BR" sz="1800" dirty="0">
+                <a:solidFill>
+                  <a:schemeClr val="tx1"/>
+                </a:solidFill>
+                <a:latin typeface="Times New Roman" panose="02020603050405020304" pitchFamily="18" charset="0"/>
+                <a:cs typeface="Times New Roman" panose="02020603050405020304" pitchFamily="18" charset="0"/>
+              </a:rPr>
+              <a:t>=" veiculo3" </a:t>
+            </a:r>
+            <a:r>
+              <a:rPr lang="pt-BR" sz="1800" b="1" dirty="0" err="1">
+                <a:solidFill>
+                  <a:srgbClr val="FF0000"/>
+                </a:solidFill>
+                <a:latin typeface="Times New Roman" panose="02020603050405020304" pitchFamily="18" charset="0"/>
+                <a:cs typeface="Times New Roman" panose="02020603050405020304" pitchFamily="18" charset="0"/>
+              </a:rPr>
+              <a:t>value</a:t>
+            </a:r>
+            <a:r>
+              <a:rPr lang="pt-BR" sz="1800" dirty="0">
+                <a:solidFill>
+                  <a:schemeClr val="tx1"/>
+                </a:solidFill>
+                <a:latin typeface="Times New Roman" panose="02020603050405020304" pitchFamily="18" charset="0"/>
+                <a:cs typeface="Times New Roman" panose="02020603050405020304" pitchFamily="18" charset="0"/>
+              </a:rPr>
+              <a:t>=“Barco" </a:t>
+            </a:r>
+            <a:r>
+              <a:rPr lang="pt-BR" sz="1800" dirty="0" err="1">
+                <a:solidFill>
+                  <a:schemeClr val="tx1"/>
+                </a:solidFill>
+                <a:latin typeface="Times New Roman" panose="02020603050405020304" pitchFamily="18" charset="0"/>
+                <a:cs typeface="Times New Roman" panose="02020603050405020304" pitchFamily="18" charset="0"/>
+              </a:rPr>
+              <a:t>checked</a:t>
+            </a:r>
+            <a:r>
+              <a:rPr lang="pt-BR" sz="1800" dirty="0">
+                <a:solidFill>
+                  <a:schemeClr val="tx1"/>
+                </a:solidFill>
+                <a:latin typeface="Times New Roman" panose="02020603050405020304" pitchFamily="18" charset="0"/>
+                <a:cs typeface="Times New Roman" panose="02020603050405020304" pitchFamily="18" charset="0"/>
+              </a:rPr>
+              <a:t>&gt;</a:t>
+            </a:r>
+          </a:p>
+          <a:p>
+            <a:pPr marL="447675" lvl="1" indent="0" algn="just">
+              <a:buNone/>
+            </a:pPr>
+            <a:r>
+              <a:rPr lang="pt-BR" sz="1800" dirty="0">
+                <a:solidFill>
+                  <a:schemeClr val="tx1"/>
+                </a:solidFill>
+                <a:latin typeface="Times New Roman" panose="02020603050405020304" pitchFamily="18" charset="0"/>
+                <a:cs typeface="Times New Roman" panose="02020603050405020304" pitchFamily="18" charset="0"/>
+              </a:rPr>
+              <a:t>  &lt;</a:t>
+            </a:r>
+            <a:r>
+              <a:rPr lang="pt-BR" sz="1800" b="1" dirty="0" err="1">
                 <a:solidFill>
                   <a:schemeClr val="tx1"/>
                 </a:solidFill>
@@ -20522,7 +20383,7 @@
               <a:t>label</a:t>
             </a:r>
             <a:r>
-              <a:rPr lang="pt-BR" sz="2000" dirty="0">
+              <a:rPr lang="pt-BR" sz="1800" dirty="0">
                 <a:solidFill>
                   <a:schemeClr val="tx1"/>
                 </a:solidFill>
@@ -20532,7 +20393,7 @@
               <a:t> </a:t>
             </a:r>
             <a:r>
-              <a:rPr lang="pt-BR" sz="2000" b="1" dirty="0">
+              <a:rPr lang="pt-BR" sz="1800" b="1" dirty="0">
                 <a:solidFill>
                   <a:srgbClr val="FF0000"/>
                 </a:solidFill>
@@ -20542,32 +20403,102 @@
               <a:t>for</a:t>
             </a:r>
             <a:r>
-              <a:rPr lang="pt-BR" sz="2000" dirty="0">
-                <a:solidFill>
-                  <a:schemeClr val="tx1"/>
-                </a:solidFill>
-                <a:latin typeface="Times New Roman" panose="02020603050405020304" pitchFamily="18" charset="0"/>
-                <a:cs typeface="Times New Roman" panose="02020603050405020304" pitchFamily="18" charset="0"/>
-              </a:rPr>
-              <a:t>="nome"&gt; Nome</a:t>
-            </a:r>
-          </a:p>
-          <a:p>
-            <a:pPr marL="0" indent="0" algn="just">
-              <a:buNone/>
-            </a:pPr>
-            <a:r>
-              <a:rPr lang="pt-BR" sz="2000" dirty="0">
-                <a:solidFill>
-                  <a:schemeClr val="tx1"/>
-                </a:solidFill>
-                <a:latin typeface="Times New Roman" panose="02020603050405020304" pitchFamily="18" charset="0"/>
-                <a:cs typeface="Times New Roman" panose="02020603050405020304" pitchFamily="18" charset="0"/>
-              </a:rPr>
-              <a:t>          		&lt;</a:t>
-            </a:r>
-            <a:r>
-              <a:rPr lang="pt-BR" sz="2000" b="1" dirty="0">
+              <a:rPr lang="pt-BR" sz="1800" dirty="0">
+                <a:solidFill>
+                  <a:schemeClr val="tx1"/>
+                </a:solidFill>
+                <a:latin typeface="Times New Roman" panose="02020603050405020304" pitchFamily="18" charset="0"/>
+                <a:cs typeface="Times New Roman" panose="02020603050405020304" pitchFamily="18" charset="0"/>
+              </a:rPr>
+              <a:t>="vehicle3"&gt; Eu tenho um barco&lt;/</a:t>
+            </a:r>
+            <a:r>
+              <a:rPr lang="pt-BR" sz="1800" dirty="0" err="1">
+                <a:solidFill>
+                  <a:schemeClr val="tx1"/>
+                </a:solidFill>
+                <a:latin typeface="Times New Roman" panose="02020603050405020304" pitchFamily="18" charset="0"/>
+                <a:cs typeface="Times New Roman" panose="02020603050405020304" pitchFamily="18" charset="0"/>
+              </a:rPr>
+              <a:t>label</a:t>
+            </a:r>
+            <a:r>
+              <a:rPr lang="pt-BR" sz="1800" dirty="0">
+                <a:solidFill>
+                  <a:schemeClr val="tx1"/>
+                </a:solidFill>
+                <a:latin typeface="Times New Roman" panose="02020603050405020304" pitchFamily="18" charset="0"/>
+                <a:cs typeface="Times New Roman" panose="02020603050405020304" pitchFamily="18" charset="0"/>
+              </a:rPr>
+              <a:t>&gt;&lt;</a:t>
+            </a:r>
+            <a:r>
+              <a:rPr lang="pt-BR" sz="1800" dirty="0" err="1">
+                <a:solidFill>
+                  <a:schemeClr val="tx1"/>
+                </a:solidFill>
+                <a:latin typeface="Times New Roman" panose="02020603050405020304" pitchFamily="18" charset="0"/>
+                <a:cs typeface="Times New Roman" panose="02020603050405020304" pitchFamily="18" charset="0"/>
+              </a:rPr>
+              <a:t>br</a:t>
+            </a:r>
+            <a:r>
+              <a:rPr lang="pt-BR" sz="1800" dirty="0">
+                <a:solidFill>
+                  <a:schemeClr val="tx1"/>
+                </a:solidFill>
+                <a:latin typeface="Times New Roman" panose="02020603050405020304" pitchFamily="18" charset="0"/>
+                <a:cs typeface="Times New Roman" panose="02020603050405020304" pitchFamily="18" charset="0"/>
+              </a:rPr>
+              <a:t>&gt;&lt;</a:t>
+            </a:r>
+            <a:r>
+              <a:rPr lang="pt-BR" sz="1800" dirty="0" err="1">
+                <a:solidFill>
+                  <a:schemeClr val="tx1"/>
+                </a:solidFill>
+                <a:latin typeface="Times New Roman" panose="02020603050405020304" pitchFamily="18" charset="0"/>
+                <a:cs typeface="Times New Roman" panose="02020603050405020304" pitchFamily="18" charset="0"/>
+              </a:rPr>
+              <a:t>br</a:t>
+            </a:r>
+            <a:r>
+              <a:rPr lang="pt-BR" sz="1800" dirty="0">
+                <a:solidFill>
+                  <a:schemeClr val="tx1"/>
+                </a:solidFill>
+                <a:latin typeface="Times New Roman" panose="02020603050405020304" pitchFamily="18" charset="0"/>
+                <a:cs typeface="Times New Roman" panose="02020603050405020304" pitchFamily="18" charset="0"/>
+              </a:rPr>
+              <a:t>&gt;</a:t>
+            </a:r>
+          </a:p>
+          <a:p>
+            <a:pPr marL="447675" lvl="1" indent="0" algn="just">
+              <a:buNone/>
+            </a:pPr>
+            <a:r>
+              <a:rPr lang="pt-BR" sz="1800" dirty="0">
+                <a:solidFill>
+                  <a:schemeClr val="tx1"/>
+                </a:solidFill>
+                <a:latin typeface="Times New Roman" panose="02020603050405020304" pitchFamily="18" charset="0"/>
+                <a:cs typeface="Times New Roman" panose="02020603050405020304" pitchFamily="18" charset="0"/>
+              </a:rPr>
+              <a:t>  </a:t>
+            </a:r>
+            <a:r>
+              <a:rPr lang="en-US" sz="1800" dirty="0">
+                <a:solidFill>
+                  <a:schemeClr val="tx1"/>
+                </a:solidFill>
+                <a:latin typeface="Times New Roman" panose="02020603050405020304" pitchFamily="18" charset="0"/>
+                <a:cs typeface="Times New Roman" panose="02020603050405020304" pitchFamily="18" charset="0"/>
+              </a:rPr>
+              <a:t>&lt;</a:t>
+            </a:r>
+            <a:r>
+              <a:rPr lang="en-US" sz="1800" b="1" dirty="0">
                 <a:solidFill>
                   <a:schemeClr val="tx1"/>
                 </a:solidFill>
@@ -20577,7 +20508,7 @@
               <a:t>input</a:t>
             </a:r>
             <a:r>
-              <a:rPr lang="pt-BR" sz="2000" dirty="0">
+              <a:rPr lang="en-US" sz="1800" dirty="0">
                 <a:solidFill>
                   <a:schemeClr val="tx1"/>
                 </a:solidFill>
@@ -20587,7 +20518,7 @@
               <a:t> </a:t>
             </a:r>
             <a:r>
-              <a:rPr lang="pt-BR" sz="2000" b="1" dirty="0" err="1">
+              <a:rPr lang="en-US" sz="1800" b="1" dirty="0">
                 <a:solidFill>
                   <a:srgbClr val="FF0000"/>
                 </a:solidFill>
@@ -20597,247 +20528,62 @@
               <a:t>type</a:t>
             </a:r>
             <a:r>
-              <a:rPr lang="pt-BR" sz="2000" dirty="0">
-                <a:solidFill>
-                  <a:schemeClr val="tx1"/>
-                </a:solidFill>
-                <a:latin typeface="Times New Roman" panose="02020603050405020304" pitchFamily="18" charset="0"/>
-                <a:cs typeface="Times New Roman" panose="02020603050405020304" pitchFamily="18" charset="0"/>
-              </a:rPr>
-              <a:t>="</a:t>
-            </a:r>
-            <a:r>
-              <a:rPr lang="pt-BR" sz="2000" dirty="0" err="1">
-                <a:solidFill>
-                  <a:schemeClr val="tx1"/>
-                </a:solidFill>
-                <a:latin typeface="Times New Roman" panose="02020603050405020304" pitchFamily="18" charset="0"/>
-                <a:cs typeface="Times New Roman" panose="02020603050405020304" pitchFamily="18" charset="0"/>
-              </a:rPr>
-              <a:t>text</a:t>
-            </a:r>
-            <a:r>
-              <a:rPr lang="pt-BR" sz="2000" dirty="0">
-                <a:solidFill>
-                  <a:schemeClr val="tx1"/>
-                </a:solidFill>
-                <a:latin typeface="Times New Roman" panose="02020603050405020304" pitchFamily="18" charset="0"/>
-                <a:cs typeface="Times New Roman" panose="02020603050405020304" pitchFamily="18" charset="0"/>
-              </a:rPr>
-              <a:t>“  </a:t>
-            </a:r>
-            <a:r>
-              <a:rPr lang="pt-BR" sz="2000" b="1" dirty="0" err="1">
+              <a:rPr lang="en-US" sz="1800" dirty="0">
+                <a:solidFill>
+                  <a:schemeClr val="tx1"/>
+                </a:solidFill>
+                <a:latin typeface="Times New Roman" panose="02020603050405020304" pitchFamily="18" charset="0"/>
+                <a:cs typeface="Times New Roman" panose="02020603050405020304" pitchFamily="18" charset="0"/>
+              </a:rPr>
+              <a:t>="submit" </a:t>
+            </a:r>
+            <a:r>
+              <a:rPr lang="en-US" sz="1800" b="1" dirty="0">
                 <a:solidFill>
                   <a:srgbClr val="FF0000"/>
                 </a:solidFill>
                 <a:latin typeface="Times New Roman" panose="02020603050405020304" pitchFamily="18" charset="0"/>
                 <a:cs typeface="Times New Roman" panose="02020603050405020304" pitchFamily="18" charset="0"/>
               </a:rPr>
-              <a:t>name</a:t>
-            </a:r>
-            <a:r>
-              <a:rPr lang="pt-BR" sz="2000" dirty="0">
-                <a:solidFill>
-                  <a:schemeClr val="tx1"/>
-                </a:solidFill>
-                <a:latin typeface="Times New Roman" panose="02020603050405020304" pitchFamily="18" charset="0"/>
-                <a:cs typeface="Times New Roman" panose="02020603050405020304" pitchFamily="18" charset="0"/>
-              </a:rPr>
-              <a:t>="nome“  </a:t>
-            </a:r>
-            <a:r>
-              <a:rPr lang="pt-BR" sz="2000" b="1" dirty="0">
-                <a:solidFill>
-                  <a:srgbClr val="FF0000"/>
-                </a:solidFill>
-                <a:latin typeface="Times New Roman" panose="02020603050405020304" pitchFamily="18" charset="0"/>
-                <a:cs typeface="Times New Roman" panose="02020603050405020304" pitchFamily="18" charset="0"/>
-              </a:rPr>
-              <a:t>id</a:t>
-            </a:r>
-            <a:r>
-              <a:rPr lang="pt-BR" sz="2000" dirty="0">
-                <a:solidFill>
-                  <a:schemeClr val="tx1"/>
-                </a:solidFill>
-                <a:latin typeface="Times New Roman" panose="02020603050405020304" pitchFamily="18" charset="0"/>
-                <a:cs typeface="Times New Roman" panose="02020603050405020304" pitchFamily="18" charset="0"/>
-              </a:rPr>
-              <a:t>="nome“ </a:t>
-            </a:r>
-            <a:r>
-              <a:rPr lang="pt-BR" sz="2000" b="1" dirty="0" err="1">
-                <a:solidFill>
-                  <a:srgbClr val="FF0000"/>
-                </a:solidFill>
-                <a:latin typeface="Times New Roman" panose="02020603050405020304" pitchFamily="18" charset="0"/>
-                <a:cs typeface="Times New Roman" panose="02020603050405020304" pitchFamily="18" charset="0"/>
-              </a:rPr>
-              <a:t>size</a:t>
-            </a:r>
-            <a:r>
-              <a:rPr lang="pt-BR" sz="2000" dirty="0">
-                <a:solidFill>
-                  <a:schemeClr val="tx1"/>
-                </a:solidFill>
-                <a:latin typeface="Times New Roman" panose="02020603050405020304" pitchFamily="18" charset="0"/>
-                <a:cs typeface="Times New Roman" panose="02020603050405020304" pitchFamily="18" charset="0"/>
-              </a:rPr>
-              <a:t>="80“ </a:t>
-            </a:r>
-          </a:p>
-          <a:p>
-            <a:pPr marL="0" indent="0" algn="just">
-              <a:buNone/>
-            </a:pPr>
-            <a:r>
-              <a:rPr lang="pt-BR" sz="2000" dirty="0">
-                <a:solidFill>
-                  <a:schemeClr val="tx1"/>
-                </a:solidFill>
-                <a:latin typeface="Times New Roman" panose="02020603050405020304" pitchFamily="18" charset="0"/>
-                <a:cs typeface="Times New Roman" panose="02020603050405020304" pitchFamily="18" charset="0"/>
-              </a:rPr>
-              <a:t>			   </a:t>
-            </a:r>
-            <a:r>
-              <a:rPr lang="pt-BR" sz="2000" b="1" dirty="0" err="1">
-                <a:solidFill>
-                  <a:srgbClr val="FF0000"/>
-                </a:solidFill>
-                <a:latin typeface="Times New Roman" panose="02020603050405020304" pitchFamily="18" charset="0"/>
-                <a:cs typeface="Times New Roman" panose="02020603050405020304" pitchFamily="18" charset="0"/>
-              </a:rPr>
-              <a:t>maxlength</a:t>
-            </a:r>
-            <a:r>
-              <a:rPr lang="pt-BR" sz="2000" dirty="0">
-                <a:solidFill>
-                  <a:schemeClr val="tx1"/>
-                </a:solidFill>
-                <a:latin typeface="Times New Roman" panose="02020603050405020304" pitchFamily="18" charset="0"/>
-                <a:cs typeface="Times New Roman" panose="02020603050405020304" pitchFamily="18" charset="0"/>
-              </a:rPr>
-              <a:t>="60“	</a:t>
-            </a:r>
-            <a:r>
-              <a:rPr lang="pt-BR" sz="2000" b="1" dirty="0" err="1">
-                <a:solidFill>
-                  <a:srgbClr val="FF0000"/>
-                </a:solidFill>
-                <a:latin typeface="Times New Roman" panose="02020603050405020304" pitchFamily="18" charset="0"/>
-                <a:cs typeface="Times New Roman" panose="02020603050405020304" pitchFamily="18" charset="0"/>
-              </a:rPr>
-              <a:t>required</a:t>
-            </a:r>
-            <a:r>
-              <a:rPr lang="pt-BR" sz="2000" dirty="0">
-                <a:solidFill>
-                  <a:schemeClr val="tx1"/>
-                </a:solidFill>
-                <a:latin typeface="Times New Roman" panose="02020603050405020304" pitchFamily="18" charset="0"/>
-                <a:cs typeface="Times New Roman" panose="02020603050405020304" pitchFamily="18" charset="0"/>
-              </a:rPr>
-              <a:t>  /&gt;</a:t>
-            </a:r>
-          </a:p>
-          <a:p>
-            <a:pPr marL="0" indent="0" algn="just">
-              <a:buNone/>
-            </a:pPr>
-            <a:r>
-              <a:rPr lang="pt-BR" sz="2000" dirty="0">
-                <a:solidFill>
-                  <a:schemeClr val="tx1"/>
-                </a:solidFill>
-                <a:latin typeface="Times New Roman" panose="02020603050405020304" pitchFamily="18" charset="0"/>
-                <a:cs typeface="Times New Roman" panose="02020603050405020304" pitchFamily="18" charset="0"/>
-              </a:rPr>
-              <a:t>        	&lt;/</a:t>
-            </a:r>
-            <a:r>
-              <a:rPr lang="pt-BR" sz="2000" dirty="0" err="1">
-                <a:solidFill>
-                  <a:schemeClr val="tx1"/>
-                </a:solidFill>
-                <a:latin typeface="Times New Roman" panose="02020603050405020304" pitchFamily="18" charset="0"/>
-                <a:cs typeface="Times New Roman" panose="02020603050405020304" pitchFamily="18" charset="0"/>
-              </a:rPr>
-              <a:t>label</a:t>
-            </a:r>
-            <a:r>
-              <a:rPr lang="pt-BR" sz="2000" dirty="0">
-                <a:solidFill>
-                  <a:schemeClr val="tx1"/>
-                </a:solidFill>
-                <a:latin typeface="Times New Roman" panose="02020603050405020304" pitchFamily="18" charset="0"/>
-                <a:cs typeface="Times New Roman" panose="02020603050405020304" pitchFamily="18" charset="0"/>
-              </a:rPr>
-              <a:t>&gt;</a:t>
-            </a:r>
-          </a:p>
-          <a:p>
-            <a:pPr marL="0" indent="0" algn="just">
-              <a:buNone/>
-            </a:pPr>
-            <a:r>
-              <a:rPr lang="pt-BR" sz="2000" dirty="0">
-                <a:solidFill>
-                  <a:schemeClr val="tx1"/>
-                </a:solidFill>
-                <a:latin typeface="Times New Roman" panose="02020603050405020304" pitchFamily="18" charset="0"/>
-                <a:cs typeface="Times New Roman" panose="02020603050405020304" pitchFamily="18" charset="0"/>
-              </a:rPr>
-              <a:t>        &lt;</a:t>
-            </a:r>
-            <a:r>
-              <a:rPr lang="pt-BR" sz="2000" b="1" dirty="0">
-                <a:solidFill>
-                  <a:schemeClr val="tx1"/>
-                </a:solidFill>
-                <a:latin typeface="Times New Roman" panose="02020603050405020304" pitchFamily="18" charset="0"/>
-                <a:cs typeface="Times New Roman" panose="02020603050405020304" pitchFamily="18" charset="0"/>
-              </a:rPr>
-              <a:t>p</a:t>
-            </a:r>
-            <a:r>
-              <a:rPr lang="pt-BR" sz="2000" dirty="0">
-                <a:solidFill>
-                  <a:schemeClr val="tx1"/>
-                </a:solidFill>
-                <a:latin typeface="Times New Roman" panose="02020603050405020304" pitchFamily="18" charset="0"/>
-                <a:cs typeface="Times New Roman" panose="02020603050405020304" pitchFamily="18" charset="0"/>
-              </a:rPr>
-              <a:t>&gt;&lt;/p&gt;</a:t>
-            </a:r>
-          </a:p>
-          <a:p>
-            <a:pPr marL="0" indent="0" algn="just">
-              <a:buNone/>
-            </a:pPr>
-            <a:r>
-              <a:rPr lang="pt-BR" sz="2000" dirty="0">
-                <a:solidFill>
-                  <a:schemeClr val="tx1"/>
-                </a:solidFill>
-                <a:latin typeface="Times New Roman" panose="02020603050405020304" pitchFamily="18" charset="0"/>
-                <a:cs typeface="Times New Roman" panose="02020603050405020304" pitchFamily="18" charset="0"/>
-              </a:rPr>
-              <a:t>      &lt;/</a:t>
-            </a:r>
-            <a:r>
-              <a:rPr lang="pt-BR" sz="2000" dirty="0" err="1">
-                <a:solidFill>
-                  <a:schemeClr val="tx1"/>
-                </a:solidFill>
-                <a:latin typeface="Times New Roman" panose="02020603050405020304" pitchFamily="18" charset="0"/>
-                <a:cs typeface="Times New Roman" panose="02020603050405020304" pitchFamily="18" charset="0"/>
-              </a:rPr>
-              <a:t>div</a:t>
-            </a:r>
-            <a:r>
-              <a:rPr lang="pt-BR" sz="2000" dirty="0">
+              <a:t>value</a:t>
+            </a:r>
+            <a:r>
+              <a:rPr lang="en-US" sz="1800" dirty="0">
+                <a:solidFill>
+                  <a:schemeClr val="tx1"/>
+                </a:solidFill>
+                <a:latin typeface="Times New Roman" panose="02020603050405020304" pitchFamily="18" charset="0"/>
+                <a:cs typeface="Times New Roman" panose="02020603050405020304" pitchFamily="18" charset="0"/>
+              </a:rPr>
+              <a:t>="Submit"&gt;</a:t>
+            </a:r>
+          </a:p>
+          <a:p>
+            <a:pPr marL="0" indent="0" algn="just">
+              <a:buNone/>
+            </a:pPr>
+            <a:r>
+              <a:rPr lang="pt-BR" sz="1800" dirty="0">
+                <a:solidFill>
+                  <a:schemeClr val="tx1"/>
+                </a:solidFill>
+                <a:latin typeface="Times New Roman" panose="02020603050405020304" pitchFamily="18" charset="0"/>
+                <a:cs typeface="Times New Roman" panose="02020603050405020304" pitchFamily="18" charset="0"/>
+              </a:rPr>
+              <a:t>&lt;/</a:t>
+            </a:r>
+            <a:r>
+              <a:rPr lang="pt-BR" sz="1800" dirty="0" err="1">
+                <a:solidFill>
+                  <a:schemeClr val="tx1"/>
+                </a:solidFill>
+                <a:latin typeface="Times New Roman" panose="02020603050405020304" pitchFamily="18" charset="0"/>
+                <a:cs typeface="Times New Roman" panose="02020603050405020304" pitchFamily="18" charset="0"/>
+              </a:rPr>
+              <a:t>form</a:t>
+            </a:r>
+            <a:r>
+              <a:rPr lang="pt-BR" sz="1800" dirty="0">
                 <a:solidFill>
                   <a:schemeClr val="tx1"/>
                 </a:solidFill>
@@ -20852,7 +20598,7 @@
     </p:spTree>
     <p:extLst>
       <p:ext uri="{BB962C8B-B14F-4D97-AF65-F5344CB8AC3E}">
-        <p14:creationId xmlns:p14="http://schemas.microsoft.com/office/powerpoint/2010/main" val="1023638232"/>
+        <p14:creationId xmlns:p14="http://schemas.microsoft.com/office/powerpoint/2010/main" val="943449933"/>
       </p:ext>
     </p:extLst>
   </p:cSld>
@@ -20946,7 +20692,7 @@
                 <a:latin typeface="Times New Roman" panose="02020603050405020304" pitchFamily="18" charset="0"/>
                 <a:cs typeface="Times New Roman" panose="02020603050405020304" pitchFamily="18" charset="0"/>
               </a:rPr>
-              <a:t>Exemplo3</a:t>
+              <a:t>Exemplo2</a:t>
             </a:r>
             <a:r>
               <a:rPr lang="pt-BR" sz="2000" dirty="0">
@@ -20983,7 +20729,7 @@
                 <a:latin typeface="Times New Roman" panose="02020603050405020304" pitchFamily="18" charset="0"/>
                 <a:cs typeface="Times New Roman" panose="02020603050405020304" pitchFamily="18" charset="0"/>
               </a:rPr>
-              <a:t>  &lt;</a:t>
+              <a:t> &lt;</a:t>
             </a:r>
             <a:r>
               <a:rPr lang="pt-BR" sz="2000" b="1" dirty="0" err="1">
@@ -21006,14 +20752,164 @@
               <a:t> </a:t>
             </a:r>
             <a:r>
+              <a:rPr lang="pt-BR" sz="2000" dirty="0" err="1">
+                <a:solidFill>
+                  <a:schemeClr val="tx1"/>
+                </a:solidFill>
+                <a:latin typeface="Times New Roman" panose="02020603050405020304" pitchFamily="18" charset="0"/>
+                <a:cs typeface="Times New Roman" panose="02020603050405020304" pitchFamily="18" charset="0"/>
+              </a:rPr>
+              <a:t>action</a:t>
+            </a:r>
+            <a:r>
+              <a:rPr lang="pt-BR" sz="2000" dirty="0">
+                <a:solidFill>
+                  <a:schemeClr val="tx1"/>
+                </a:solidFill>
+                <a:latin typeface="Times New Roman" panose="02020603050405020304" pitchFamily="18" charset="0"/>
+                <a:cs typeface="Times New Roman" panose="02020603050405020304" pitchFamily="18" charset="0"/>
+              </a:rPr>
+              <a:t>="</a:t>
+            </a:r>
+            <a:r>
+              <a:rPr lang="pt-BR" sz="2000" dirty="0" err="1">
+                <a:solidFill>
+                  <a:schemeClr val="tx1"/>
+                </a:solidFill>
+                <a:latin typeface="Times New Roman" panose="02020603050405020304" pitchFamily="18" charset="0"/>
+                <a:cs typeface="Times New Roman" panose="02020603050405020304" pitchFamily="18" charset="0"/>
+              </a:rPr>
+              <a:t>FCadAluno.php</a:t>
+            </a:r>
+            <a:r>
+              <a:rPr lang="pt-BR" sz="2000" dirty="0">
+                <a:solidFill>
+                  <a:schemeClr val="tx1"/>
+                </a:solidFill>
+                <a:latin typeface="Times New Roman" panose="02020603050405020304" pitchFamily="18" charset="0"/>
+                <a:cs typeface="Times New Roman" panose="02020603050405020304" pitchFamily="18" charset="0"/>
+              </a:rPr>
+              <a:t>" </a:t>
+            </a:r>
+            <a:r>
+              <a:rPr lang="pt-BR" sz="2000" dirty="0" err="1">
+                <a:solidFill>
+                  <a:schemeClr val="tx1"/>
+                </a:solidFill>
+                <a:latin typeface="Times New Roman" panose="02020603050405020304" pitchFamily="18" charset="0"/>
+                <a:cs typeface="Times New Roman" panose="02020603050405020304" pitchFamily="18" charset="0"/>
+              </a:rPr>
+              <a:t>method</a:t>
+            </a:r>
+            <a:r>
+              <a:rPr lang="pt-BR" sz="2000" dirty="0">
+                <a:solidFill>
+                  <a:schemeClr val="tx1"/>
+                </a:solidFill>
+                <a:latin typeface="Times New Roman" panose="02020603050405020304" pitchFamily="18" charset="0"/>
+                <a:cs typeface="Times New Roman" panose="02020603050405020304" pitchFamily="18" charset="0"/>
+              </a:rPr>
+              <a:t>="</a:t>
+            </a:r>
+            <a:r>
+              <a:rPr lang="pt-BR" sz="2000" dirty="0" err="1">
+                <a:solidFill>
+                  <a:schemeClr val="tx1"/>
+                </a:solidFill>
+                <a:latin typeface="Times New Roman" panose="02020603050405020304" pitchFamily="18" charset="0"/>
+                <a:cs typeface="Times New Roman" panose="02020603050405020304" pitchFamily="18" charset="0"/>
+              </a:rPr>
+              <a:t>get</a:t>
+            </a:r>
+            <a:r>
+              <a:rPr lang="pt-BR" sz="2000" dirty="0">
+                <a:solidFill>
+                  <a:schemeClr val="tx1"/>
+                </a:solidFill>
+                <a:latin typeface="Times New Roman" panose="02020603050405020304" pitchFamily="18" charset="0"/>
+                <a:cs typeface="Times New Roman" panose="02020603050405020304" pitchFamily="18" charset="0"/>
+              </a:rPr>
+              <a:t>"&gt;</a:t>
+            </a:r>
+          </a:p>
+          <a:p>
+            <a:pPr marL="0" indent="0" algn="just">
+              <a:buNone/>
+            </a:pPr>
+            <a:r>
+              <a:rPr lang="pt-BR" sz="2000" dirty="0">
+                <a:solidFill>
+                  <a:schemeClr val="tx1"/>
+                </a:solidFill>
+                <a:latin typeface="Times New Roman" panose="02020603050405020304" pitchFamily="18" charset="0"/>
+                <a:cs typeface="Times New Roman" panose="02020603050405020304" pitchFamily="18" charset="0"/>
+              </a:rPr>
+              <a:t>      &lt;</a:t>
+            </a:r>
+            <a:r>
               <a:rPr lang="pt-BR" sz="2000" b="1" dirty="0" err="1">
                 <a:solidFill>
+                  <a:schemeClr val="tx1"/>
+                </a:solidFill>
+                <a:latin typeface="Times New Roman" panose="02020603050405020304" pitchFamily="18" charset="0"/>
+                <a:cs typeface="Times New Roman" panose="02020603050405020304" pitchFamily="18" charset="0"/>
+              </a:rPr>
+              <a:t>div</a:t>
+            </a:r>
+            <a:r>
+              <a:rPr lang="pt-BR" sz="2000" dirty="0">
+                <a:solidFill>
+                  <a:schemeClr val="tx1"/>
+                </a:solidFill>
+                <a:latin typeface="Times New Roman" panose="02020603050405020304" pitchFamily="18" charset="0"/>
+                <a:cs typeface="Times New Roman" panose="02020603050405020304" pitchFamily="18" charset="0"/>
+              </a:rPr>
+              <a:t>&gt;</a:t>
+            </a:r>
+          </a:p>
+          <a:p>
+            <a:pPr marL="0" indent="0" algn="just">
+              <a:buNone/>
+            </a:pPr>
+            <a:r>
+              <a:rPr lang="pt-BR" sz="2000" dirty="0">
+                <a:solidFill>
+                  <a:schemeClr val="tx1"/>
+                </a:solidFill>
+                <a:latin typeface="Times New Roman" panose="02020603050405020304" pitchFamily="18" charset="0"/>
+                <a:cs typeface="Times New Roman" panose="02020603050405020304" pitchFamily="18" charset="0"/>
+              </a:rPr>
+              <a:t>        	&lt;</a:t>
+            </a:r>
+            <a:r>
+              <a:rPr lang="pt-BR" sz="2000" b="1" dirty="0" err="1">
+                <a:solidFill>
+                  <a:schemeClr val="tx1"/>
+                </a:solidFill>
+                <a:latin typeface="Times New Roman" panose="02020603050405020304" pitchFamily="18" charset="0"/>
+                <a:cs typeface="Times New Roman" panose="02020603050405020304" pitchFamily="18" charset="0"/>
+              </a:rPr>
+              <a:t>label</a:t>
+            </a:r>
+            <a:r>
+              <a:rPr lang="pt-BR" sz="2000" dirty="0">
+                <a:solidFill>
+                  <a:schemeClr val="tx1"/>
+                </a:solidFill>
+                <a:latin typeface="Times New Roman" panose="02020603050405020304" pitchFamily="18" charset="0"/>
+                <a:cs typeface="Times New Roman" panose="02020603050405020304" pitchFamily="18" charset="0"/>
+              </a:rPr>
+              <a:t> </a:t>
+            </a:r>
+            <a:r>
+              <a:rPr lang="pt-BR" sz="2000" b="1" dirty="0">
+                <a:solidFill>
                   <a:srgbClr val="FF0000"/>
                 </a:solidFill>
                 <a:latin typeface="Times New Roman" panose="02020603050405020304" pitchFamily="18" charset="0"/>
                 <a:cs typeface="Times New Roman" panose="02020603050405020304" pitchFamily="18" charset="0"/>
               </a:rPr>
-              <a:t>oninput</a:t>
+              <a:t>for</a:t>
             </a:r>
             <a:r>
               <a:rPr lang="pt-BR" sz="2000" dirty="0">
@@ -21023,6 +20919,61 @@
                 <a:latin typeface="Times New Roman" panose="02020603050405020304" pitchFamily="18" charset="0"/>
                 <a:cs typeface="Times New Roman" panose="02020603050405020304" pitchFamily="18" charset="0"/>
               </a:rPr>
+              <a:t>="nome"&gt; Nome</a:t>
+            </a:r>
+          </a:p>
+          <a:p>
+            <a:pPr marL="0" indent="0" algn="just">
+              <a:buNone/>
+            </a:pPr>
+            <a:r>
+              <a:rPr lang="pt-BR" sz="2000" dirty="0">
+                <a:solidFill>
+                  <a:schemeClr val="tx1"/>
+                </a:solidFill>
+                <a:latin typeface="Times New Roman" panose="02020603050405020304" pitchFamily="18" charset="0"/>
+                <a:cs typeface="Times New Roman" panose="02020603050405020304" pitchFamily="18" charset="0"/>
+              </a:rPr>
+              <a:t>          		&lt;</a:t>
+            </a:r>
+            <a:r>
+              <a:rPr lang="pt-BR" sz="2000" b="1" dirty="0">
+                <a:solidFill>
+                  <a:schemeClr val="tx1"/>
+                </a:solidFill>
+                <a:latin typeface="Times New Roman" panose="02020603050405020304" pitchFamily="18" charset="0"/>
+                <a:cs typeface="Times New Roman" panose="02020603050405020304" pitchFamily="18" charset="0"/>
+              </a:rPr>
+              <a:t>input</a:t>
+            </a:r>
+            <a:r>
+              <a:rPr lang="pt-BR" sz="2000" dirty="0">
+                <a:solidFill>
+                  <a:schemeClr val="tx1"/>
+                </a:solidFill>
+                <a:latin typeface="Times New Roman" panose="02020603050405020304" pitchFamily="18" charset="0"/>
+                <a:cs typeface="Times New Roman" panose="02020603050405020304" pitchFamily="18" charset="0"/>
+              </a:rPr>
+              <a:t> </a:t>
+            </a:r>
+            <a:r>
+              <a:rPr lang="pt-BR" sz="2000" b="1" dirty="0" err="1">
+                <a:solidFill>
+                  <a:srgbClr val="FF0000"/>
+                </a:solidFill>
+                <a:latin typeface="Times New Roman" panose="02020603050405020304" pitchFamily="18" charset="0"/>
+                <a:cs typeface="Times New Roman" panose="02020603050405020304" pitchFamily="18" charset="0"/>
+              </a:rPr>
+              <a:t>type</a:t>
+            </a:r>
+            <a:r>
+              <a:rPr lang="pt-BR" sz="2000" dirty="0">
+                <a:solidFill>
+                  <a:schemeClr val="tx1"/>
+                </a:solidFill>
+                <a:latin typeface="Times New Roman" panose="02020603050405020304" pitchFamily="18" charset="0"/>
+                <a:cs typeface="Times New Roman" panose="02020603050405020304" pitchFamily="18" charset="0"/>
+              </a:rPr>
               <a:t>="</a:t>
             </a:r>
             <a:r>
@@ -21033,7 +20984,7 @@
                 <a:latin typeface="Times New Roman" panose="02020603050405020304" pitchFamily="18" charset="0"/>
                 <a:cs typeface="Times New Roman" panose="02020603050405020304" pitchFamily="18" charset="0"/>
               </a:rPr>
-              <a:t>result.value</a:t>
+              <a:t>text</a:t>
             </a:r>
             <a:r>
               <a:rPr lang="pt-BR" sz="2000" dirty="0">
@@ -21043,7 +20994,137 @@
                 <a:latin typeface="Times New Roman" panose="02020603050405020304" pitchFamily="18" charset="0"/>
                 <a:cs typeface="Times New Roman" panose="02020603050405020304" pitchFamily="18" charset="0"/>
               </a:rPr>
-              <a:t> = </a:t>
+              <a:t>“  </a:t>
+            </a:r>
+            <a:r>
+              <a:rPr lang="pt-BR" sz="2000" b="1" dirty="0" err="1">
+                <a:solidFill>
+                  <a:srgbClr val="FF0000"/>
+                </a:solidFill>
+                <a:latin typeface="Times New Roman" panose="02020603050405020304" pitchFamily="18" charset="0"/>
+                <a:cs typeface="Times New Roman" panose="02020603050405020304" pitchFamily="18" charset="0"/>
+              </a:rPr>
+              <a:t>name</a:t>
+            </a:r>
+            <a:r>
+              <a:rPr lang="pt-BR" sz="2000" dirty="0">
+                <a:solidFill>
+                  <a:schemeClr val="tx1"/>
+                </a:solidFill>
+                <a:latin typeface="Times New Roman" panose="02020603050405020304" pitchFamily="18" charset="0"/>
+                <a:cs typeface="Times New Roman" panose="02020603050405020304" pitchFamily="18" charset="0"/>
+              </a:rPr>
+              <a:t>="nome“  </a:t>
+            </a:r>
+            <a:r>
+              <a:rPr lang="pt-BR" sz="2000" b="1" dirty="0">
+                <a:solidFill>
+                  <a:srgbClr val="FF0000"/>
+                </a:solidFill>
+                <a:latin typeface="Times New Roman" panose="02020603050405020304" pitchFamily="18" charset="0"/>
+                <a:cs typeface="Times New Roman" panose="02020603050405020304" pitchFamily="18" charset="0"/>
+              </a:rPr>
+              <a:t>id</a:t>
+            </a:r>
+            <a:r>
+              <a:rPr lang="pt-BR" sz="2000" dirty="0">
+                <a:solidFill>
+                  <a:schemeClr val="tx1"/>
+                </a:solidFill>
+                <a:latin typeface="Times New Roman" panose="02020603050405020304" pitchFamily="18" charset="0"/>
+                <a:cs typeface="Times New Roman" panose="02020603050405020304" pitchFamily="18" charset="0"/>
+              </a:rPr>
+              <a:t>="nome“ </a:t>
+            </a:r>
+            <a:r>
+              <a:rPr lang="pt-BR" sz="2000" b="1" dirty="0" err="1">
+                <a:solidFill>
+                  <a:srgbClr val="FF0000"/>
+                </a:solidFill>
+                <a:latin typeface="Times New Roman" panose="02020603050405020304" pitchFamily="18" charset="0"/>
+                <a:cs typeface="Times New Roman" panose="02020603050405020304" pitchFamily="18" charset="0"/>
+              </a:rPr>
+              <a:t>size</a:t>
+            </a:r>
+            <a:r>
+              <a:rPr lang="pt-BR" sz="2000" dirty="0">
+                <a:solidFill>
+                  <a:schemeClr val="tx1"/>
+                </a:solidFill>
+                <a:latin typeface="Times New Roman" panose="02020603050405020304" pitchFamily="18" charset="0"/>
+                <a:cs typeface="Times New Roman" panose="02020603050405020304" pitchFamily="18" charset="0"/>
+              </a:rPr>
+              <a:t>="80“ </a:t>
+            </a:r>
+          </a:p>
+          <a:p>
+            <a:pPr marL="0" indent="0" algn="just">
+              <a:buNone/>
+            </a:pPr>
+            <a:r>
+              <a:rPr lang="pt-BR" sz="2000" dirty="0">
+                <a:solidFill>
+                  <a:schemeClr val="tx1"/>
+                </a:solidFill>
+                <a:latin typeface="Times New Roman" panose="02020603050405020304" pitchFamily="18" charset="0"/>
+                <a:cs typeface="Times New Roman" panose="02020603050405020304" pitchFamily="18" charset="0"/>
+              </a:rPr>
+              <a:t>			   </a:t>
+            </a:r>
+            <a:r>
+              <a:rPr lang="pt-BR" sz="2000" b="1" dirty="0" err="1">
+                <a:solidFill>
+                  <a:srgbClr val="FF0000"/>
+                </a:solidFill>
+                <a:latin typeface="Times New Roman" panose="02020603050405020304" pitchFamily="18" charset="0"/>
+                <a:cs typeface="Times New Roman" panose="02020603050405020304" pitchFamily="18" charset="0"/>
+              </a:rPr>
+              <a:t>maxlength</a:t>
+            </a:r>
+            <a:r>
+              <a:rPr lang="pt-BR" sz="2000" dirty="0">
+                <a:solidFill>
+                  <a:schemeClr val="tx1"/>
+                </a:solidFill>
+                <a:latin typeface="Times New Roman" panose="02020603050405020304" pitchFamily="18" charset="0"/>
+                <a:cs typeface="Times New Roman" panose="02020603050405020304" pitchFamily="18" charset="0"/>
+              </a:rPr>
+              <a:t>="60“	</a:t>
+            </a:r>
+            <a:r>
+              <a:rPr lang="pt-BR" sz="2000" b="1" dirty="0" err="1">
+                <a:solidFill>
+                  <a:srgbClr val="FF0000"/>
+                </a:solidFill>
+                <a:latin typeface="Times New Roman" panose="02020603050405020304" pitchFamily="18" charset="0"/>
+                <a:cs typeface="Times New Roman" panose="02020603050405020304" pitchFamily="18" charset="0"/>
+              </a:rPr>
+              <a:t>required</a:t>
+            </a:r>
+            <a:r>
+              <a:rPr lang="pt-BR" sz="2000" dirty="0">
+                <a:solidFill>
+                  <a:schemeClr val="tx1"/>
+                </a:solidFill>
+                <a:latin typeface="Times New Roman" panose="02020603050405020304" pitchFamily="18" charset="0"/>
+                <a:cs typeface="Times New Roman" panose="02020603050405020304" pitchFamily="18" charset="0"/>
+              </a:rPr>
+              <a:t>  /&gt;</a:t>
+            </a:r>
+          </a:p>
+          <a:p>
+            <a:pPr marL="0" indent="0" algn="just">
+              <a:buNone/>
+            </a:pPr>
+            <a:r>
+              <a:rPr lang="pt-BR" sz="2000" dirty="0">
+                <a:solidFill>
+                  <a:schemeClr val="tx1"/>
+                </a:solidFill>
+                <a:latin typeface="Times New Roman" panose="02020603050405020304" pitchFamily="18" charset="0"/>
+                <a:cs typeface="Times New Roman" panose="02020603050405020304" pitchFamily="18" charset="0"/>
+              </a:rPr>
+              <a:t>        	&lt;/</a:t>
             </a:r>
             <a:r>
               <a:rPr lang="pt-BR" sz="2000" dirty="0" err="1">
@@ -21053,7 +21134,7 @@
                 <a:latin typeface="Times New Roman" panose="02020603050405020304" pitchFamily="18" charset="0"/>
                 <a:cs typeface="Times New Roman" panose="02020603050405020304" pitchFamily="18" charset="0"/>
               </a:rPr>
-              <a:t>parseInt</a:t>
+              <a:t>label</a:t>
             </a:r>
             <a:r>
               <a:rPr lang="pt-BR" sz="2000" dirty="0">
@@ -21063,7 +21144,57 @@
                 <a:latin typeface="Times New Roman" panose="02020603050405020304" pitchFamily="18" charset="0"/>
                 <a:cs typeface="Times New Roman" panose="02020603050405020304" pitchFamily="18" charset="0"/>
               </a:rPr>
-              <a:t>(</a:t>
+              <a:t>&gt;</a:t>
+            </a:r>
+          </a:p>
+          <a:p>
+            <a:pPr marL="0" indent="0" algn="just">
+              <a:buNone/>
+            </a:pPr>
+            <a:r>
+              <a:rPr lang="pt-BR" sz="2000" dirty="0">
+                <a:solidFill>
+                  <a:schemeClr val="tx1"/>
+                </a:solidFill>
+                <a:latin typeface="Times New Roman" panose="02020603050405020304" pitchFamily="18" charset="0"/>
+                <a:cs typeface="Times New Roman" panose="02020603050405020304" pitchFamily="18" charset="0"/>
+              </a:rPr>
+              <a:t>        &lt;</a:t>
+            </a:r>
+            <a:r>
+              <a:rPr lang="pt-BR" sz="2000" b="1" dirty="0">
+                <a:solidFill>
+                  <a:schemeClr val="tx1"/>
+                </a:solidFill>
+                <a:latin typeface="Times New Roman" panose="02020603050405020304" pitchFamily="18" charset="0"/>
+                <a:cs typeface="Times New Roman" panose="02020603050405020304" pitchFamily="18" charset="0"/>
+              </a:rPr>
+              <a:t>p</a:t>
+            </a:r>
+            <a:r>
+              <a:rPr lang="pt-BR" sz="2000" dirty="0">
+                <a:solidFill>
+                  <a:schemeClr val="tx1"/>
+                </a:solidFill>
+                <a:latin typeface="Times New Roman" panose="02020603050405020304" pitchFamily="18" charset="0"/>
+                <a:cs typeface="Times New Roman" panose="02020603050405020304" pitchFamily="18" charset="0"/>
+              </a:rPr>
+              <a:t>&gt;&lt;/p&gt;</a:t>
+            </a:r>
+          </a:p>
+          <a:p>
+            <a:pPr marL="0" indent="0" algn="just">
+              <a:buNone/>
+            </a:pPr>
+            <a:r>
+              <a:rPr lang="pt-BR" sz="2000" dirty="0">
+                <a:solidFill>
+                  <a:schemeClr val="tx1"/>
+                </a:solidFill>
+                <a:latin typeface="Times New Roman" panose="02020603050405020304" pitchFamily="18" charset="0"/>
+                <a:cs typeface="Times New Roman" panose="02020603050405020304" pitchFamily="18" charset="0"/>
+              </a:rPr>
+              <a:t>      &lt;/</a:t>
             </a:r>
             <a:r>
               <a:rPr lang="pt-BR" sz="2000" dirty="0" err="1">
@@ -21073,337 +21204,7 @@
                 <a:latin typeface="Times New Roman" panose="02020603050405020304" pitchFamily="18" charset="0"/>
                 <a:cs typeface="Times New Roman" panose="02020603050405020304" pitchFamily="18" charset="0"/>
               </a:rPr>
-              <a:t>a.value</a:t>
-            </a:r>
-            <a:r>
-              <a:rPr lang="pt-BR" sz="2000" dirty="0">
-                <a:solidFill>
-                  <a:schemeClr val="tx1"/>
-                </a:solidFill>
-                <a:latin typeface="Times New Roman" panose="02020603050405020304" pitchFamily="18" charset="0"/>
-                <a:cs typeface="Times New Roman" panose="02020603050405020304" pitchFamily="18" charset="0"/>
-              </a:rPr>
-              <a:t>) + </a:t>
-            </a:r>
-            <a:r>
-              <a:rPr lang="pt-BR" sz="2000" dirty="0" err="1">
-                <a:solidFill>
-                  <a:schemeClr val="tx1"/>
-                </a:solidFill>
-                <a:latin typeface="Times New Roman" panose="02020603050405020304" pitchFamily="18" charset="0"/>
-                <a:cs typeface="Times New Roman" panose="02020603050405020304" pitchFamily="18" charset="0"/>
-              </a:rPr>
-              <a:t>parseInt</a:t>
-            </a:r>
-            <a:r>
-              <a:rPr lang="pt-BR" sz="2000" dirty="0">
-                <a:solidFill>
-                  <a:schemeClr val="tx1"/>
-                </a:solidFill>
-                <a:latin typeface="Times New Roman" panose="02020603050405020304" pitchFamily="18" charset="0"/>
-                <a:cs typeface="Times New Roman" panose="02020603050405020304" pitchFamily="18" charset="0"/>
-              </a:rPr>
-              <a:t>(</a:t>
-            </a:r>
-            <a:r>
-              <a:rPr lang="pt-BR" sz="2000" dirty="0" err="1">
-                <a:solidFill>
-                  <a:schemeClr val="tx1"/>
-                </a:solidFill>
-                <a:latin typeface="Times New Roman" panose="02020603050405020304" pitchFamily="18" charset="0"/>
-                <a:cs typeface="Times New Roman" panose="02020603050405020304" pitchFamily="18" charset="0"/>
-              </a:rPr>
-              <a:t>b.value</a:t>
-            </a:r>
-            <a:r>
-              <a:rPr lang="pt-BR" sz="2000" dirty="0">
-                <a:solidFill>
-                  <a:schemeClr val="tx1"/>
-                </a:solidFill>
-                <a:latin typeface="Times New Roman" panose="02020603050405020304" pitchFamily="18" charset="0"/>
-                <a:cs typeface="Times New Roman" panose="02020603050405020304" pitchFamily="18" charset="0"/>
-              </a:rPr>
-              <a:t>)"&gt;</a:t>
-            </a:r>
-          </a:p>
-          <a:p>
-            <a:pPr marL="0" indent="0" algn="just">
-              <a:buNone/>
-            </a:pPr>
-            <a:r>
-              <a:rPr lang="pt-BR" sz="2000" dirty="0">
-                <a:solidFill>
-                  <a:schemeClr val="tx1"/>
-                </a:solidFill>
-                <a:latin typeface="Times New Roman" panose="02020603050405020304" pitchFamily="18" charset="0"/>
-                <a:cs typeface="Times New Roman" panose="02020603050405020304" pitchFamily="18" charset="0"/>
-              </a:rPr>
-              <a:t>	0 &lt;</a:t>
-            </a:r>
-            <a:r>
-              <a:rPr lang="pt-BR" sz="2000" b="1" dirty="0">
-                <a:solidFill>
-                  <a:schemeClr val="tx1"/>
-                </a:solidFill>
-                <a:latin typeface="Times New Roman" panose="02020603050405020304" pitchFamily="18" charset="0"/>
-                <a:cs typeface="Times New Roman" panose="02020603050405020304" pitchFamily="18" charset="0"/>
-              </a:rPr>
-              <a:t>input</a:t>
-            </a:r>
-            <a:r>
-              <a:rPr lang="pt-BR" sz="2000" dirty="0">
-                <a:solidFill>
-                  <a:schemeClr val="tx1"/>
-                </a:solidFill>
-                <a:latin typeface="Times New Roman" panose="02020603050405020304" pitchFamily="18" charset="0"/>
-                <a:cs typeface="Times New Roman" panose="02020603050405020304" pitchFamily="18" charset="0"/>
-              </a:rPr>
-              <a:t> </a:t>
-            </a:r>
-            <a:r>
-              <a:rPr lang="pt-BR" sz="2000" b="1" dirty="0" err="1">
-                <a:solidFill>
-                  <a:srgbClr val="FF0000"/>
-                </a:solidFill>
-                <a:latin typeface="Times New Roman" panose="02020603050405020304" pitchFamily="18" charset="0"/>
-                <a:cs typeface="Times New Roman" panose="02020603050405020304" pitchFamily="18" charset="0"/>
-              </a:rPr>
-              <a:t>type</a:t>
-            </a:r>
-            <a:r>
-              <a:rPr lang="pt-BR" sz="2000" dirty="0">
-                <a:solidFill>
-                  <a:schemeClr val="tx1"/>
-                </a:solidFill>
-                <a:latin typeface="Times New Roman" panose="02020603050405020304" pitchFamily="18" charset="0"/>
-                <a:cs typeface="Times New Roman" panose="02020603050405020304" pitchFamily="18" charset="0"/>
-              </a:rPr>
-              <a:t>="range" </a:t>
-            </a:r>
-            <a:r>
-              <a:rPr lang="pt-BR" sz="2000" b="1" dirty="0" err="1">
-                <a:solidFill>
-                  <a:srgbClr val="FF0000"/>
-                </a:solidFill>
-                <a:latin typeface="Times New Roman" panose="02020603050405020304" pitchFamily="18" charset="0"/>
-                <a:cs typeface="Times New Roman" panose="02020603050405020304" pitchFamily="18" charset="0"/>
-              </a:rPr>
-              <a:t>name</a:t>
-            </a:r>
-            <a:r>
-              <a:rPr lang="pt-BR" sz="2000" dirty="0">
-                <a:solidFill>
-                  <a:schemeClr val="tx1"/>
-                </a:solidFill>
-                <a:latin typeface="Times New Roman" panose="02020603050405020304" pitchFamily="18" charset="0"/>
-                <a:cs typeface="Times New Roman" panose="02020603050405020304" pitchFamily="18" charset="0"/>
-              </a:rPr>
-              <a:t>="b" </a:t>
-            </a:r>
-            <a:r>
-              <a:rPr lang="pt-BR" sz="2000" b="1" dirty="0" err="1">
-                <a:solidFill>
-                  <a:srgbClr val="FF0000"/>
-                </a:solidFill>
-                <a:latin typeface="Times New Roman" panose="02020603050405020304" pitchFamily="18" charset="0"/>
-                <a:cs typeface="Times New Roman" panose="02020603050405020304" pitchFamily="18" charset="0"/>
-              </a:rPr>
-              <a:t>value</a:t>
-            </a:r>
-            <a:r>
-              <a:rPr lang="pt-BR" sz="2000" dirty="0">
-                <a:solidFill>
-                  <a:schemeClr val="tx1"/>
-                </a:solidFill>
-                <a:latin typeface="Times New Roman" panose="02020603050405020304" pitchFamily="18" charset="0"/>
-                <a:cs typeface="Times New Roman" panose="02020603050405020304" pitchFamily="18" charset="0"/>
-              </a:rPr>
-              <a:t>="50" /&gt; 100 + &lt;</a:t>
-            </a:r>
-            <a:r>
-              <a:rPr lang="pt-BR" sz="2000" b="1" dirty="0">
-                <a:solidFill>
-                  <a:schemeClr val="tx1"/>
-                </a:solidFill>
-                <a:latin typeface="Times New Roman" panose="02020603050405020304" pitchFamily="18" charset="0"/>
-                <a:cs typeface="Times New Roman" panose="02020603050405020304" pitchFamily="18" charset="0"/>
-              </a:rPr>
-              <a:t>input</a:t>
-            </a:r>
-            <a:r>
-              <a:rPr lang="pt-BR" sz="2000" dirty="0">
-                <a:solidFill>
-                  <a:schemeClr val="tx1"/>
-                </a:solidFill>
-                <a:latin typeface="Times New Roman" panose="02020603050405020304" pitchFamily="18" charset="0"/>
-                <a:cs typeface="Times New Roman" panose="02020603050405020304" pitchFamily="18" charset="0"/>
-              </a:rPr>
-              <a:t> </a:t>
-            </a:r>
-            <a:r>
-              <a:rPr lang="pt-BR" sz="2000" b="1" dirty="0" err="1">
-                <a:solidFill>
-                  <a:srgbClr val="FF0000"/>
-                </a:solidFill>
-                <a:latin typeface="Times New Roman" panose="02020603050405020304" pitchFamily="18" charset="0"/>
-                <a:cs typeface="Times New Roman" panose="02020603050405020304" pitchFamily="18" charset="0"/>
-              </a:rPr>
-              <a:t>type</a:t>
-            </a:r>
-            <a:r>
-              <a:rPr lang="pt-BR" sz="2000" dirty="0">
-                <a:solidFill>
-                  <a:schemeClr val="tx1"/>
-                </a:solidFill>
-                <a:latin typeface="Times New Roman" panose="02020603050405020304" pitchFamily="18" charset="0"/>
-                <a:cs typeface="Times New Roman" panose="02020603050405020304" pitchFamily="18" charset="0"/>
-              </a:rPr>
-              <a:t>="</a:t>
-            </a:r>
-            <a:r>
-              <a:rPr lang="pt-BR" sz="2000" dirty="0" err="1">
-                <a:solidFill>
-                  <a:schemeClr val="tx1"/>
-                </a:solidFill>
-                <a:latin typeface="Times New Roman" panose="02020603050405020304" pitchFamily="18" charset="0"/>
-                <a:cs typeface="Times New Roman" panose="02020603050405020304" pitchFamily="18" charset="0"/>
-              </a:rPr>
-              <a:t>number</a:t>
-            </a:r>
-            <a:r>
-              <a:rPr lang="pt-BR" sz="2000" dirty="0">
-                <a:solidFill>
-                  <a:schemeClr val="tx1"/>
-                </a:solidFill>
-                <a:latin typeface="Times New Roman" panose="02020603050405020304" pitchFamily="18" charset="0"/>
-                <a:cs typeface="Times New Roman" panose="02020603050405020304" pitchFamily="18" charset="0"/>
-              </a:rPr>
-              <a:t>" </a:t>
-            </a:r>
-            <a:r>
-              <a:rPr lang="pt-BR" sz="2000" b="1" dirty="0" err="1">
-                <a:solidFill>
-                  <a:srgbClr val="FF0000"/>
-                </a:solidFill>
-                <a:latin typeface="Times New Roman" panose="02020603050405020304" pitchFamily="18" charset="0"/>
-                <a:cs typeface="Times New Roman" panose="02020603050405020304" pitchFamily="18" charset="0"/>
-              </a:rPr>
-              <a:t>name</a:t>
-            </a:r>
-            <a:r>
-              <a:rPr lang="pt-BR" sz="2000" dirty="0">
-                <a:solidFill>
-                  <a:schemeClr val="tx1"/>
-                </a:solidFill>
-                <a:latin typeface="Times New Roman" panose="02020603050405020304" pitchFamily="18" charset="0"/>
-                <a:cs typeface="Times New Roman" panose="02020603050405020304" pitchFamily="18" charset="0"/>
-              </a:rPr>
-              <a:t>="a" 	</a:t>
-            </a:r>
-            <a:r>
-              <a:rPr lang="pt-BR" sz="2000" b="1" dirty="0" err="1">
-                <a:solidFill>
-                  <a:srgbClr val="FF0000"/>
-                </a:solidFill>
-                <a:latin typeface="Times New Roman" panose="02020603050405020304" pitchFamily="18" charset="0"/>
-                <a:cs typeface="Times New Roman" panose="02020603050405020304" pitchFamily="18" charset="0"/>
-              </a:rPr>
-              <a:t>value</a:t>
-            </a:r>
-            <a:r>
-              <a:rPr lang="pt-BR" sz="2000" dirty="0">
-                <a:solidFill>
-                  <a:schemeClr val="tx1"/>
-                </a:solidFill>
-                <a:latin typeface="Times New Roman" panose="02020603050405020304" pitchFamily="18" charset="0"/>
-                <a:cs typeface="Times New Roman" panose="02020603050405020304" pitchFamily="18" charset="0"/>
-              </a:rPr>
-              <a:t>="10" /&gt; = &lt;</a:t>
-            </a:r>
-            <a:r>
-              <a:rPr lang="pt-BR" sz="2000" b="1" dirty="0">
-                <a:solidFill>
-                  <a:schemeClr val="tx1"/>
-                </a:solidFill>
-                <a:latin typeface="Times New Roman" panose="02020603050405020304" pitchFamily="18" charset="0"/>
-                <a:cs typeface="Times New Roman" panose="02020603050405020304" pitchFamily="18" charset="0"/>
-              </a:rPr>
-              <a:t>output</a:t>
-            </a:r>
-            <a:r>
-              <a:rPr lang="pt-BR" sz="2000" dirty="0">
-                <a:solidFill>
-                  <a:schemeClr val="tx1"/>
-                </a:solidFill>
-                <a:latin typeface="Times New Roman" panose="02020603050405020304" pitchFamily="18" charset="0"/>
-                <a:cs typeface="Times New Roman" panose="02020603050405020304" pitchFamily="18" charset="0"/>
-              </a:rPr>
-              <a:t> </a:t>
-            </a:r>
-            <a:r>
-              <a:rPr lang="pt-BR" sz="2000" b="1" dirty="0" err="1">
-                <a:solidFill>
-                  <a:srgbClr val="FF0000"/>
-                </a:solidFill>
-                <a:latin typeface="Times New Roman" panose="02020603050405020304" pitchFamily="18" charset="0"/>
-                <a:cs typeface="Times New Roman" panose="02020603050405020304" pitchFamily="18" charset="0"/>
-              </a:rPr>
-              <a:t>name</a:t>
-            </a:r>
-            <a:r>
-              <a:rPr lang="pt-BR" sz="2000" dirty="0">
-                <a:solidFill>
-                  <a:schemeClr val="tx1"/>
-                </a:solidFill>
-                <a:latin typeface="Times New Roman" panose="02020603050405020304" pitchFamily="18" charset="0"/>
-                <a:cs typeface="Times New Roman" panose="02020603050405020304" pitchFamily="18" charset="0"/>
-              </a:rPr>
-              <a:t>="</a:t>
-            </a:r>
-            <a:r>
-              <a:rPr lang="pt-BR" sz="2000" dirty="0" err="1">
-                <a:solidFill>
-                  <a:schemeClr val="tx1"/>
-                </a:solidFill>
-                <a:latin typeface="Times New Roman" panose="02020603050405020304" pitchFamily="18" charset="0"/>
-                <a:cs typeface="Times New Roman" panose="02020603050405020304" pitchFamily="18" charset="0"/>
-              </a:rPr>
-              <a:t>result</a:t>
-            </a:r>
-            <a:r>
-              <a:rPr lang="pt-BR" sz="2000" dirty="0">
-                <a:solidFill>
-                  <a:schemeClr val="tx1"/>
-                </a:solidFill>
-                <a:latin typeface="Times New Roman" panose="02020603050405020304" pitchFamily="18" charset="0"/>
-                <a:cs typeface="Times New Roman" panose="02020603050405020304" pitchFamily="18" charset="0"/>
-              </a:rPr>
-              <a:t>"&gt;&lt;/output&gt;</a:t>
-            </a:r>
-          </a:p>
-          <a:p>
-            <a:pPr marL="0" indent="0" algn="just">
-              <a:buNone/>
-            </a:pPr>
-            <a:r>
-              <a:rPr lang="pt-BR" sz="2000" dirty="0">
-                <a:solidFill>
-                  <a:schemeClr val="tx1"/>
-                </a:solidFill>
-                <a:latin typeface="Times New Roman" panose="02020603050405020304" pitchFamily="18" charset="0"/>
-                <a:cs typeface="Times New Roman" panose="02020603050405020304" pitchFamily="18" charset="0"/>
-              </a:rPr>
-              <a:t>  &lt;/</a:t>
-            </a:r>
-            <a:r>
-              <a:rPr lang="pt-BR" sz="2000" dirty="0" err="1">
-                <a:solidFill>
-                  <a:schemeClr val="tx1"/>
-                </a:solidFill>
-                <a:latin typeface="Times New Roman" panose="02020603050405020304" pitchFamily="18" charset="0"/>
-                <a:cs typeface="Times New Roman" panose="02020603050405020304" pitchFamily="18" charset="0"/>
-              </a:rPr>
-              <a:t>form</a:t>
+              <a:t>div</a:t>
             </a:r>
             <a:r>
               <a:rPr lang="pt-BR" sz="2000" dirty="0">
@@ -21421,7 +21222,7 @@
     </p:spTree>
     <p:extLst>
       <p:ext uri="{BB962C8B-B14F-4D97-AF65-F5344CB8AC3E}">
-        <p14:creationId xmlns:p14="http://schemas.microsoft.com/office/powerpoint/2010/main" val="2338438493"/>
+        <p14:creationId xmlns:p14="http://schemas.microsoft.com/office/powerpoint/2010/main" val="1023638232"/>
       </p:ext>
     </p:extLst>
   </p:cSld>
@@ -21477,21 +21278,8 @@
                   <a:srgbClr val="0070C0"/>
                 </a:solidFill>
               </a:rPr>
-              <a:t>HTML – </a:t>
-            </a:r>
-            <a:r>
-              <a:rPr lang="en-US" b="1" dirty="0" err="1">
-                <a:solidFill>
-                  <a:srgbClr val="0070C0"/>
-                </a:solidFill>
-              </a:rPr>
-              <a:t>SiteMap</a:t>
-            </a:r>
-            <a:endParaRPr lang="en-US" b="1" dirty="0">
-              <a:solidFill>
-                <a:srgbClr val="0070C0"/>
-              </a:solidFill>
-            </a:endParaRPr>
+              <a:t>HTML – Form</a:t>
+            </a:r>
           </a:p>
         </p:txBody>
       </p:sp>
@@ -21521,6 +21309,16 @@
               <a:buNone/>
             </a:pPr>
             <a:r>
+              <a:rPr lang="pt-BR" sz="2000" b="1" dirty="0">
+                <a:solidFill>
+                  <a:schemeClr val="tx1"/>
+                </a:solidFill>
+                <a:latin typeface="Times New Roman" panose="02020603050405020304" pitchFamily="18" charset="0"/>
+                <a:cs typeface="Times New Roman" panose="02020603050405020304" pitchFamily="18" charset="0"/>
+              </a:rPr>
+              <a:t>Exemplo3</a:t>
+            </a:r>
+            <a:r>
               <a:rPr lang="pt-BR" sz="2000" dirty="0">
                 <a:solidFill>
                   <a:schemeClr val="tx1"/>
@@ -21528,7 +21326,7 @@
                 <a:latin typeface="Times New Roman" panose="02020603050405020304" pitchFamily="18" charset="0"/>
                 <a:cs typeface="Times New Roman" panose="02020603050405020304" pitchFamily="18" charset="0"/>
               </a:rPr>
-              <a:t>É um arquivo nos formatos XML ou HTML que mostra os caminhos para as páginas do seu site, incluindo as categorias, imagens, vídeos e conteúdos em texto publicados.</a:t>
+              <a:t>:</a:t>
             </a:r>
           </a:p>
           <a:p>
@@ -21555,7 +21353,47 @@
                 <a:latin typeface="Times New Roman" panose="02020603050405020304" pitchFamily="18" charset="0"/>
                 <a:cs typeface="Times New Roman" panose="02020603050405020304" pitchFamily="18" charset="0"/>
               </a:rPr>
-              <a:t>Essa lista com todas as </a:t>
+              <a:t>  &lt;</a:t>
+            </a:r>
+            <a:r>
+              <a:rPr lang="pt-BR" sz="2000" b="1" dirty="0" err="1">
+                <a:solidFill>
+                  <a:schemeClr val="tx1"/>
+                </a:solidFill>
+                <a:latin typeface="Times New Roman" panose="02020603050405020304" pitchFamily="18" charset="0"/>
+                <a:cs typeface="Times New Roman" panose="02020603050405020304" pitchFamily="18" charset="0"/>
+              </a:rPr>
+              <a:t>form</a:t>
+            </a:r>
+            <a:r>
+              <a:rPr lang="pt-BR" sz="2000" dirty="0">
+                <a:solidFill>
+                  <a:schemeClr val="tx1"/>
+                </a:solidFill>
+                <a:latin typeface="Times New Roman" panose="02020603050405020304" pitchFamily="18" charset="0"/>
+                <a:cs typeface="Times New Roman" panose="02020603050405020304" pitchFamily="18" charset="0"/>
+              </a:rPr>
+              <a:t> </a:t>
+            </a:r>
+            <a:r>
+              <a:rPr lang="pt-BR" sz="2000" b="1" dirty="0" err="1">
+                <a:solidFill>
+                  <a:srgbClr val="FF0000"/>
+                </a:solidFill>
+                <a:latin typeface="Times New Roman" panose="02020603050405020304" pitchFamily="18" charset="0"/>
+                <a:cs typeface="Times New Roman" panose="02020603050405020304" pitchFamily="18" charset="0"/>
+              </a:rPr>
+              <a:t>oninput</a:t>
+            </a:r>
+            <a:r>
+              <a:rPr lang="pt-BR" sz="2000" dirty="0">
+                <a:solidFill>
+                  <a:schemeClr val="tx1"/>
+                </a:solidFill>
+                <a:latin typeface="Times New Roman" panose="02020603050405020304" pitchFamily="18" charset="0"/>
+                <a:cs typeface="Times New Roman" panose="02020603050405020304" pitchFamily="18" charset="0"/>
+              </a:rPr>
+              <a:t>="</a:t>
             </a:r>
             <a:r>
               <a:rPr lang="pt-BR" sz="2000" dirty="0" err="1">
@@ -21565,7 +21403,7 @@
                 <a:latin typeface="Times New Roman" panose="02020603050405020304" pitchFamily="18" charset="0"/>
                 <a:cs typeface="Times New Roman" panose="02020603050405020304" pitchFamily="18" charset="0"/>
               </a:rPr>
-              <a:t>URLs</a:t>
+              <a:t>result.value</a:t>
             </a:r>
             <a:r>
               <a:rPr lang="pt-BR" sz="2000" dirty="0">
@@ -21575,25 +21413,18 @@
                 <a:latin typeface="Times New Roman" panose="02020603050405020304" pitchFamily="18" charset="0"/>
                 <a:cs typeface="Times New Roman" panose="02020603050405020304" pitchFamily="18" charset="0"/>
               </a:rPr>
-              <a:t> irá funcionar como uma espécie de guia para que os robôs das ferramentas de busca possam encontrar mais facilmente as pesquisas feitas pelos usuários.</a:t>
-            </a:r>
-          </a:p>
-          <a:p>
-            <a:pPr marL="0" indent="0" algn="just">
-              <a:buNone/>
-            </a:pPr>
-            <a:endParaRPr lang="pt-BR" sz="2000" dirty="0">
-              <a:solidFill>
-                <a:schemeClr val="tx1"/>
-              </a:solidFill>
-              <a:latin typeface="Times New Roman" panose="02020603050405020304" pitchFamily="18" charset="0"/>
-              <a:cs typeface="Times New Roman" panose="02020603050405020304" pitchFamily="18" charset="0"/>
-            </a:endParaRPr>
-          </a:p>
-          <a:p>
-            <a:pPr marL="0" indent="0" algn="just">
-              <a:buNone/>
-            </a:pPr>
+              <a:t> = </a:t>
+            </a:r>
+            <a:r>
+              <a:rPr lang="pt-BR" sz="2000" dirty="0" err="1">
+                <a:solidFill>
+                  <a:schemeClr val="tx1"/>
+                </a:solidFill>
+                <a:latin typeface="Times New Roman" panose="02020603050405020304" pitchFamily="18" charset="0"/>
+                <a:cs typeface="Times New Roman" panose="02020603050405020304" pitchFamily="18" charset="0"/>
+              </a:rPr>
+              <a:t>parseInt</a:t>
+            </a:r>
             <a:r>
               <a:rPr lang="pt-BR" sz="2000" dirty="0">
                 <a:solidFill>
@@ -21601,34 +21432,19 @@
                 </a:solidFill>
                 <a:latin typeface="Times New Roman" panose="02020603050405020304" pitchFamily="18" charset="0"/>
                 <a:cs typeface="Times New Roman" panose="02020603050405020304" pitchFamily="18" charset="0"/>
-                <a:hlinkClick r:id="rId3"/>
-              </a:rPr>
-              <a:t>https://br.godaddy.com/blog/o-que-e-mapa-do-site-como-pode-ajudar-seu-site/</a:t>
-            </a:r>
-            <a:endParaRPr lang="pt-BR" sz="2000" dirty="0">
-              <a:solidFill>
-                <a:schemeClr val="tx1"/>
-              </a:solidFill>
-              <a:latin typeface="Times New Roman" panose="02020603050405020304" pitchFamily="18" charset="0"/>
-              <a:cs typeface="Times New Roman" panose="02020603050405020304" pitchFamily="18" charset="0"/>
-            </a:endParaRPr>
-          </a:p>
-          <a:p>
-            <a:pPr marL="0" indent="0" algn="just">
-              <a:buNone/>
-            </a:pPr>
-            <a:endParaRPr lang="pt-BR" sz="2000" dirty="0">
-              <a:solidFill>
-                <a:schemeClr val="tx1"/>
-              </a:solidFill>
-              <a:latin typeface="Times New Roman" panose="02020603050405020304" pitchFamily="18" charset="0"/>
-              <a:cs typeface="Times New Roman" panose="02020603050405020304" pitchFamily="18" charset="0"/>
-            </a:endParaRPr>
-          </a:p>
-          <a:p>
-            <a:pPr marL="0" indent="0" algn="just">
-              <a:buNone/>
-            </a:pPr>
+              </a:rPr>
+              <a:t>(</a:t>
+            </a:r>
+            <a:r>
+              <a:rPr lang="pt-BR" sz="2000" dirty="0" err="1">
+                <a:solidFill>
+                  <a:schemeClr val="tx1"/>
+                </a:solidFill>
+                <a:latin typeface="Times New Roman" panose="02020603050405020304" pitchFamily="18" charset="0"/>
+                <a:cs typeface="Times New Roman" panose="02020603050405020304" pitchFamily="18" charset="0"/>
+              </a:rPr>
+              <a:t>a.value</a:t>
+            </a:r>
             <a:r>
               <a:rPr lang="pt-BR" sz="2000" dirty="0">
                 <a:solidFill>
@@ -21637,13 +21453,18 @@
                 <a:latin typeface="Times New Roman" panose="02020603050405020304" pitchFamily="18" charset="0"/>
                 <a:cs typeface="Times New Roman" panose="02020603050405020304" pitchFamily="18" charset="0"/>
               </a:rPr>
-              <a:t>URL Criação:</a:t>
-            </a:r>
-          </a:p>
-          <a:p>
-            <a:pPr marL="0" indent="0" algn="just">
-              <a:buNone/>
-            </a:pPr>
+              <a:t>) + </a:t>
+            </a:r>
+            <a:r>
+              <a:rPr lang="pt-BR" sz="2000" dirty="0" err="1">
+                <a:solidFill>
+                  <a:schemeClr val="tx1"/>
+                </a:solidFill>
+                <a:latin typeface="Times New Roman" panose="02020603050405020304" pitchFamily="18" charset="0"/>
+                <a:cs typeface="Times New Roman" panose="02020603050405020304" pitchFamily="18" charset="0"/>
+              </a:rPr>
+              <a:t>parseInt</a:t>
+            </a:r>
             <a:r>
               <a:rPr lang="pt-BR" sz="2000" dirty="0">
                 <a:solidFill>
@@ -21651,36 +21472,326 @@
                 </a:solidFill>
                 <a:latin typeface="Times New Roman" panose="02020603050405020304" pitchFamily="18" charset="0"/>
                 <a:cs typeface="Times New Roman" panose="02020603050405020304" pitchFamily="18" charset="0"/>
-                <a:hlinkClick r:id="rId4"/>
-              </a:rPr>
-              <a:t>https://www.xml-sitemaps.com/</a:t>
-            </a:r>
-            <a:endParaRPr lang="pt-BR" sz="2000" dirty="0">
-              <a:solidFill>
-                <a:schemeClr val="tx1"/>
-              </a:solidFill>
-              <a:latin typeface="Times New Roman" panose="02020603050405020304" pitchFamily="18" charset="0"/>
-              <a:cs typeface="Times New Roman" panose="02020603050405020304" pitchFamily="18" charset="0"/>
-            </a:endParaRPr>
-          </a:p>
-          <a:p>
-            <a:pPr marL="0" indent="0" algn="just">
-              <a:buNone/>
-            </a:pPr>
-            <a:endParaRPr lang="pt-BR" sz="2000" dirty="0">
-              <a:solidFill>
-                <a:schemeClr val="tx1"/>
-              </a:solidFill>
-              <a:latin typeface="Times New Roman" panose="02020603050405020304" pitchFamily="18" charset="0"/>
-              <a:cs typeface="Times New Roman" panose="02020603050405020304" pitchFamily="18" charset="0"/>
-            </a:endParaRPr>
+              </a:rPr>
+              <a:t>(</a:t>
+            </a:r>
+            <a:r>
+              <a:rPr lang="pt-BR" sz="2000" dirty="0" err="1">
+                <a:solidFill>
+                  <a:schemeClr val="tx1"/>
+                </a:solidFill>
+                <a:latin typeface="Times New Roman" panose="02020603050405020304" pitchFamily="18" charset="0"/>
+                <a:cs typeface="Times New Roman" panose="02020603050405020304" pitchFamily="18" charset="0"/>
+              </a:rPr>
+              <a:t>b.value</a:t>
+            </a:r>
+            <a:r>
+              <a:rPr lang="pt-BR" sz="2000" dirty="0">
+                <a:solidFill>
+                  <a:schemeClr val="tx1"/>
+                </a:solidFill>
+                <a:latin typeface="Times New Roman" panose="02020603050405020304" pitchFamily="18" charset="0"/>
+                <a:cs typeface="Times New Roman" panose="02020603050405020304" pitchFamily="18" charset="0"/>
+              </a:rPr>
+              <a:t>)"&gt;</a:t>
+            </a:r>
+          </a:p>
+          <a:p>
+            <a:pPr marL="0" indent="0" algn="just">
+              <a:buNone/>
+            </a:pPr>
+            <a:r>
+              <a:rPr lang="pt-BR" sz="2000" dirty="0">
+                <a:solidFill>
+                  <a:schemeClr val="tx1"/>
+                </a:solidFill>
+                <a:latin typeface="Times New Roman" panose="02020603050405020304" pitchFamily="18" charset="0"/>
+                <a:cs typeface="Times New Roman" panose="02020603050405020304" pitchFamily="18" charset="0"/>
+              </a:rPr>
+              <a:t>	0 &lt;</a:t>
+            </a:r>
+            <a:r>
+              <a:rPr lang="pt-BR" sz="2000" b="1" dirty="0">
+                <a:solidFill>
+                  <a:schemeClr val="tx1"/>
+                </a:solidFill>
+                <a:latin typeface="Times New Roman" panose="02020603050405020304" pitchFamily="18" charset="0"/>
+                <a:cs typeface="Times New Roman" panose="02020603050405020304" pitchFamily="18" charset="0"/>
+              </a:rPr>
+              <a:t>input</a:t>
+            </a:r>
+            <a:r>
+              <a:rPr lang="pt-BR" sz="2000" dirty="0">
+                <a:solidFill>
+                  <a:schemeClr val="tx1"/>
+                </a:solidFill>
+                <a:latin typeface="Times New Roman" panose="02020603050405020304" pitchFamily="18" charset="0"/>
+                <a:cs typeface="Times New Roman" panose="02020603050405020304" pitchFamily="18" charset="0"/>
+              </a:rPr>
+              <a:t> </a:t>
+            </a:r>
+            <a:r>
+              <a:rPr lang="pt-BR" sz="2000" b="1" dirty="0" err="1">
+                <a:solidFill>
+                  <a:srgbClr val="FF0000"/>
+                </a:solidFill>
+                <a:latin typeface="Times New Roman" panose="02020603050405020304" pitchFamily="18" charset="0"/>
+                <a:cs typeface="Times New Roman" panose="02020603050405020304" pitchFamily="18" charset="0"/>
+              </a:rPr>
+              <a:t>type</a:t>
+            </a:r>
+            <a:r>
+              <a:rPr lang="pt-BR" sz="2000" dirty="0">
+                <a:solidFill>
+                  <a:schemeClr val="tx1"/>
+                </a:solidFill>
+                <a:latin typeface="Times New Roman" panose="02020603050405020304" pitchFamily="18" charset="0"/>
+                <a:cs typeface="Times New Roman" panose="02020603050405020304" pitchFamily="18" charset="0"/>
+              </a:rPr>
+              <a:t>="range" </a:t>
+            </a:r>
+            <a:r>
+              <a:rPr lang="pt-BR" sz="2000" b="1" dirty="0" err="1">
+                <a:solidFill>
+                  <a:srgbClr val="FF0000"/>
+                </a:solidFill>
+                <a:latin typeface="Times New Roman" panose="02020603050405020304" pitchFamily="18" charset="0"/>
+                <a:cs typeface="Times New Roman" panose="02020603050405020304" pitchFamily="18" charset="0"/>
+              </a:rPr>
+              <a:t>name</a:t>
+            </a:r>
+            <a:r>
+              <a:rPr lang="pt-BR" sz="2000" dirty="0">
+                <a:solidFill>
+                  <a:schemeClr val="tx1"/>
+                </a:solidFill>
+                <a:latin typeface="Times New Roman" panose="02020603050405020304" pitchFamily="18" charset="0"/>
+                <a:cs typeface="Times New Roman" panose="02020603050405020304" pitchFamily="18" charset="0"/>
+              </a:rPr>
+              <a:t>="b" </a:t>
+            </a:r>
+            <a:r>
+              <a:rPr lang="pt-BR" sz="2000" b="1" dirty="0" err="1">
+                <a:solidFill>
+                  <a:srgbClr val="FF0000"/>
+                </a:solidFill>
+                <a:latin typeface="Times New Roman" panose="02020603050405020304" pitchFamily="18" charset="0"/>
+                <a:cs typeface="Times New Roman" panose="02020603050405020304" pitchFamily="18" charset="0"/>
+              </a:rPr>
+              <a:t>value</a:t>
+            </a:r>
+            <a:r>
+              <a:rPr lang="pt-BR" sz="2000" dirty="0">
+                <a:solidFill>
+                  <a:schemeClr val="tx1"/>
+                </a:solidFill>
+                <a:latin typeface="Times New Roman" panose="02020603050405020304" pitchFamily="18" charset="0"/>
+                <a:cs typeface="Times New Roman" panose="02020603050405020304" pitchFamily="18" charset="0"/>
+              </a:rPr>
+              <a:t>="50" /&gt; 100 + &lt;</a:t>
+            </a:r>
+            <a:r>
+              <a:rPr lang="pt-BR" sz="2000" b="1" dirty="0">
+                <a:solidFill>
+                  <a:schemeClr val="tx1"/>
+                </a:solidFill>
+                <a:latin typeface="Times New Roman" panose="02020603050405020304" pitchFamily="18" charset="0"/>
+                <a:cs typeface="Times New Roman" panose="02020603050405020304" pitchFamily="18" charset="0"/>
+              </a:rPr>
+              <a:t>input</a:t>
+            </a:r>
+            <a:r>
+              <a:rPr lang="pt-BR" sz="2000" dirty="0">
+                <a:solidFill>
+                  <a:schemeClr val="tx1"/>
+                </a:solidFill>
+                <a:latin typeface="Times New Roman" panose="02020603050405020304" pitchFamily="18" charset="0"/>
+                <a:cs typeface="Times New Roman" panose="02020603050405020304" pitchFamily="18" charset="0"/>
+              </a:rPr>
+              <a:t> </a:t>
+            </a:r>
+            <a:r>
+              <a:rPr lang="pt-BR" sz="2000" b="1" dirty="0" err="1">
+                <a:solidFill>
+                  <a:srgbClr val="FF0000"/>
+                </a:solidFill>
+                <a:latin typeface="Times New Roman" panose="02020603050405020304" pitchFamily="18" charset="0"/>
+                <a:cs typeface="Times New Roman" panose="02020603050405020304" pitchFamily="18" charset="0"/>
+              </a:rPr>
+              <a:t>type</a:t>
+            </a:r>
+            <a:r>
+              <a:rPr lang="pt-BR" sz="2000" dirty="0">
+                <a:solidFill>
+                  <a:schemeClr val="tx1"/>
+                </a:solidFill>
+                <a:latin typeface="Times New Roman" panose="02020603050405020304" pitchFamily="18" charset="0"/>
+                <a:cs typeface="Times New Roman" panose="02020603050405020304" pitchFamily="18" charset="0"/>
+              </a:rPr>
+              <a:t>="</a:t>
+            </a:r>
+            <a:r>
+              <a:rPr lang="pt-BR" sz="2000" dirty="0" err="1">
+                <a:solidFill>
+                  <a:schemeClr val="tx1"/>
+                </a:solidFill>
+                <a:latin typeface="Times New Roman" panose="02020603050405020304" pitchFamily="18" charset="0"/>
+                <a:cs typeface="Times New Roman" panose="02020603050405020304" pitchFamily="18" charset="0"/>
+              </a:rPr>
+              <a:t>number</a:t>
+            </a:r>
+            <a:r>
+              <a:rPr lang="pt-BR" sz="2000" dirty="0">
+                <a:solidFill>
+                  <a:schemeClr val="tx1"/>
+                </a:solidFill>
+                <a:latin typeface="Times New Roman" panose="02020603050405020304" pitchFamily="18" charset="0"/>
+                <a:cs typeface="Times New Roman" panose="02020603050405020304" pitchFamily="18" charset="0"/>
+              </a:rPr>
+              <a:t>" </a:t>
+            </a:r>
+            <a:r>
+              <a:rPr lang="pt-BR" sz="2000" b="1" dirty="0" err="1">
+                <a:solidFill>
+                  <a:srgbClr val="FF0000"/>
+                </a:solidFill>
+                <a:latin typeface="Times New Roman" panose="02020603050405020304" pitchFamily="18" charset="0"/>
+                <a:cs typeface="Times New Roman" panose="02020603050405020304" pitchFamily="18" charset="0"/>
+              </a:rPr>
+              <a:t>name</a:t>
+            </a:r>
+            <a:r>
+              <a:rPr lang="pt-BR" sz="2000" dirty="0">
+                <a:solidFill>
+                  <a:schemeClr val="tx1"/>
+                </a:solidFill>
+                <a:latin typeface="Times New Roman" panose="02020603050405020304" pitchFamily="18" charset="0"/>
+                <a:cs typeface="Times New Roman" panose="02020603050405020304" pitchFamily="18" charset="0"/>
+              </a:rPr>
+              <a:t>="a" 	</a:t>
+            </a:r>
+            <a:r>
+              <a:rPr lang="pt-BR" sz="2000" b="1" dirty="0" err="1">
+                <a:solidFill>
+                  <a:srgbClr val="FF0000"/>
+                </a:solidFill>
+                <a:latin typeface="Times New Roman" panose="02020603050405020304" pitchFamily="18" charset="0"/>
+                <a:cs typeface="Times New Roman" panose="02020603050405020304" pitchFamily="18" charset="0"/>
+              </a:rPr>
+              <a:t>value</a:t>
+            </a:r>
+            <a:r>
+              <a:rPr lang="pt-BR" sz="2000" dirty="0">
+                <a:solidFill>
+                  <a:schemeClr val="tx1"/>
+                </a:solidFill>
+                <a:latin typeface="Times New Roman" panose="02020603050405020304" pitchFamily="18" charset="0"/>
+                <a:cs typeface="Times New Roman" panose="02020603050405020304" pitchFamily="18" charset="0"/>
+              </a:rPr>
+              <a:t>="10" /&gt; = &lt;</a:t>
+            </a:r>
+            <a:r>
+              <a:rPr lang="pt-BR" sz="2000" b="1" dirty="0">
+                <a:solidFill>
+                  <a:schemeClr val="tx1"/>
+                </a:solidFill>
+                <a:latin typeface="Times New Roman" panose="02020603050405020304" pitchFamily="18" charset="0"/>
+                <a:cs typeface="Times New Roman" panose="02020603050405020304" pitchFamily="18" charset="0"/>
+              </a:rPr>
+              <a:t>output</a:t>
+            </a:r>
+            <a:r>
+              <a:rPr lang="pt-BR" sz="2000" dirty="0">
+                <a:solidFill>
+                  <a:schemeClr val="tx1"/>
+                </a:solidFill>
+                <a:latin typeface="Times New Roman" panose="02020603050405020304" pitchFamily="18" charset="0"/>
+                <a:cs typeface="Times New Roman" panose="02020603050405020304" pitchFamily="18" charset="0"/>
+              </a:rPr>
+              <a:t> </a:t>
+            </a:r>
+            <a:r>
+              <a:rPr lang="pt-BR" sz="2000" b="1" dirty="0" err="1">
+                <a:solidFill>
+                  <a:srgbClr val="FF0000"/>
+                </a:solidFill>
+                <a:latin typeface="Times New Roman" panose="02020603050405020304" pitchFamily="18" charset="0"/>
+                <a:cs typeface="Times New Roman" panose="02020603050405020304" pitchFamily="18" charset="0"/>
+              </a:rPr>
+              <a:t>name</a:t>
+            </a:r>
+            <a:r>
+              <a:rPr lang="pt-BR" sz="2000" dirty="0">
+                <a:solidFill>
+                  <a:schemeClr val="tx1"/>
+                </a:solidFill>
+                <a:latin typeface="Times New Roman" panose="02020603050405020304" pitchFamily="18" charset="0"/>
+                <a:cs typeface="Times New Roman" panose="02020603050405020304" pitchFamily="18" charset="0"/>
+              </a:rPr>
+              <a:t>="</a:t>
+            </a:r>
+            <a:r>
+              <a:rPr lang="pt-BR" sz="2000" dirty="0" err="1">
+                <a:solidFill>
+                  <a:schemeClr val="tx1"/>
+                </a:solidFill>
+                <a:latin typeface="Times New Roman" panose="02020603050405020304" pitchFamily="18" charset="0"/>
+                <a:cs typeface="Times New Roman" panose="02020603050405020304" pitchFamily="18" charset="0"/>
+              </a:rPr>
+              <a:t>result</a:t>
+            </a:r>
+            <a:r>
+              <a:rPr lang="pt-BR" sz="2000" dirty="0">
+                <a:solidFill>
+                  <a:schemeClr val="tx1"/>
+                </a:solidFill>
+                <a:latin typeface="Times New Roman" panose="02020603050405020304" pitchFamily="18" charset="0"/>
+                <a:cs typeface="Times New Roman" panose="02020603050405020304" pitchFamily="18" charset="0"/>
+              </a:rPr>
+              <a:t>"&gt;&lt;/output&gt;</a:t>
+            </a:r>
+          </a:p>
+          <a:p>
+            <a:pPr marL="0" indent="0" algn="just">
+              <a:buNone/>
+            </a:pPr>
+            <a:r>
+              <a:rPr lang="pt-BR" sz="2000" dirty="0">
+                <a:solidFill>
+                  <a:schemeClr val="tx1"/>
+                </a:solidFill>
+                <a:latin typeface="Times New Roman" panose="02020603050405020304" pitchFamily="18" charset="0"/>
+                <a:cs typeface="Times New Roman" panose="02020603050405020304" pitchFamily="18" charset="0"/>
+              </a:rPr>
+              <a:t>  &lt;/</a:t>
+            </a:r>
+            <a:r>
+              <a:rPr lang="pt-BR" sz="2000" dirty="0" err="1">
+                <a:solidFill>
+                  <a:schemeClr val="tx1"/>
+                </a:solidFill>
+                <a:latin typeface="Times New Roman" panose="02020603050405020304" pitchFamily="18" charset="0"/>
+                <a:cs typeface="Times New Roman" panose="02020603050405020304" pitchFamily="18" charset="0"/>
+              </a:rPr>
+              <a:t>form</a:t>
+            </a:r>
+            <a:r>
+              <a:rPr lang="pt-BR" sz="2000" dirty="0">
+                <a:solidFill>
+                  <a:schemeClr val="tx1"/>
+                </a:solidFill>
+                <a:latin typeface="Times New Roman" panose="02020603050405020304" pitchFamily="18" charset="0"/>
+                <a:cs typeface="Times New Roman" panose="02020603050405020304" pitchFamily="18" charset="0"/>
+              </a:rPr>
+              <a:t>&gt;</a:t>
+            </a:r>
           </a:p>
         </p:txBody>
       </p:sp>
     </p:spTree>
     <p:extLst>
       <p:ext uri="{BB962C8B-B14F-4D97-AF65-F5344CB8AC3E}">
-        <p14:creationId xmlns:p14="http://schemas.microsoft.com/office/powerpoint/2010/main" val="3187977476"/>
+        <p14:creationId xmlns:p14="http://schemas.microsoft.com/office/powerpoint/2010/main" val="2338438493"/>
       </p:ext>
     </p:extLst>
   </p:cSld>
@@ -21744,23 +21855,7 @@
                   <a:srgbClr val="0070C0"/>
                 </a:solidFill>
               </a:rPr>
-              <a:t>Estatísticas</a:t>
-            </a:r>
-            <a:r>
-              <a:rPr lang="en-US" b="1" dirty="0">
-                <a:solidFill>
-                  <a:srgbClr val="0070C0"/>
-                </a:solidFill>
-              </a:rPr>
-              <a:t>/</a:t>
-            </a:r>
-            <a:r>
-              <a:rPr lang="en-US" b="1" dirty="0" err="1">
-                <a:solidFill>
-                  <a:srgbClr val="0070C0"/>
-                </a:solidFill>
-              </a:rPr>
-              <a:t>Conteúdos</a:t>
+              <a:t>SiteMap</a:t>
             </a:r>
             <a:endParaRPr lang="en-US" b="1" dirty="0">
               <a:solidFill>
@@ -21796,42 +21891,21 @@
               <a:buNone/>
             </a:pPr>
             <a:r>
-              <a:rPr lang="pt-BR" dirty="0" err="1">
-                <a:solidFill>
-                  <a:schemeClr val="tx1"/>
-                </a:solidFill>
-                <a:latin typeface="Times New Roman" panose="02020603050405020304" pitchFamily="18" charset="0"/>
-                <a:cs typeface="Times New Roman" panose="02020603050405020304" pitchFamily="18" charset="0"/>
-              </a:rPr>
-              <a:t>URLs</a:t>
-            </a:r>
-            <a:r>
-              <a:rPr lang="pt-BR" dirty="0">
-                <a:solidFill>
-                  <a:schemeClr val="tx1"/>
-                </a:solidFill>
-                <a:latin typeface="Times New Roman" panose="02020603050405020304" pitchFamily="18" charset="0"/>
-                <a:cs typeface="Times New Roman" panose="02020603050405020304" pitchFamily="18" charset="0"/>
-              </a:rPr>
-              <a:t>:</a:t>
-            </a:r>
-          </a:p>
-          <a:p>
-            <a:pPr marL="0" indent="0" algn="just">
-              <a:buNone/>
-            </a:pPr>
-            <a:r>
-              <a:rPr lang="pt-BR" dirty="0">
-                <a:solidFill>
-                  <a:schemeClr val="tx1"/>
-                </a:solidFill>
-                <a:latin typeface="Times New Roman" panose="02020603050405020304" pitchFamily="18" charset="0"/>
-                <a:cs typeface="Times New Roman" panose="02020603050405020304" pitchFamily="18" charset="0"/>
-                <a:hlinkClick r:id="rId3"/>
-              </a:rPr>
-              <a:t>1. https://www.internetworldstats.com/stats.htm</a:t>
-            </a:r>
-            <a:endParaRPr lang="pt-BR" dirty="0">
+              <a:rPr lang="pt-BR" sz="2000" dirty="0">
+                <a:solidFill>
+                  <a:schemeClr val="tx1"/>
+                </a:solidFill>
+                <a:latin typeface="Times New Roman" panose="02020603050405020304" pitchFamily="18" charset="0"/>
+                <a:cs typeface="Times New Roman" panose="02020603050405020304" pitchFamily="18" charset="0"/>
+              </a:rPr>
+              <a:t>É um arquivo nos formatos XML ou HTML que mostra os caminhos para as páginas do seu site, incluindo as categorias, imagens, vídeos e conteúdos em texto publicados.</a:t>
+            </a:r>
+          </a:p>
+          <a:p>
+            <a:pPr marL="0" indent="0" algn="just">
+              <a:buNone/>
+            </a:pPr>
+            <a:endParaRPr lang="pt-BR" sz="2000" dirty="0">
               <a:solidFill>
                 <a:schemeClr val="tx1"/>
               </a:solidFill>
@@ -21843,7 +21917,42 @@
             <a:pPr marL="0" indent="0" algn="just">
               <a:buNone/>
             </a:pPr>
-            <a:endParaRPr lang="pt-BR" dirty="0">
+            <a:r>
+              <a:rPr lang="pt-BR" sz="2000" dirty="0">
+                <a:solidFill>
+                  <a:schemeClr val="tx1"/>
+                </a:solidFill>
+                <a:latin typeface="Times New Roman" panose="02020603050405020304" pitchFamily="18" charset="0"/>
+                <a:cs typeface="Times New Roman" panose="02020603050405020304" pitchFamily="18" charset="0"/>
+              </a:rPr>
+              <a:t>Essa lista com todas as </a:t>
+            </a:r>
+            <a:r>
+              <a:rPr lang="pt-BR" sz="2000" dirty="0" err="1">
+                <a:solidFill>
+                  <a:schemeClr val="tx1"/>
+                </a:solidFill>
+                <a:latin typeface="Times New Roman" panose="02020603050405020304" pitchFamily="18" charset="0"/>
+                <a:cs typeface="Times New Roman" panose="02020603050405020304" pitchFamily="18" charset="0"/>
+              </a:rPr>
+              <a:t>URLs</a:t>
+            </a:r>
+            <a:r>
+              <a:rPr lang="pt-BR" sz="2000" dirty="0">
+                <a:solidFill>
+                  <a:schemeClr val="tx1"/>
+                </a:solidFill>
+                <a:latin typeface="Times New Roman" panose="02020603050405020304" pitchFamily="18" charset="0"/>
+                <a:cs typeface="Times New Roman" panose="02020603050405020304" pitchFamily="18" charset="0"/>
+              </a:rPr>
+              <a:t> irá funcionar como uma espécie de guia para que os robôs das ferramentas de busca possam encontrar mais facilmente as pesquisas feitas pelos usuários.</a:t>
+            </a:r>
+          </a:p>
+          <a:p>
+            <a:pPr marL="0" indent="0" algn="just">
+              <a:buNone/>
+            </a:pPr>
+            <a:endParaRPr lang="pt-BR" sz="2000" dirty="0">
               <a:solidFill>
                 <a:schemeClr val="tx1"/>
               </a:solidFill>
@@ -21856,17 +21965,17 @@
               <a:buNone/>
             </a:pPr>
             <a:r>
-              <a:rPr lang="pt-BR" dirty="0">
-                <a:solidFill>
-                  <a:schemeClr val="tx1"/>
-                </a:solidFill>
-                <a:latin typeface="Times New Roman" panose="02020603050405020304" pitchFamily="18" charset="0"/>
-                <a:cs typeface="Times New Roman" panose="02020603050405020304" pitchFamily="18" charset="0"/>
-                <a:hlinkClick r:id="rId4"/>
-              </a:rPr>
-              <a:t>2. https://gs.statcounter.com/</a:t>
-            </a:r>
-            <a:endParaRPr lang="pt-BR" dirty="0">
+              <a:rPr lang="pt-BR" sz="2000" dirty="0">
+                <a:solidFill>
+                  <a:schemeClr val="tx1"/>
+                </a:solidFill>
+                <a:latin typeface="Times New Roman" panose="02020603050405020304" pitchFamily="18" charset="0"/>
+                <a:cs typeface="Times New Roman" panose="02020603050405020304" pitchFamily="18" charset="0"/>
+                <a:hlinkClick r:id="rId3"/>
+              </a:rPr>
+              <a:t>https://br.godaddy.com/blog/o-que-e-mapa-do-site-como-pode-ajudar-seu-site/</a:t>
+            </a:r>
+            <a:endParaRPr lang="pt-BR" sz="2000" dirty="0">
               <a:solidFill>
                 <a:schemeClr val="tx1"/>
               </a:solidFill>
@@ -21878,7 +21987,7 @@
             <a:pPr marL="0" indent="0" algn="just">
               <a:buNone/>
             </a:pPr>
-            <a:endParaRPr lang="pt-BR" dirty="0">
+            <a:endParaRPr lang="pt-BR" sz="2000" dirty="0">
               <a:solidFill>
                 <a:schemeClr val="tx1"/>
               </a:solidFill>
@@ -21891,17 +22000,32 @@
               <a:buNone/>
             </a:pPr>
             <a:r>
-              <a:rPr lang="pt-BR" dirty="0">
-                <a:solidFill>
-                  <a:schemeClr val="tx1"/>
-                </a:solidFill>
-                <a:latin typeface="Times New Roman" panose="02020603050405020304" pitchFamily="18" charset="0"/>
-                <a:cs typeface="Times New Roman" panose="02020603050405020304" pitchFamily="18" charset="0"/>
-                <a:hlinkClick r:id="rId5"/>
-              </a:rPr>
-              <a:t>3. https://canaltech.com.br/navegadores/</a:t>
-            </a:r>
-            <a:endParaRPr lang="pt-BR" dirty="0">
+              <a:rPr lang="pt-BR" sz="2000" dirty="0">
+                <a:solidFill>
+                  <a:schemeClr val="tx1"/>
+                </a:solidFill>
+                <a:latin typeface="Times New Roman" panose="02020603050405020304" pitchFamily="18" charset="0"/>
+                <a:cs typeface="Times New Roman" panose="02020603050405020304" pitchFamily="18" charset="0"/>
+              </a:rPr>
+              <a:t>URL Criação:</a:t>
+            </a:r>
+          </a:p>
+          <a:p>
+            <a:pPr marL="0" indent="0" algn="just">
+              <a:buNone/>
+            </a:pPr>
+            <a:r>
+              <a:rPr lang="pt-BR" sz="2000" dirty="0">
+                <a:solidFill>
+                  <a:schemeClr val="tx1"/>
+                </a:solidFill>
+                <a:latin typeface="Times New Roman" panose="02020603050405020304" pitchFamily="18" charset="0"/>
+                <a:cs typeface="Times New Roman" panose="02020603050405020304" pitchFamily="18" charset="0"/>
+                <a:hlinkClick r:id="rId4"/>
+              </a:rPr>
+              <a:t>https://www.xml-sitemaps.com/</a:t>
+            </a:r>
+            <a:endParaRPr lang="pt-BR" sz="2000" dirty="0">
               <a:solidFill>
                 <a:schemeClr val="tx1"/>
               </a:solidFill>
@@ -21913,7 +22037,7 @@
             <a:pPr marL="0" indent="0" algn="just">
               <a:buNone/>
             </a:pPr>
-            <a:endParaRPr lang="pt-BR" dirty="0">
+            <a:endParaRPr lang="pt-BR" sz="2000" dirty="0">
               <a:solidFill>
                 <a:schemeClr val="tx1"/>
               </a:solidFill>
@@ -21921,93 +22045,12 @@
               <a:cs typeface="Times New Roman" panose="02020603050405020304" pitchFamily="18" charset="0"/>
             </a:endParaRPr>
           </a:p>
-          <a:p>
-            <a:pPr marL="0" indent="0" algn="just">
-              <a:buNone/>
-            </a:pPr>
-            <a:r>
-              <a:rPr lang="pt-BR" dirty="0">
-                <a:solidFill>
-                  <a:schemeClr val="tx1"/>
-                </a:solidFill>
-                <a:latin typeface="Times New Roman" panose="02020603050405020304" pitchFamily="18" charset="0"/>
-                <a:cs typeface="Times New Roman" panose="02020603050405020304" pitchFamily="18" charset="0"/>
-              </a:rPr>
-              <a:t>4. </a:t>
-            </a:r>
-            <a:r>
-              <a:rPr lang="pt-BR" dirty="0">
-                <a:solidFill>
-                  <a:schemeClr val="tx1"/>
-                </a:solidFill>
-                <a:latin typeface="Times New Roman" panose="02020603050405020304" pitchFamily="18" charset="0"/>
-                <a:cs typeface="Times New Roman" panose="02020603050405020304" pitchFamily="18" charset="0"/>
-                <a:hlinkClick r:id="rId6"/>
-              </a:rPr>
-              <a:t>https://www.tecmundo.com.br/</a:t>
-            </a:r>
-            <a:endParaRPr lang="pt-BR" dirty="0">
-              <a:solidFill>
-                <a:schemeClr val="tx1"/>
-              </a:solidFill>
-              <a:latin typeface="Times New Roman" panose="02020603050405020304" pitchFamily="18" charset="0"/>
-              <a:cs typeface="Times New Roman" panose="02020603050405020304" pitchFamily="18" charset="0"/>
-            </a:endParaRPr>
-          </a:p>
-          <a:p>
-            <a:pPr marL="0" indent="0" algn="just">
-              <a:buNone/>
-            </a:pPr>
-            <a:endParaRPr lang="pt-BR" dirty="0">
-              <a:solidFill>
-                <a:schemeClr val="tx1"/>
-              </a:solidFill>
-              <a:latin typeface="Times New Roman" panose="02020603050405020304" pitchFamily="18" charset="0"/>
-              <a:cs typeface="Times New Roman" panose="02020603050405020304" pitchFamily="18" charset="0"/>
-            </a:endParaRPr>
-          </a:p>
-          <a:p>
-            <a:pPr marL="0" indent="0" algn="just">
-              <a:buNone/>
-            </a:pPr>
-            <a:endParaRPr lang="pt-BR" dirty="0">
-              <a:solidFill>
-                <a:schemeClr val="tx1"/>
-              </a:solidFill>
-              <a:latin typeface="Times New Roman" panose="02020603050405020304" pitchFamily="18" charset="0"/>
-              <a:cs typeface="Times New Roman" panose="02020603050405020304" pitchFamily="18" charset="0"/>
-            </a:endParaRPr>
-          </a:p>
-          <a:p>
-            <a:pPr marL="0" indent="0" algn="just">
-              <a:buNone/>
-            </a:pPr>
-            <a:endParaRPr lang="pt-BR" dirty="0">
-              <a:solidFill>
-                <a:schemeClr val="tx1"/>
-              </a:solidFill>
-              <a:latin typeface="Times New Roman" panose="02020603050405020304" pitchFamily="18" charset="0"/>
-              <a:cs typeface="Times New Roman" panose="02020603050405020304" pitchFamily="18" charset="0"/>
-            </a:endParaRPr>
-          </a:p>
-          <a:p>
-            <a:pPr marL="0" indent="0" algn="just">
-              <a:buNone/>
-            </a:pPr>
-            <a:endParaRPr lang="pt-BR" dirty="0">
-              <a:solidFill>
-                <a:schemeClr val="tx1"/>
-              </a:solidFill>
-              <a:latin typeface="Times New Roman" panose="02020603050405020304" pitchFamily="18" charset="0"/>
-              <a:cs typeface="Times New Roman" panose="02020603050405020304" pitchFamily="18" charset="0"/>
-            </a:endParaRPr>
-          </a:p>
         </p:txBody>
       </p:sp>
     </p:spTree>
     <p:extLst>
       <p:ext uri="{BB962C8B-B14F-4D97-AF65-F5344CB8AC3E}">
-        <p14:creationId xmlns:p14="http://schemas.microsoft.com/office/powerpoint/2010/main" val="4204514671"/>
+        <p14:creationId xmlns:p14="http://schemas.microsoft.com/office/powerpoint/2010/main" val="3187977476"/>
       </p:ext>
     </p:extLst>
   </p:cSld>
@@ -22058,12 +22101,20 @@
           <a:lstStyle/>
           <a:p>
             <a:r>
+              <a:rPr lang="en-US" b="1" dirty="0">
+                <a:solidFill>
+                  <a:srgbClr val="0070C0"/>
+                </a:solidFill>
+              </a:rPr>
+              <a:t>HTML – </a:t>
+            </a:r>
+            <a:r>
               <a:rPr lang="en-US" b="1" dirty="0" err="1">
                 <a:solidFill>
                   <a:srgbClr val="0070C0"/>
                 </a:solidFill>
               </a:rPr>
-              <a:t>Leitura</a:t>
+              <a:t>Estatísticas</a:t>
             </a:r>
             <a:r>
               <a:rPr lang="en-US" b="1" dirty="0">
@@ -22071,7 +22122,7 @@
                   <a:srgbClr val="0070C0"/>
                 </a:solidFill>
               </a:rPr>
-              <a:t> </a:t>
+              <a:t>/</a:t>
             </a:r>
             <a:r>
               <a:rPr lang="en-US" b="1" dirty="0" err="1">
@@ -22079,7 +22130,7 @@
                   <a:srgbClr val="0070C0"/>
                 </a:solidFill>
               </a:rPr>
-              <a:t>Específica</a:t>
+              <a:t>Conteúdos</a:t>
             </a:r>
             <a:endParaRPr lang="en-US" b="1" dirty="0">
               <a:solidFill>
@@ -22101,8 +22152,8 @@
         </p:nvSpPr>
         <p:spPr>
           <a:xfrm>
-            <a:off x="142865" y="1012261"/>
-            <a:ext cx="8865056" cy="3394472"/>
+            <a:off x="142865" y="1024786"/>
+            <a:ext cx="8865056" cy="3900208"/>
           </a:xfrm>
         </p:spPr>
         <p:txBody>
@@ -22115,75 +22166,45 @@
               <a:buNone/>
             </a:pPr>
             <a:r>
-              <a:rPr lang="pt-BR" sz="2000" dirty="0">
-                <a:latin typeface="Times New Roman" panose="02020603050405020304" pitchFamily="18" charset="0"/>
-                <a:cs typeface="Times New Roman" panose="02020603050405020304" pitchFamily="18" charset="0"/>
-              </a:rPr>
-              <a:t>[1] </a:t>
-            </a:r>
-            <a:r>
-              <a:rPr lang="pt-BR" sz="2000" b="1" dirty="0">
-                <a:latin typeface="Times New Roman" panose="02020603050405020304" pitchFamily="18" charset="0"/>
-                <a:cs typeface="Times New Roman" panose="02020603050405020304" pitchFamily="18" charset="0"/>
-              </a:rPr>
-              <a:t>IKENO</a:t>
-            </a:r>
-            <a:r>
-              <a:rPr lang="pt-BR" sz="2000" dirty="0">
-                <a:latin typeface="Times New Roman" panose="02020603050405020304" pitchFamily="18" charset="0"/>
-                <a:cs typeface="Times New Roman" panose="02020603050405020304" pitchFamily="18" charset="0"/>
-              </a:rPr>
-              <a:t>, Sergio N.; DA COSTA MARCHI¹, </a:t>
-            </a:r>
-            <a:r>
-              <a:rPr lang="pt-BR" sz="2000" dirty="0" err="1">
-                <a:latin typeface="Times New Roman" panose="02020603050405020304" pitchFamily="18" charset="0"/>
-                <a:cs typeface="Times New Roman" panose="02020603050405020304" pitchFamily="18" charset="0"/>
-              </a:rPr>
-              <a:t>Késsia</a:t>
-            </a:r>
-            <a:r>
-              <a:rPr lang="pt-BR" sz="2000" dirty="0">
-                <a:latin typeface="Times New Roman" panose="02020603050405020304" pitchFamily="18" charset="0"/>
-                <a:cs typeface="Times New Roman" panose="02020603050405020304" pitchFamily="18" charset="0"/>
-              </a:rPr>
-              <a:t> Rita. Análise da Nova Linguagem HTML5 para o Desenvolvimento Web.</a:t>
-            </a:r>
-          </a:p>
-          <a:p>
-            <a:pPr marL="0" indent="0" algn="just">
-              <a:buNone/>
-            </a:pPr>
-            <a:r>
-              <a:rPr lang="pt-BR" sz="2000" dirty="0">
-                <a:latin typeface="Times New Roman" panose="02020603050405020304" pitchFamily="18" charset="0"/>
-                <a:cs typeface="Times New Roman" panose="02020603050405020304" pitchFamily="18" charset="0"/>
-              </a:rPr>
-              <a:t>	</a:t>
-            </a:r>
-            <a:r>
-              <a:rPr lang="pt-BR" sz="2000" b="1" dirty="0">
-                <a:latin typeface="Times New Roman" panose="02020603050405020304" pitchFamily="18" charset="0"/>
-                <a:cs typeface="Times New Roman" panose="02020603050405020304" pitchFamily="18" charset="0"/>
-              </a:rPr>
-              <a:t>Disponível em</a:t>
-            </a:r>
-            <a:r>
-              <a:rPr lang="pt-BR" sz="2000" dirty="0">
-                <a:latin typeface="Times New Roman" panose="02020603050405020304" pitchFamily="18" charset="0"/>
-                <a:cs typeface="Times New Roman" panose="02020603050405020304" pitchFamily="18" charset="0"/>
-              </a:rPr>
-              <a:t>: </a:t>
-            </a:r>
-            <a:r>
-              <a:rPr lang="pt-BR" sz="2000" dirty="0">
+              <a:rPr lang="pt-BR" dirty="0" err="1">
+                <a:solidFill>
+                  <a:schemeClr val="tx1"/>
+                </a:solidFill>
+                <a:latin typeface="Times New Roman" panose="02020603050405020304" pitchFamily="18" charset="0"/>
+                <a:cs typeface="Times New Roman" panose="02020603050405020304" pitchFamily="18" charset="0"/>
+              </a:rPr>
+              <a:t>URLs</a:t>
+            </a:r>
+            <a:r>
+              <a:rPr lang="pt-BR" dirty="0">
+                <a:solidFill>
+                  <a:schemeClr val="tx1"/>
+                </a:solidFill>
+                <a:latin typeface="Times New Roman" panose="02020603050405020304" pitchFamily="18" charset="0"/>
+                <a:cs typeface="Times New Roman" panose="02020603050405020304" pitchFamily="18" charset="0"/>
+              </a:rPr>
+              <a:t>:</a:t>
+            </a:r>
+          </a:p>
+          <a:p>
+            <a:pPr marL="0" indent="0" algn="just">
+              <a:buNone/>
+            </a:pPr>
+            <a:r>
+              <a:rPr lang="pt-BR" dirty="0">
+                <a:solidFill>
+                  <a:schemeClr val="tx1"/>
+                </a:solidFill>
                 <a:latin typeface="Times New Roman" panose="02020603050405020304" pitchFamily="18" charset="0"/>
                 <a:cs typeface="Times New Roman" panose="02020603050405020304" pitchFamily="18" charset="0"/>
                 <a:hlinkClick r:id="rId3"/>
               </a:rPr>
-              <a:t>http://siteunidavi.s3.amazonaws.com/revistaCaminhos/ano3.pdf#page=25</a:t>
-            </a:r>
-            <a:endParaRPr lang="pt-BR" sz="2000" dirty="0">
+              <a:t>1. https://www.internetworldstats.com/stats.htm</a:t>
+            </a:r>
+            <a:endParaRPr lang="pt-BR" dirty="0">
+              <a:solidFill>
+                <a:schemeClr val="tx1"/>
+              </a:solidFill>
               <a:latin typeface="Times New Roman" panose="02020603050405020304" pitchFamily="18" charset="0"/>
               <a:cs typeface="Times New Roman" panose="02020603050405020304" pitchFamily="18" charset="0"/>
             </a:endParaRPr>
@@ -22192,7 +22213,10 @@
             <a:pPr marL="0" indent="0" algn="just">
               <a:buNone/>
             </a:pPr>
-            <a:endParaRPr lang="pt-BR" sz="2000" dirty="0">
+            <a:endParaRPr lang="pt-BR" dirty="0">
+              <a:solidFill>
+                <a:schemeClr val="tx1"/>
+              </a:solidFill>
               <a:latin typeface="Times New Roman" panose="02020603050405020304" pitchFamily="18" charset="0"/>
               <a:cs typeface="Times New Roman" panose="02020603050405020304" pitchFamily="18" charset="0"/>
             </a:endParaRPr>
@@ -22202,61 +22226,20 @@
               <a:buNone/>
             </a:pPr>
             <a:r>
-              <a:rPr lang="pt-BR" sz="2000" dirty="0">
-                <a:latin typeface="Times New Roman" panose="02020603050405020304" pitchFamily="18" charset="0"/>
-                <a:cs typeface="Times New Roman" panose="02020603050405020304" pitchFamily="18" charset="0"/>
-              </a:rPr>
-              <a:t>[2] </a:t>
-            </a:r>
-            <a:r>
-              <a:rPr lang="pt-BR" sz="2000" b="1" dirty="0">
-                <a:latin typeface="Times New Roman" panose="02020603050405020304" pitchFamily="18" charset="0"/>
-                <a:cs typeface="Times New Roman" panose="02020603050405020304" pitchFamily="18" charset="0"/>
-              </a:rPr>
-              <a:t>BATISTA</a:t>
-            </a:r>
-            <a:r>
-              <a:rPr lang="pt-BR" sz="2000" dirty="0">
-                <a:latin typeface="Times New Roman" panose="02020603050405020304" pitchFamily="18" charset="0"/>
-                <a:cs typeface="Times New Roman" panose="02020603050405020304" pitchFamily="18" charset="0"/>
-              </a:rPr>
-              <a:t>, Rafael NUNES et al. HTML5–O futuro da internet. ETIC-ENCONTRO DE INICIAÇÃO CIENTÍFICA-ISSN 21-76-8498, v. 7, n. 7, 2011.</a:t>
-            </a:r>
-          </a:p>
-          <a:p>
-            <a:pPr marL="0" indent="0" algn="just">
-              <a:buNone/>
-            </a:pPr>
-            <a:r>
-              <a:rPr lang="pt-BR" sz="2000" dirty="0">
-                <a:latin typeface="Times New Roman" panose="02020603050405020304" pitchFamily="18" charset="0"/>
-                <a:cs typeface="Times New Roman" panose="02020603050405020304" pitchFamily="18" charset="0"/>
-              </a:rPr>
-              <a:t>	</a:t>
-            </a:r>
-            <a:r>
-              <a:rPr lang="pt-BR" sz="2000" b="1" dirty="0">
-                <a:latin typeface="Times New Roman" panose="02020603050405020304" pitchFamily="18" charset="0"/>
-                <a:cs typeface="Times New Roman" panose="02020603050405020304" pitchFamily="18" charset="0"/>
-              </a:rPr>
-              <a:t>Disponível em</a:t>
-            </a:r>
-            <a:r>
-              <a:rPr lang="pt-BR" sz="2000" dirty="0">
-                <a:latin typeface="Times New Roman" panose="02020603050405020304" pitchFamily="18" charset="0"/>
-                <a:cs typeface="Times New Roman" panose="02020603050405020304" pitchFamily="18" charset="0"/>
-              </a:rPr>
-              <a:t>: </a:t>
-            </a:r>
-            <a:r>
-              <a:rPr lang="pt-BR" sz="2000" dirty="0">
+              <a:rPr lang="pt-BR" dirty="0">
+                <a:solidFill>
+                  <a:schemeClr val="tx1"/>
+                </a:solidFill>
                 <a:latin typeface="Times New Roman" panose="02020603050405020304" pitchFamily="18" charset="0"/>
                 <a:cs typeface="Times New Roman" panose="02020603050405020304" pitchFamily="18" charset="0"/>
                 <a:hlinkClick r:id="rId4"/>
               </a:rPr>
-              <a:t>http://intertemas.toledoprudente.edu.br/index.php/ETIC/article/view/3960</a:t>
-            </a:r>
-            <a:endParaRPr lang="pt-BR" sz="2000" dirty="0">
+              <a:t>2. https://gs.statcounter.com/</a:t>
+            </a:r>
+            <a:endParaRPr lang="pt-BR" dirty="0">
+              <a:solidFill>
+                <a:schemeClr val="tx1"/>
+              </a:solidFill>
               <a:latin typeface="Times New Roman" panose="02020603050405020304" pitchFamily="18" charset="0"/>
               <a:cs typeface="Times New Roman" panose="02020603050405020304" pitchFamily="18" charset="0"/>
             </a:endParaRPr>
@@ -22265,7 +22248,126 @@
             <a:pPr marL="0" indent="0" algn="just">
               <a:buNone/>
             </a:pPr>
-            <a:endParaRPr lang="pt-BR" sz="2000" dirty="0">
+            <a:endParaRPr lang="pt-BR" dirty="0">
+              <a:solidFill>
+                <a:schemeClr val="tx1"/>
+              </a:solidFill>
+              <a:latin typeface="Times New Roman" panose="02020603050405020304" pitchFamily="18" charset="0"/>
+              <a:cs typeface="Times New Roman" panose="02020603050405020304" pitchFamily="18" charset="0"/>
+            </a:endParaRPr>
+          </a:p>
+          <a:p>
+            <a:pPr marL="0" indent="0" algn="just">
+              <a:buNone/>
+            </a:pPr>
+            <a:r>
+              <a:rPr lang="pt-BR" dirty="0">
+                <a:solidFill>
+                  <a:schemeClr val="tx1"/>
+                </a:solidFill>
+                <a:latin typeface="Times New Roman" panose="02020603050405020304" pitchFamily="18" charset="0"/>
+                <a:cs typeface="Times New Roman" panose="02020603050405020304" pitchFamily="18" charset="0"/>
+                <a:hlinkClick r:id="rId5"/>
+              </a:rPr>
+              <a:t>3. https://canaltech.com.br/navegadores/</a:t>
+            </a:r>
+            <a:endParaRPr lang="pt-BR" dirty="0">
+              <a:solidFill>
+                <a:schemeClr val="tx1"/>
+              </a:solidFill>
+              <a:latin typeface="Times New Roman" panose="02020603050405020304" pitchFamily="18" charset="0"/>
+              <a:cs typeface="Times New Roman" panose="02020603050405020304" pitchFamily="18" charset="0"/>
+            </a:endParaRPr>
+          </a:p>
+          <a:p>
+            <a:pPr marL="0" indent="0" algn="just">
+              <a:buNone/>
+            </a:pPr>
+            <a:endParaRPr lang="pt-BR" dirty="0">
+              <a:solidFill>
+                <a:schemeClr val="tx1"/>
+              </a:solidFill>
+              <a:latin typeface="Times New Roman" panose="02020603050405020304" pitchFamily="18" charset="0"/>
+              <a:cs typeface="Times New Roman" panose="02020603050405020304" pitchFamily="18" charset="0"/>
+            </a:endParaRPr>
+          </a:p>
+          <a:p>
+            <a:pPr marL="0" indent="0" algn="just">
+              <a:buNone/>
+            </a:pPr>
+            <a:r>
+              <a:rPr lang="pt-BR" dirty="0">
+                <a:solidFill>
+                  <a:schemeClr val="tx1"/>
+                </a:solidFill>
+                <a:latin typeface="Times New Roman" panose="02020603050405020304" pitchFamily="18" charset="0"/>
+                <a:cs typeface="Times New Roman" panose="02020603050405020304" pitchFamily="18" charset="0"/>
+              </a:rPr>
+              <a:t>4. </a:t>
+            </a:r>
+            <a:r>
+              <a:rPr lang="pt-BR" dirty="0">
+                <a:solidFill>
+                  <a:schemeClr val="tx1"/>
+                </a:solidFill>
+                <a:latin typeface="Times New Roman" panose="02020603050405020304" pitchFamily="18" charset="0"/>
+                <a:cs typeface="Times New Roman" panose="02020603050405020304" pitchFamily="18" charset="0"/>
+                <a:hlinkClick r:id="rId6"/>
+              </a:rPr>
+              <a:t>https://www.tecmundo.com.br/</a:t>
+            </a:r>
+            <a:endParaRPr lang="pt-BR" dirty="0">
+              <a:solidFill>
+                <a:schemeClr val="tx1"/>
+              </a:solidFill>
+              <a:latin typeface="Times New Roman" panose="02020603050405020304" pitchFamily="18" charset="0"/>
+              <a:cs typeface="Times New Roman" panose="02020603050405020304" pitchFamily="18" charset="0"/>
+            </a:endParaRPr>
+          </a:p>
+          <a:p>
+            <a:pPr marL="0" indent="0" algn="just">
+              <a:buNone/>
+            </a:pPr>
+            <a:endParaRPr lang="pt-BR" dirty="0">
+              <a:solidFill>
+                <a:schemeClr val="tx1"/>
+              </a:solidFill>
+              <a:latin typeface="Times New Roman" panose="02020603050405020304" pitchFamily="18" charset="0"/>
+              <a:cs typeface="Times New Roman" panose="02020603050405020304" pitchFamily="18" charset="0"/>
+            </a:endParaRPr>
+          </a:p>
+          <a:p>
+            <a:pPr marL="0" indent="0" algn="just">
+              <a:buNone/>
+            </a:pPr>
+            <a:endParaRPr lang="pt-BR" dirty="0">
+              <a:solidFill>
+                <a:schemeClr val="tx1"/>
+              </a:solidFill>
+              <a:latin typeface="Times New Roman" panose="02020603050405020304" pitchFamily="18" charset="0"/>
+              <a:cs typeface="Times New Roman" panose="02020603050405020304" pitchFamily="18" charset="0"/>
+            </a:endParaRPr>
+          </a:p>
+          <a:p>
+            <a:pPr marL="0" indent="0" algn="just">
+              <a:buNone/>
+            </a:pPr>
+            <a:endParaRPr lang="pt-BR" dirty="0">
+              <a:solidFill>
+                <a:schemeClr val="tx1"/>
+              </a:solidFill>
+              <a:latin typeface="Times New Roman" panose="02020603050405020304" pitchFamily="18" charset="0"/>
+              <a:cs typeface="Times New Roman" panose="02020603050405020304" pitchFamily="18" charset="0"/>
+            </a:endParaRPr>
+          </a:p>
+          <a:p>
+            <a:pPr marL="0" indent="0" algn="just">
+              <a:buNone/>
+            </a:pPr>
+            <a:endParaRPr lang="pt-BR" dirty="0">
+              <a:solidFill>
+                <a:schemeClr val="tx1"/>
+              </a:solidFill>
               <a:latin typeface="Times New Roman" panose="02020603050405020304" pitchFamily="18" charset="0"/>
               <a:cs typeface="Times New Roman" panose="02020603050405020304" pitchFamily="18" charset="0"/>
             </a:endParaRPr>
@@ -22275,7 +22377,7 @@
     </p:spTree>
     <p:extLst>
       <p:ext uri="{BB962C8B-B14F-4D97-AF65-F5344CB8AC3E}">
-        <p14:creationId xmlns:p14="http://schemas.microsoft.com/office/powerpoint/2010/main" val="3680270425"/>
+        <p14:creationId xmlns:p14="http://schemas.microsoft.com/office/powerpoint/2010/main" val="4204514671"/>
       </p:ext>
     </p:extLst>
   </p:cSld>
@@ -22331,7 +22433,7 @@
                   <a:srgbClr val="0070C0"/>
                 </a:solidFill>
               </a:rPr>
-              <a:t>Aprenda</a:t>
+              <a:t>Leitura</a:t>
             </a:r>
             <a:r>
               <a:rPr lang="en-US" b="1" dirty="0">
@@ -22339,8 +22441,21 @@
                   <a:srgbClr val="0070C0"/>
                 </a:solidFill>
               </a:rPr>
-              <a:t>+</a:t>
-            </a:r>
+              <a:t> </a:t>
+            </a:r>
+            <a:r>
+              <a:rPr lang="en-US" b="1" dirty="0" err="1">
+                <a:solidFill>
+                  <a:srgbClr val="0070C0"/>
+                </a:solidFill>
+              </a:rPr>
+              <a:t>Específica</a:t>
+            </a:r>
+            <a:endParaRPr lang="en-US" b="1" dirty="0">
+              <a:solidFill>
+                <a:srgbClr val="0070C0"/>
+              </a:solidFill>
+            </a:endParaRPr>
           </a:p>
         </p:txBody>
       </p:sp>
@@ -22356,7 +22471,7 @@
         </p:nvSpPr>
         <p:spPr>
           <a:xfrm>
-            <a:off x="142865" y="1200151"/>
+            <a:off x="142865" y="1012261"/>
             <a:ext cx="8865056" cy="3394472"/>
           </a:xfrm>
         </p:spPr>
@@ -22369,7 +22484,76 @@
             <a:pPr marL="0" indent="0" algn="just">
               <a:buNone/>
             </a:pPr>
-            <a:endParaRPr lang="pt-BR" sz="2400" dirty="0">
+            <a:r>
+              <a:rPr lang="pt-BR" sz="2000" dirty="0">
+                <a:latin typeface="Times New Roman" panose="02020603050405020304" pitchFamily="18" charset="0"/>
+                <a:cs typeface="Times New Roman" panose="02020603050405020304" pitchFamily="18" charset="0"/>
+              </a:rPr>
+              <a:t>[1] </a:t>
+            </a:r>
+            <a:r>
+              <a:rPr lang="pt-BR" sz="2000" b="1" dirty="0">
+                <a:latin typeface="Times New Roman" panose="02020603050405020304" pitchFamily="18" charset="0"/>
+                <a:cs typeface="Times New Roman" panose="02020603050405020304" pitchFamily="18" charset="0"/>
+              </a:rPr>
+              <a:t>IKENO</a:t>
+            </a:r>
+            <a:r>
+              <a:rPr lang="pt-BR" sz="2000" dirty="0">
+                <a:latin typeface="Times New Roman" panose="02020603050405020304" pitchFamily="18" charset="0"/>
+                <a:cs typeface="Times New Roman" panose="02020603050405020304" pitchFamily="18" charset="0"/>
+              </a:rPr>
+              <a:t>, Sergio N.; DA COSTA MARCHI¹, </a:t>
+            </a:r>
+            <a:r>
+              <a:rPr lang="pt-BR" sz="2000" dirty="0" err="1">
+                <a:latin typeface="Times New Roman" panose="02020603050405020304" pitchFamily="18" charset="0"/>
+                <a:cs typeface="Times New Roman" panose="02020603050405020304" pitchFamily="18" charset="0"/>
+              </a:rPr>
+              <a:t>Késsia</a:t>
+            </a:r>
+            <a:r>
+              <a:rPr lang="pt-BR" sz="2000" dirty="0">
+                <a:latin typeface="Times New Roman" panose="02020603050405020304" pitchFamily="18" charset="0"/>
+                <a:cs typeface="Times New Roman" panose="02020603050405020304" pitchFamily="18" charset="0"/>
+              </a:rPr>
+              <a:t> Rita. Análise da Nova Linguagem HTML5 para o Desenvolvimento Web.</a:t>
+            </a:r>
+          </a:p>
+          <a:p>
+            <a:pPr marL="0" indent="0" algn="just">
+              <a:buNone/>
+            </a:pPr>
+            <a:r>
+              <a:rPr lang="pt-BR" sz="2000" dirty="0">
+                <a:latin typeface="Times New Roman" panose="02020603050405020304" pitchFamily="18" charset="0"/>
+                <a:cs typeface="Times New Roman" panose="02020603050405020304" pitchFamily="18" charset="0"/>
+              </a:rPr>
+              <a:t>	</a:t>
+            </a:r>
+            <a:r>
+              <a:rPr lang="pt-BR" sz="2000" b="1" dirty="0">
+                <a:latin typeface="Times New Roman" panose="02020603050405020304" pitchFamily="18" charset="0"/>
+                <a:cs typeface="Times New Roman" panose="02020603050405020304" pitchFamily="18" charset="0"/>
+              </a:rPr>
+              <a:t>Disponível em</a:t>
+            </a:r>
+            <a:r>
+              <a:rPr lang="pt-BR" sz="2000" dirty="0">
+                <a:latin typeface="Times New Roman" panose="02020603050405020304" pitchFamily="18" charset="0"/>
+                <a:cs typeface="Times New Roman" panose="02020603050405020304" pitchFamily="18" charset="0"/>
+              </a:rPr>
+              <a:t>: </a:t>
+            </a:r>
+            <a:r>
+              <a:rPr lang="pt-BR" sz="2000" dirty="0">
+                <a:latin typeface="Times New Roman" panose="02020603050405020304" pitchFamily="18" charset="0"/>
+                <a:cs typeface="Times New Roman" panose="02020603050405020304" pitchFamily="18" charset="0"/>
+                <a:hlinkClick r:id="rId3"/>
+              </a:rPr>
+              <a:t>http://siteunidavi.s3.amazonaws.com/revistaCaminhos/ano3.pdf#page=25</a:t>
+            </a:r>
+            <a:endParaRPr lang="pt-BR" sz="2000" dirty="0">
               <a:latin typeface="Times New Roman" panose="02020603050405020304" pitchFamily="18" charset="0"/>
               <a:cs typeface="Times New Roman" panose="02020603050405020304" pitchFamily="18" charset="0"/>
             </a:endParaRPr>
@@ -22378,34 +22562,7 @@
             <a:pPr marL="0" indent="0" algn="just">
               <a:buNone/>
             </a:pPr>
-            <a:r>
-              <a:rPr lang="pt-BR" sz="2400" dirty="0">
-                <a:latin typeface="Times New Roman" panose="02020603050405020304" pitchFamily="18" charset="0"/>
-                <a:cs typeface="Times New Roman" panose="02020603050405020304" pitchFamily="18" charset="0"/>
-              </a:rPr>
-              <a:t>[1] </a:t>
-            </a:r>
-            <a:r>
-              <a:rPr lang="pt-BR" sz="2400" dirty="0">
-                <a:latin typeface="Times New Roman" panose="02020603050405020304" pitchFamily="18" charset="0"/>
-                <a:cs typeface="Times New Roman" panose="02020603050405020304" pitchFamily="18" charset="0"/>
-                <a:hlinkClick r:id="rId3"/>
-              </a:rPr>
-              <a:t>https://www.youtube.com/watch?v=hu-q2zYwEYs</a:t>
-            </a:r>
-            <a:r>
-              <a:rPr lang="pt-BR" sz="2400" dirty="0">
-                <a:latin typeface="Times New Roman" panose="02020603050405020304" pitchFamily="18" charset="0"/>
-                <a:cs typeface="Times New Roman" panose="02020603050405020304" pitchFamily="18" charset="0"/>
-              </a:rPr>
-              <a:t> (HTML)</a:t>
-            </a:r>
-          </a:p>
-          <a:p>
-            <a:pPr marL="0" indent="0" algn="just">
-              <a:buNone/>
-            </a:pPr>
-            <a:endParaRPr lang="pt-BR" sz="2400" dirty="0">
+            <a:endParaRPr lang="pt-BR" sz="2000" dirty="0">
               <a:latin typeface="Times New Roman" panose="02020603050405020304" pitchFamily="18" charset="0"/>
               <a:cs typeface="Times New Roman" panose="02020603050405020304" pitchFamily="18" charset="0"/>
             </a:endParaRPr>
@@ -22414,7 +22571,62 @@
             <a:pPr marL="0" indent="0" algn="just">
               <a:buNone/>
             </a:pPr>
-            <a:endParaRPr lang="pt-BR" sz="2400" dirty="0">
+            <a:r>
+              <a:rPr lang="pt-BR" sz="2000" dirty="0">
+                <a:latin typeface="Times New Roman" panose="02020603050405020304" pitchFamily="18" charset="0"/>
+                <a:cs typeface="Times New Roman" panose="02020603050405020304" pitchFamily="18" charset="0"/>
+              </a:rPr>
+              <a:t>[2] </a:t>
+            </a:r>
+            <a:r>
+              <a:rPr lang="pt-BR" sz="2000" b="1" dirty="0">
+                <a:latin typeface="Times New Roman" panose="02020603050405020304" pitchFamily="18" charset="0"/>
+                <a:cs typeface="Times New Roman" panose="02020603050405020304" pitchFamily="18" charset="0"/>
+              </a:rPr>
+              <a:t>BATISTA</a:t>
+            </a:r>
+            <a:r>
+              <a:rPr lang="pt-BR" sz="2000" dirty="0">
+                <a:latin typeface="Times New Roman" panose="02020603050405020304" pitchFamily="18" charset="0"/>
+                <a:cs typeface="Times New Roman" panose="02020603050405020304" pitchFamily="18" charset="0"/>
+              </a:rPr>
+              <a:t>, Rafael NUNES et al. HTML5–O futuro da internet. ETIC-ENCONTRO DE INICIAÇÃO CIENTÍFICA-ISSN 21-76-8498, v. 7, n. 7, 2011.</a:t>
+            </a:r>
+          </a:p>
+          <a:p>
+            <a:pPr marL="0" indent="0" algn="just">
+              <a:buNone/>
+            </a:pPr>
+            <a:r>
+              <a:rPr lang="pt-BR" sz="2000" dirty="0">
+                <a:latin typeface="Times New Roman" panose="02020603050405020304" pitchFamily="18" charset="0"/>
+                <a:cs typeface="Times New Roman" panose="02020603050405020304" pitchFamily="18" charset="0"/>
+              </a:rPr>
+              <a:t>	</a:t>
+            </a:r>
+            <a:r>
+              <a:rPr lang="pt-BR" sz="2000" b="1" dirty="0">
+                <a:latin typeface="Times New Roman" panose="02020603050405020304" pitchFamily="18" charset="0"/>
+                <a:cs typeface="Times New Roman" panose="02020603050405020304" pitchFamily="18" charset="0"/>
+              </a:rPr>
+              <a:t>Disponível em</a:t>
+            </a:r>
+            <a:r>
+              <a:rPr lang="pt-BR" sz="2000" dirty="0">
+                <a:latin typeface="Times New Roman" panose="02020603050405020304" pitchFamily="18" charset="0"/>
+                <a:cs typeface="Times New Roman" panose="02020603050405020304" pitchFamily="18" charset="0"/>
+              </a:rPr>
+              <a:t>: </a:t>
+            </a:r>
+            <a:r>
+              <a:rPr lang="pt-BR" sz="2000" dirty="0">
+                <a:latin typeface="Times New Roman" panose="02020603050405020304" pitchFamily="18" charset="0"/>
+                <a:cs typeface="Times New Roman" panose="02020603050405020304" pitchFamily="18" charset="0"/>
+                <a:hlinkClick r:id="rId4"/>
+              </a:rPr>
+              <a:t>http://intertemas.toledoprudente.edu.br/index.php/ETIC/article/view/3960</a:t>
+            </a:r>
+            <a:endParaRPr lang="pt-BR" sz="2000" dirty="0">
               <a:latin typeface="Times New Roman" panose="02020603050405020304" pitchFamily="18" charset="0"/>
               <a:cs typeface="Times New Roman" panose="02020603050405020304" pitchFamily="18" charset="0"/>
             </a:endParaRPr>
@@ -22423,31 +22635,7 @@
             <a:pPr marL="0" indent="0" algn="just">
               <a:buNone/>
             </a:pPr>
-            <a:r>
-              <a:rPr lang="pt-BR" sz="2400" dirty="0">
-                <a:latin typeface="Times New Roman" panose="02020603050405020304" pitchFamily="18" charset="0"/>
-                <a:cs typeface="Times New Roman" panose="02020603050405020304" pitchFamily="18" charset="0"/>
-              </a:rPr>
-              <a:t>[2]  </a:t>
-            </a:r>
-            <a:r>
-              <a:rPr lang="pt-BR" sz="2400" dirty="0">
-                <a:latin typeface="Times New Roman" panose="02020603050405020304" pitchFamily="18" charset="0"/>
-                <a:cs typeface="Times New Roman" panose="02020603050405020304" pitchFamily="18" charset="0"/>
-                <a:hlinkClick r:id="rId4"/>
-              </a:rPr>
-              <a:t>https://www.youtube.com/watch?v=UB1O30fR-EE</a:t>
-            </a:r>
-            <a:endParaRPr lang="pt-BR" sz="2400" dirty="0">
-              <a:latin typeface="Times New Roman" panose="02020603050405020304" pitchFamily="18" charset="0"/>
-              <a:cs typeface="Times New Roman" panose="02020603050405020304" pitchFamily="18" charset="0"/>
-            </a:endParaRPr>
-          </a:p>
-          <a:p>
-            <a:pPr marL="0" indent="0" algn="just">
-              <a:buNone/>
-            </a:pPr>
-            <a:endParaRPr lang="pt-BR" sz="2400" dirty="0">
+            <a:endParaRPr lang="pt-BR" sz="2000" dirty="0">
               <a:latin typeface="Times New Roman" panose="02020603050405020304" pitchFamily="18" charset="0"/>
               <a:cs typeface="Times New Roman" panose="02020603050405020304" pitchFamily="18" charset="0"/>
             </a:endParaRPr>
@@ -22457,7 +22645,7 @@
     </p:spTree>
     <p:extLst>
       <p:ext uri="{BB962C8B-B14F-4D97-AF65-F5344CB8AC3E}">
-        <p14:creationId xmlns:p14="http://schemas.microsoft.com/office/powerpoint/2010/main" val="2747596967"/>
+        <p14:creationId xmlns:p14="http://schemas.microsoft.com/office/powerpoint/2010/main" val="3680270425"/>
       </p:ext>
     </p:extLst>
   </p:cSld>
@@ -22513,7 +22701,7 @@
                   <a:srgbClr val="0070C0"/>
                 </a:solidFill>
               </a:rPr>
-              <a:t>Dinâmica</a:t>
+              <a:t>Aprenda</a:t>
             </a:r>
             <a:r>
               <a:rPr lang="en-US" b="1" dirty="0">
@@ -22521,21 +22709,8 @@
                   <a:srgbClr val="0070C0"/>
                 </a:solidFill>
               </a:rPr>
-              <a:t>/</a:t>
-            </a:r>
-            <a:r>
-              <a:rPr lang="en-US" b="1" dirty="0" err="1">
-                <a:solidFill>
-                  <a:srgbClr val="0070C0"/>
-                </a:solidFill>
-              </a:rPr>
-              <a:t>Atividades</a:t>
-            </a:r>
-            <a:endParaRPr lang="en-US" b="1" dirty="0">
-              <a:solidFill>
-                <a:srgbClr val="0070C0"/>
-              </a:solidFill>
-            </a:endParaRPr>
+              <a:t>+</a:t>
+            </a:r>
           </a:p>
         </p:txBody>
       </p:sp>
@@ -22551,8 +22726,8 @@
         </p:nvSpPr>
         <p:spPr>
           <a:xfrm>
-            <a:off x="139472" y="1063230"/>
-            <a:ext cx="8865056" cy="3606305"/>
+            <a:off x="142865" y="1200151"/>
+            <a:ext cx="8865056" cy="3394472"/>
           </a:xfrm>
         </p:spPr>
         <p:txBody>
@@ -22561,91 +22736,10 @@
           </a:bodyPr>
           <a:lstStyle/>
           <a:p>
-            <a:pPr algn="just">
-              <a:buFontTx/>
-              <a:buChar char="-"/>
-            </a:pPr>
-            <a:r>
-              <a:rPr lang="pt-BR" dirty="0">
-                <a:latin typeface="Times New Roman" panose="02020603050405020304" pitchFamily="18" charset="0"/>
-                <a:cs typeface="Times New Roman" panose="02020603050405020304" pitchFamily="18" charset="0"/>
-              </a:rPr>
-              <a:t>Exercícios de Fixação </a:t>
-            </a:r>
-            <a:r>
-              <a:rPr lang="pt-BR" b="1" dirty="0">
-                <a:latin typeface="Times New Roman" panose="02020603050405020304" pitchFamily="18" charset="0"/>
-                <a:cs typeface="Times New Roman" panose="02020603050405020304" pitchFamily="18" charset="0"/>
-              </a:rPr>
-              <a:t>HTML</a:t>
-            </a:r>
-          </a:p>
-          <a:p>
-            <a:pPr marL="0" indent="0" algn="just">
-              <a:buNone/>
-            </a:pPr>
-            <a:r>
-              <a:rPr lang="pt-BR" dirty="0">
-                <a:latin typeface="Times New Roman" panose="02020603050405020304" pitchFamily="18" charset="0"/>
-                <a:cs typeface="Times New Roman" panose="02020603050405020304" pitchFamily="18" charset="0"/>
-              </a:rPr>
-              <a:t>	</a:t>
-            </a:r>
-            <a:r>
-              <a:rPr lang="pt-BR" b="1" dirty="0">
-                <a:solidFill>
-                  <a:srgbClr val="FF0000"/>
-                </a:solidFill>
-                <a:latin typeface="Times New Roman" panose="02020603050405020304" pitchFamily="18" charset="0"/>
-                <a:cs typeface="Times New Roman" panose="02020603050405020304" pitchFamily="18" charset="0"/>
-              </a:rPr>
-              <a:t>Desafios em Sala de Aula</a:t>
-            </a:r>
-            <a:r>
-              <a:rPr lang="pt-BR" dirty="0">
-                <a:latin typeface="Times New Roman" panose="02020603050405020304" pitchFamily="18" charset="0"/>
-                <a:cs typeface="Times New Roman" panose="02020603050405020304" pitchFamily="18" charset="0"/>
-              </a:rPr>
-              <a:t>.</a:t>
-            </a:r>
-          </a:p>
-          <a:p>
-            <a:pPr marL="0" indent="0" algn="just">
-              <a:buNone/>
-            </a:pPr>
-            <a:r>
-              <a:rPr lang="pt-BR" dirty="0">
-                <a:latin typeface="Times New Roman" panose="02020603050405020304" pitchFamily="18" charset="0"/>
-                <a:cs typeface="Times New Roman" panose="02020603050405020304" pitchFamily="18" charset="0"/>
-              </a:rPr>
-              <a:t>	</a:t>
-            </a:r>
-          </a:p>
-          <a:p>
-            <a:pPr marL="0" indent="0" algn="just">
-              <a:buNone/>
-            </a:pPr>
-            <a:r>
-              <a:rPr lang="es-ES" dirty="0">
-                <a:latin typeface="Times New Roman" panose="02020603050405020304" pitchFamily="18" charset="0"/>
-                <a:cs typeface="Times New Roman" panose="02020603050405020304" pitchFamily="18" charset="0"/>
-              </a:rPr>
-              <a:t>- Quiz HTML</a:t>
-            </a:r>
-          </a:p>
-          <a:p>
-            <a:pPr marL="0" indent="0" algn="just">
-              <a:buNone/>
-            </a:pPr>
-            <a:r>
-              <a:rPr lang="es-ES" dirty="0">
-                <a:latin typeface="Times New Roman" panose="02020603050405020304" pitchFamily="18" charset="0"/>
-                <a:cs typeface="Times New Roman" panose="02020603050405020304" pitchFamily="18" charset="0"/>
-                <a:hlinkClick r:id="rId3"/>
-              </a:rPr>
-              <a:t>https://docs.google.com/forms/d/1sIof5xEJ_sP-fUk_qgOKjhtV25D_a438OowjG30xL1o/prefill</a:t>
-            </a:r>
-            <a:endParaRPr lang="es-ES" dirty="0">
+            <a:pPr marL="0" indent="0" algn="just">
+              <a:buNone/>
+            </a:pPr>
+            <a:endParaRPr lang="pt-BR" sz="2400" dirty="0">
               <a:latin typeface="Times New Roman" panose="02020603050405020304" pitchFamily="18" charset="0"/>
               <a:cs typeface="Times New Roman" panose="02020603050405020304" pitchFamily="18" charset="0"/>
             </a:endParaRPr>
@@ -22654,7 +22748,34 @@
             <a:pPr marL="0" indent="0" algn="just">
               <a:buNone/>
             </a:pPr>
-            <a:endParaRPr lang="es-ES" dirty="0">
+            <a:r>
+              <a:rPr lang="pt-BR" sz="2400" dirty="0">
+                <a:latin typeface="Times New Roman" panose="02020603050405020304" pitchFamily="18" charset="0"/>
+                <a:cs typeface="Times New Roman" panose="02020603050405020304" pitchFamily="18" charset="0"/>
+              </a:rPr>
+              <a:t>[1] </a:t>
+            </a:r>
+            <a:r>
+              <a:rPr lang="pt-BR" sz="2400" dirty="0">
+                <a:latin typeface="Times New Roman" panose="02020603050405020304" pitchFamily="18" charset="0"/>
+                <a:cs typeface="Times New Roman" panose="02020603050405020304" pitchFamily="18" charset="0"/>
+                <a:hlinkClick r:id="rId3"/>
+              </a:rPr>
+              <a:t>https://www.youtube.com/watch?v=hu-q2zYwEYs</a:t>
+            </a:r>
+            <a:r>
+              <a:rPr lang="pt-BR" sz="2400" dirty="0">
+                <a:latin typeface="Times New Roman" panose="02020603050405020304" pitchFamily="18" charset="0"/>
+                <a:cs typeface="Times New Roman" panose="02020603050405020304" pitchFamily="18" charset="0"/>
+              </a:rPr>
+              <a:t> (HTML)</a:t>
+            </a:r>
+          </a:p>
+          <a:p>
+            <a:pPr marL="0" indent="0" algn="just">
+              <a:buNone/>
+            </a:pPr>
+            <a:endParaRPr lang="pt-BR" sz="2400" dirty="0">
               <a:latin typeface="Times New Roman" panose="02020603050405020304" pitchFamily="18" charset="0"/>
               <a:cs typeface="Times New Roman" panose="02020603050405020304" pitchFamily="18" charset="0"/>
             </a:endParaRPr>
@@ -22663,22 +22784,42 @@
             <a:pPr marL="0" indent="0" algn="just">
               <a:buNone/>
             </a:pPr>
-            <a:endParaRPr lang="pt-BR" dirty="0">
+            <a:endParaRPr lang="pt-BR" sz="2400" dirty="0">
               <a:latin typeface="Times New Roman" panose="02020603050405020304" pitchFamily="18" charset="0"/>
               <a:cs typeface="Times New Roman" panose="02020603050405020304" pitchFamily="18" charset="0"/>
             </a:endParaRPr>
           </a:p>
           <a:p>
-            <a:pPr algn="just"/>
-            <a:endParaRPr lang="pt-BR" dirty="0">
+            <a:pPr marL="0" indent="0" algn="just">
+              <a:buNone/>
+            </a:pPr>
+            <a:r>
+              <a:rPr lang="pt-BR" sz="2400" dirty="0">
+                <a:latin typeface="Times New Roman" panose="02020603050405020304" pitchFamily="18" charset="0"/>
+                <a:cs typeface="Times New Roman" panose="02020603050405020304" pitchFamily="18" charset="0"/>
+              </a:rPr>
+              <a:t>[2]  </a:t>
+            </a:r>
+            <a:r>
+              <a:rPr lang="pt-BR" sz="2400" dirty="0">
+                <a:latin typeface="Times New Roman" panose="02020603050405020304" pitchFamily="18" charset="0"/>
+                <a:cs typeface="Times New Roman" panose="02020603050405020304" pitchFamily="18" charset="0"/>
+                <a:hlinkClick r:id="rId4"/>
+              </a:rPr>
+              <a:t>https://www.youtube.com/watch?v=UB1O30fR-EE</a:t>
+            </a:r>
+            <a:endParaRPr lang="pt-BR" sz="2400" dirty="0">
               <a:latin typeface="Times New Roman" panose="02020603050405020304" pitchFamily="18" charset="0"/>
               <a:cs typeface="Times New Roman" panose="02020603050405020304" pitchFamily="18" charset="0"/>
             </a:endParaRPr>
           </a:p>
           <a:p>
-            <a:pPr algn="just"/>
-            <a:endParaRPr lang="pt-BR" dirty="0">
-              <a:latin typeface="Calibri" panose="020F0502020204030204" pitchFamily="34" charset="0"/>
+            <a:pPr marL="0" indent="0" algn="just">
+              <a:buNone/>
+            </a:pPr>
+            <a:endParaRPr lang="pt-BR" sz="2400" dirty="0">
+              <a:latin typeface="Times New Roman" panose="02020603050405020304" pitchFamily="18" charset="0"/>
+              <a:cs typeface="Times New Roman" panose="02020603050405020304" pitchFamily="18" charset="0"/>
             </a:endParaRPr>
           </a:p>
         </p:txBody>
@@ -22686,7 +22827,7 @@
     </p:spTree>
     <p:extLst>
       <p:ext uri="{BB962C8B-B14F-4D97-AF65-F5344CB8AC3E}">
-        <p14:creationId xmlns:p14="http://schemas.microsoft.com/office/powerpoint/2010/main" val="2470652989"/>
+        <p14:creationId xmlns:p14="http://schemas.microsoft.com/office/powerpoint/2010/main" val="2747596967"/>
       </p:ext>
     </p:extLst>
   </p:cSld>
@@ -22995,6 +23136,235 @@
                   <a:srgbClr val="0070C0"/>
                 </a:solidFill>
               </a:rPr>
+              <a:t>Dinâmica</a:t>
+            </a:r>
+            <a:r>
+              <a:rPr lang="en-US" b="1" dirty="0">
+                <a:solidFill>
+                  <a:srgbClr val="0070C0"/>
+                </a:solidFill>
+              </a:rPr>
+              <a:t>/</a:t>
+            </a:r>
+            <a:r>
+              <a:rPr lang="en-US" b="1" dirty="0" err="1">
+                <a:solidFill>
+                  <a:srgbClr val="0070C0"/>
+                </a:solidFill>
+              </a:rPr>
+              <a:t>Atividades</a:t>
+            </a:r>
+            <a:endParaRPr lang="en-US" b="1" dirty="0">
+              <a:solidFill>
+                <a:srgbClr val="0070C0"/>
+              </a:solidFill>
+            </a:endParaRPr>
+          </a:p>
+        </p:txBody>
+      </p:sp>
+      <p:sp>
+        <p:nvSpPr>
+          <p:cNvPr id="8" name="Text Placeholder 2"/>
+          <p:cNvSpPr>
+            <a:spLocks noGrp="1"/>
+          </p:cNvSpPr>
+          <p:nvPr>
+            <p:ph type="body" sz="half" idx="1"/>
+          </p:nvPr>
+        </p:nvSpPr>
+        <p:spPr>
+          <a:xfrm>
+            <a:off x="139472" y="1063230"/>
+            <a:ext cx="8865056" cy="3606305"/>
+          </a:xfrm>
+        </p:spPr>
+        <p:txBody>
+          <a:bodyPr>
+            <a:noAutofit/>
+          </a:bodyPr>
+          <a:lstStyle/>
+          <a:p>
+            <a:pPr algn="just">
+              <a:buFontTx/>
+              <a:buChar char="-"/>
+            </a:pPr>
+            <a:r>
+              <a:rPr lang="pt-BR" dirty="0">
+                <a:latin typeface="Times New Roman" panose="02020603050405020304" pitchFamily="18" charset="0"/>
+                <a:cs typeface="Times New Roman" panose="02020603050405020304" pitchFamily="18" charset="0"/>
+              </a:rPr>
+              <a:t>Exercícios de Fixação </a:t>
+            </a:r>
+            <a:r>
+              <a:rPr lang="pt-BR" b="1" dirty="0">
+                <a:latin typeface="Times New Roman" panose="02020603050405020304" pitchFamily="18" charset="0"/>
+                <a:cs typeface="Times New Roman" panose="02020603050405020304" pitchFamily="18" charset="0"/>
+              </a:rPr>
+              <a:t>HTML</a:t>
+            </a:r>
+          </a:p>
+          <a:p>
+            <a:pPr marL="0" indent="0" algn="just">
+              <a:buNone/>
+            </a:pPr>
+            <a:r>
+              <a:rPr lang="pt-BR" dirty="0">
+                <a:latin typeface="Times New Roman" panose="02020603050405020304" pitchFamily="18" charset="0"/>
+                <a:cs typeface="Times New Roman" panose="02020603050405020304" pitchFamily="18" charset="0"/>
+              </a:rPr>
+              <a:t>	</a:t>
+            </a:r>
+            <a:r>
+              <a:rPr lang="pt-BR" b="1" dirty="0">
+                <a:solidFill>
+                  <a:srgbClr val="FF0000"/>
+                </a:solidFill>
+                <a:latin typeface="Times New Roman" panose="02020603050405020304" pitchFamily="18" charset="0"/>
+                <a:cs typeface="Times New Roman" panose="02020603050405020304" pitchFamily="18" charset="0"/>
+              </a:rPr>
+              <a:t>Desafios em Sala de Aula</a:t>
+            </a:r>
+            <a:r>
+              <a:rPr lang="pt-BR" dirty="0">
+                <a:latin typeface="Times New Roman" panose="02020603050405020304" pitchFamily="18" charset="0"/>
+                <a:cs typeface="Times New Roman" panose="02020603050405020304" pitchFamily="18" charset="0"/>
+              </a:rPr>
+              <a:t>.</a:t>
+            </a:r>
+          </a:p>
+          <a:p>
+            <a:pPr marL="0" indent="0" algn="just">
+              <a:buNone/>
+            </a:pPr>
+            <a:r>
+              <a:rPr lang="pt-BR" dirty="0">
+                <a:latin typeface="Times New Roman" panose="02020603050405020304" pitchFamily="18" charset="0"/>
+                <a:cs typeface="Times New Roman" panose="02020603050405020304" pitchFamily="18" charset="0"/>
+              </a:rPr>
+              <a:t>	</a:t>
+            </a:r>
+          </a:p>
+          <a:p>
+            <a:pPr marL="0" indent="0" algn="just">
+              <a:buNone/>
+            </a:pPr>
+            <a:r>
+              <a:rPr lang="es-ES" dirty="0">
+                <a:latin typeface="Times New Roman" panose="02020603050405020304" pitchFamily="18" charset="0"/>
+                <a:cs typeface="Times New Roman" panose="02020603050405020304" pitchFamily="18" charset="0"/>
+              </a:rPr>
+              <a:t>- Quiz HTML</a:t>
+            </a:r>
+          </a:p>
+          <a:p>
+            <a:pPr marL="0" indent="0" algn="just">
+              <a:buNone/>
+            </a:pPr>
+            <a:r>
+              <a:rPr lang="es-ES" dirty="0">
+                <a:latin typeface="Times New Roman" panose="02020603050405020304" pitchFamily="18" charset="0"/>
+                <a:cs typeface="Times New Roman" panose="02020603050405020304" pitchFamily="18" charset="0"/>
+                <a:hlinkClick r:id="rId3"/>
+              </a:rPr>
+              <a:t>https://docs.google.com/forms/d/1sIof5xEJ_sP-fUk_qgOKjhtV25D_a438OowjG30xL1o/prefill</a:t>
+            </a:r>
+            <a:endParaRPr lang="es-ES" dirty="0">
+              <a:latin typeface="Times New Roman" panose="02020603050405020304" pitchFamily="18" charset="0"/>
+              <a:cs typeface="Times New Roman" panose="02020603050405020304" pitchFamily="18" charset="0"/>
+            </a:endParaRPr>
+          </a:p>
+          <a:p>
+            <a:pPr marL="0" indent="0" algn="just">
+              <a:buNone/>
+            </a:pPr>
+            <a:endParaRPr lang="es-ES" dirty="0">
+              <a:latin typeface="Times New Roman" panose="02020603050405020304" pitchFamily="18" charset="0"/>
+              <a:cs typeface="Times New Roman" panose="02020603050405020304" pitchFamily="18" charset="0"/>
+            </a:endParaRPr>
+          </a:p>
+          <a:p>
+            <a:pPr marL="0" indent="0" algn="just">
+              <a:buNone/>
+            </a:pPr>
+            <a:endParaRPr lang="pt-BR" dirty="0">
+              <a:latin typeface="Times New Roman" panose="02020603050405020304" pitchFamily="18" charset="0"/>
+              <a:cs typeface="Times New Roman" panose="02020603050405020304" pitchFamily="18" charset="0"/>
+            </a:endParaRPr>
+          </a:p>
+          <a:p>
+            <a:pPr algn="just"/>
+            <a:endParaRPr lang="pt-BR" dirty="0">
+              <a:latin typeface="Times New Roman" panose="02020603050405020304" pitchFamily="18" charset="0"/>
+              <a:cs typeface="Times New Roman" panose="02020603050405020304" pitchFamily="18" charset="0"/>
+            </a:endParaRPr>
+          </a:p>
+          <a:p>
+            <a:pPr algn="just"/>
+            <a:endParaRPr lang="pt-BR" dirty="0">
+              <a:latin typeface="Calibri" panose="020F0502020204030204" pitchFamily="34" charset="0"/>
+            </a:endParaRPr>
+          </a:p>
+        </p:txBody>
+      </p:sp>
+    </p:spTree>
+    <p:extLst>
+      <p:ext uri="{BB962C8B-B14F-4D97-AF65-F5344CB8AC3E}">
+        <p14:creationId xmlns:p14="http://schemas.microsoft.com/office/powerpoint/2010/main" val="2470652989"/>
+      </p:ext>
+    </p:extLst>
+  </p:cSld>
+  <p:clrMapOvr>
+    <a:masterClrMapping/>
+  </p:clrMapOvr>
+  <p:transition spd="med"/>
+</p:sld>
+</file>
+
+<file path=ppt/slides/slide51.xml><?xml version="1.0" encoding="utf-8"?>
+<p:sld xmlns:a="http://schemas.openxmlformats.org/drawingml/2006/main" xmlns:r="http://schemas.openxmlformats.org/officeDocument/2006/relationships" xmlns:p="http://schemas.openxmlformats.org/presentationml/2006/main">
+  <p:cSld>
+    <p:spTree>
+      <p:nvGrpSpPr>
+        <p:cNvPr id="1" name=""/>
+        <p:cNvGrpSpPr/>
+        <p:nvPr/>
+      </p:nvGrpSpPr>
+      <p:grpSpPr>
+        <a:xfrm>
+          <a:off x="0" y="0"/>
+          <a:ext cx="0" cy="0"/>
+          <a:chOff x="0" y="0"/>
+          <a:chExt cx="0" cy="0"/>
+        </a:xfrm>
+      </p:grpSpPr>
+      <p:sp>
+        <p:nvSpPr>
+          <p:cNvPr id="6" name="Title 1"/>
+          <p:cNvSpPr>
+            <a:spLocks noGrp="1"/>
+          </p:cNvSpPr>
+          <p:nvPr>
+            <p:ph type="title"/>
+          </p:nvPr>
+        </p:nvSpPr>
+        <p:spPr>
+          <a:xfrm>
+            <a:off x="457200" y="205980"/>
+            <a:ext cx="8229600" cy="857251"/>
+          </a:xfrm>
+        </p:spPr>
+        <p:txBody>
+          <a:bodyPr>
+            <a:normAutofit/>
+          </a:bodyPr>
+          <a:lstStyle/>
+          <a:p>
+            <a:r>
+              <a:rPr lang="en-US" b="1" dirty="0" err="1">
+                <a:solidFill>
+                  <a:srgbClr val="0070C0"/>
+                </a:solidFill>
+              </a:rPr>
               <a:t>Referências</a:t>
             </a:r>
             <a:r>
@@ -23164,7 +23534,7 @@
 </p:sld>
 </file>
 
-<file path=ppt/slides/slide51.xml><?xml version="1.0" encoding="utf-8"?>
+<file path=ppt/slides/slide52.xml><?xml version="1.0" encoding="utf-8"?>
 <p:sld xmlns:a="http://schemas.openxmlformats.org/drawingml/2006/main" xmlns:r="http://schemas.openxmlformats.org/officeDocument/2006/relationships" xmlns:p="http://schemas.openxmlformats.org/presentationml/2006/main">
   <p:cSld>
     <p:spTree>

--- a/01 Classes/Aula 04 Desenvolvimento Web - HTML.pptx
+++ b/01 Classes/Aula 04 Desenvolvimento Web - HTML.pptx
@@ -19776,7 +19776,27 @@
               <a:t>checked</a:t>
             </a:r>
             <a:r>
-              <a:rPr lang="pt-BR" sz="2800" dirty="0">
+              <a:rPr lang="pt-BR" b="1" dirty="0">
+                <a:solidFill>
+                  <a:srgbClr val="FF0000"/>
+                </a:solidFill>
+                <a:latin typeface="Times New Roman" panose="02020603050405020304" pitchFamily="18" charset="0"/>
+                <a:cs typeface="Times New Roman" panose="02020603050405020304" pitchFamily="18" charset="0"/>
+              </a:rPr>
+              <a:t>	</a:t>
+            </a:r>
+            <a:r>
+              <a:rPr lang="pt-BR" b="1">
+                <a:solidFill>
+                  <a:srgbClr val="FF0000"/>
+                </a:solidFill>
+                <a:latin typeface="Times New Roman" panose="02020603050405020304" pitchFamily="18" charset="0"/>
+                <a:cs typeface="Times New Roman" panose="02020603050405020304" pitchFamily="18" charset="0"/>
+              </a:rPr>
+              <a:t>readonly</a:t>
+            </a:r>
+            <a:r>
+              <a:rPr lang="pt-BR" sz="2800">
                 <a:solidFill>
                   <a:schemeClr val="tx1"/>
                 </a:solidFill>
@@ -19785,13 +19805,20 @@
               </a:rPr>
               <a:t>&gt;</a:t>
             </a:r>
+            <a:endParaRPr lang="pt-BR" sz="2800" dirty="0">
+              <a:solidFill>
+                <a:schemeClr val="tx1"/>
+              </a:solidFill>
+              <a:latin typeface="Times New Roman" panose="02020603050405020304" pitchFamily="18" charset="0"/>
+              <a:cs typeface="Times New Roman" panose="02020603050405020304" pitchFamily="18" charset="0"/>
+            </a:endParaRPr>
           </a:p>
           <a:p>
             <a:pPr marL="0" lvl="1" indent="0" algn="just">
               <a:buNone/>
             </a:pPr>
             <a:r>
-              <a:rPr lang="pt-BR" b="1">
+              <a:rPr lang="pt-BR" b="1" dirty="0">
                 <a:solidFill>
                   <a:schemeClr val="tx1"/>
                 </a:solidFill>
@@ -19899,6 +19926,26 @@
                 <a:cs typeface="Times New Roman" panose="02020603050405020304" pitchFamily="18" charset="0"/>
               </a:rPr>
               <a:t>select</a:t>
+            </a:r>
+            <a:r>
+              <a:rPr lang="pt-BR" dirty="0">
+                <a:solidFill>
+                  <a:schemeClr val="tx1"/>
+                </a:solidFill>
+                <a:latin typeface="Times New Roman" panose="02020603050405020304" pitchFamily="18" charset="0"/>
+                <a:cs typeface="Times New Roman" panose="02020603050405020304" pitchFamily="18" charset="0"/>
+              </a:rPr>
+              <a:t>, </a:t>
+            </a:r>
+            <a:r>
+              <a:rPr lang="pt-BR" dirty="0" err="1">
+                <a:solidFill>
+                  <a:schemeClr val="tx1"/>
+                </a:solidFill>
+                <a:latin typeface="Times New Roman" panose="02020603050405020304" pitchFamily="18" charset="0"/>
+                <a:cs typeface="Times New Roman" panose="02020603050405020304" pitchFamily="18" charset="0"/>
+              </a:rPr>
+              <a:t>hidden</a:t>
             </a:r>
             <a:r>
               <a:rPr lang="pt-BR" dirty="0">

--- a/01 Classes/Aula 04 Desenvolvimento Web - HTML.pptx
+++ b/01 Classes/Aula 04 Desenvolvimento Web - HTML.pptx
@@ -19436,6 +19436,36 @@
               <a:t>label</a:t>
             </a:r>
             <a:r>
+              <a:rPr lang="pt-BR" sz="2800" b="1" dirty="0">
+                <a:solidFill>
+                  <a:schemeClr val="tx1"/>
+                </a:solidFill>
+                <a:latin typeface="Times New Roman" panose="02020603050405020304" pitchFamily="18" charset="0"/>
+                <a:cs typeface="Times New Roman" panose="02020603050405020304" pitchFamily="18" charset="0"/>
+              </a:rPr>
+              <a:t> </a:t>
+            </a:r>
+            <a:r>
+              <a:rPr lang="pt-BR" b="1" dirty="0">
+                <a:solidFill>
+                  <a:srgbClr val="FF0000"/>
+                </a:solidFill>
+                <a:latin typeface="Times New Roman" panose="02020603050405020304" pitchFamily="18" charset="0"/>
+                <a:cs typeface="Times New Roman" panose="02020603050405020304" pitchFamily="18" charset="0"/>
+              </a:rPr>
+              <a:t>for</a:t>
+            </a:r>
+            <a:r>
+              <a:rPr lang="pt-BR" sz="2800" b="1" dirty="0">
+                <a:solidFill>
+                  <a:schemeClr val="tx1"/>
+                </a:solidFill>
+                <a:latin typeface="Times New Roman" panose="02020603050405020304" pitchFamily="18" charset="0"/>
+                <a:cs typeface="Times New Roman" panose="02020603050405020304" pitchFamily="18" charset="0"/>
+              </a:rPr>
+              <a:t>=</a:t>
+            </a:r>
+            <a:r>
               <a:rPr lang="pt-BR" sz="2800" dirty="0">
                 <a:solidFill>
                   <a:schemeClr val="tx1"/>
@@ -19443,7 +19473,47 @@
                 <a:latin typeface="Times New Roman" panose="02020603050405020304" pitchFamily="18" charset="0"/>
                 <a:cs typeface="Times New Roman" panose="02020603050405020304" pitchFamily="18" charset="0"/>
               </a:rPr>
-              <a:t>&gt;Texto&lt;/</a:t>
+              <a:t> “</a:t>
+            </a:r>
+            <a:r>
+              <a:rPr lang="pt-BR" sz="2800" dirty="0" err="1">
+                <a:solidFill>
+                  <a:schemeClr val="tx1"/>
+                </a:solidFill>
+                <a:latin typeface="Times New Roman" panose="02020603050405020304" pitchFamily="18" charset="0"/>
+                <a:cs typeface="Times New Roman" panose="02020603050405020304" pitchFamily="18" charset="0"/>
+              </a:rPr>
+              <a:t>name</a:t>
+            </a:r>
+            <a:r>
+              <a:rPr lang="pt-BR" sz="2800" dirty="0">
+                <a:solidFill>
+                  <a:schemeClr val="tx1"/>
+                </a:solidFill>
+                <a:latin typeface="Times New Roman" panose="02020603050405020304" pitchFamily="18" charset="0"/>
+                <a:cs typeface="Times New Roman" panose="02020603050405020304" pitchFamily="18" charset="0"/>
+              </a:rPr>
+              <a:t>" &gt;</a:t>
+            </a:r>
+            <a:r>
+              <a:rPr lang="pt-BR" sz="2800" b="1" dirty="0">
+                <a:solidFill>
+                  <a:schemeClr val="tx1"/>
+                </a:solidFill>
+                <a:latin typeface="Times New Roman" panose="02020603050405020304" pitchFamily="18" charset="0"/>
+                <a:cs typeface="Times New Roman" panose="02020603050405020304" pitchFamily="18" charset="0"/>
+              </a:rPr>
+              <a:t>Texto</a:t>
+            </a:r>
+            <a:r>
+              <a:rPr lang="pt-BR" sz="2800" dirty="0">
+                <a:solidFill>
+                  <a:schemeClr val="tx1"/>
+                </a:solidFill>
+                <a:latin typeface="Times New Roman" panose="02020603050405020304" pitchFamily="18" charset="0"/>
+                <a:cs typeface="Times New Roman" panose="02020603050405020304" pitchFamily="18" charset="0"/>
+              </a:rPr>
+              <a:t>&lt;/</a:t>
             </a:r>
             <a:r>
               <a:rPr lang="pt-BR" sz="2800" b="1" dirty="0" err="1">
@@ -19743,7 +19813,7 @@
                 <a:latin typeface="Times New Roman" panose="02020603050405020304" pitchFamily="18" charset="0"/>
                 <a:cs typeface="Times New Roman" panose="02020603050405020304" pitchFamily="18" charset="0"/>
               </a:rPr>
-              <a:t>" </a:t>
+              <a:t>“  </a:t>
             </a:r>
             <a:r>
               <a:rPr lang="pt-BR" b="1" dirty="0" err="1">
@@ -19773,6 +19843,76 @@
                 <a:latin typeface="Times New Roman" panose="02020603050405020304" pitchFamily="18" charset="0"/>
                 <a:cs typeface="Times New Roman" panose="02020603050405020304" pitchFamily="18" charset="0"/>
               </a:rPr>
+              <a:t>placeholder</a:t>
+            </a:r>
+            <a:r>
+              <a:rPr lang="pt-BR" b="1" dirty="0">
+                <a:solidFill>
+                  <a:srgbClr val="FF0000"/>
+                </a:solidFill>
+                <a:latin typeface="Times New Roman" panose="02020603050405020304" pitchFamily="18" charset="0"/>
+                <a:cs typeface="Times New Roman" panose="02020603050405020304" pitchFamily="18" charset="0"/>
+              </a:rPr>
+              <a:t> </a:t>
+            </a:r>
+            <a:r>
+              <a:rPr lang="pt-BR" dirty="0">
+                <a:solidFill>
+                  <a:schemeClr val="tx1"/>
+                </a:solidFill>
+                <a:latin typeface="Times New Roman" panose="02020603050405020304" pitchFamily="18" charset="0"/>
+                <a:cs typeface="Times New Roman" panose="02020603050405020304" pitchFamily="18" charset="0"/>
+              </a:rPr>
+              <a:t>=</a:t>
+            </a:r>
+            <a:r>
+              <a:rPr lang="pt-BR" sz="2800" dirty="0">
+                <a:solidFill>
+                  <a:schemeClr val="tx1"/>
+                </a:solidFill>
+                <a:latin typeface="Times New Roman" panose="02020603050405020304" pitchFamily="18" charset="0"/>
+                <a:cs typeface="Times New Roman" panose="02020603050405020304" pitchFamily="18" charset="0"/>
+              </a:rPr>
+              <a:t> “</a:t>
+            </a:r>
+            <a:r>
+              <a:rPr lang="pt-BR" dirty="0">
+                <a:solidFill>
+                  <a:schemeClr val="tx1"/>
+                </a:solidFill>
+                <a:latin typeface="Times New Roman" panose="02020603050405020304" pitchFamily="18" charset="0"/>
+                <a:cs typeface="Times New Roman" panose="02020603050405020304" pitchFamily="18" charset="0"/>
+              </a:rPr>
+              <a:t>texto</a:t>
+            </a:r>
+            <a:r>
+              <a:rPr lang="pt-BR" sz="2800" dirty="0">
+                <a:solidFill>
+                  <a:schemeClr val="tx1"/>
+                </a:solidFill>
+                <a:latin typeface="Times New Roman" panose="02020603050405020304" pitchFamily="18" charset="0"/>
+                <a:cs typeface="Times New Roman" panose="02020603050405020304" pitchFamily="18" charset="0"/>
+              </a:rPr>
+              <a:t>"</a:t>
+            </a:r>
+            <a:r>
+              <a:rPr lang="pt-BR" b="1" dirty="0">
+                <a:solidFill>
+                  <a:srgbClr val="FF0000"/>
+                </a:solidFill>
+                <a:latin typeface="Times New Roman" panose="02020603050405020304" pitchFamily="18" charset="0"/>
+                <a:cs typeface="Times New Roman" panose="02020603050405020304" pitchFamily="18" charset="0"/>
+              </a:rPr>
+              <a:t> </a:t>
+            </a:r>
+            <a:r>
+              <a:rPr lang="pt-BR" b="1" dirty="0" err="1">
+                <a:solidFill>
+                  <a:srgbClr val="FF0000"/>
+                </a:solidFill>
+                <a:latin typeface="Times New Roman" panose="02020603050405020304" pitchFamily="18" charset="0"/>
+                <a:cs typeface="Times New Roman" panose="02020603050405020304" pitchFamily="18" charset="0"/>
+              </a:rPr>
               <a:t>checked</a:t>
             </a:r>
             <a:r>
@@ -19786,7 +19926,7 @@
               <a:t>	</a:t>
             </a:r>
             <a:r>
-              <a:rPr lang="pt-BR" b="1">
+              <a:rPr lang="pt-BR" b="1" dirty="0" err="1">
                 <a:solidFill>
                   <a:srgbClr val="FF0000"/>
                 </a:solidFill>
@@ -19796,7 +19936,17 @@
               <a:t>readonly</a:t>
             </a:r>
             <a:r>
-              <a:rPr lang="pt-BR" sz="2800">
+              <a:rPr lang="pt-BR" b="1" dirty="0">
+                <a:solidFill>
+                  <a:srgbClr val="FF0000"/>
+                </a:solidFill>
+                <a:latin typeface="Times New Roman" panose="02020603050405020304" pitchFamily="18" charset="0"/>
+                <a:cs typeface="Times New Roman" panose="02020603050405020304" pitchFamily="18" charset="0"/>
+              </a:rPr>
+              <a:t> </a:t>
+            </a:r>
+            <a:r>
+              <a:rPr lang="pt-BR" sz="2800" dirty="0">
                 <a:solidFill>
                   <a:schemeClr val="tx1"/>
                 </a:solidFill>
@@ -19805,13 +19955,6 @@
               </a:rPr>
               <a:t>&gt;</a:t>
             </a:r>
-            <a:endParaRPr lang="pt-BR" sz="2800" dirty="0">
-              <a:solidFill>
-                <a:schemeClr val="tx1"/>
-              </a:solidFill>
-              <a:latin typeface="Times New Roman" panose="02020603050405020304" pitchFamily="18" charset="0"/>
-              <a:cs typeface="Times New Roman" panose="02020603050405020304" pitchFamily="18" charset="0"/>
-            </a:endParaRPr>
           </a:p>
           <a:p>
             <a:pPr marL="0" lvl="1" indent="0" algn="just">
@@ -19886,6 +20029,26 @@
                 <a:cs typeface="Times New Roman" panose="02020603050405020304" pitchFamily="18" charset="0"/>
               </a:rPr>
               <a:t>tel</a:t>
+            </a:r>
+            <a:r>
+              <a:rPr lang="pt-BR" dirty="0">
+                <a:solidFill>
+                  <a:schemeClr val="tx1"/>
+                </a:solidFill>
+                <a:latin typeface="Times New Roman" panose="02020603050405020304" pitchFamily="18" charset="0"/>
+                <a:cs typeface="Times New Roman" panose="02020603050405020304" pitchFamily="18" charset="0"/>
+              </a:rPr>
+              <a:t>/</a:t>
+            </a:r>
+            <a:r>
+              <a:rPr lang="pt-BR" dirty="0" err="1">
+                <a:solidFill>
+                  <a:schemeClr val="tx1"/>
+                </a:solidFill>
+                <a:latin typeface="Times New Roman" panose="02020603050405020304" pitchFamily="18" charset="0"/>
+                <a:cs typeface="Times New Roman" panose="02020603050405020304" pitchFamily="18" charset="0"/>
+              </a:rPr>
+              <a:t>phone</a:t>
             </a:r>
             <a:r>
               <a:rPr lang="pt-BR" dirty="0">

--- a/01 Classes/Aula 04 Desenvolvimento Web - HTML.pptx
+++ b/01 Classes/Aula 04 Desenvolvimento Web - HTML.pptx
@@ -25686,8 +25686,17 @@
                 <a:cs typeface="Times New Roman" panose="02020603050405020304" pitchFamily="18" charset="0"/>
                 <a:hlinkClick r:id="rId3"/>
               </a:rPr>
-              <a:t>https://docs.google.com/forms/d/1sIof5xEJ_sP-fUk_qgOKjhtV25D_a438OowjG30xL1o/prefill</a:t>
-            </a:r>
+              <a:t>https://forms.gle/BgrjhXkrbM1Ymf3o7</a:t>
+            </a:r>
+            <a:endParaRPr lang="es-ES" dirty="0">
+              <a:latin typeface="Times New Roman" panose="02020603050405020304" pitchFamily="18" charset="0"/>
+              <a:cs typeface="Times New Roman" panose="02020603050405020304" pitchFamily="18" charset="0"/>
+            </a:endParaRPr>
+          </a:p>
+          <a:p>
+            <a:pPr marL="0" indent="0" algn="just">
+              <a:buNone/>
+            </a:pPr>
             <a:endParaRPr lang="es-ES" dirty="0">
               <a:latin typeface="Times New Roman" panose="02020603050405020304" pitchFamily="18" charset="0"/>
               <a:cs typeface="Times New Roman" panose="02020603050405020304" pitchFamily="18" charset="0"/>
